--- a/docs/Term_Project.pptx
+++ b/docs/Term_Project.pptx
@@ -5,10 +5,10 @@
     <p:sldMasterId id="2147483681" r:id="rId4"/>
   </p:sldMasterIdLst>
   <p:notesMasterIdLst>
-    <p:notesMasterId r:id="rId91"/>
+    <p:notesMasterId r:id="rId92"/>
   </p:notesMasterIdLst>
   <p:handoutMasterIdLst>
-    <p:handoutMasterId r:id="rId92"/>
+    <p:handoutMasterId r:id="rId93"/>
   </p:handoutMasterIdLst>
   <p:sldIdLst>
     <p:sldId id="256" r:id="rId5"/>
@@ -81,22 +81,23 @@
     <p:sldId id="419" r:id="rId72"/>
     <p:sldId id="544" r:id="rId73"/>
     <p:sldId id="420" r:id="rId74"/>
-    <p:sldId id="421" r:id="rId75"/>
-    <p:sldId id="543" r:id="rId76"/>
-    <p:sldId id="413" r:id="rId77"/>
-    <p:sldId id="414" r:id="rId78"/>
-    <p:sldId id="528" r:id="rId79"/>
-    <p:sldId id="495" r:id="rId80"/>
-    <p:sldId id="497" r:id="rId81"/>
-    <p:sldId id="502" r:id="rId82"/>
-    <p:sldId id="500" r:id="rId83"/>
-    <p:sldId id="504" r:id="rId84"/>
-    <p:sldId id="503" r:id="rId85"/>
-    <p:sldId id="505" r:id="rId86"/>
-    <p:sldId id="506" r:id="rId87"/>
-    <p:sldId id="501" r:id="rId88"/>
-    <p:sldId id="507" r:id="rId89"/>
-    <p:sldId id="545" r:id="rId90"/>
+    <p:sldId id="548" r:id="rId75"/>
+    <p:sldId id="547" r:id="rId76"/>
+    <p:sldId id="421" r:id="rId77"/>
+    <p:sldId id="543" r:id="rId78"/>
+    <p:sldId id="413" r:id="rId79"/>
+    <p:sldId id="414" r:id="rId80"/>
+    <p:sldId id="528" r:id="rId81"/>
+    <p:sldId id="495" r:id="rId82"/>
+    <p:sldId id="497" r:id="rId83"/>
+    <p:sldId id="502" r:id="rId84"/>
+    <p:sldId id="500" r:id="rId85"/>
+    <p:sldId id="504" r:id="rId86"/>
+    <p:sldId id="503" r:id="rId87"/>
+    <p:sldId id="505" r:id="rId88"/>
+    <p:sldId id="506" r:id="rId89"/>
+    <p:sldId id="501" r:id="rId90"/>
+    <p:sldId id="545" r:id="rId91"/>
   </p:sldIdLst>
   <p:sldSz cx="9144000" cy="6858000" type="screen4x3"/>
   <p:notesSz cx="6881813" cy="9120188"/>
@@ -298,6 +299,8 @@
           <p14:sldIdLst>
             <p14:sldId id="544"/>
             <p14:sldId id="420"/>
+            <p14:sldId id="548"/>
+            <p14:sldId id="547"/>
             <p14:sldId id="421"/>
           </p14:sldIdLst>
         </p14:section>
@@ -316,7 +319,6 @@
             <p14:sldId id="505"/>
             <p14:sldId id="506"/>
             <p14:sldId id="501"/>
-            <p14:sldId id="507"/>
             <p14:sldId id="545"/>
           </p14:sldIdLst>
         </p14:section>
@@ -2107,7 +2109,7 @@
           <a:p>
             <a:fld id="{BCB5BC45-66ED-47E2-893A-D3BABCDC3A5A}" type="datetimeFigureOut">
               <a:rPr lang="en-US" smtClean="0"/>
-              <a:t>11/18/21</a:t>
+              <a:t>11/20/21</a:t>
             </a:fld>
             <a:endParaRPr lang="en-US"/>
           </a:p>
@@ -2272,7 +2274,7 @@
           <a:p>
             <a:fld id="{061F0A6E-7066-444F-9154-C920A97B19B6}" type="datetimeFigureOut">
               <a:rPr lang="en-US" smtClean="0"/>
-              <a:t>11/18/21</a:t>
+              <a:t>11/20/21</a:t>
             </a:fld>
             <a:endParaRPr lang="en-US"/>
           </a:p>
@@ -3095,12 +3097,7 @@
             <p:ph type="sldImg"/>
           </p:nvPr>
         </p:nvSpPr>
-        <p:spPr>
-          <a:xfrm>
-            <a:off x="1389063" y="1139825"/>
-            <a:ext cx="4103687" cy="3078163"/>
-          </a:xfrm>
-        </p:spPr>
+        <p:spPr/>
       </p:sp>
       <p:sp>
         <p:nvSpPr>
@@ -3117,7 +3114,7 @@
           <a:bodyPr/>
           <a:lstStyle/>
           <a:p>
-            <a:endParaRPr lang="en-US" dirty="0"/>
+            <a:endParaRPr lang="en-KR" dirty="0"/>
           </a:p>
         </p:txBody>
       </p:sp>
@@ -3128,7 +3125,7 @@
             <a:spLocks noGrp="1"/>
           </p:cNvSpPr>
           <p:nvPr>
-            <p:ph type="sldNum" sz="quarter" idx="10"/>
+            <p:ph type="sldNum" sz="quarter" idx="5"/>
           </p:nvPr>
         </p:nvSpPr>
         <p:spPr/>
@@ -3138,7 +3135,7 @@
           <a:p>
             <a:fld id="{CFA73DCC-7281-48A2-81AB-205AFF0B9365}" type="slidenum">
               <a:rPr lang="en-US" smtClean="0"/>
-              <a:t>72</a:t>
+              <a:t>73</a:t>
             </a:fld>
             <a:endParaRPr lang="en-US"/>
           </a:p>
@@ -3147,7 +3144,7 @@
     </p:spTree>
     <p:extLst>
       <p:ext uri="{BB962C8B-B14F-4D97-AF65-F5344CB8AC3E}">
-        <p14:creationId xmlns:p14="http://schemas.microsoft.com/office/powerpoint/2010/main" val="3158918221"/>
+        <p14:creationId xmlns:p14="http://schemas.microsoft.com/office/powerpoint/2010/main" val="2816206856"/>
       </p:ext>
     </p:extLst>
   </p:cSld>
@@ -3227,7 +3224,96 @@
           <a:p>
             <a:fld id="{CFA73DCC-7281-48A2-81AB-205AFF0B9365}" type="slidenum">
               <a:rPr lang="en-US" smtClean="0"/>
-              <a:t>86</a:t>
+              <a:t>74</a:t>
+            </a:fld>
+            <a:endParaRPr lang="en-US"/>
+          </a:p>
+        </p:txBody>
+      </p:sp>
+    </p:spTree>
+    <p:extLst>
+      <p:ext uri="{BB962C8B-B14F-4D97-AF65-F5344CB8AC3E}">
+        <p14:creationId xmlns:p14="http://schemas.microsoft.com/office/powerpoint/2010/main" val="3158918221"/>
+      </p:ext>
+    </p:extLst>
+  </p:cSld>
+  <p:clrMapOvr>
+    <a:masterClrMapping/>
+  </p:clrMapOvr>
+</p:notes>
+</file>
+
+<file path=ppt/notesSlides/notesSlide17.xml><?xml version="1.0" encoding="utf-8"?>
+<p:notes xmlns:a="http://schemas.openxmlformats.org/drawingml/2006/main" xmlns:r="http://schemas.openxmlformats.org/officeDocument/2006/relationships" xmlns:p="http://schemas.openxmlformats.org/presentationml/2006/main">
+  <p:cSld>
+    <p:spTree>
+      <p:nvGrpSpPr>
+        <p:cNvPr id="1" name=""/>
+        <p:cNvGrpSpPr/>
+        <p:nvPr/>
+      </p:nvGrpSpPr>
+      <p:grpSpPr>
+        <a:xfrm>
+          <a:off x="0" y="0"/>
+          <a:ext cx="0" cy="0"/>
+          <a:chOff x="0" y="0"/>
+          <a:chExt cx="0" cy="0"/>
+        </a:xfrm>
+      </p:grpSpPr>
+      <p:sp>
+        <p:nvSpPr>
+          <p:cNvPr id="2" name="Slide Image Placeholder 1"/>
+          <p:cNvSpPr>
+            <a:spLocks noGrp="1" noRot="1" noChangeAspect="1"/>
+          </p:cNvSpPr>
+          <p:nvPr>
+            <p:ph type="sldImg"/>
+          </p:nvPr>
+        </p:nvSpPr>
+        <p:spPr>
+          <a:xfrm>
+            <a:off x="1389063" y="1139825"/>
+            <a:ext cx="4103687" cy="3078163"/>
+          </a:xfrm>
+        </p:spPr>
+      </p:sp>
+      <p:sp>
+        <p:nvSpPr>
+          <p:cNvPr id="3" name="Notes Placeholder 2"/>
+          <p:cNvSpPr>
+            <a:spLocks noGrp="1"/>
+          </p:cNvSpPr>
+          <p:nvPr>
+            <p:ph type="body" idx="1"/>
+          </p:nvPr>
+        </p:nvSpPr>
+        <p:spPr/>
+        <p:txBody>
+          <a:bodyPr/>
+          <a:lstStyle/>
+          <a:p>
+            <a:endParaRPr lang="en-US" dirty="0"/>
+          </a:p>
+        </p:txBody>
+      </p:sp>
+      <p:sp>
+        <p:nvSpPr>
+          <p:cNvPr id="4" name="Slide Number Placeholder 3"/>
+          <p:cNvSpPr>
+            <a:spLocks noGrp="1"/>
+          </p:cNvSpPr>
+          <p:nvPr>
+            <p:ph type="sldNum" sz="quarter" idx="10"/>
+          </p:nvPr>
+        </p:nvSpPr>
+        <p:spPr/>
+        <p:txBody>
+          <a:bodyPr/>
+          <a:lstStyle/>
+          <a:p>
+            <a:fld id="{CFA73DCC-7281-48A2-81AB-205AFF0B9365}" type="slidenum">
+              <a:rPr lang="en-US" smtClean="0"/>
+              <a:t>87</a:t>
             </a:fld>
             <a:endParaRPr lang="en-US"/>
           </a:p>
@@ -27389,15 +27475,24 @@
           </a:lstStyle>
           <a:p>
             <a:r>
-              <a:rPr lang="en-US" sz="3300" dirty="0"/>
+              <a:rPr lang="en-US" sz="3300" dirty="0">
+                <a:latin typeface="Arial" panose="020B0604020202020204" pitchFamily="34" charset="0"/>
+                <a:cs typeface="Arial" panose="020B0604020202020204" pitchFamily="34" charset="0"/>
+              </a:rPr>
               <a:t>CNN </a:t>
             </a:r>
             <a:r>
-              <a:rPr lang="en-US" sz="3300" dirty="0" err="1"/>
+              <a:rPr lang="en-US" sz="3300" dirty="0" err="1">
+                <a:latin typeface="Arial" panose="020B0604020202020204" pitchFamily="34" charset="0"/>
+                <a:cs typeface="Arial" panose="020B0604020202020204" pitchFamily="34" charset="0"/>
+              </a:rPr>
               <a:t>accel</a:t>
             </a:r>
             <a:r>
-              <a:rPr lang="en-US" sz="3300" dirty="0"/>
+              <a:rPr lang="en-US" sz="3300" dirty="0">
+                <a:latin typeface="Arial" panose="020B0604020202020204" pitchFamily="34" charset="0"/>
+                <a:cs typeface="Arial" panose="020B0604020202020204" pitchFamily="34" charset="0"/>
+              </a:rPr>
               <a:t>. system overview</a:t>
             </a:r>
           </a:p>
@@ -27475,6 +27570,8 @@
                   <a:solidFill>
                     <a:schemeClr val="bg1"/>
                   </a:solidFill>
+                  <a:latin typeface="Arial" panose="020B0604020202020204" pitchFamily="34" charset="0"/>
+                  <a:cs typeface="Arial" panose="020B0604020202020204" pitchFamily="34" charset="0"/>
                 </a:rPr>
                 <a:t>Interconnect</a:t>
               </a:r>
@@ -27534,6 +27631,8 @@
                   <a:solidFill>
                     <a:schemeClr val="tx1"/>
                   </a:solidFill>
+                  <a:latin typeface="Arial" panose="020B0604020202020204" pitchFamily="34" charset="0"/>
+                  <a:cs typeface="Arial" panose="020B0604020202020204" pitchFamily="34" charset="0"/>
                 </a:rPr>
                 <a:t>PC</a:t>
               </a:r>
@@ -27541,6 +27640,8 @@
                 <a:solidFill>
                   <a:schemeClr val="tx1"/>
                 </a:solidFill>
+                <a:latin typeface="Arial" panose="020B0604020202020204" pitchFamily="34" charset="0"/>
+                <a:cs typeface="Arial" panose="020B0604020202020204" pitchFamily="34" charset="0"/>
               </a:endParaRPr>
             </a:p>
           </p:txBody>
@@ -27598,6 +27699,8 @@
                   <a:solidFill>
                     <a:schemeClr val="tx1"/>
                   </a:solidFill>
+                  <a:latin typeface="Arial" panose="020B0604020202020204" pitchFamily="34" charset="0"/>
+                  <a:cs typeface="Arial" panose="020B0604020202020204" pitchFamily="34" charset="0"/>
                 </a:rPr>
                 <a:t>FPGA Board</a:t>
               </a:r>
@@ -27608,6 +27711,8 @@
                 <a:solidFill>
                   <a:schemeClr val="tx1"/>
                 </a:solidFill>
+                <a:latin typeface="Arial" panose="020B0604020202020204" pitchFamily="34" charset="0"/>
+                <a:cs typeface="Arial" panose="020B0604020202020204" pitchFamily="34" charset="0"/>
               </a:endParaRPr>
             </a:p>
             <a:p>
@@ -27616,6 +27721,8 @@
                 <a:solidFill>
                   <a:schemeClr val="tx1"/>
                 </a:solidFill>
+                <a:latin typeface="Arial" panose="020B0604020202020204" pitchFamily="34" charset="0"/>
+                <a:cs typeface="Arial" panose="020B0604020202020204" pitchFamily="34" charset="0"/>
               </a:endParaRPr>
             </a:p>
             <a:p>
@@ -27624,6 +27731,8 @@
                 <a:solidFill>
                   <a:schemeClr val="tx1"/>
                 </a:solidFill>
+                <a:latin typeface="Arial" panose="020B0604020202020204" pitchFamily="34" charset="0"/>
+                <a:cs typeface="Arial" panose="020B0604020202020204" pitchFamily="34" charset="0"/>
               </a:endParaRPr>
             </a:p>
             <a:p>
@@ -27632,6 +27741,8 @@
                 <a:solidFill>
                   <a:schemeClr val="tx1"/>
                 </a:solidFill>
+                <a:latin typeface="Arial" panose="020B0604020202020204" pitchFamily="34" charset="0"/>
+                <a:cs typeface="Arial" panose="020B0604020202020204" pitchFamily="34" charset="0"/>
               </a:endParaRPr>
             </a:p>
             <a:p>
@@ -27640,6 +27751,8 @@
                 <a:solidFill>
                   <a:schemeClr val="tx1"/>
                 </a:solidFill>
+                <a:latin typeface="Arial" panose="020B0604020202020204" pitchFamily="34" charset="0"/>
+                <a:cs typeface="Arial" panose="020B0604020202020204" pitchFamily="34" charset="0"/>
               </a:endParaRPr>
             </a:p>
             <a:p>
@@ -27648,6 +27761,8 @@
                 <a:solidFill>
                   <a:schemeClr val="tx1"/>
                 </a:solidFill>
+                <a:latin typeface="Arial" panose="020B0604020202020204" pitchFamily="34" charset="0"/>
+                <a:cs typeface="Arial" panose="020B0604020202020204" pitchFamily="34" charset="0"/>
               </a:endParaRPr>
             </a:p>
             <a:p>
@@ -27656,6 +27771,8 @@
                 <a:solidFill>
                   <a:schemeClr val="tx1"/>
                 </a:solidFill>
+                <a:latin typeface="Arial" panose="020B0604020202020204" pitchFamily="34" charset="0"/>
+                <a:cs typeface="Arial" panose="020B0604020202020204" pitchFamily="34" charset="0"/>
               </a:endParaRPr>
             </a:p>
             <a:p>
@@ -27664,6 +27781,8 @@
                 <a:solidFill>
                   <a:schemeClr val="tx1"/>
                 </a:solidFill>
+                <a:latin typeface="Arial" panose="020B0604020202020204" pitchFamily="34" charset="0"/>
+                <a:cs typeface="Arial" panose="020B0604020202020204" pitchFamily="34" charset="0"/>
               </a:endParaRPr>
             </a:p>
             <a:p>
@@ -27672,6 +27791,8 @@
                 <a:solidFill>
                   <a:schemeClr val="tx1"/>
                 </a:solidFill>
+                <a:latin typeface="Arial" panose="020B0604020202020204" pitchFamily="34" charset="0"/>
+                <a:cs typeface="Arial" panose="020B0604020202020204" pitchFamily="34" charset="0"/>
               </a:endParaRPr>
             </a:p>
           </p:txBody>
@@ -27721,7 +27842,10 @@
             <a:lstStyle/>
             <a:p>
               <a:pPr algn="ctr"/>
-              <a:endParaRPr lang="ko-KR" altLang="en-US" sz="1350"/>
+              <a:endParaRPr lang="ko-KR" altLang="en-US" sz="1350">
+                <a:latin typeface="Arial" panose="020B0604020202020204" pitchFamily="34" charset="0"/>
+                <a:cs typeface="Arial" panose="020B0604020202020204" pitchFamily="34" charset="0"/>
+              </a:endParaRPr>
             </a:p>
           </p:txBody>
         </p:sp>
@@ -27751,7 +27875,10 @@
             <a:p>
               <a:pPr algn="ctr"/>
               <a:r>
-                <a:rPr lang="en-US" altLang="ko-KR" sz="900" dirty="0"/>
+                <a:rPr lang="en-US" altLang="ko-KR" sz="900" dirty="0">
+                  <a:latin typeface="Arial" panose="020B0604020202020204" pitchFamily="34" charset="0"/>
+                  <a:cs typeface="Arial" panose="020B0604020202020204" pitchFamily="34" charset="0"/>
+                </a:rPr>
                 <a:t>UART</a:t>
               </a:r>
             </a:p>
@@ -27812,6 +27939,8 @@
                   <a:solidFill>
                     <a:schemeClr val="tx1"/>
                   </a:solidFill>
+                  <a:latin typeface="Arial" panose="020B0604020202020204" pitchFamily="34" charset="0"/>
+                  <a:cs typeface="Arial" panose="020B0604020202020204" pitchFamily="34" charset="0"/>
                 </a:rPr>
                 <a:t>UART</a:t>
               </a:r>
@@ -27823,6 +27952,8 @@
                   <a:solidFill>
                     <a:schemeClr val="tx1"/>
                   </a:solidFill>
+                  <a:latin typeface="Arial" panose="020B0604020202020204" pitchFamily="34" charset="0"/>
+                  <a:cs typeface="Arial" panose="020B0604020202020204" pitchFamily="34" charset="0"/>
                 </a:rPr>
                 <a:t>Module</a:t>
               </a:r>
@@ -27884,6 +28015,8 @@
                   <a:solidFill>
                     <a:schemeClr val="tx1"/>
                   </a:solidFill>
+                  <a:latin typeface="Arial" panose="020B0604020202020204" pitchFamily="34" charset="0"/>
+                  <a:cs typeface="Arial" panose="020B0604020202020204" pitchFamily="34" charset="0"/>
                 </a:rPr>
                 <a:t>MIG(Memory Interface Generator)</a:t>
               </a:r>
@@ -27945,6 +28078,8 @@
                   <a:solidFill>
                     <a:schemeClr val="tx1"/>
                   </a:solidFill>
+                  <a:latin typeface="Arial" panose="020B0604020202020204" pitchFamily="34" charset="0"/>
+                  <a:cs typeface="Arial" panose="020B0604020202020204" pitchFamily="34" charset="0"/>
                 </a:rPr>
                 <a:t>DRAM</a:t>
               </a:r>
@@ -27996,7 +28131,10 @@
             <a:lstStyle/>
             <a:p>
               <a:pPr algn="ctr"/>
-              <a:endParaRPr lang="ko-KR" altLang="en-US" sz="1350"/>
+              <a:endParaRPr lang="ko-KR" altLang="en-US" sz="1350">
+                <a:latin typeface="Arial" panose="020B0604020202020204" pitchFamily="34" charset="0"/>
+                <a:cs typeface="Arial" panose="020B0604020202020204" pitchFamily="34" charset="0"/>
+              </a:endParaRPr>
             </a:p>
           </p:txBody>
         </p:sp>
@@ -28024,7 +28162,10 @@
             <a:p>
               <a:pPr algn="ctr"/>
               <a:r>
-                <a:rPr lang="en-US" altLang="ko-KR" sz="900" dirty="0"/>
+                <a:rPr lang="en-US" altLang="ko-KR" sz="900" dirty="0">
+                  <a:latin typeface="Arial" panose="020B0604020202020204" pitchFamily="34" charset="0"/>
+                  <a:cs typeface="Arial" panose="020B0604020202020204" pitchFamily="34" charset="0"/>
+                </a:rPr>
                 <a:t>AXI-Lite</a:t>
               </a:r>
             </a:p>
@@ -28085,6 +28226,8 @@
                   <a:solidFill>
                     <a:schemeClr val="tx1"/>
                   </a:solidFill>
+                  <a:latin typeface="Arial" panose="020B0604020202020204" pitchFamily="34" charset="0"/>
+                  <a:cs typeface="Arial" panose="020B0604020202020204" pitchFamily="34" charset="0"/>
                 </a:rPr>
                 <a:t>FC Layer</a:t>
               </a:r>
@@ -28146,6 +28289,8 @@
                   <a:solidFill>
                     <a:schemeClr val="tx1"/>
                   </a:solidFill>
+                  <a:latin typeface="Arial" panose="020B0604020202020204" pitchFamily="34" charset="0"/>
+                  <a:cs typeface="Arial" panose="020B0604020202020204" pitchFamily="34" charset="0"/>
                 </a:rPr>
                 <a:t>CONV Layer</a:t>
               </a:r>
@@ -28207,6 +28352,8 @@
                   <a:solidFill>
                     <a:schemeClr val="tx1"/>
                   </a:solidFill>
+                  <a:latin typeface="Arial" panose="020B0604020202020204" pitchFamily="34" charset="0"/>
+                  <a:cs typeface="Arial" panose="020B0604020202020204" pitchFamily="34" charset="0"/>
                 </a:rPr>
                 <a:t>POOL Layer</a:t>
               </a:r>
@@ -28255,7 +28402,10 @@
             <a:lstStyle/>
             <a:p>
               <a:pPr algn="ctr"/>
-              <a:endParaRPr lang="ko-KR" altLang="en-US" sz="1350"/>
+              <a:endParaRPr lang="ko-KR" altLang="en-US" sz="1350">
+                <a:latin typeface="Arial" panose="020B0604020202020204" pitchFamily="34" charset="0"/>
+                <a:cs typeface="Arial" panose="020B0604020202020204" pitchFamily="34" charset="0"/>
+              </a:endParaRPr>
             </a:p>
           </p:txBody>
         </p:sp>
@@ -28304,7 +28454,10 @@
             <a:lstStyle/>
             <a:p>
               <a:pPr algn="ctr"/>
-              <a:endParaRPr lang="ko-KR" altLang="en-US" sz="1350"/>
+              <a:endParaRPr lang="ko-KR" altLang="en-US" sz="1350">
+                <a:latin typeface="Arial" panose="020B0604020202020204" pitchFamily="34" charset="0"/>
+                <a:cs typeface="Arial" panose="020B0604020202020204" pitchFamily="34" charset="0"/>
+              </a:endParaRPr>
             </a:p>
           </p:txBody>
         </p:sp>
@@ -28332,7 +28485,10 @@
             <a:p>
               <a:pPr algn="ctr"/>
               <a:r>
-                <a:rPr lang="en-US" altLang="ko-KR" sz="900" dirty="0"/>
+                <a:rPr lang="en-US" altLang="ko-KR" sz="900" dirty="0">
+                  <a:latin typeface="Arial" panose="020B0604020202020204" pitchFamily="34" charset="0"/>
+                  <a:cs typeface="Arial" panose="020B0604020202020204" pitchFamily="34" charset="0"/>
+                </a:rPr>
                 <a:t>AXI Full</a:t>
               </a:r>
             </a:p>
@@ -28362,7 +28518,10 @@
             <a:p>
               <a:pPr algn="ctr"/>
               <a:r>
-                <a:rPr lang="en-US" altLang="ko-KR" sz="900" dirty="0"/>
+                <a:rPr lang="en-US" altLang="ko-KR" sz="900" dirty="0">
+                  <a:latin typeface="Arial" panose="020B0604020202020204" pitchFamily="34" charset="0"/>
+                  <a:cs typeface="Arial" panose="020B0604020202020204" pitchFamily="34" charset="0"/>
+                </a:rPr>
                 <a:t>AXI Stream</a:t>
               </a:r>
             </a:p>
@@ -28410,7 +28569,10 @@
             <a:lstStyle/>
             <a:p>
               <a:pPr algn="ctr"/>
-              <a:endParaRPr lang="ko-KR" altLang="en-US" sz="1350"/>
+              <a:endParaRPr lang="ko-KR" altLang="en-US" sz="1350">
+                <a:latin typeface="Arial" panose="020B0604020202020204" pitchFamily="34" charset="0"/>
+                <a:cs typeface="Arial" panose="020B0604020202020204" pitchFamily="34" charset="0"/>
+              </a:endParaRPr>
             </a:p>
           </p:txBody>
         </p:sp>
@@ -28456,7 +28618,10 @@
             <a:lstStyle/>
             <a:p>
               <a:pPr algn="ctr"/>
-              <a:endParaRPr lang="ko-KR" altLang="en-US" sz="1350"/>
+              <a:endParaRPr lang="ko-KR" altLang="en-US" sz="1350">
+                <a:latin typeface="Arial" panose="020B0604020202020204" pitchFamily="34" charset="0"/>
+                <a:cs typeface="Arial" panose="020B0604020202020204" pitchFamily="34" charset="0"/>
+              </a:endParaRPr>
             </a:p>
           </p:txBody>
         </p:sp>
@@ -28484,7 +28649,10 @@
             <a:p>
               <a:pPr algn="ctr"/>
               <a:r>
-                <a:rPr lang="en-US" altLang="ko-KR" sz="900" dirty="0"/>
+                <a:rPr lang="en-US" altLang="ko-KR" sz="900" dirty="0">
+                  <a:latin typeface="Arial" panose="020B0604020202020204" pitchFamily="34" charset="0"/>
+                  <a:cs typeface="Arial" panose="020B0604020202020204" pitchFamily="34" charset="0"/>
+                </a:rPr>
                 <a:t>AXI Stream</a:t>
               </a:r>
             </a:p>
@@ -28532,7 +28700,10 @@
             <a:lstStyle/>
             <a:p>
               <a:pPr algn="ctr"/>
-              <a:endParaRPr lang="ko-KR" altLang="en-US" sz="1350"/>
+              <a:endParaRPr lang="ko-KR" altLang="en-US" sz="1350">
+                <a:latin typeface="Arial" panose="020B0604020202020204" pitchFamily="34" charset="0"/>
+                <a:cs typeface="Arial" panose="020B0604020202020204" pitchFamily="34" charset="0"/>
+              </a:endParaRPr>
             </a:p>
           </p:txBody>
         </p:sp>
@@ -28578,7 +28749,10 @@
             <a:lstStyle/>
             <a:p>
               <a:pPr algn="ctr"/>
-              <a:endParaRPr lang="ko-KR" altLang="en-US" sz="1350"/>
+              <a:endParaRPr lang="ko-KR" altLang="en-US" sz="1350">
+                <a:latin typeface="Arial" panose="020B0604020202020204" pitchFamily="34" charset="0"/>
+                <a:cs typeface="Arial" panose="020B0604020202020204" pitchFamily="34" charset="0"/>
+              </a:endParaRPr>
             </a:p>
           </p:txBody>
         </p:sp>
@@ -28606,7 +28780,10 @@
             <a:p>
               <a:pPr algn="ctr"/>
               <a:r>
-                <a:rPr lang="en-US" altLang="ko-KR" sz="900" dirty="0"/>
+                <a:rPr lang="en-US" altLang="ko-KR" sz="900" dirty="0">
+                  <a:latin typeface="Arial" panose="020B0604020202020204" pitchFamily="34" charset="0"/>
+                  <a:cs typeface="Arial" panose="020B0604020202020204" pitchFamily="34" charset="0"/>
+                </a:rPr>
                 <a:t>AXI Stream</a:t>
               </a:r>
             </a:p>
@@ -28654,7 +28831,10 @@
             <a:lstStyle/>
             <a:p>
               <a:pPr algn="ctr"/>
-              <a:endParaRPr lang="ko-KR" altLang="en-US" sz="1350"/>
+              <a:endParaRPr lang="ko-KR" altLang="en-US" sz="1350">
+                <a:latin typeface="Arial" panose="020B0604020202020204" pitchFamily="34" charset="0"/>
+                <a:cs typeface="Arial" panose="020B0604020202020204" pitchFamily="34" charset="0"/>
+              </a:endParaRPr>
             </a:p>
           </p:txBody>
         </p:sp>
@@ -28754,15 +28934,24 @@
           </a:lstStyle>
           <a:p>
             <a:r>
-              <a:rPr lang="en-US" sz="3300" dirty="0"/>
+              <a:rPr lang="en-US" sz="3300" dirty="0">
+                <a:latin typeface="Arial" panose="020B0604020202020204" pitchFamily="34" charset="0"/>
+                <a:cs typeface="Arial" panose="020B0604020202020204" pitchFamily="34" charset="0"/>
+              </a:rPr>
               <a:t>CNN </a:t>
             </a:r>
             <a:r>
-              <a:rPr lang="en-US" sz="3300" dirty="0" err="1"/>
+              <a:rPr lang="en-US" sz="3300" dirty="0" err="1">
+                <a:latin typeface="Arial" panose="020B0604020202020204" pitchFamily="34" charset="0"/>
+                <a:cs typeface="Arial" panose="020B0604020202020204" pitchFamily="34" charset="0"/>
+              </a:rPr>
               <a:t>accel</a:t>
             </a:r>
             <a:r>
-              <a:rPr lang="en-US" sz="3300" dirty="0"/>
+              <a:rPr lang="en-US" sz="3300" dirty="0">
+                <a:latin typeface="Arial" panose="020B0604020202020204" pitchFamily="34" charset="0"/>
+                <a:cs typeface="Arial" panose="020B0604020202020204" pitchFamily="34" charset="0"/>
+              </a:rPr>
               <a:t>. system overview</a:t>
             </a:r>
           </a:p>
@@ -28840,6 +29029,8 @@
                   <a:solidFill>
                     <a:schemeClr val="bg1"/>
                   </a:solidFill>
+                  <a:latin typeface="Arial" panose="020B0604020202020204" pitchFamily="34" charset="0"/>
+                  <a:cs typeface="Arial" panose="020B0604020202020204" pitchFamily="34" charset="0"/>
                 </a:rPr>
                 <a:t>Interconnect</a:t>
               </a:r>
@@ -28899,6 +29090,8 @@
                   <a:solidFill>
                     <a:schemeClr val="tx1"/>
                   </a:solidFill>
+                  <a:latin typeface="Arial" panose="020B0604020202020204" pitchFamily="34" charset="0"/>
+                  <a:cs typeface="Arial" panose="020B0604020202020204" pitchFamily="34" charset="0"/>
                 </a:rPr>
                 <a:t>PC</a:t>
               </a:r>
@@ -28906,6 +29099,8 @@
                 <a:solidFill>
                   <a:schemeClr val="tx1"/>
                 </a:solidFill>
+                <a:latin typeface="Arial" panose="020B0604020202020204" pitchFamily="34" charset="0"/>
+                <a:cs typeface="Arial" panose="020B0604020202020204" pitchFamily="34" charset="0"/>
               </a:endParaRPr>
             </a:p>
           </p:txBody>
@@ -28963,6 +29158,8 @@
                   <a:solidFill>
                     <a:schemeClr val="tx1"/>
                   </a:solidFill>
+                  <a:latin typeface="Arial" panose="020B0604020202020204" pitchFamily="34" charset="0"/>
+                  <a:cs typeface="Arial" panose="020B0604020202020204" pitchFamily="34" charset="0"/>
                 </a:rPr>
                 <a:t>FPGA Board</a:t>
               </a:r>
@@ -28973,6 +29170,8 @@
                 <a:solidFill>
                   <a:schemeClr val="tx1"/>
                 </a:solidFill>
+                <a:latin typeface="Arial" panose="020B0604020202020204" pitchFamily="34" charset="0"/>
+                <a:cs typeface="Arial" panose="020B0604020202020204" pitchFamily="34" charset="0"/>
               </a:endParaRPr>
             </a:p>
             <a:p>
@@ -28981,6 +29180,8 @@
                 <a:solidFill>
                   <a:schemeClr val="tx1"/>
                 </a:solidFill>
+                <a:latin typeface="Arial" panose="020B0604020202020204" pitchFamily="34" charset="0"/>
+                <a:cs typeface="Arial" panose="020B0604020202020204" pitchFamily="34" charset="0"/>
               </a:endParaRPr>
             </a:p>
             <a:p>
@@ -28989,6 +29190,8 @@
                 <a:solidFill>
                   <a:schemeClr val="tx1"/>
                 </a:solidFill>
+                <a:latin typeface="Arial" panose="020B0604020202020204" pitchFamily="34" charset="0"/>
+                <a:cs typeface="Arial" panose="020B0604020202020204" pitchFamily="34" charset="0"/>
               </a:endParaRPr>
             </a:p>
             <a:p>
@@ -28997,6 +29200,8 @@
                 <a:solidFill>
                   <a:schemeClr val="tx1"/>
                 </a:solidFill>
+                <a:latin typeface="Arial" panose="020B0604020202020204" pitchFamily="34" charset="0"/>
+                <a:cs typeface="Arial" panose="020B0604020202020204" pitchFamily="34" charset="0"/>
               </a:endParaRPr>
             </a:p>
             <a:p>
@@ -29005,6 +29210,8 @@
                 <a:solidFill>
                   <a:schemeClr val="tx1"/>
                 </a:solidFill>
+                <a:latin typeface="Arial" panose="020B0604020202020204" pitchFamily="34" charset="0"/>
+                <a:cs typeface="Arial" panose="020B0604020202020204" pitchFamily="34" charset="0"/>
               </a:endParaRPr>
             </a:p>
             <a:p>
@@ -29013,6 +29220,8 @@
                 <a:solidFill>
                   <a:schemeClr val="tx1"/>
                 </a:solidFill>
+                <a:latin typeface="Arial" panose="020B0604020202020204" pitchFamily="34" charset="0"/>
+                <a:cs typeface="Arial" panose="020B0604020202020204" pitchFamily="34" charset="0"/>
               </a:endParaRPr>
             </a:p>
             <a:p>
@@ -29021,6 +29230,8 @@
                 <a:solidFill>
                   <a:schemeClr val="tx1"/>
                 </a:solidFill>
+                <a:latin typeface="Arial" panose="020B0604020202020204" pitchFamily="34" charset="0"/>
+                <a:cs typeface="Arial" panose="020B0604020202020204" pitchFamily="34" charset="0"/>
               </a:endParaRPr>
             </a:p>
             <a:p>
@@ -29029,6 +29240,8 @@
                 <a:solidFill>
                   <a:schemeClr val="tx1"/>
                 </a:solidFill>
+                <a:latin typeface="Arial" panose="020B0604020202020204" pitchFamily="34" charset="0"/>
+                <a:cs typeface="Arial" panose="020B0604020202020204" pitchFamily="34" charset="0"/>
               </a:endParaRPr>
             </a:p>
             <a:p>
@@ -29037,6 +29250,8 @@
                 <a:solidFill>
                   <a:schemeClr val="tx1"/>
                 </a:solidFill>
+                <a:latin typeface="Arial" panose="020B0604020202020204" pitchFamily="34" charset="0"/>
+                <a:cs typeface="Arial" panose="020B0604020202020204" pitchFamily="34" charset="0"/>
               </a:endParaRPr>
             </a:p>
           </p:txBody>
@@ -29086,7 +29301,10 @@
             <a:lstStyle/>
             <a:p>
               <a:pPr algn="ctr"/>
-              <a:endParaRPr lang="ko-KR" altLang="en-US" sz="1350"/>
+              <a:endParaRPr lang="ko-KR" altLang="en-US" sz="1350">
+                <a:latin typeface="Arial" panose="020B0604020202020204" pitchFamily="34" charset="0"/>
+                <a:cs typeface="Arial" panose="020B0604020202020204" pitchFamily="34" charset="0"/>
+              </a:endParaRPr>
             </a:p>
           </p:txBody>
         </p:sp>
@@ -29116,7 +29334,10 @@
             <a:p>
               <a:pPr algn="ctr"/>
               <a:r>
-                <a:rPr lang="en-US" altLang="ko-KR" sz="900" dirty="0"/>
+                <a:rPr lang="en-US" altLang="ko-KR" sz="900" dirty="0">
+                  <a:latin typeface="Arial" panose="020B0604020202020204" pitchFamily="34" charset="0"/>
+                  <a:cs typeface="Arial" panose="020B0604020202020204" pitchFamily="34" charset="0"/>
+                </a:rPr>
                 <a:t>UART</a:t>
               </a:r>
             </a:p>
@@ -29177,6 +29398,8 @@
                   <a:solidFill>
                     <a:schemeClr val="tx1"/>
                   </a:solidFill>
+                  <a:latin typeface="Arial" panose="020B0604020202020204" pitchFamily="34" charset="0"/>
+                  <a:cs typeface="Arial" panose="020B0604020202020204" pitchFamily="34" charset="0"/>
                 </a:rPr>
                 <a:t>Decoder</a:t>
               </a:r>
@@ -29207,7 +29430,10 @@
             <a:p>
               <a:pPr algn="ctr"/>
               <a:r>
-                <a:rPr lang="en-US" altLang="ko-KR" sz="900" dirty="0"/>
+                <a:rPr lang="en-US" altLang="ko-KR" sz="900" dirty="0">
+                  <a:latin typeface="Arial" panose="020B0604020202020204" pitchFamily="34" charset="0"/>
+                  <a:cs typeface="Arial" panose="020B0604020202020204" pitchFamily="34" charset="0"/>
+                </a:rPr>
                 <a:t>AXI-Lite</a:t>
               </a:r>
             </a:p>
@@ -29268,6 +29494,8 @@
                   <a:solidFill>
                     <a:schemeClr val="tx1"/>
                   </a:solidFill>
+                  <a:latin typeface="Arial" panose="020B0604020202020204" pitchFamily="34" charset="0"/>
+                  <a:cs typeface="Arial" panose="020B0604020202020204" pitchFamily="34" charset="0"/>
                 </a:rPr>
                 <a:t>FC Layer</a:t>
               </a:r>
@@ -29329,6 +29557,8 @@
                   <a:solidFill>
                     <a:schemeClr val="tx1"/>
                   </a:solidFill>
+                  <a:latin typeface="Arial" panose="020B0604020202020204" pitchFamily="34" charset="0"/>
+                  <a:cs typeface="Arial" panose="020B0604020202020204" pitchFamily="34" charset="0"/>
                 </a:rPr>
                 <a:t>CONV Layer</a:t>
               </a:r>
@@ -29390,6 +29620,8 @@
                   <a:solidFill>
                     <a:schemeClr val="tx1"/>
                   </a:solidFill>
+                  <a:latin typeface="Arial" panose="020B0604020202020204" pitchFamily="34" charset="0"/>
+                  <a:cs typeface="Arial" panose="020B0604020202020204" pitchFamily="34" charset="0"/>
                 </a:rPr>
                 <a:t>POOL Layer</a:t>
               </a:r>
@@ -29441,7 +29673,10 @@
             <a:lstStyle/>
             <a:p>
               <a:pPr algn="ctr"/>
-              <a:endParaRPr lang="ko-KR" altLang="en-US" sz="1350"/>
+              <a:endParaRPr lang="ko-KR" altLang="en-US" sz="1350">
+                <a:latin typeface="Arial" panose="020B0604020202020204" pitchFamily="34" charset="0"/>
+                <a:cs typeface="Arial" panose="020B0604020202020204" pitchFamily="34" charset="0"/>
+              </a:endParaRPr>
             </a:p>
           </p:txBody>
         </p:sp>
@@ -29469,7 +29704,10 @@
             <a:p>
               <a:pPr algn="ctr"/>
               <a:r>
-                <a:rPr lang="en-US" altLang="ko-KR" sz="900" dirty="0"/>
+                <a:rPr lang="en-US" altLang="ko-KR" sz="900" dirty="0">
+                  <a:latin typeface="Arial" panose="020B0604020202020204" pitchFamily="34" charset="0"/>
+                  <a:cs typeface="Arial" panose="020B0604020202020204" pitchFamily="34" charset="0"/>
+                </a:rPr>
                 <a:t>APB</a:t>
               </a:r>
             </a:p>
@@ -29520,7 +29758,10 @@
             <a:lstStyle/>
             <a:p>
               <a:pPr algn="ctr"/>
-              <a:endParaRPr lang="ko-KR" altLang="en-US" sz="1350"/>
+              <a:endParaRPr lang="ko-KR" altLang="en-US" sz="1350">
+                <a:latin typeface="Arial" panose="020B0604020202020204" pitchFamily="34" charset="0"/>
+                <a:cs typeface="Arial" panose="020B0604020202020204" pitchFamily="34" charset="0"/>
+              </a:endParaRPr>
             </a:p>
           </p:txBody>
         </p:sp>
@@ -29569,7 +29810,10 @@
             <a:lstStyle/>
             <a:p>
               <a:pPr algn="ctr"/>
-              <a:endParaRPr lang="ko-KR" altLang="en-US" sz="1350"/>
+              <a:endParaRPr lang="ko-KR" altLang="en-US" sz="1350">
+                <a:latin typeface="Arial" panose="020B0604020202020204" pitchFamily="34" charset="0"/>
+                <a:cs typeface="Arial" panose="020B0604020202020204" pitchFamily="34" charset="0"/>
+              </a:endParaRPr>
             </a:p>
           </p:txBody>
         </p:sp>
@@ -29618,7 +29862,10 @@
             <a:lstStyle/>
             <a:p>
               <a:pPr algn="ctr"/>
-              <a:endParaRPr lang="ko-KR" altLang="en-US" sz="1350"/>
+              <a:endParaRPr lang="ko-KR" altLang="en-US" sz="1350">
+                <a:latin typeface="Arial" panose="020B0604020202020204" pitchFamily="34" charset="0"/>
+                <a:cs typeface="Arial" panose="020B0604020202020204" pitchFamily="34" charset="0"/>
+              </a:endParaRPr>
             </a:p>
           </p:txBody>
         </p:sp>
@@ -29646,7 +29893,10 @@
             <a:p>
               <a:pPr algn="ctr"/>
               <a:r>
-                <a:rPr lang="en-US" altLang="ko-KR" sz="900" dirty="0"/>
+                <a:rPr lang="en-US" altLang="ko-KR" sz="900" dirty="0">
+                  <a:latin typeface="Arial" panose="020B0604020202020204" pitchFamily="34" charset="0"/>
+                  <a:cs typeface="Arial" panose="020B0604020202020204" pitchFamily="34" charset="0"/>
+                </a:rPr>
                 <a:t>APB</a:t>
               </a:r>
             </a:p>
@@ -29676,7 +29926,10 @@
             <a:p>
               <a:pPr algn="ctr"/>
               <a:r>
-                <a:rPr lang="en-US" altLang="ko-KR" sz="900" dirty="0"/>
+                <a:rPr lang="en-US" altLang="ko-KR" sz="900" dirty="0">
+                  <a:latin typeface="Arial" panose="020B0604020202020204" pitchFamily="34" charset="0"/>
+                  <a:cs typeface="Arial" panose="020B0604020202020204" pitchFamily="34" charset="0"/>
+                </a:rPr>
                 <a:t>APB</a:t>
               </a:r>
             </a:p>
@@ -29737,6 +29990,8 @@
                   <a:solidFill>
                     <a:schemeClr val="tx1"/>
                   </a:solidFill>
+                  <a:latin typeface="Arial" panose="020B0604020202020204" pitchFamily="34" charset="0"/>
+                  <a:cs typeface="Arial" panose="020B0604020202020204" pitchFamily="34" charset="0"/>
                 </a:rPr>
                 <a:t>MIG(Memory Interface Generator)</a:t>
               </a:r>
@@ -29798,6 +30053,8 @@
                   <a:solidFill>
                     <a:schemeClr val="tx1"/>
                   </a:solidFill>
+                  <a:latin typeface="Arial" panose="020B0604020202020204" pitchFamily="34" charset="0"/>
+                  <a:cs typeface="Arial" panose="020B0604020202020204" pitchFamily="34" charset="0"/>
                 </a:rPr>
                 <a:t>DRAM</a:t>
               </a:r>
@@ -32947,7 +33204,7 @@
             </a:r>
             <a:r>
               <a:rPr lang="en-US" altLang="ko-KR" dirty="0"/>
-              <a:t> Week	(Nov. 19</a:t>
+              <a:t> Week	(Nov. 21</a:t>
             </a:r>
             <a:r>
               <a:rPr lang="en-US" altLang="ko-KR" baseline="30000" dirty="0"/>
@@ -32963,7 +33220,7 @@
             </a:r>
             <a:r>
               <a:rPr lang="en-US" altLang="ko-KR" dirty="0"/>
-              <a:t>) </a:t>
+              <a:t>)</a:t>
             </a:r>
           </a:p>
           <a:p>
@@ -33409,7 +33666,7 @@
         <p:spPr/>
         <p:txBody>
           <a:bodyPr>
-            <a:normAutofit lnSpcReduction="10000"/>
+            <a:normAutofit/>
           </a:bodyPr>
           <a:lstStyle/>
           <a:p>
@@ -33426,7 +33683,7 @@
                   <a:srgbClr val="FF0000"/>
                 </a:solidFill>
               </a:rPr>
-              <a:t>2021.12.17 (Fri) in-class, 301-207</a:t>
+              <a:t>TBA</a:t>
             </a:r>
           </a:p>
           <a:p>
@@ -33455,51 +33712,6 @@
             <a:r>
               <a:rPr lang="en-US" altLang="ko-KR" dirty="0"/>
               <a:t>Evaluation time</a:t>
-            </a:r>
-          </a:p>
-          <a:p>
-            <a:pPr lvl="1"/>
-            <a:endParaRPr lang="en-US" altLang="ko-KR" dirty="0"/>
-          </a:p>
-          <a:p>
-            <a:r>
-              <a:rPr lang="en-US" altLang="ko-KR" dirty="0"/>
-              <a:t>Submit:</a:t>
-            </a:r>
-          </a:p>
-          <a:p>
-            <a:pPr lvl="1"/>
-            <a:r>
-              <a:rPr lang="en-US" altLang="ko-KR" dirty="0" err="1"/>
-              <a:t>Bitstream</a:t>
-            </a:r>
-            <a:r>
-              <a:rPr lang="en-US" altLang="ko-KR" dirty="0"/>
-              <a:t> file</a:t>
-            </a:r>
-          </a:p>
-          <a:p>
-            <a:pPr lvl="1"/>
-            <a:r>
-              <a:rPr lang="en-US" altLang="ko-KR" dirty="0"/>
-              <a:t>Your python code (which may be revised for your design)</a:t>
-            </a:r>
-          </a:p>
-          <a:p>
-            <a:pPr lvl="1"/>
-            <a:r>
-              <a:rPr lang="en-US" altLang="ko-KR" dirty="0"/>
-              <a:t>Your code</a:t>
-            </a:r>
-          </a:p>
-          <a:p>
-            <a:pPr lvl="1"/>
-            <a:endParaRPr lang="en-US" altLang="ko-KR" dirty="0"/>
-          </a:p>
-          <a:p>
-            <a:r>
-              <a:rPr lang="en-US" altLang="ko-KR" dirty="0"/>
-              <a:t>We will re-check your project demo after class for rechecking and evaluating the latency criteria</a:t>
             </a:r>
           </a:p>
         </p:txBody>
@@ -33551,7 +33763,7 @@
           <a:p>
             <a:r>
               <a:rPr lang="en-US" altLang="ko-KR" dirty="0"/>
-              <a:t>Report</a:t>
+              <a:t>Submission Deadline</a:t>
             </a:r>
             <a:endParaRPr lang="ko-KR" altLang="en-US" dirty="0"/>
           </a:p>
@@ -33569,7 +33781,284 @@
         </p:nvSpPr>
         <p:spPr/>
         <p:txBody>
+          <a:bodyPr>
+            <a:normAutofit/>
+          </a:bodyPr>
+          <a:lstStyle/>
+          <a:p>
+            <a:r>
+              <a:rPr lang="en-US" altLang="ko-KR" dirty="0"/>
+              <a:t>Submit to </a:t>
+            </a:r>
+            <a:r>
+              <a:rPr lang="en-US" altLang="ko-KR" dirty="0" err="1"/>
+              <a:t>github</a:t>
+            </a:r>
+            <a:endParaRPr lang="en-US" altLang="ko-KR" dirty="0"/>
+          </a:p>
+          <a:p>
+            <a:pPr lvl="1"/>
+            <a:r>
+              <a:rPr lang="en-US" altLang="ko-KR" dirty="0" err="1"/>
+              <a:t>Bitstream</a:t>
+            </a:r>
+            <a:r>
+              <a:rPr lang="en-US" altLang="ko-KR" dirty="0"/>
+              <a:t> file</a:t>
+            </a:r>
+          </a:p>
+          <a:p>
+            <a:pPr lvl="1"/>
+            <a:r>
+              <a:rPr lang="en-US" altLang="ko-KR" dirty="0"/>
+              <a:t>Your python code (which may be revised for your design)</a:t>
+            </a:r>
+          </a:p>
+          <a:p>
+            <a:pPr lvl="1"/>
+            <a:r>
+              <a:rPr lang="en-US" altLang="ko-KR" dirty="0"/>
+              <a:t>Your code</a:t>
+            </a:r>
+          </a:p>
+          <a:p>
+            <a:pPr lvl="1"/>
+            <a:r>
+              <a:rPr lang="en-US" altLang="ko-KR" dirty="0"/>
+              <a:t>Push everything in the “</a:t>
+            </a:r>
+            <a:r>
+              <a:rPr lang="en-US" altLang="ko-KR" b="1" dirty="0"/>
+              <a:t>main</a:t>
+            </a:r>
+            <a:r>
+              <a:rPr lang="en-US" altLang="ko-KR" dirty="0"/>
+              <a:t>” branch of the </a:t>
+            </a:r>
+            <a:r>
+              <a:rPr lang="en-US" altLang="ko-KR" dirty="0" err="1"/>
+              <a:t>github</a:t>
+            </a:r>
+            <a:r>
+              <a:rPr lang="en-US" altLang="ko-KR" dirty="0"/>
+              <a:t> repository</a:t>
+            </a:r>
+          </a:p>
+          <a:p>
+            <a:pPr lvl="1"/>
+            <a:r>
+              <a:rPr lang="en-US" altLang="ko-KR" dirty="0"/>
+              <a:t>The final commit before the deadline will be assessed</a:t>
+            </a:r>
+          </a:p>
+          <a:p>
+            <a:endParaRPr lang="en-US" altLang="ko-KR" dirty="0"/>
+          </a:p>
+        </p:txBody>
+      </p:sp>
+    </p:spTree>
+    <p:extLst>
+      <p:ext uri="{BB962C8B-B14F-4D97-AF65-F5344CB8AC3E}">
+        <p14:creationId xmlns:p14="http://schemas.microsoft.com/office/powerpoint/2010/main" val="1000529340"/>
+      </p:ext>
+    </p:extLst>
+  </p:cSld>
+  <p:clrMapOvr>
+    <a:masterClrMapping/>
+  </p:clrMapOvr>
+</p:sld>
+</file>
+
+<file path=ppt/slides/slide72.xml><?xml version="1.0" encoding="utf-8"?>
+<p:sld xmlns:a="http://schemas.openxmlformats.org/drawingml/2006/main" xmlns:r="http://schemas.openxmlformats.org/officeDocument/2006/relationships" xmlns:p="http://schemas.openxmlformats.org/presentationml/2006/main">
+  <p:cSld>
+    <p:spTree>
+      <p:nvGrpSpPr>
+        <p:cNvPr id="1" name=""/>
+        <p:cNvGrpSpPr/>
+        <p:nvPr/>
+      </p:nvGrpSpPr>
+      <p:grpSpPr>
+        <a:xfrm>
+          <a:off x="0" y="0"/>
+          <a:ext cx="0" cy="0"/>
+          <a:chOff x="0" y="0"/>
+          <a:chExt cx="0" cy="0"/>
+        </a:xfrm>
+      </p:grpSpPr>
+      <p:sp>
+        <p:nvSpPr>
+          <p:cNvPr id="2" name="제목 1"/>
+          <p:cNvSpPr>
+            <a:spLocks noGrp="1"/>
+          </p:cNvSpPr>
+          <p:nvPr>
+            <p:ph type="title"/>
+          </p:nvPr>
+        </p:nvSpPr>
+        <p:spPr/>
+        <p:txBody>
           <a:bodyPr/>
+          <a:lstStyle/>
+          <a:p>
+            <a:r>
+              <a:rPr lang="en-US" altLang="ko-KR" dirty="0"/>
+              <a:t>Submission Deadline</a:t>
+            </a:r>
+            <a:endParaRPr lang="ko-KR" altLang="en-US" dirty="0"/>
+          </a:p>
+        </p:txBody>
+      </p:sp>
+      <p:sp>
+        <p:nvSpPr>
+          <p:cNvPr id="3" name="내용 개체 틀 2"/>
+          <p:cNvSpPr>
+            <a:spLocks noGrp="1"/>
+          </p:cNvSpPr>
+          <p:nvPr>
+            <p:ph sz="quarter" idx="1"/>
+          </p:nvPr>
+        </p:nvSpPr>
+        <p:spPr/>
+        <p:txBody>
+          <a:bodyPr>
+            <a:normAutofit/>
+          </a:bodyPr>
+          <a:lstStyle/>
+          <a:p>
+            <a:r>
+              <a:rPr lang="en-US" altLang="ko-KR" dirty="0"/>
+              <a:t>Submit to </a:t>
+            </a:r>
+            <a:r>
+              <a:rPr lang="en-US" altLang="ko-KR" dirty="0" err="1"/>
+              <a:t>etl</a:t>
+            </a:r>
+            <a:endParaRPr lang="en-US" altLang="ko-KR" dirty="0"/>
+          </a:p>
+          <a:p>
+            <a:pPr lvl="1"/>
+            <a:r>
+              <a:rPr lang="en-US" altLang="ko-KR" dirty="0"/>
+              <a:t>One report for each team</a:t>
+            </a:r>
+          </a:p>
+          <a:p>
+            <a:pPr lvl="1"/>
+            <a:r>
+              <a:rPr lang="en-US" altLang="ko-KR" dirty="0"/>
+              <a:t>One demo video for each team</a:t>
+            </a:r>
+          </a:p>
+          <a:p>
+            <a:pPr lvl="2"/>
+            <a:r>
+              <a:rPr lang="en-US" altLang="ko-KR" dirty="0"/>
+              <a:t>Video of running the </a:t>
+            </a:r>
+            <a:r>
+              <a:rPr lang="en-US" altLang="ko-KR" dirty="0" err="1"/>
+              <a:t>ipynb</a:t>
+            </a:r>
+            <a:r>
+              <a:rPr lang="en-US" altLang="ko-KR" dirty="0"/>
+              <a:t> files</a:t>
+            </a:r>
+          </a:p>
+          <a:p>
+            <a:pPr lvl="2"/>
+            <a:r>
+              <a:rPr lang="en-US" altLang="ko-KR" dirty="0"/>
+              <a:t>Less than 500MB</a:t>
+            </a:r>
+          </a:p>
+          <a:p>
+            <a:pPr lvl="1"/>
+            <a:r>
+              <a:rPr lang="en-US" altLang="ko-KR" b="1" dirty="0"/>
+              <a:t>One member should upload all the materials</a:t>
+            </a:r>
+          </a:p>
+          <a:p>
+            <a:pPr lvl="1"/>
+            <a:endParaRPr lang="en-US" altLang="ko-KR" dirty="0"/>
+          </a:p>
+          <a:p>
+            <a:r>
+              <a:rPr lang="en-US" altLang="ko-KR" dirty="0"/>
+              <a:t>We will re-check your project demo after class for rechecking and evaluating the latency criteria</a:t>
+            </a:r>
+          </a:p>
+        </p:txBody>
+      </p:sp>
+    </p:spTree>
+    <p:extLst>
+      <p:ext uri="{BB962C8B-B14F-4D97-AF65-F5344CB8AC3E}">
+        <p14:creationId xmlns:p14="http://schemas.microsoft.com/office/powerpoint/2010/main" val="2779708431"/>
+      </p:ext>
+    </p:extLst>
+  </p:cSld>
+  <p:clrMapOvr>
+    <a:masterClrMapping/>
+  </p:clrMapOvr>
+</p:sld>
+</file>
+
+<file path=ppt/slides/slide73.xml><?xml version="1.0" encoding="utf-8"?>
+<p:sld xmlns:a="http://schemas.openxmlformats.org/drawingml/2006/main" xmlns:r="http://schemas.openxmlformats.org/officeDocument/2006/relationships" xmlns:p="http://schemas.openxmlformats.org/presentationml/2006/main">
+  <p:cSld>
+    <p:spTree>
+      <p:nvGrpSpPr>
+        <p:cNvPr id="1" name=""/>
+        <p:cNvGrpSpPr/>
+        <p:nvPr/>
+      </p:nvGrpSpPr>
+      <p:grpSpPr>
+        <a:xfrm>
+          <a:off x="0" y="0"/>
+          <a:ext cx="0" cy="0"/>
+          <a:chOff x="0" y="0"/>
+          <a:chExt cx="0" cy="0"/>
+        </a:xfrm>
+      </p:grpSpPr>
+      <p:sp>
+        <p:nvSpPr>
+          <p:cNvPr id="2" name="제목 1"/>
+          <p:cNvSpPr>
+            <a:spLocks noGrp="1"/>
+          </p:cNvSpPr>
+          <p:nvPr>
+            <p:ph type="title"/>
+          </p:nvPr>
+        </p:nvSpPr>
+        <p:spPr/>
+        <p:txBody>
+          <a:bodyPr/>
+          <a:lstStyle/>
+          <a:p>
+            <a:r>
+              <a:rPr lang="en-US" altLang="ko-KR" dirty="0"/>
+              <a:t>Report</a:t>
+            </a:r>
+            <a:endParaRPr lang="ko-KR" altLang="en-US" dirty="0"/>
+          </a:p>
+        </p:txBody>
+      </p:sp>
+      <p:sp>
+        <p:nvSpPr>
+          <p:cNvPr id="3" name="내용 개체 틀 2"/>
+          <p:cNvSpPr>
+            <a:spLocks noGrp="1"/>
+          </p:cNvSpPr>
+          <p:nvPr>
+            <p:ph sz="quarter" idx="1"/>
+          </p:nvPr>
+        </p:nvSpPr>
+        <p:spPr/>
+        <p:txBody>
+          <a:bodyPr>
+            <a:normAutofit/>
+          </a:bodyPr>
           <a:lstStyle/>
           <a:p>
             <a:r>
@@ -33585,19 +34074,7 @@
                   <a:srgbClr val="FF0000"/>
                 </a:solidFill>
               </a:rPr>
-              <a:t>2021.12.19 (Sun)</a:t>
-            </a:r>
-            <a:r>
-              <a:rPr lang="en-US" altLang="ko-KR" dirty="0"/>
-              <a:t>, submit on </a:t>
-            </a:r>
-            <a:r>
-              <a:rPr lang="en-US" altLang="ko-KR" dirty="0" err="1"/>
-              <a:t>eTL</a:t>
-            </a:r>
-            <a:r>
-              <a:rPr lang="en-US" altLang="ko-KR" dirty="0"/>
-              <a:t> board</a:t>
+              <a:t>TBA</a:t>
             </a:r>
           </a:p>
           <a:p>
@@ -33614,50 +34091,46 @@
             <a:pPr lvl="1"/>
             <a:r>
               <a:rPr lang="en-US" altLang="ko-KR" dirty="0"/>
-              <a:t>What module or something else you design in project</a:t>
-            </a:r>
+              <a:t>Summary of the code that your team implemented</a:t>
+            </a:r>
+          </a:p>
+          <a:p>
+            <a:pPr lvl="2"/>
+            <a:r>
+              <a:rPr lang="en-US" altLang="ko-KR" dirty="0"/>
+              <a:t>If you haven’t finished the project, explain what your team implemented and to what level did your team succeed</a:t>
+            </a:r>
+          </a:p>
+          <a:p>
+            <a:pPr lvl="2"/>
+            <a:r>
+              <a:rPr lang="en-US" altLang="ko-KR" dirty="0"/>
+              <a:t>E.g., We implemented the FC layer and it passes the simulation &amp; </a:t>
+            </a:r>
+            <a:r>
+              <a:rPr lang="en-US" altLang="ko-KR" dirty="0" err="1"/>
+              <a:t>single_layer_test.ipynb</a:t>
+            </a:r>
+            <a:endParaRPr lang="en-US" altLang="ko-KR" dirty="0"/>
           </a:p>
           <a:p>
             <a:pPr lvl="1"/>
             <a:r>
               <a:rPr lang="en-US" altLang="ko-KR" dirty="0"/>
-              <a:t>Design focus and brief annotations on your code</a:t>
+              <a:t>Diagram of your team’s overall design</a:t>
             </a:r>
           </a:p>
           <a:p>
             <a:pPr lvl="1"/>
             <a:r>
               <a:rPr lang="en-US" altLang="ko-KR" dirty="0"/>
-              <a:t>Diagram of your team’s overall design</a:t>
-            </a:r>
-          </a:p>
-          <a:p>
-            <a:pPr lvl="1"/>
-            <a:r>
-              <a:rPr lang="en-US" altLang="ko-KR" dirty="0"/>
-              <a:t>What you and your teammates did (Convince us your credit)</a:t>
-            </a:r>
-          </a:p>
-          <a:p>
-            <a:pPr lvl="1"/>
-            <a:endParaRPr lang="en-US" altLang="ko-KR" dirty="0"/>
-          </a:p>
-          <a:p>
-            <a:r>
-              <a:rPr lang="en-US" altLang="ko-KR" dirty="0"/>
-              <a:t>Report must be submitted </a:t>
-            </a:r>
-            <a:r>
-              <a:rPr lang="en-US" altLang="ko-KR" b="1" dirty="0">
-                <a:solidFill>
-                  <a:srgbClr val="FF0000"/>
-                </a:solidFill>
-              </a:rPr>
-              <a:t>“individually”</a:t>
-            </a:r>
-          </a:p>
-          <a:p>
-            <a:pPr lvl="1"/>
+              <a:t>Each members contribution (which layers did each of you designed)</a:t>
+            </a:r>
+          </a:p>
+          <a:p>
+            <a:pPr marL="205725" lvl="1" indent="0">
+              <a:buNone/>
+            </a:pPr>
             <a:endParaRPr lang="en-US" altLang="ko-KR" dirty="0"/>
           </a:p>
           <a:p>
@@ -33692,7 +34165,7 @@
 </p:sld>
 </file>
 
-<file path=ppt/slides/slide72.xml><?xml version="1.0" encoding="utf-8"?>
+<file path=ppt/slides/slide74.xml><?xml version="1.0" encoding="utf-8"?>
 <p:sld xmlns:a="http://schemas.openxmlformats.org/drawingml/2006/main" xmlns:r="http://schemas.openxmlformats.org/officeDocument/2006/relationships" xmlns:p="http://schemas.openxmlformats.org/presentationml/2006/main">
   <p:cSld>
     <p:spTree>
@@ -33787,269 +34260,6 @@
 </p:sld>
 </file>
 
-<file path=ppt/slides/slide73.xml><?xml version="1.0" encoding="utf-8"?>
-<p:sld xmlns:a="http://schemas.openxmlformats.org/drawingml/2006/main" xmlns:r="http://schemas.openxmlformats.org/officeDocument/2006/relationships" xmlns:p="http://schemas.openxmlformats.org/presentationml/2006/main">
-  <p:cSld>
-    <p:spTree>
-      <p:nvGrpSpPr>
-        <p:cNvPr id="1" name=""/>
-        <p:cNvGrpSpPr/>
-        <p:nvPr/>
-      </p:nvGrpSpPr>
-      <p:grpSpPr>
-        <a:xfrm>
-          <a:off x="0" y="0"/>
-          <a:ext cx="0" cy="0"/>
-          <a:chOff x="0" y="0"/>
-          <a:chExt cx="0" cy="0"/>
-        </a:xfrm>
-      </p:grpSpPr>
-      <p:sp>
-        <p:nvSpPr>
-          <p:cNvPr id="2" name="제목 1"/>
-          <p:cNvSpPr>
-            <a:spLocks noGrp="1"/>
-          </p:cNvSpPr>
-          <p:nvPr>
-            <p:ph type="title"/>
-          </p:nvPr>
-        </p:nvSpPr>
-        <p:spPr/>
-        <p:txBody>
-          <a:bodyPr/>
-          <a:lstStyle/>
-          <a:p>
-            <a:r>
-              <a:rPr lang="en-US" altLang="ko-KR" dirty="0"/>
-              <a:t>Tips for Design</a:t>
-            </a:r>
-            <a:endParaRPr lang="ko-KR" altLang="en-US" dirty="0"/>
-          </a:p>
-        </p:txBody>
-      </p:sp>
-      <p:sp>
-        <p:nvSpPr>
-          <p:cNvPr id="3" name="내용 개체 틀 2"/>
-          <p:cNvSpPr>
-            <a:spLocks noGrp="1"/>
-          </p:cNvSpPr>
-          <p:nvPr>
-            <p:ph sz="quarter" idx="1"/>
-          </p:nvPr>
-        </p:nvSpPr>
-        <p:spPr/>
-        <p:txBody>
-          <a:bodyPr/>
-          <a:lstStyle/>
-          <a:p>
-            <a:r>
-              <a:rPr lang="en-US" altLang="ko-KR" dirty="0"/>
-              <a:t>Debugging Verilog is very difficult</a:t>
-            </a:r>
-          </a:p>
-          <a:p>
-            <a:pPr lvl="1"/>
-            <a:r>
-              <a:rPr lang="en-US" altLang="ko-KR" dirty="0"/>
-              <a:t>It is time consuming</a:t>
-            </a:r>
-          </a:p>
-          <a:p>
-            <a:pPr lvl="1"/>
-            <a:endParaRPr lang="en-US" altLang="ko-KR" dirty="0"/>
-          </a:p>
-          <a:p>
-            <a:r>
-              <a:rPr lang="en-US" altLang="ko-KR" dirty="0"/>
-              <a:t>Synthesis and Implementation is time consuming</a:t>
-            </a:r>
-          </a:p>
-          <a:p>
-            <a:pPr lvl="1"/>
-            <a:r>
-              <a:rPr lang="en-US" altLang="ko-KR" dirty="0"/>
-              <a:t>Maybe…… = 1-hours in most notebook</a:t>
-            </a:r>
-          </a:p>
-          <a:p>
-            <a:pPr lvl="1"/>
-            <a:r>
-              <a:rPr lang="en-US" altLang="ko-KR" dirty="0"/>
-              <a:t>So, maybe most of your time is consumed in this progress</a:t>
-            </a:r>
-          </a:p>
-          <a:p>
-            <a:endParaRPr lang="ko-KR" altLang="en-US" dirty="0"/>
-          </a:p>
-        </p:txBody>
-      </p:sp>
-    </p:spTree>
-    <p:extLst>
-      <p:ext uri="{BB962C8B-B14F-4D97-AF65-F5344CB8AC3E}">
-        <p14:creationId xmlns:p14="http://schemas.microsoft.com/office/powerpoint/2010/main" val="574248351"/>
-      </p:ext>
-    </p:extLst>
-  </p:cSld>
-  <p:clrMapOvr>
-    <a:masterClrMapping/>
-  </p:clrMapOvr>
-</p:sld>
-</file>
-
-<file path=ppt/slides/slide74.xml><?xml version="1.0" encoding="utf-8"?>
-<p:sld xmlns:a="http://schemas.openxmlformats.org/drawingml/2006/main" xmlns:r="http://schemas.openxmlformats.org/officeDocument/2006/relationships" xmlns:p="http://schemas.openxmlformats.org/presentationml/2006/main">
-  <p:cSld>
-    <p:spTree>
-      <p:nvGrpSpPr>
-        <p:cNvPr id="1" name=""/>
-        <p:cNvGrpSpPr/>
-        <p:nvPr/>
-      </p:nvGrpSpPr>
-      <p:grpSpPr>
-        <a:xfrm>
-          <a:off x="0" y="0"/>
-          <a:ext cx="0" cy="0"/>
-          <a:chOff x="0" y="0"/>
-          <a:chExt cx="0" cy="0"/>
-        </a:xfrm>
-      </p:grpSpPr>
-      <p:sp>
-        <p:nvSpPr>
-          <p:cNvPr id="2" name="제목 1"/>
-          <p:cNvSpPr>
-            <a:spLocks noGrp="1"/>
-          </p:cNvSpPr>
-          <p:nvPr>
-            <p:ph type="title"/>
-          </p:nvPr>
-        </p:nvSpPr>
-        <p:spPr/>
-        <p:txBody>
-          <a:bodyPr/>
-          <a:lstStyle/>
-          <a:p>
-            <a:r>
-              <a:rPr lang="en-US" altLang="ko-KR" dirty="0"/>
-              <a:t>Tips for Design</a:t>
-            </a:r>
-            <a:endParaRPr lang="ko-KR" altLang="en-US" dirty="0"/>
-          </a:p>
-        </p:txBody>
-      </p:sp>
-      <p:sp>
-        <p:nvSpPr>
-          <p:cNvPr id="3" name="내용 개체 틀 2"/>
-          <p:cNvSpPr>
-            <a:spLocks noGrp="1"/>
-          </p:cNvSpPr>
-          <p:nvPr>
-            <p:ph sz="quarter" idx="1"/>
-          </p:nvPr>
-        </p:nvSpPr>
-        <p:spPr/>
-        <p:txBody>
-          <a:bodyPr/>
-          <a:lstStyle/>
-          <a:p>
-            <a:r>
-              <a:rPr lang="en-US" altLang="ko-KR" dirty="0"/>
-              <a:t>First, design roughly for focusing on functionality (CNN) </a:t>
-            </a:r>
-          </a:p>
-          <a:p>
-            <a:pPr lvl="1"/>
-            <a:r>
-              <a:rPr lang="en-US" altLang="ko-KR" dirty="0"/>
-              <a:t>Implementation can be difficult enough.</a:t>
-            </a:r>
-          </a:p>
-          <a:p>
-            <a:r>
-              <a:rPr lang="en-US" altLang="ko-KR" dirty="0"/>
-              <a:t>Then optimize!</a:t>
-            </a:r>
-          </a:p>
-          <a:p>
-            <a:r>
-              <a:rPr lang="en-US" altLang="ko-KR" dirty="0"/>
-              <a:t>Almost everything we need to do in the project has already been covered in class and lab session.</a:t>
-            </a:r>
-          </a:p>
-          <a:p>
-            <a:pPr lvl="1"/>
-            <a:r>
-              <a:rPr lang="en-US" altLang="ko-KR" dirty="0"/>
-              <a:t>UART</a:t>
-            </a:r>
-          </a:p>
-          <a:p>
-            <a:pPr lvl="1"/>
-            <a:r>
-              <a:rPr lang="en-US" altLang="ko-KR" dirty="0"/>
-              <a:t>AXI</a:t>
-            </a:r>
-          </a:p>
-          <a:p>
-            <a:pPr lvl="1"/>
-            <a:r>
-              <a:rPr lang="en-US" altLang="ko-KR" dirty="0"/>
-              <a:t>FC (Advanced Compute units)</a:t>
-            </a:r>
-          </a:p>
-          <a:p>
-            <a:r>
-              <a:rPr lang="en-US" altLang="ko-KR" dirty="0"/>
-              <a:t>But you also need to revise and implement existing/new things</a:t>
-            </a:r>
-          </a:p>
-          <a:p>
-            <a:pPr lvl="1"/>
-            <a:r>
-              <a:rPr lang="en-US" altLang="ko-KR" dirty="0"/>
-              <a:t>Convolutional layer</a:t>
-            </a:r>
-          </a:p>
-          <a:p>
-            <a:pPr lvl="1"/>
-            <a:r>
-              <a:rPr lang="en-US" altLang="ko-KR" dirty="0"/>
-              <a:t>Max-pool</a:t>
-            </a:r>
-          </a:p>
-          <a:p>
-            <a:pPr lvl="1"/>
-            <a:r>
-              <a:rPr lang="en-US" altLang="ko-KR" dirty="0"/>
-              <a:t>Memory-mapped</a:t>
-            </a:r>
-          </a:p>
-          <a:p>
-            <a:endParaRPr lang="en-US" altLang="ko-KR" dirty="0"/>
-          </a:p>
-          <a:p>
-            <a:pPr marL="342900" lvl="1" indent="0">
-              <a:buNone/>
-            </a:pPr>
-            <a:endParaRPr lang="en-US" altLang="ko-KR" dirty="0"/>
-          </a:p>
-          <a:p>
-            <a:endParaRPr lang="ko-KR" altLang="en-US" dirty="0"/>
-          </a:p>
-        </p:txBody>
-      </p:sp>
-    </p:spTree>
-    <p:extLst>
-      <p:ext uri="{BB962C8B-B14F-4D97-AF65-F5344CB8AC3E}">
-        <p14:creationId xmlns:p14="http://schemas.microsoft.com/office/powerpoint/2010/main" val="3739969835"/>
-      </p:ext>
-    </p:extLst>
-  </p:cSld>
-  <p:clrMapOvr>
-    <a:masterClrMapping/>
-  </p:clrMapOvr>
-</p:sld>
-</file>
-
 <file path=ppt/slides/slide75.xml><?xml version="1.0" encoding="utf-8"?>
 <p:sld xmlns:a="http://schemas.openxmlformats.org/drawingml/2006/main" xmlns:r="http://schemas.openxmlformats.org/officeDocument/2006/relationships" xmlns:p="http://schemas.openxmlformats.org/presentationml/2006/main">
   <p:cSld>
@@ -34107,80 +34317,39 @@
           <a:p>
             <a:r>
               <a:rPr lang="en-US" altLang="ko-KR" dirty="0"/>
-              <a:t>Before writing code of modules, plan the algorithms</a:t>
+              <a:t>Debugging Verilog is very difficult</a:t>
             </a:r>
           </a:p>
           <a:p>
             <a:pPr lvl="1"/>
             <a:r>
               <a:rPr lang="en-US" altLang="ko-KR" dirty="0"/>
-              <a:t>Bit operations, convolving sequences, what to store and reuse (weights or input features)</a:t>
-            </a:r>
-          </a:p>
-          <a:p>
-            <a:r>
-              <a:rPr lang="en-US" altLang="ko-KR" dirty="0"/>
-              <a:t>There is few designs achieving both efficiency and easiness</a:t>
+              <a:t>It is time consuming</a:t>
             </a:r>
           </a:p>
           <a:p>
             <a:pPr lvl="1"/>
-            <a:r>
-              <a:rPr lang="en-US" altLang="ko-KR" dirty="0"/>
-              <a:t>So, </a:t>
-            </a:r>
-            <a:r>
-              <a:rPr lang="en-US" altLang="ko-KR" b="1" dirty="0">
-                <a:solidFill>
-                  <a:srgbClr val="C00000"/>
-                </a:solidFill>
-              </a:rPr>
-              <a:t>work hard and design thoroughly</a:t>
-            </a:r>
-            <a:r>
-              <a:rPr lang="en-US" altLang="ko-KR" dirty="0"/>
-              <a:t>!</a:t>
-            </a:r>
-          </a:p>
-          <a:p>
-            <a:r>
-              <a:rPr lang="en-US" altLang="ko-KR" dirty="0"/>
-              <a:t>Debugging Verilog code is very and more difficult than SW</a:t>
+            <a:endParaRPr lang="en-US" altLang="ko-KR" dirty="0"/>
+          </a:p>
+          <a:p>
+            <a:r>
+              <a:rPr lang="en-US" altLang="ko-KR" dirty="0"/>
+              <a:t>Synthesis and Implementation is time consuming</a:t>
             </a:r>
           </a:p>
           <a:p>
             <a:pPr lvl="1"/>
             <a:r>
               <a:rPr lang="en-US" altLang="ko-KR" dirty="0"/>
-              <a:t>Everyone knows that debugging is twice as hard as writing a program in the first place. So if you're as clever as you can be when you write it, how will you ever debug it?</a:t>
-            </a:r>
-          </a:p>
-          <a:p>
-            <a:pPr marL="342900" lvl="1" indent="0">
-              <a:buNone/>
-            </a:pPr>
-            <a:br>
-              <a:rPr lang="en-US" altLang="ko-KR" dirty="0"/>
-            </a:br>
-            <a:r>
-              <a:rPr lang="en-US" altLang="ko-KR" dirty="0"/>
-              <a:t>"</a:t>
-            </a:r>
-            <a:r>
-              <a:rPr lang="en-US" altLang="ko-KR" dirty="0">
-                <a:hlinkClick r:id="rId2"/>
-              </a:rPr>
-              <a:t>The Elements of Programming Style</a:t>
-            </a:r>
-            <a:r>
-              <a:rPr lang="en-US" altLang="ko-KR" dirty="0"/>
-              <a:t>", By Brian </a:t>
-            </a:r>
-            <a:r>
-              <a:rPr lang="en-US" altLang="ko-KR" dirty="0" err="1"/>
-              <a:t>Karnighan</a:t>
-            </a:r>
-            <a:endParaRPr lang="en-US" altLang="ko-KR" dirty="0"/>
+              <a:t>Maybe…… = 1-hours in most notebook</a:t>
+            </a:r>
+          </a:p>
+          <a:p>
+            <a:pPr lvl="1"/>
+            <a:r>
+              <a:rPr lang="en-US" altLang="ko-KR" dirty="0"/>
+              <a:t>So, maybe most of your time is consumed in this progress</a:t>
+            </a:r>
           </a:p>
           <a:p>
             <a:endParaRPr lang="ko-KR" altLang="en-US" dirty="0"/>
@@ -34190,7 +34359,7 @@
     </p:spTree>
     <p:extLst>
       <p:ext uri="{BB962C8B-B14F-4D97-AF65-F5344CB8AC3E}">
-        <p14:creationId xmlns:p14="http://schemas.microsoft.com/office/powerpoint/2010/main" val="2342420864"/>
+        <p14:creationId xmlns:p14="http://schemas.microsoft.com/office/powerpoint/2010/main" val="574248351"/>
       </p:ext>
     </p:extLst>
   </p:cSld>
@@ -34234,7 +34403,7 @@
           <a:p>
             <a:r>
               <a:rPr lang="en-US" altLang="ko-KR" dirty="0"/>
-              <a:t>Python API</a:t>
+              <a:t>Tips for Design</a:t>
             </a:r>
             <a:endParaRPr lang="ko-KR" altLang="en-US" dirty="0"/>
           </a:p>
@@ -34257,101 +34426,94 @@
           <a:p>
             <a:r>
               <a:rPr lang="en-US" altLang="ko-KR" dirty="0"/>
-              <a:t>You will use PC &lt;-&gt; FPGA board communication via UART</a:t>
+              <a:t>First, design roughly for focusing on functionality (CNN) </a:t>
+            </a:r>
+          </a:p>
+          <a:p>
+            <a:pPr lvl="1"/>
+            <a:r>
+              <a:rPr lang="en-US" altLang="ko-KR" dirty="0"/>
+              <a:t>Implementation can be difficult enough.</a:t>
+            </a:r>
+          </a:p>
+          <a:p>
+            <a:r>
+              <a:rPr lang="en-US" altLang="ko-KR" dirty="0"/>
+              <a:t>Then optimize!</a:t>
+            </a:r>
+          </a:p>
+          <a:p>
+            <a:r>
+              <a:rPr lang="en-US" altLang="ko-KR" dirty="0"/>
+              <a:t>Almost everything we need to do in the project has already been covered in class and lab session.</a:t>
+            </a:r>
+          </a:p>
+          <a:p>
+            <a:pPr lvl="1"/>
+            <a:r>
+              <a:rPr lang="en-US" altLang="ko-KR" dirty="0"/>
+              <a:t>UART</a:t>
+            </a:r>
+          </a:p>
+          <a:p>
+            <a:pPr lvl="1"/>
+            <a:r>
+              <a:rPr lang="en-US" altLang="ko-KR" dirty="0"/>
+              <a:t>AXI</a:t>
+            </a:r>
+          </a:p>
+          <a:p>
+            <a:pPr lvl="1"/>
+            <a:r>
+              <a:rPr lang="en-US" altLang="ko-KR" dirty="0"/>
+              <a:t>FC (Advanced Compute units)</a:t>
+            </a:r>
+          </a:p>
+          <a:p>
+            <a:r>
+              <a:rPr lang="en-US" altLang="ko-KR" dirty="0"/>
+              <a:t>But you also need to revise and implement existing/new things</a:t>
+            </a:r>
+          </a:p>
+          <a:p>
+            <a:pPr lvl="1"/>
+            <a:r>
+              <a:rPr lang="en-US" altLang="ko-KR" dirty="0"/>
+              <a:t>Convolutional layer</a:t>
+            </a:r>
+          </a:p>
+          <a:p>
+            <a:pPr lvl="1"/>
+            <a:r>
+              <a:rPr lang="en-US" altLang="ko-KR" dirty="0"/>
+              <a:t>Max-pool</a:t>
+            </a:r>
+          </a:p>
+          <a:p>
+            <a:pPr lvl="1"/>
+            <a:r>
+              <a:rPr lang="en-US" altLang="ko-KR" dirty="0"/>
+              <a:t>Memory-mapped</a:t>
             </a:r>
           </a:p>
           <a:p>
             <a:endParaRPr lang="en-US" altLang="ko-KR" dirty="0"/>
           </a:p>
           <a:p>
-            <a:r>
-              <a:rPr lang="en-US" altLang="ko-KR" dirty="0"/>
-              <a:t>We will provide python API for you</a:t>
-            </a:r>
-          </a:p>
-          <a:p>
-            <a:pPr lvl="1"/>
-            <a:r>
-              <a:rPr lang="en-US" altLang="ko-KR" dirty="0"/>
-              <a:t>You do not have to modify any python codes for this project, </a:t>
-            </a:r>
-            <a:br>
-              <a:rPr lang="en-US" altLang="ko-KR" dirty="0"/>
-            </a:br>
-            <a:r>
-              <a:rPr lang="en-US" altLang="ko-KR" dirty="0"/>
-              <a:t>unless if you want to modify the python codes for debugging</a:t>
-            </a:r>
-          </a:p>
-          <a:p>
+            <a:pPr marL="342900" lvl="1" indent="0">
+              <a:buNone/>
+            </a:pPr>
             <a:endParaRPr lang="en-US" altLang="ko-KR" dirty="0"/>
           </a:p>
           <a:p>
-            <a:r>
-              <a:rPr lang="en-US" altLang="ko-KR" dirty="0"/>
-              <a:t>And reuse the environment setting in Lab08</a:t>
-            </a:r>
-          </a:p>
-          <a:p>
-            <a:pPr lvl="1"/>
-            <a:r>
-              <a:rPr lang="en-US" altLang="ko-KR" dirty="0"/>
-              <a:t>Use </a:t>
-            </a:r>
-            <a:r>
-              <a:rPr lang="en-US" altLang="ko-KR" b="1" dirty="0" err="1"/>
-              <a:t>Conda</a:t>
-            </a:r>
-            <a:r>
-              <a:rPr lang="en-US" altLang="ko-KR" dirty="0"/>
-              <a:t> to install packages!!</a:t>
-            </a:r>
-          </a:p>
-          <a:p>
-            <a:pPr lvl="1"/>
-            <a:r>
-              <a:rPr lang="en-US" altLang="ko-KR" dirty="0"/>
-              <a:t>Package requirements (</a:t>
-            </a:r>
-            <a:r>
-              <a:rPr lang="en-US" altLang="ko-KR" dirty="0" err="1"/>
-              <a:t>jupyter</a:t>
-            </a:r>
-            <a:r>
-              <a:rPr lang="en-US" altLang="ko-KR" dirty="0"/>
-              <a:t>, </a:t>
-            </a:r>
-            <a:r>
-              <a:rPr lang="en-US" altLang="ko-KR" dirty="0" err="1"/>
-              <a:t>pyserial</a:t>
-            </a:r>
-            <a:r>
-              <a:rPr lang="en-US" altLang="ko-KR" dirty="0"/>
-              <a:t>, </a:t>
-            </a:r>
-            <a:r>
-              <a:rPr lang="en-US" altLang="ko-KR" dirty="0" err="1"/>
-              <a:t>numpy</a:t>
-            </a:r>
-            <a:r>
-              <a:rPr lang="en-US" altLang="ko-KR" dirty="0"/>
-              <a:t>, matplotlib, </a:t>
-            </a:r>
-            <a:r>
-              <a:rPr lang="en-US" altLang="ko-KR" dirty="0" err="1"/>
-              <a:t>pytorch</a:t>
-            </a:r>
-            <a:r>
-              <a:rPr lang="en-US" altLang="ko-KR" dirty="0"/>
-              <a:t>, glob2)</a:t>
-            </a:r>
+            <a:endParaRPr lang="ko-KR" altLang="en-US" dirty="0"/>
           </a:p>
         </p:txBody>
       </p:sp>
     </p:spTree>
     <p:extLst>
       <p:ext uri="{BB962C8B-B14F-4D97-AF65-F5344CB8AC3E}">
-        <p14:creationId xmlns:p14="http://schemas.microsoft.com/office/powerpoint/2010/main" val="3908373624"/>
+        <p14:creationId xmlns:p14="http://schemas.microsoft.com/office/powerpoint/2010/main" val="3739969835"/>
       </p:ext>
     </p:extLst>
   </p:cSld>
@@ -34395,7 +34557,7 @@
           <a:p>
             <a:r>
               <a:rPr lang="en-US" altLang="ko-KR" dirty="0"/>
-              <a:t>Python API</a:t>
+              <a:t>Tips for Design</a:t>
             </a:r>
             <a:endParaRPr lang="ko-KR" altLang="en-US" dirty="0"/>
           </a:p>
@@ -34418,57 +34580,90 @@
           <a:p>
             <a:r>
               <a:rPr lang="en-US" altLang="ko-KR" dirty="0"/>
-              <a:t>Here is the python APIs list and specifications</a:t>
-            </a:r>
-          </a:p>
-          <a:p>
+              <a:t>Before writing code of modules, plan the algorithms</a:t>
+            </a:r>
+          </a:p>
+          <a:p>
+            <a:pPr lvl="1"/>
+            <a:r>
+              <a:rPr lang="en-US" altLang="ko-KR" dirty="0"/>
+              <a:t>Bit operations, convolving sequences, what to store and reuse (weights or input features)</a:t>
+            </a:r>
+          </a:p>
+          <a:p>
+            <a:r>
+              <a:rPr lang="en-US" altLang="ko-KR" dirty="0"/>
+              <a:t>There is few designs achieving both efficiency and easiness</a:t>
+            </a:r>
+          </a:p>
+          <a:p>
+            <a:pPr lvl="1"/>
+            <a:r>
+              <a:rPr lang="en-US" altLang="ko-KR" dirty="0"/>
+              <a:t>So, </a:t>
+            </a:r>
+            <a:r>
+              <a:rPr lang="en-US" altLang="ko-KR" b="1" dirty="0">
+                <a:solidFill>
+                  <a:srgbClr val="C00000"/>
+                </a:solidFill>
+              </a:rPr>
+              <a:t>work hard and design thoroughly</a:t>
+            </a:r>
+            <a:r>
+              <a:rPr lang="en-US" altLang="ko-KR" dirty="0"/>
+              <a:t>!</a:t>
+            </a:r>
+          </a:p>
+          <a:p>
+            <a:r>
+              <a:rPr lang="en-US" altLang="ko-KR" dirty="0"/>
+              <a:t>Debugging Verilog code is very and more difficult than SW</a:t>
+            </a:r>
+          </a:p>
+          <a:p>
+            <a:pPr lvl="1"/>
+            <a:r>
+              <a:rPr lang="en-US" altLang="ko-KR" dirty="0"/>
+              <a:t>Everyone knows that debugging is twice as hard as writing a program in the first place. So, if you're as clever as you can be when you write it, how will you ever debug it?</a:t>
+            </a:r>
+          </a:p>
+          <a:p>
+            <a:pPr marL="342900" lvl="1" indent="0">
+              <a:buNone/>
+            </a:pPr>
+            <a:br>
+              <a:rPr lang="en-US" altLang="ko-KR" dirty="0"/>
+            </a:br>
+            <a:r>
+              <a:rPr lang="en-US" altLang="ko-KR" dirty="0"/>
+              <a:t>"</a:t>
+            </a:r>
+            <a:r>
+              <a:rPr lang="en-US" altLang="ko-KR" dirty="0">
+                <a:hlinkClick r:id="rId2"/>
+              </a:rPr>
+              <a:t>The Elements of Programming Style</a:t>
+            </a:r>
+            <a:r>
+              <a:rPr lang="en-US" altLang="ko-KR" dirty="0"/>
+              <a:t>", By Brian </a:t>
+            </a:r>
+            <a:r>
+              <a:rPr lang="en-US" altLang="ko-KR" dirty="0" err="1"/>
+              <a:t>Karnighan</a:t>
+            </a:r>
             <a:endParaRPr lang="en-US" altLang="ko-KR" dirty="0"/>
           </a:p>
           <a:p>
-            <a:r>
-              <a:rPr lang="en-US" altLang="ko-KR" dirty="0"/>
-              <a:t>There are implementation details on project *.</a:t>
-            </a:r>
-            <a:r>
-              <a:rPr lang="en-US" altLang="ko-KR" dirty="0" err="1"/>
-              <a:t>py</a:t>
-            </a:r>
-            <a:r>
-              <a:rPr lang="en-US" altLang="ko-KR" dirty="0"/>
-              <a:t> code</a:t>
-            </a:r>
-          </a:p>
-          <a:p>
-            <a:endParaRPr lang="en-US" altLang="ko-KR" dirty="0"/>
-          </a:p>
-          <a:p>
-            <a:r>
-              <a:rPr lang="en-US" altLang="ko-KR" dirty="0"/>
-              <a:t>First, we recommend you run the </a:t>
-            </a:r>
-            <a:r>
-              <a:rPr lang="en-US" altLang="ko-KR" b="1" dirty="0" err="1"/>
-              <a:t>cifar_pytorch.ipynb</a:t>
-            </a:r>
-            <a:r>
-              <a:rPr lang="en-US" altLang="ko-KR" b="1" dirty="0"/>
-              <a:t> </a:t>
-            </a:r>
-            <a:r>
-              <a:rPr lang="en-US" altLang="ko-KR" dirty="0" err="1"/>
-              <a:t>jupyter</a:t>
-            </a:r>
-            <a:r>
-              <a:rPr lang="en-US" altLang="ko-KR" dirty="0"/>
-              <a:t>-notebook to understand how each layer works</a:t>
-            </a:r>
+            <a:endParaRPr lang="ko-KR" altLang="en-US" dirty="0"/>
           </a:p>
         </p:txBody>
       </p:sp>
     </p:spTree>
     <p:extLst>
       <p:ext uri="{BB962C8B-B14F-4D97-AF65-F5344CB8AC3E}">
-        <p14:creationId xmlns:p14="http://schemas.microsoft.com/office/powerpoint/2010/main" val="775869754"/>
+        <p14:creationId xmlns:p14="http://schemas.microsoft.com/office/powerpoint/2010/main" val="2342420864"/>
       </p:ext>
     </p:extLst>
   </p:cSld>
@@ -34535,40 +34730,132 @@
           <a:p>
             <a:r>
               <a:rPr lang="en-US" altLang="ko-KR" dirty="0"/>
-              <a:t>layers_cifar10.py</a:t>
-            </a:r>
-            <a:endParaRPr lang="ko-KR" altLang="en-US" dirty="0"/>
+              <a:t>You will use PC &lt;-&gt; FPGA board communication via UART</a:t>
+            </a:r>
+          </a:p>
+          <a:p>
+            <a:endParaRPr lang="en-US" altLang="ko-KR" dirty="0"/>
+          </a:p>
+          <a:p>
+            <a:r>
+              <a:rPr lang="en-US" altLang="ko-KR" dirty="0"/>
+              <a:t>We will provide python API for you</a:t>
+            </a:r>
+          </a:p>
+          <a:p>
+            <a:pPr lvl="1"/>
+            <a:r>
+              <a:rPr lang="en-US" altLang="ko-KR" dirty="0"/>
+              <a:t>You do not have to modify any python codes for this project, </a:t>
+            </a:r>
+            <a:br>
+              <a:rPr lang="en-US" altLang="ko-KR" dirty="0"/>
+            </a:br>
+            <a:r>
+              <a:rPr lang="en-US" altLang="ko-KR" dirty="0"/>
+              <a:t>unless if you want to modify the python codes for debugging</a:t>
+            </a:r>
+          </a:p>
+          <a:p>
+            <a:endParaRPr lang="en-US" altLang="ko-KR" dirty="0"/>
+          </a:p>
+          <a:p>
+            <a:r>
+              <a:rPr lang="en-US" altLang="ko-KR" dirty="0"/>
+              <a:t>And reuse the environment setting in Lab08</a:t>
+            </a:r>
+          </a:p>
+          <a:p>
+            <a:pPr lvl="1"/>
+            <a:r>
+              <a:rPr lang="en-US" altLang="ko-KR" dirty="0"/>
+              <a:t>Use </a:t>
+            </a:r>
+            <a:r>
+              <a:rPr lang="en-US" altLang="ko-KR" b="1" dirty="0" err="1"/>
+              <a:t>Conda</a:t>
+            </a:r>
+            <a:r>
+              <a:rPr lang="en-US" altLang="ko-KR" dirty="0"/>
+              <a:t> to install packages!!</a:t>
+            </a:r>
+          </a:p>
+          <a:p>
+            <a:pPr lvl="1"/>
+            <a:r>
+              <a:rPr lang="en-US" altLang="ko-KR" dirty="0"/>
+              <a:t>Package requirements (</a:t>
+            </a:r>
+            <a:r>
+              <a:rPr lang="en-US" altLang="ko-KR" dirty="0" err="1"/>
+              <a:t>jupyter</a:t>
+            </a:r>
+            <a:r>
+              <a:rPr lang="en-US" altLang="ko-KR" dirty="0"/>
+              <a:t>, </a:t>
+            </a:r>
+            <a:r>
+              <a:rPr lang="en-US" altLang="ko-KR" dirty="0" err="1"/>
+              <a:t>pyserial</a:t>
+            </a:r>
+            <a:r>
+              <a:rPr lang="en-US" altLang="ko-KR" dirty="0"/>
+              <a:t>, </a:t>
+            </a:r>
+            <a:r>
+              <a:rPr lang="en-US" altLang="ko-KR" dirty="0" err="1"/>
+              <a:t>numpy</a:t>
+            </a:r>
+            <a:r>
+              <a:rPr lang="en-US" altLang="ko-KR" dirty="0"/>
+              <a:t>, matplotlib, </a:t>
+            </a:r>
+            <a:r>
+              <a:rPr lang="en-US" altLang="ko-KR" b="1" dirty="0"/>
+              <a:t>torch</a:t>
+            </a:r>
+            <a:r>
+              <a:rPr lang="en-US" altLang="ko-KR" dirty="0"/>
+              <a:t>, glob2)</a:t>
+            </a:r>
+          </a:p>
+          <a:p>
+            <a:pPr lvl="1"/>
+            <a:r>
+              <a:rPr lang="en-US" altLang="ko-KR" dirty="0"/>
+              <a:t>$ </a:t>
+            </a:r>
+            <a:r>
+              <a:rPr lang="en-US" altLang="ko-KR" b="1" dirty="0" err="1"/>
+              <a:t>conda</a:t>
+            </a:r>
+            <a:r>
+              <a:rPr lang="en-US" altLang="ko-KR" b="1" dirty="0"/>
+              <a:t> install pip</a:t>
+            </a:r>
+          </a:p>
+          <a:p>
+            <a:pPr lvl="1"/>
+            <a:r>
+              <a:rPr lang="en-US" altLang="ko-KR" dirty="0"/>
+              <a:t>$ </a:t>
+            </a:r>
+            <a:r>
+              <a:rPr lang="en-US" altLang="ko-KR" b="1" dirty="0"/>
+              <a:t>pip install -r </a:t>
+            </a:r>
+            <a:r>
+              <a:rPr lang="en-US" altLang="ko-KR" b="1" dirty="0" err="1"/>
+              <a:t>requirements.txt</a:t>
+            </a:r>
+            <a:endParaRPr lang="en-US" altLang="ko-KR" b="1" dirty="0"/>
           </a:p>
         </p:txBody>
       </p:sp>
-      <p:pic>
-        <p:nvPicPr>
-          <p:cNvPr id="4" name="그림 3"/>
-          <p:cNvPicPr>
-            <a:picLocks noChangeAspect="1"/>
-          </p:cNvPicPr>
-          <p:nvPr/>
-        </p:nvPicPr>
-        <p:blipFill>
-          <a:blip r:embed="rId2"/>
-          <a:stretch>
-            <a:fillRect/>
-          </a:stretch>
-        </p:blipFill>
-        <p:spPr>
-          <a:xfrm>
-            <a:off x="1500187" y="2144315"/>
-            <a:ext cx="5915025" cy="3178969"/>
-          </a:xfrm>
-          <a:prstGeom prst="rect">
-            <a:avLst/>
-          </a:prstGeom>
-        </p:spPr>
-      </p:pic>
     </p:spTree>
     <p:extLst>
       <p:ext uri="{BB962C8B-B14F-4D97-AF65-F5344CB8AC3E}">
-        <p14:creationId xmlns:p14="http://schemas.microsoft.com/office/powerpoint/2010/main" val="574789052"/>
+        <p14:creationId xmlns:p14="http://schemas.microsoft.com/office/powerpoint/2010/main" val="3908373624"/>
       </p:ext>
     </p:extLst>
   </p:cSld>
@@ -34635,40 +34922,57 @@
           <a:p>
             <a:r>
               <a:rPr lang="en-US" altLang="ko-KR" dirty="0"/>
-              <a:t>layers_cifar10.py</a:t>
-            </a:r>
-            <a:endParaRPr lang="ko-KR" altLang="en-US" dirty="0"/>
+              <a:t>Here is the python APIs list and specifications</a:t>
+            </a:r>
+          </a:p>
+          <a:p>
+            <a:endParaRPr lang="en-US" altLang="ko-KR" dirty="0"/>
+          </a:p>
+          <a:p>
+            <a:r>
+              <a:rPr lang="en-US" altLang="ko-KR" dirty="0"/>
+              <a:t>There are implementation details on project *.</a:t>
+            </a:r>
+            <a:r>
+              <a:rPr lang="en-US" altLang="ko-KR" dirty="0" err="1"/>
+              <a:t>py</a:t>
+            </a:r>
+            <a:r>
+              <a:rPr lang="en-US" altLang="ko-KR" dirty="0"/>
+              <a:t> code</a:t>
+            </a:r>
+          </a:p>
+          <a:p>
+            <a:endParaRPr lang="en-US" altLang="ko-KR" dirty="0"/>
+          </a:p>
+          <a:p>
+            <a:r>
+              <a:rPr lang="en-US" altLang="ko-KR" dirty="0"/>
+              <a:t>First, we recommend you run the </a:t>
+            </a:r>
+            <a:r>
+              <a:rPr lang="en-US" altLang="ko-KR" b="1" dirty="0" err="1"/>
+              <a:t>cifar_pytorch.ipynb</a:t>
+            </a:r>
+            <a:r>
+              <a:rPr lang="en-US" altLang="ko-KR" b="1" dirty="0"/>
+              <a:t> </a:t>
+            </a:r>
+            <a:r>
+              <a:rPr lang="en-US" altLang="ko-KR" dirty="0" err="1"/>
+              <a:t>jupyter</a:t>
+            </a:r>
+            <a:r>
+              <a:rPr lang="en-US" altLang="ko-KR" dirty="0"/>
+              <a:t>-notebook to understand how each layer works</a:t>
+            </a:r>
           </a:p>
         </p:txBody>
       </p:sp>
-      <p:pic>
-        <p:nvPicPr>
-          <p:cNvPr id="5" name="그림 4"/>
-          <p:cNvPicPr>
-            <a:picLocks noChangeAspect="1"/>
-          </p:cNvPicPr>
-          <p:nvPr/>
-        </p:nvPicPr>
-        <p:blipFill>
-          <a:blip r:embed="rId2"/>
-          <a:stretch>
-            <a:fillRect/>
-          </a:stretch>
-        </p:blipFill>
-        <p:spPr>
-          <a:xfrm>
-            <a:off x="1364456" y="2476500"/>
-            <a:ext cx="6186488" cy="2514600"/>
-          </a:xfrm>
-          <a:prstGeom prst="rect">
-            <a:avLst/>
-          </a:prstGeom>
-        </p:spPr>
-      </p:pic>
     </p:spTree>
     <p:extLst>
       <p:ext uri="{BB962C8B-B14F-4D97-AF65-F5344CB8AC3E}">
-        <p14:creationId xmlns:p14="http://schemas.microsoft.com/office/powerpoint/2010/main" val="3240278876"/>
+        <p14:creationId xmlns:p14="http://schemas.microsoft.com/office/powerpoint/2010/main" val="775869754"/>
       </p:ext>
     </p:extLst>
   </p:cSld>
@@ -34854,7 +35158,7 @@
       </p:sp>
       <p:pic>
         <p:nvPicPr>
-          <p:cNvPr id="6" name="그림 5"/>
+          <p:cNvPr id="4" name="그림 3"/>
           <p:cNvPicPr>
             <a:picLocks noChangeAspect="1"/>
           </p:cNvPicPr>
@@ -34868,8 +35172,8 @@
         </p:blipFill>
         <p:spPr>
           <a:xfrm>
-            <a:off x="1743075" y="2483643"/>
-            <a:ext cx="5429250" cy="2500313"/>
+            <a:off x="1500187" y="2144315"/>
+            <a:ext cx="5915025" cy="3178969"/>
           </a:xfrm>
           <a:prstGeom prst="rect">
             <a:avLst/>
@@ -34879,7 +35183,7 @@
     </p:spTree>
     <p:extLst>
       <p:ext uri="{BB962C8B-B14F-4D97-AF65-F5344CB8AC3E}">
-        <p14:creationId xmlns:p14="http://schemas.microsoft.com/office/powerpoint/2010/main" val="2266032157"/>
+        <p14:creationId xmlns:p14="http://schemas.microsoft.com/office/powerpoint/2010/main" val="574789052"/>
       </p:ext>
     </p:extLst>
   </p:cSld>
@@ -34945,8 +35249,8 @@
           <a:lstStyle/>
           <a:p>
             <a:r>
-              <a:rPr lang="en-US" altLang="ko-KR" dirty="0" err="1"/>
-              <a:t>bit_operation.py</a:t>
+              <a:rPr lang="en-US" altLang="ko-KR" dirty="0"/>
+              <a:t>layers_cifar10.py</a:t>
             </a:r>
             <a:endParaRPr lang="ko-KR" altLang="en-US" dirty="0"/>
           </a:p>
@@ -34954,7 +35258,7 @@
       </p:sp>
       <p:pic>
         <p:nvPicPr>
-          <p:cNvPr id="7" name="그림 6"/>
+          <p:cNvPr id="5" name="그림 4"/>
           <p:cNvPicPr>
             <a:picLocks noChangeAspect="1"/>
           </p:cNvPicPr>
@@ -34968,8 +35272,8 @@
         </p:blipFill>
         <p:spPr>
           <a:xfrm>
-            <a:off x="1100881" y="2000240"/>
-            <a:ext cx="6713638" cy="3467119"/>
+            <a:off x="1364456" y="2476500"/>
+            <a:ext cx="6186488" cy="2514600"/>
           </a:xfrm>
           <a:prstGeom prst="rect">
             <a:avLst/>
@@ -34979,7 +35283,7 @@
     </p:spTree>
     <p:extLst>
       <p:ext uri="{BB962C8B-B14F-4D97-AF65-F5344CB8AC3E}">
-        <p14:creationId xmlns:p14="http://schemas.microsoft.com/office/powerpoint/2010/main" val="699615407"/>
+        <p14:creationId xmlns:p14="http://schemas.microsoft.com/office/powerpoint/2010/main" val="3240278876"/>
       </p:ext>
     </p:extLst>
   </p:cSld>
@@ -35046,7 +35350,7 @@
           <a:p>
             <a:r>
               <a:rPr lang="en-US" altLang="ko-KR" dirty="0"/>
-              <a:t>setup_cifar10.py</a:t>
+              <a:t>layers_cifar10.py</a:t>
             </a:r>
             <a:endParaRPr lang="ko-KR" altLang="en-US" dirty="0"/>
           </a:p>
@@ -35054,7 +35358,7 @@
       </p:sp>
       <p:pic>
         <p:nvPicPr>
-          <p:cNvPr id="5" name="그림 4"/>
+          <p:cNvPr id="6" name="그림 5"/>
           <p:cNvPicPr>
             <a:picLocks noChangeAspect="1"/>
           </p:cNvPicPr>
@@ -35068,8 +35372,8 @@
         </p:blipFill>
         <p:spPr>
           <a:xfrm>
-            <a:off x="1403071" y="2231146"/>
-            <a:ext cx="6109258" cy="3005308"/>
+            <a:off x="1743075" y="2483643"/>
+            <a:ext cx="5429250" cy="2500313"/>
           </a:xfrm>
           <a:prstGeom prst="rect">
             <a:avLst/>
@@ -35079,7 +35383,7 @@
     </p:spTree>
     <p:extLst>
       <p:ext uri="{BB962C8B-B14F-4D97-AF65-F5344CB8AC3E}">
-        <p14:creationId xmlns:p14="http://schemas.microsoft.com/office/powerpoint/2010/main" val="3557692347"/>
+        <p14:creationId xmlns:p14="http://schemas.microsoft.com/office/powerpoint/2010/main" val="2266032157"/>
       </p:ext>
     </p:extLst>
   </p:cSld>
@@ -35145,65 +35449,16 @@
           <a:lstStyle/>
           <a:p>
             <a:r>
-              <a:rPr lang="en-US" altLang="ko-KR" dirty="0"/>
-              <a:t>scale_uart.py</a:t>
-            </a:r>
-          </a:p>
-          <a:p>
-            <a:pPr lvl="1"/>
-            <a:r>
               <a:rPr lang="en-US" altLang="ko-KR" dirty="0" err="1"/>
-              <a:t>su_set</a:t>
-            </a:r>
-            <a:r>
-              <a:rPr lang="en-US" altLang="ko-KR" dirty="0"/>
-              <a:t>_*() functions:</a:t>
-            </a:r>
-          </a:p>
-          <a:p>
-            <a:pPr lvl="1"/>
-            <a:r>
-              <a:rPr lang="en-US" altLang="ko-KR" dirty="0"/>
-              <a:t>Read from file</a:t>
-            </a:r>
-          </a:p>
-          <a:p>
-            <a:pPr lvl="1"/>
-            <a:r>
-              <a:rPr lang="en-US" altLang="ko-KR" dirty="0"/>
-              <a:t>Write to DRAM with base</a:t>
-            </a:r>
-            <a:br>
-              <a:rPr lang="en-US" altLang="ko-KR" dirty="0"/>
-            </a:br>
-            <a:r>
-              <a:rPr lang="en-US" altLang="ko-KR" dirty="0"/>
-              <a:t>address</a:t>
-            </a:r>
-          </a:p>
-          <a:p>
-            <a:pPr lvl="1"/>
-            <a:endParaRPr lang="en-US" altLang="ko-KR" dirty="0"/>
-          </a:p>
-          <a:p>
-            <a:r>
-              <a:rPr lang="en-US" altLang="ko-KR" dirty="0"/>
-              <a:t>See the scale_uart.py and </a:t>
-            </a:r>
-            <a:br>
-              <a:rPr lang="en-US" altLang="ko-KR" dirty="0"/>
-            </a:br>
-            <a:r>
-              <a:rPr lang="en-US" altLang="ko-KR" dirty="0" err="1"/>
-              <a:t>all_layer_test.ipynb</a:t>
-            </a:r>
-            <a:endParaRPr lang="en-US" altLang="ko-KR" dirty="0"/>
+              <a:t>bit_operation.py</a:t>
+            </a:r>
+            <a:endParaRPr lang="ko-KR" altLang="en-US" dirty="0"/>
           </a:p>
         </p:txBody>
       </p:sp>
       <p:pic>
         <p:nvPicPr>
-          <p:cNvPr id="4" name="그림 3"/>
+          <p:cNvPr id="7" name="그림 6"/>
           <p:cNvPicPr>
             <a:picLocks noChangeAspect="1"/>
           </p:cNvPicPr>
@@ -35217,8 +35472,8 @@
         </p:blipFill>
         <p:spPr>
           <a:xfrm>
-            <a:off x="4572000" y="1268277"/>
-            <a:ext cx="3988653" cy="4931046"/>
+            <a:off x="1100881" y="2000240"/>
+            <a:ext cx="6713638" cy="3467119"/>
           </a:xfrm>
           <a:prstGeom prst="rect">
             <a:avLst/>
@@ -35228,7 +35483,7 @@
     </p:spTree>
     <p:extLst>
       <p:ext uri="{BB962C8B-B14F-4D97-AF65-F5344CB8AC3E}">
-        <p14:creationId xmlns:p14="http://schemas.microsoft.com/office/powerpoint/2010/main" val="495613173"/>
+        <p14:creationId xmlns:p14="http://schemas.microsoft.com/office/powerpoint/2010/main" val="699615407"/>
       </p:ext>
     </p:extLst>
   </p:cSld>
@@ -35295,29 +35550,15 @@
           <a:p>
             <a:r>
               <a:rPr lang="en-US" altLang="ko-KR" dirty="0"/>
-              <a:t>scale_uart.py</a:t>
-            </a:r>
-          </a:p>
-          <a:p>
-            <a:pPr lvl="1"/>
-            <a:r>
-              <a:rPr lang="en-US" altLang="ko-KR" dirty="0"/>
-              <a:t>You can check the address or send the </a:t>
-            </a:r>
-            <a:r>
-              <a:rPr lang="en-US" altLang="ko-KR" dirty="0" err="1"/>
-              <a:t>val</a:t>
-            </a:r>
-            <a:r>
-              <a:rPr lang="en-US" altLang="ko-KR" dirty="0"/>
-              <a:t> to address by this function</a:t>
-            </a:r>
+              <a:t>setup_cifar10.py</a:t>
+            </a:r>
+            <a:endParaRPr lang="ko-KR" altLang="en-US" dirty="0"/>
           </a:p>
         </p:txBody>
       </p:sp>
       <p:pic>
         <p:nvPicPr>
-          <p:cNvPr id="4" name="그림 3"/>
+          <p:cNvPr id="5" name="그림 4"/>
           <p:cNvPicPr>
             <a:picLocks noChangeAspect="1"/>
           </p:cNvPicPr>
@@ -35331,8 +35572,8 @@
         </p:blipFill>
         <p:spPr>
           <a:xfrm>
-            <a:off x="1520028" y="2460523"/>
-            <a:ext cx="5875343" cy="2546553"/>
+            <a:off x="1403071" y="2231146"/>
+            <a:ext cx="6109258" cy="3005308"/>
           </a:xfrm>
           <a:prstGeom prst="rect">
             <a:avLst/>
@@ -35342,7 +35583,7 @@
     </p:spTree>
     <p:extLst>
       <p:ext uri="{BB962C8B-B14F-4D97-AF65-F5344CB8AC3E}">
-        <p14:creationId xmlns:p14="http://schemas.microsoft.com/office/powerpoint/2010/main" val="3937601856"/>
+        <p14:creationId xmlns:p14="http://schemas.microsoft.com/office/powerpoint/2010/main" val="3557692347"/>
       </p:ext>
     </p:extLst>
   </p:cSld>
@@ -35409,60 +35650,89 @@
           <a:p>
             <a:r>
               <a:rPr lang="en-US" altLang="ko-KR" dirty="0"/>
-              <a:t>If you have any questions on Python API, please ask questions on the </a:t>
-            </a:r>
-            <a:r>
-              <a:rPr lang="en-US" altLang="ko-KR" b="1" dirty="0" err="1">
-                <a:solidFill>
-                  <a:srgbClr val="C00000"/>
-                </a:solidFill>
-              </a:rPr>
-              <a:t>eTL</a:t>
-            </a:r>
-            <a:r>
-              <a:rPr lang="en-US" altLang="ko-KR" b="1" dirty="0">
-                <a:solidFill>
-                  <a:srgbClr val="C00000"/>
-                </a:solidFill>
-              </a:rPr>
-              <a:t> Project Q&amp;A board</a:t>
-            </a:r>
-          </a:p>
-          <a:p>
-            <a:endParaRPr lang="en-US" altLang="ko-KR" b="1" dirty="0">
-              <a:solidFill>
-                <a:srgbClr val="C00000"/>
-              </a:solidFill>
-            </a:endParaRPr>
-          </a:p>
-          <a:p>
-            <a:r>
-              <a:rPr lang="en-US" altLang="ko-KR" dirty="0"/>
-              <a:t>And please make it </a:t>
-            </a:r>
-            <a:r>
-              <a:rPr lang="en-US" altLang="ko-KR" b="1" dirty="0"/>
-              <a:t>public</a:t>
-            </a:r>
-            <a:r>
-              <a:rPr lang="en-US" altLang="ko-KR" dirty="0"/>
-              <a:t> for other students</a:t>
+              <a:t>scale_uart.py</a:t>
             </a:r>
           </a:p>
           <a:p>
             <a:pPr lvl="1"/>
             <a:r>
-              <a:rPr lang="en-US" altLang="ko-KR" dirty="0"/>
-              <a:t>If we think that the question can be shared with other students, we will force the question to be public</a:t>
-            </a:r>
-            <a:endParaRPr lang="ko-KR" altLang="en-US" dirty="0"/>
+              <a:rPr lang="en-US" altLang="ko-KR" dirty="0" err="1"/>
+              <a:t>su_set</a:t>
+            </a:r>
+            <a:r>
+              <a:rPr lang="en-US" altLang="ko-KR" dirty="0"/>
+              <a:t>_*() functions:</a:t>
+            </a:r>
+          </a:p>
+          <a:p>
+            <a:pPr lvl="1"/>
+            <a:r>
+              <a:rPr lang="en-US" altLang="ko-KR" dirty="0"/>
+              <a:t>Read from file</a:t>
+            </a:r>
+          </a:p>
+          <a:p>
+            <a:pPr lvl="1"/>
+            <a:r>
+              <a:rPr lang="en-US" altLang="ko-KR" dirty="0"/>
+              <a:t>Write to DRAM with base</a:t>
+            </a:r>
+            <a:br>
+              <a:rPr lang="en-US" altLang="ko-KR" dirty="0"/>
+            </a:br>
+            <a:r>
+              <a:rPr lang="en-US" altLang="ko-KR" dirty="0"/>
+              <a:t>address</a:t>
+            </a:r>
+          </a:p>
+          <a:p>
+            <a:pPr lvl="1"/>
+            <a:endParaRPr lang="en-US" altLang="ko-KR" dirty="0"/>
+          </a:p>
+          <a:p>
+            <a:r>
+              <a:rPr lang="en-US" altLang="ko-KR" dirty="0"/>
+              <a:t>See the scale_uart.py and </a:t>
+            </a:r>
+            <a:br>
+              <a:rPr lang="en-US" altLang="ko-KR" dirty="0"/>
+            </a:br>
+            <a:r>
+              <a:rPr lang="en-US" altLang="ko-KR" dirty="0" err="1"/>
+              <a:t>all_layer_test.ipynb</a:t>
+            </a:r>
+            <a:endParaRPr lang="en-US" altLang="ko-KR" dirty="0"/>
           </a:p>
         </p:txBody>
       </p:sp>
+      <p:pic>
+        <p:nvPicPr>
+          <p:cNvPr id="4" name="그림 3"/>
+          <p:cNvPicPr>
+            <a:picLocks noChangeAspect="1"/>
+          </p:cNvPicPr>
+          <p:nvPr/>
+        </p:nvPicPr>
+        <p:blipFill>
+          <a:blip r:embed="rId2"/>
+          <a:stretch>
+            <a:fillRect/>
+          </a:stretch>
+        </p:blipFill>
+        <p:spPr>
+          <a:xfrm>
+            <a:off x="4572000" y="1268277"/>
+            <a:ext cx="3988653" cy="4931046"/>
+          </a:xfrm>
+          <a:prstGeom prst="rect">
+            <a:avLst/>
+          </a:prstGeom>
+        </p:spPr>
+      </p:pic>
     </p:spTree>
     <p:extLst>
       <p:ext uri="{BB962C8B-B14F-4D97-AF65-F5344CB8AC3E}">
-        <p14:creationId xmlns:p14="http://schemas.microsoft.com/office/powerpoint/2010/main" val="3791227272"/>
+        <p14:creationId xmlns:p14="http://schemas.microsoft.com/office/powerpoint/2010/main" val="495613173"/>
       </p:ext>
     </p:extLst>
   </p:cSld>
@@ -35473,6 +35743,120 @@
 </file>
 
 <file path=ppt/slides/slide86.xml><?xml version="1.0" encoding="utf-8"?>
+<p:sld xmlns:a="http://schemas.openxmlformats.org/drawingml/2006/main" xmlns:r="http://schemas.openxmlformats.org/officeDocument/2006/relationships" xmlns:p="http://schemas.openxmlformats.org/presentationml/2006/main">
+  <p:cSld>
+    <p:spTree>
+      <p:nvGrpSpPr>
+        <p:cNvPr id="1" name=""/>
+        <p:cNvGrpSpPr/>
+        <p:nvPr/>
+      </p:nvGrpSpPr>
+      <p:grpSpPr>
+        <a:xfrm>
+          <a:off x="0" y="0"/>
+          <a:ext cx="0" cy="0"/>
+          <a:chOff x="0" y="0"/>
+          <a:chExt cx="0" cy="0"/>
+        </a:xfrm>
+      </p:grpSpPr>
+      <p:sp>
+        <p:nvSpPr>
+          <p:cNvPr id="2" name="제목 1"/>
+          <p:cNvSpPr>
+            <a:spLocks noGrp="1"/>
+          </p:cNvSpPr>
+          <p:nvPr>
+            <p:ph type="title"/>
+          </p:nvPr>
+        </p:nvSpPr>
+        <p:spPr/>
+        <p:txBody>
+          <a:bodyPr/>
+          <a:lstStyle/>
+          <a:p>
+            <a:r>
+              <a:rPr lang="en-US" altLang="ko-KR" dirty="0"/>
+              <a:t>Python API</a:t>
+            </a:r>
+            <a:endParaRPr lang="ko-KR" altLang="en-US" dirty="0"/>
+          </a:p>
+        </p:txBody>
+      </p:sp>
+      <p:sp>
+        <p:nvSpPr>
+          <p:cNvPr id="3" name="내용 개체 틀 2"/>
+          <p:cNvSpPr>
+            <a:spLocks noGrp="1"/>
+          </p:cNvSpPr>
+          <p:nvPr>
+            <p:ph sz="quarter" idx="1"/>
+          </p:nvPr>
+        </p:nvSpPr>
+        <p:spPr/>
+        <p:txBody>
+          <a:bodyPr/>
+          <a:lstStyle/>
+          <a:p>
+            <a:r>
+              <a:rPr lang="en-US" altLang="ko-KR" dirty="0"/>
+              <a:t>scale_uart.py</a:t>
+            </a:r>
+          </a:p>
+          <a:p>
+            <a:pPr lvl="1"/>
+            <a:r>
+              <a:rPr lang="en-US" altLang="ko-KR" dirty="0"/>
+              <a:t>You can check the address or send the </a:t>
+            </a:r>
+            <a:r>
+              <a:rPr lang="en-US" altLang="ko-KR" dirty="0" err="1"/>
+              <a:t>val</a:t>
+            </a:r>
+            <a:r>
+              <a:rPr lang="en-US" altLang="ko-KR" dirty="0"/>
+              <a:t> to address by this function</a:t>
+            </a:r>
+          </a:p>
+        </p:txBody>
+      </p:sp>
+      <p:pic>
+        <p:nvPicPr>
+          <p:cNvPr id="4" name="그림 3"/>
+          <p:cNvPicPr>
+            <a:picLocks noChangeAspect="1"/>
+          </p:cNvPicPr>
+          <p:nvPr/>
+        </p:nvPicPr>
+        <p:blipFill>
+          <a:blip r:embed="rId2"/>
+          <a:stretch>
+            <a:fillRect/>
+          </a:stretch>
+        </p:blipFill>
+        <p:spPr>
+          <a:xfrm>
+            <a:off x="1520028" y="2460523"/>
+            <a:ext cx="5875343" cy="2546553"/>
+          </a:xfrm>
+          <a:prstGeom prst="rect">
+            <a:avLst/>
+          </a:prstGeom>
+        </p:spPr>
+      </p:pic>
+    </p:spTree>
+    <p:extLst>
+      <p:ext uri="{BB962C8B-B14F-4D97-AF65-F5344CB8AC3E}">
+        <p14:creationId xmlns:p14="http://schemas.microsoft.com/office/powerpoint/2010/main" val="3937601856"/>
+      </p:ext>
+    </p:extLst>
+  </p:cSld>
+  <p:clrMapOvr>
+    <a:masterClrMapping/>
+  </p:clrMapOvr>
+</p:sld>
+</file>
+
+<file path=ppt/slides/slide87.xml><?xml version="1.0" encoding="utf-8"?>
 <p:sld xmlns:a="http://schemas.openxmlformats.org/drawingml/2006/main" xmlns:r="http://schemas.openxmlformats.org/officeDocument/2006/relationships" xmlns:p="http://schemas.openxmlformats.org/presentationml/2006/main">
   <p:cSld>
     <p:spTree>
@@ -36460,21 +36844,6 @@
 </file>
 
 <file path=customXml/item1.xml><?xml version="1.0" encoding="utf-8"?>
-<p:properties xmlns:p="http://schemas.microsoft.com/office/2006/metadata/properties" xmlns:xsi="http://www.w3.org/2001/XMLSchema-instance" xmlns:pc="http://schemas.microsoft.com/office/infopath/2007/PartnerControls">
-  <documentManagement/>
-</p:properties>
-</file>
-
-<file path=customXml/item2.xml><?xml version="1.0" encoding="utf-8"?>
-<?mso-contentType ?>
-<FormTemplates xmlns="http://schemas.microsoft.com/sharepoint/v3/contenttype/forms">
-  <Display>DocumentLibraryForm</Display>
-  <Edit>DocumentLibraryForm</Edit>
-  <New>DocumentLibraryForm</New>
-</FormTemplates>
-</file>
-
-<file path=customXml/item3.xml><?xml version="1.0" encoding="utf-8"?>
 <ct:contentTypeSchema xmlns:ct="http://schemas.microsoft.com/office/2006/metadata/contentType" xmlns:ma="http://schemas.microsoft.com/office/2006/metadata/properties/metaAttributes" ct:_="" ma:_="" ma:contentTypeName="Document" ma:contentTypeID="0x010100908E52CD4C816C4BBB1CCCB7FBDEA8AA" ma:contentTypeVersion="7" ma:contentTypeDescription="Create a new document." ma:contentTypeScope="" ma:versionID="9d0743c339d6f19ca1005cdb2cb59a4d">
   <xsd:schema xmlns:xsd="http://www.w3.org/2001/XMLSchema" xmlns:xs="http://www.w3.org/2001/XMLSchema" xmlns:p="http://schemas.microsoft.com/office/2006/metadata/properties" xmlns:ns2="88219213-67e2-4ac3-a442-e990d1089aff" xmlns:ns3="2dc3a4e5-2cab-4f3e-8a9b-62c706d04a34" targetNamespace="http://schemas.microsoft.com/office/2006/metadata/properties" ma:root="true" ma:fieldsID="a20c9e27c0c0ff04fd196fd1b9de20ff" ns2:_="" ns3:_="">
     <xsd:import namespace="88219213-67e2-4ac3-a442-e990d1089aff"/>
@@ -36657,24 +37026,22 @@
 </ct:contentTypeSchema>
 </file>
 
-<file path=customXml/itemProps1.xml><?xml version="1.0" encoding="utf-8"?>
-<ds:datastoreItem xmlns:ds="http://schemas.openxmlformats.org/officeDocument/2006/customXml" ds:itemID="{0C46FF38-B138-4528-9BFF-011DABE29C3E}">
-  <ds:schemaRefs>
-    <ds:schemaRef ds:uri="http://schemas.microsoft.com/office/2006/metadata/properties"/>
-    <ds:schemaRef ds:uri="http://schemas.microsoft.com/office/infopath/2007/PartnerControls"/>
-  </ds:schemaRefs>
-</ds:datastoreItem>
+<file path=customXml/item2.xml><?xml version="1.0" encoding="utf-8"?>
+<p:properties xmlns:p="http://schemas.microsoft.com/office/2006/metadata/properties" xmlns:xsi="http://www.w3.org/2001/XMLSchema-instance" xmlns:pc="http://schemas.microsoft.com/office/infopath/2007/PartnerControls">
+  <documentManagement/>
+</p:properties>
 </file>
 
-<file path=customXml/itemProps2.xml><?xml version="1.0" encoding="utf-8"?>
-<ds:datastoreItem xmlns:ds="http://schemas.openxmlformats.org/officeDocument/2006/customXml" ds:itemID="{48F818C2-C29E-4C5C-ACC2-65A4B89382B0}">
-  <ds:schemaRefs>
-    <ds:schemaRef ds:uri="http://schemas.microsoft.com/sharepoint/v3/contenttype/forms"/>
-  </ds:schemaRefs>
-</ds:datastoreItem>
+<file path=customXml/item3.xml><?xml version="1.0" encoding="utf-8"?>
+<?mso-contentType ?>
+<FormTemplates xmlns="http://schemas.microsoft.com/sharepoint/v3/contenttype/forms">
+  <Display>DocumentLibraryForm</Display>
+  <Edit>DocumentLibraryForm</Edit>
+  <New>DocumentLibraryForm</New>
+</FormTemplates>
 </file>
 
-<file path=customXml/itemProps3.xml><?xml version="1.0" encoding="utf-8"?>
+<file path=customXml/itemProps1.xml><?xml version="1.0" encoding="utf-8"?>
 <ds:datastoreItem xmlns:ds="http://schemas.openxmlformats.org/officeDocument/2006/customXml" ds:itemID="{DBD080E6-D672-43C5-AE02-53785586427E}">
   <ds:schemaRefs>
     <ds:schemaRef ds:uri="http://schemas.microsoft.com/office/2006/metadata/contentType"/>
@@ -36691,4 +37058,21 @@
     <ds:schemaRef ds:uri="http://schemas.microsoft.com/internal/obd"/>
   </ds:schemaRefs>
 </ds:datastoreItem>
+</file>
+
+<file path=customXml/itemProps2.xml><?xml version="1.0" encoding="utf-8"?>
+<ds:datastoreItem xmlns:ds="http://schemas.openxmlformats.org/officeDocument/2006/customXml" ds:itemID="{0C46FF38-B138-4528-9BFF-011DABE29C3E}">
+  <ds:schemaRefs>
+    <ds:schemaRef ds:uri="http://schemas.microsoft.com/office/2006/metadata/properties"/>
+    <ds:schemaRef ds:uri="http://schemas.microsoft.com/office/infopath/2007/PartnerControls"/>
+  </ds:schemaRefs>
+</ds:datastoreItem>
+</file>
+
+<file path=customXml/itemProps3.xml><?xml version="1.0" encoding="utf-8"?>
+<ds:datastoreItem xmlns:ds="http://schemas.openxmlformats.org/officeDocument/2006/customXml" ds:itemID="{48F818C2-C29E-4C5C-ACC2-65A4B89382B0}">
+  <ds:schemaRefs>
+    <ds:schemaRef ds:uri="http://schemas.microsoft.com/sharepoint/v3/contenttype/forms"/>
+  </ds:schemaRefs>
+</ds:datastoreItem>
 </file>
--- a/docs/Term_Project.pptx
+++ b/docs/Term_Project.pptx
@@ -13784,7 +13784,7 @@
           <a:p>
             <a:r>
               <a:rPr lang="en-US" altLang="ko-KR" dirty="0"/>
-              <a:t>AXI-stream</a:t>
+              <a:t>AXI-Stream</a:t>
             </a:r>
             <a:endParaRPr lang="ko-KR" altLang="en-US" dirty="0"/>
           </a:p>
@@ -14010,7 +14010,7 @@
           <a:p>
             <a:r>
               <a:rPr lang="en-US" altLang="ko-KR" dirty="0"/>
-              <a:t>AXI-stream</a:t>
+              <a:t>AXI-Stream</a:t>
             </a:r>
             <a:endParaRPr lang="ko-KR" altLang="en-US" dirty="0"/>
           </a:p>
@@ -36844,6 +36844,15 @@
 </file>
 
 <file path=customXml/item1.xml><?xml version="1.0" encoding="utf-8"?>
+<?mso-contentType ?>
+<FormTemplates xmlns="http://schemas.microsoft.com/sharepoint/v3/contenttype/forms">
+  <Display>DocumentLibraryForm</Display>
+  <Edit>DocumentLibraryForm</Edit>
+  <New>DocumentLibraryForm</New>
+</FormTemplates>
+</file>
+
+<file path=customXml/item2.xml><?xml version="1.0" encoding="utf-8"?>
 <ct:contentTypeSchema xmlns:ct="http://schemas.microsoft.com/office/2006/metadata/contentType" xmlns:ma="http://schemas.microsoft.com/office/2006/metadata/properties/metaAttributes" ct:_="" ma:_="" ma:contentTypeName="Document" ma:contentTypeID="0x010100908E52CD4C816C4BBB1CCCB7FBDEA8AA" ma:contentTypeVersion="7" ma:contentTypeDescription="Create a new document." ma:contentTypeScope="" ma:versionID="9d0743c339d6f19ca1005cdb2cb59a4d">
   <xsd:schema xmlns:xsd="http://www.w3.org/2001/XMLSchema" xmlns:xs="http://www.w3.org/2001/XMLSchema" xmlns:p="http://schemas.microsoft.com/office/2006/metadata/properties" xmlns:ns2="88219213-67e2-4ac3-a442-e990d1089aff" xmlns:ns3="2dc3a4e5-2cab-4f3e-8a9b-62c706d04a34" targetNamespace="http://schemas.microsoft.com/office/2006/metadata/properties" ma:root="true" ma:fieldsID="a20c9e27c0c0ff04fd196fd1b9de20ff" ns2:_="" ns3:_="">
     <xsd:import namespace="88219213-67e2-4ac3-a442-e990d1089aff"/>
@@ -37026,22 +37035,21 @@
 </ct:contentTypeSchema>
 </file>
 
-<file path=customXml/item2.xml><?xml version="1.0" encoding="utf-8"?>
+<file path=customXml/item3.xml><?xml version="1.0" encoding="utf-8"?>
 <p:properties xmlns:p="http://schemas.microsoft.com/office/2006/metadata/properties" xmlns:xsi="http://www.w3.org/2001/XMLSchema-instance" xmlns:pc="http://schemas.microsoft.com/office/infopath/2007/PartnerControls">
   <documentManagement/>
 </p:properties>
 </file>
 
-<file path=customXml/item3.xml><?xml version="1.0" encoding="utf-8"?>
-<?mso-contentType ?>
-<FormTemplates xmlns="http://schemas.microsoft.com/sharepoint/v3/contenttype/forms">
-  <Display>DocumentLibraryForm</Display>
-  <Edit>DocumentLibraryForm</Edit>
-  <New>DocumentLibraryForm</New>
-</FormTemplates>
+<file path=customXml/itemProps1.xml><?xml version="1.0" encoding="utf-8"?>
+<ds:datastoreItem xmlns:ds="http://schemas.openxmlformats.org/officeDocument/2006/customXml" ds:itemID="{48F818C2-C29E-4C5C-ACC2-65A4B89382B0}">
+  <ds:schemaRefs>
+    <ds:schemaRef ds:uri="http://schemas.microsoft.com/sharepoint/v3/contenttype/forms"/>
+  </ds:schemaRefs>
+</ds:datastoreItem>
 </file>
 
-<file path=customXml/itemProps1.xml><?xml version="1.0" encoding="utf-8"?>
+<file path=customXml/itemProps2.xml><?xml version="1.0" encoding="utf-8"?>
 <ds:datastoreItem xmlns:ds="http://schemas.openxmlformats.org/officeDocument/2006/customXml" ds:itemID="{DBD080E6-D672-43C5-AE02-53785586427E}">
   <ds:schemaRefs>
     <ds:schemaRef ds:uri="http://schemas.microsoft.com/office/2006/metadata/contentType"/>
@@ -37060,19 +37068,11 @@
 </ds:datastoreItem>
 </file>
 
-<file path=customXml/itemProps2.xml><?xml version="1.0" encoding="utf-8"?>
+<file path=customXml/itemProps3.xml><?xml version="1.0" encoding="utf-8"?>
 <ds:datastoreItem xmlns:ds="http://schemas.openxmlformats.org/officeDocument/2006/customXml" ds:itemID="{0C46FF38-B138-4528-9BFF-011DABE29C3E}">
   <ds:schemaRefs>
     <ds:schemaRef ds:uri="http://schemas.microsoft.com/office/2006/metadata/properties"/>
     <ds:schemaRef ds:uri="http://schemas.microsoft.com/office/infopath/2007/PartnerControls"/>
   </ds:schemaRefs>
 </ds:datastoreItem>
-</file>
-
-<file path=customXml/itemProps3.xml><?xml version="1.0" encoding="utf-8"?>
-<ds:datastoreItem xmlns:ds="http://schemas.openxmlformats.org/officeDocument/2006/customXml" ds:itemID="{48F818C2-C29E-4C5C-ACC2-65A4B89382B0}">
-  <ds:schemaRefs>
-    <ds:schemaRef ds:uri="http://schemas.microsoft.com/sharepoint/v3/contenttype/forms"/>
-  </ds:schemaRefs>
-</ds:datastoreItem>
 </file>
--- a/docs/Term_Project.pptx
+++ b/docs/Term_Project.pptx
@@ -351,1680 +351,6 @@
     <p1510:client id="{D90F4C83-37AB-1E40-A4BB-46A25534DE26}" v="227" dt="2020-09-02T10:24:33.886"/>
   </p1510:revLst>
 </p1510:revInfo>
-</file>
-
-<file path=ppt/changesInfos/changesInfo1.xml><?xml version="1.0" encoding="utf-8"?>
-<pc:chgInfo xmlns:a="http://schemas.openxmlformats.org/drawingml/2006/main" xmlns:r="http://schemas.openxmlformats.org/officeDocument/2006/relationships" xmlns:ac="http://schemas.microsoft.com/office/drawing/2013/main/command" xmlns:pc="http://schemas.microsoft.com/office/powerpoint/2013/main/command">
-  <pc:docChgLst>
-    <pc:chgData name="Jaewoong Sim" userId="794c201930605eba" providerId="LiveId" clId="{D90F4C83-37AB-1E40-A4BB-46A25534DE26}"/>
-    <pc:docChg chg="undo redo custSel addSld delSld modSld modMainMaster">
-      <pc:chgData name="Jaewoong Sim" userId="794c201930605eba" providerId="LiveId" clId="{D90F4C83-37AB-1E40-A4BB-46A25534DE26}" dt="2020-09-02T10:30:42.849" v="10153" actId="20577"/>
-      <pc:docMkLst>
-        <pc:docMk/>
-      </pc:docMkLst>
-      <pc:sldChg chg="modSp mod">
-        <pc:chgData name="Jaewoong Sim" userId="794c201930605eba" providerId="LiveId" clId="{D90F4C83-37AB-1E40-A4BB-46A25534DE26}" dt="2020-08-30T13:44:23.479" v="2992" actId="20577"/>
-        <pc:sldMkLst>
-          <pc:docMk/>
-          <pc:sldMk cId="1903278140" sldId="256"/>
-        </pc:sldMkLst>
-        <pc:spChg chg="mod">
-          <ac:chgData name="Jaewoong Sim" userId="794c201930605eba" providerId="LiveId" clId="{D90F4C83-37AB-1E40-A4BB-46A25534DE26}" dt="2020-08-30T13:44:23.479" v="2992" actId="20577"/>
-          <ac:spMkLst>
-            <pc:docMk/>
-            <pc:sldMk cId="1903278140" sldId="256"/>
-            <ac:spMk id="2" creationId="{00000000-0000-0000-0000-000000000000}"/>
-          </ac:spMkLst>
-        </pc:spChg>
-      </pc:sldChg>
-      <pc:sldChg chg="modSp del mod">
-        <pc:chgData name="Jaewoong Sim" userId="794c201930605eba" providerId="LiveId" clId="{D90F4C83-37AB-1E40-A4BB-46A25534DE26}" dt="2020-08-30T12:15:53.844" v="204" actId="2696"/>
-        <pc:sldMkLst>
-          <pc:docMk/>
-          <pc:sldMk cId="3647624220" sldId="259"/>
-        </pc:sldMkLst>
-        <pc:spChg chg="mod">
-          <ac:chgData name="Jaewoong Sim" userId="794c201930605eba" providerId="LiveId" clId="{D90F4C83-37AB-1E40-A4BB-46A25534DE26}" dt="2020-08-30T12:15:37.196" v="203" actId="20577"/>
-          <ac:spMkLst>
-            <pc:docMk/>
-            <pc:sldMk cId="3647624220" sldId="259"/>
-            <ac:spMk id="3" creationId="{F14D180E-F747-D54C-B7C2-E554E98F3185}"/>
-          </ac:spMkLst>
-        </pc:spChg>
-      </pc:sldChg>
-      <pc:sldChg chg="addSp delSp modSp del mod">
-        <pc:chgData name="Jaewoong Sim" userId="794c201930605eba" providerId="LiveId" clId="{D90F4C83-37AB-1E40-A4BB-46A25534DE26}" dt="2020-08-30T13:08:28.651" v="1929" actId="2696"/>
-        <pc:sldMkLst>
-          <pc:docMk/>
-          <pc:sldMk cId="645012662" sldId="280"/>
-        </pc:sldMkLst>
-        <pc:spChg chg="mod">
-          <ac:chgData name="Jaewoong Sim" userId="794c201930605eba" providerId="LiveId" clId="{D90F4C83-37AB-1E40-A4BB-46A25534DE26}" dt="2020-08-30T12:16:01.792" v="211" actId="20577"/>
-          <ac:spMkLst>
-            <pc:docMk/>
-            <pc:sldMk cId="645012662" sldId="280"/>
-            <ac:spMk id="2" creationId="{A5CFE407-1BA3-1E48-8E31-1D58D3BB48D0}"/>
-          </ac:spMkLst>
-        </pc:spChg>
-        <pc:graphicFrameChg chg="add del mod">
-          <ac:chgData name="Jaewoong Sim" userId="794c201930605eba" providerId="LiveId" clId="{D90F4C83-37AB-1E40-A4BB-46A25534DE26}" dt="2020-08-30T12:46:27.457" v="1490"/>
-          <ac:graphicFrameMkLst>
-            <pc:docMk/>
-            <pc:sldMk cId="645012662" sldId="280"/>
-            <ac:graphicFrameMk id="4" creationId="{A7C6BB9D-1D19-F840-B246-D5B81A698359}"/>
-          </ac:graphicFrameMkLst>
-        </pc:graphicFrameChg>
-        <pc:graphicFrameChg chg="add del mod">
-          <ac:chgData name="Jaewoong Sim" userId="794c201930605eba" providerId="LiveId" clId="{D90F4C83-37AB-1E40-A4BB-46A25534DE26}" dt="2020-08-30T12:46:31.232" v="1492"/>
-          <ac:graphicFrameMkLst>
-            <pc:docMk/>
-            <pc:sldMk cId="645012662" sldId="280"/>
-            <ac:graphicFrameMk id="5" creationId="{6FC162C6-538A-F14C-919C-A9B8B0700C38}"/>
-          </ac:graphicFrameMkLst>
-        </pc:graphicFrameChg>
-        <pc:graphicFrameChg chg="add mod modGraphic">
-          <ac:chgData name="Jaewoong Sim" userId="794c201930605eba" providerId="LiveId" clId="{D90F4C83-37AB-1E40-A4BB-46A25534DE26}" dt="2020-08-30T13:08:12.030" v="1928" actId="14100"/>
-          <ac:graphicFrameMkLst>
-            <pc:docMk/>
-            <pc:sldMk cId="645012662" sldId="280"/>
-            <ac:graphicFrameMk id="6" creationId="{7006B0CA-7A4C-6347-BCD1-1044A19DE310}"/>
-          </ac:graphicFrameMkLst>
-        </pc:graphicFrameChg>
-      </pc:sldChg>
-      <pc:sldChg chg="addSp delSp modSp mod">
-        <pc:chgData name="Jaewoong Sim" userId="794c201930605eba" providerId="LiveId" clId="{D90F4C83-37AB-1E40-A4BB-46A25534DE26}" dt="2020-08-30T14:30:13.197" v="4690" actId="20577"/>
-        <pc:sldMkLst>
-          <pc:docMk/>
-          <pc:sldMk cId="1481437935" sldId="293"/>
-        </pc:sldMkLst>
-        <pc:spChg chg="mod">
-          <ac:chgData name="Jaewoong Sim" userId="794c201930605eba" providerId="LiveId" clId="{D90F4C83-37AB-1E40-A4BB-46A25534DE26}" dt="2020-08-30T13:46:34.625" v="2997" actId="20577"/>
-          <ac:spMkLst>
-            <pc:docMk/>
-            <pc:sldMk cId="1481437935" sldId="293"/>
-            <ac:spMk id="2" creationId="{2EE47C68-5CCC-8B43-9F15-4A7521A5BB51}"/>
-          </ac:spMkLst>
-        </pc:spChg>
-        <pc:spChg chg="mod">
-          <ac:chgData name="Jaewoong Sim" userId="794c201930605eba" providerId="LiveId" clId="{D90F4C83-37AB-1E40-A4BB-46A25534DE26}" dt="2020-08-30T14:30:13.197" v="4690" actId="20577"/>
-          <ac:spMkLst>
-            <pc:docMk/>
-            <pc:sldMk cId="1481437935" sldId="293"/>
-            <ac:spMk id="3" creationId="{87078094-BCBE-E74B-8943-0EF7834D89F0}"/>
-          </ac:spMkLst>
-        </pc:spChg>
-        <pc:spChg chg="add del mod">
-          <ac:chgData name="Jaewoong Sim" userId="794c201930605eba" providerId="LiveId" clId="{D90F4C83-37AB-1E40-A4BB-46A25534DE26}" dt="2020-08-30T13:43:25.164" v="2947"/>
-          <ac:spMkLst>
-            <pc:docMk/>
-            <pc:sldMk cId="1481437935" sldId="293"/>
-            <ac:spMk id="4" creationId="{A439DBDE-65CE-F44D-83D2-C3DCF500CB75}"/>
-          </ac:spMkLst>
-        </pc:spChg>
-      </pc:sldChg>
-      <pc:sldChg chg="modSp mod">
-        <pc:chgData name="Jaewoong Sim" userId="794c201930605eba" providerId="LiveId" clId="{D90F4C83-37AB-1E40-A4BB-46A25534DE26}" dt="2020-08-30T13:59:02.568" v="3144" actId="20577"/>
-        <pc:sldMkLst>
-          <pc:docMk/>
-          <pc:sldMk cId="689153628" sldId="295"/>
-        </pc:sldMkLst>
-        <pc:spChg chg="mod">
-          <ac:chgData name="Jaewoong Sim" userId="794c201930605eba" providerId="LiveId" clId="{D90F4C83-37AB-1E40-A4BB-46A25534DE26}" dt="2020-08-30T12:17:35.693" v="298" actId="20577"/>
-          <ac:spMkLst>
-            <pc:docMk/>
-            <pc:sldMk cId="689153628" sldId="295"/>
-            <ac:spMk id="2" creationId="{B5654CA1-1855-694E-86BE-0269352AC284}"/>
-          </ac:spMkLst>
-        </pc:spChg>
-        <pc:spChg chg="mod">
-          <ac:chgData name="Jaewoong Sim" userId="794c201930605eba" providerId="LiveId" clId="{D90F4C83-37AB-1E40-A4BB-46A25534DE26}" dt="2020-08-30T13:59:02.568" v="3144" actId="20577"/>
-          <ac:spMkLst>
-            <pc:docMk/>
-            <pc:sldMk cId="689153628" sldId="295"/>
-            <ac:spMk id="3" creationId="{3A033D0B-87DB-B843-B296-41DDA4871FF1}"/>
-          </ac:spMkLst>
-        </pc:spChg>
-      </pc:sldChg>
-      <pc:sldChg chg="modSp mod">
-        <pc:chgData name="Jaewoong Sim" userId="794c201930605eba" providerId="LiveId" clId="{D90F4C83-37AB-1E40-A4BB-46A25534DE26}" dt="2020-08-30T13:59:44.127" v="3147" actId="1076"/>
-        <pc:sldMkLst>
-          <pc:docMk/>
-          <pc:sldMk cId="3812469786" sldId="296"/>
-        </pc:sldMkLst>
-        <pc:spChg chg="mod">
-          <ac:chgData name="Jaewoong Sim" userId="794c201930605eba" providerId="LiveId" clId="{D90F4C83-37AB-1E40-A4BB-46A25534DE26}" dt="2020-08-30T13:59:38.408" v="3146" actId="20577"/>
-          <ac:spMkLst>
-            <pc:docMk/>
-            <pc:sldMk cId="3812469786" sldId="296"/>
-            <ac:spMk id="3" creationId="{5E25BDDF-F8DD-6343-99DA-7A0A0E2D1737}"/>
-          </ac:spMkLst>
-        </pc:spChg>
-        <pc:picChg chg="mod">
-          <ac:chgData name="Jaewoong Sim" userId="794c201930605eba" providerId="LiveId" clId="{D90F4C83-37AB-1E40-A4BB-46A25534DE26}" dt="2020-08-30T13:59:44.127" v="3147" actId="1076"/>
-          <ac:picMkLst>
-            <pc:docMk/>
-            <pc:sldMk cId="3812469786" sldId="296"/>
-            <ac:picMk id="5" creationId="{B8B6E1B9-BEB7-C646-9568-39A3CFE2518B}"/>
-          </ac:picMkLst>
-        </pc:picChg>
-      </pc:sldChg>
-      <pc:sldChg chg="addSp delSp modSp mod delAnim modAnim">
-        <pc:chgData name="Jaewoong Sim" userId="794c201930605eba" providerId="LiveId" clId="{D90F4C83-37AB-1E40-A4BB-46A25534DE26}" dt="2020-08-30T13:54:16.503" v="3102" actId="1076"/>
-        <pc:sldMkLst>
-          <pc:docMk/>
-          <pc:sldMk cId="4192145236" sldId="297"/>
-        </pc:sldMkLst>
-        <pc:spChg chg="mod">
-          <ac:chgData name="Jaewoong Sim" userId="794c201930605eba" providerId="LiveId" clId="{D90F4C83-37AB-1E40-A4BB-46A25534DE26}" dt="2020-08-30T13:52:38.580" v="3074" actId="20577"/>
-          <ac:spMkLst>
-            <pc:docMk/>
-            <pc:sldMk cId="4192145236" sldId="297"/>
-            <ac:spMk id="3" creationId="{3747CDE7-2E12-434D-B3EB-615A397A8615}"/>
-          </ac:spMkLst>
-        </pc:spChg>
-        <pc:spChg chg="add mod">
-          <ac:chgData name="Jaewoong Sim" userId="794c201930605eba" providerId="LiveId" clId="{D90F4C83-37AB-1E40-A4BB-46A25534DE26}" dt="2020-08-30T13:54:16.503" v="3102" actId="1076"/>
-          <ac:spMkLst>
-            <pc:docMk/>
-            <pc:sldMk cId="4192145236" sldId="297"/>
-            <ac:spMk id="6" creationId="{C8329CFC-4DCC-9849-A815-F2D3B774CB27}"/>
-          </ac:spMkLst>
-        </pc:spChg>
-        <pc:picChg chg="del">
-          <ac:chgData name="Jaewoong Sim" userId="794c201930605eba" providerId="LiveId" clId="{D90F4C83-37AB-1E40-A4BB-46A25534DE26}" dt="2020-08-30T12:04:49.787" v="0" actId="478"/>
-          <ac:picMkLst>
-            <pc:docMk/>
-            <pc:sldMk cId="4192145236" sldId="297"/>
-            <ac:picMk id="4" creationId="{4D4DB961-3FC4-D041-B8B0-020023BE3A4A}"/>
-          </ac:picMkLst>
-        </pc:picChg>
-        <pc:picChg chg="add mod">
-          <ac:chgData name="Jaewoong Sim" userId="794c201930605eba" providerId="LiveId" clId="{D90F4C83-37AB-1E40-A4BB-46A25534DE26}" dt="2020-08-30T13:53:24.088" v="3079" actId="1076"/>
-          <ac:picMkLst>
-            <pc:docMk/>
-            <pc:sldMk cId="4192145236" sldId="297"/>
-            <ac:picMk id="5" creationId="{51AD9750-920C-C14F-8FC4-842F1A26F9E5}"/>
-          </ac:picMkLst>
-        </pc:picChg>
-      </pc:sldChg>
-      <pc:sldChg chg="modSp mod">
-        <pc:chgData name="Jaewoong Sim" userId="794c201930605eba" providerId="LiveId" clId="{D90F4C83-37AB-1E40-A4BB-46A25534DE26}" dt="2020-08-30T14:46:03.904" v="5405" actId="2711"/>
-        <pc:sldMkLst>
-          <pc:docMk/>
-          <pc:sldMk cId="1408278323" sldId="298"/>
-        </pc:sldMkLst>
-        <pc:spChg chg="mod">
-          <ac:chgData name="Jaewoong Sim" userId="794c201930605eba" providerId="LiveId" clId="{D90F4C83-37AB-1E40-A4BB-46A25534DE26}" dt="2020-08-30T14:46:03.904" v="5405" actId="2711"/>
-          <ac:spMkLst>
-            <pc:docMk/>
-            <pc:sldMk cId="1408278323" sldId="298"/>
-            <ac:spMk id="3" creationId="{ADCD2320-EB79-0145-9EC2-00B63C117A2C}"/>
-          </ac:spMkLst>
-        </pc:spChg>
-      </pc:sldChg>
-      <pc:sldChg chg="modSp add mod">
-        <pc:chgData name="Jaewoong Sim" userId="794c201930605eba" providerId="LiveId" clId="{D90F4C83-37AB-1E40-A4BB-46A25534DE26}" dt="2020-08-30T14:31:51.869" v="4851" actId="20577"/>
-        <pc:sldMkLst>
-          <pc:docMk/>
-          <pc:sldMk cId="568166747" sldId="300"/>
-        </pc:sldMkLst>
-        <pc:spChg chg="mod">
-          <ac:chgData name="Jaewoong Sim" userId="794c201930605eba" providerId="LiveId" clId="{D90F4C83-37AB-1E40-A4BB-46A25534DE26}" dt="2020-08-30T12:51:07.506" v="1580" actId="20577"/>
-          <ac:spMkLst>
-            <pc:docMk/>
-            <pc:sldMk cId="568166747" sldId="300"/>
-            <ac:spMk id="2" creationId="{AFC3CD56-43A1-594A-B838-B30328B0B179}"/>
-          </ac:spMkLst>
-        </pc:spChg>
-        <pc:spChg chg="mod">
-          <ac:chgData name="Jaewoong Sim" userId="794c201930605eba" providerId="LiveId" clId="{D90F4C83-37AB-1E40-A4BB-46A25534DE26}" dt="2020-08-30T14:31:51.869" v="4851" actId="20577"/>
-          <ac:spMkLst>
-            <pc:docMk/>
-            <pc:sldMk cId="568166747" sldId="300"/>
-            <ac:spMk id="3" creationId="{A55FD3F7-C5A2-B548-A8C4-B085823ADE83}"/>
-          </ac:spMkLst>
-        </pc:spChg>
-      </pc:sldChg>
-      <pc:sldChg chg="del">
-        <pc:chgData name="Jaewoong Sim" userId="794c201930605eba" providerId="LiveId" clId="{D90F4C83-37AB-1E40-A4BB-46A25534DE26}" dt="2020-08-30T12:16:11.806" v="212" actId="2696"/>
-        <pc:sldMkLst>
-          <pc:docMk/>
-          <pc:sldMk cId="3066909558" sldId="300"/>
-        </pc:sldMkLst>
-      </pc:sldChg>
-      <pc:sldChg chg="modSp add del mod">
-        <pc:chgData name="Jaewoong Sim" userId="794c201930605eba" providerId="LiveId" clId="{D90F4C83-37AB-1E40-A4BB-46A25534DE26}" dt="2020-08-30T12:17:39.726" v="299" actId="2696"/>
-        <pc:sldMkLst>
-          <pc:docMk/>
-          <pc:sldMk cId="2144267312" sldId="301"/>
-        </pc:sldMkLst>
-        <pc:spChg chg="mod">
-          <ac:chgData name="Jaewoong Sim" userId="794c201930605eba" providerId="LiveId" clId="{D90F4C83-37AB-1E40-A4BB-46A25534DE26}" dt="2020-08-30T12:13:40.907" v="162" actId="20577"/>
-          <ac:spMkLst>
-            <pc:docMk/>
-            <pc:sldMk cId="2144267312" sldId="301"/>
-            <ac:spMk id="3" creationId="{F14D180E-F747-D54C-B7C2-E554E98F3185}"/>
-          </ac:spMkLst>
-        </pc:spChg>
-      </pc:sldChg>
-      <pc:sldChg chg="addSp delSp modSp add mod">
-        <pc:chgData name="Jaewoong Sim" userId="794c201930605eba" providerId="LiveId" clId="{D90F4C83-37AB-1E40-A4BB-46A25534DE26}" dt="2020-09-02T10:30:42.849" v="10153" actId="20577"/>
-        <pc:sldMkLst>
-          <pc:docMk/>
-          <pc:sldMk cId="1955788799" sldId="302"/>
-        </pc:sldMkLst>
-        <pc:spChg chg="mod">
-          <ac:chgData name="Jaewoong Sim" userId="794c201930605eba" providerId="LiveId" clId="{D90F4C83-37AB-1E40-A4BB-46A25534DE26}" dt="2020-09-02T07:59:33.399" v="7332" actId="20577"/>
-          <ac:spMkLst>
-            <pc:docMk/>
-            <pc:sldMk cId="1955788799" sldId="302"/>
-            <ac:spMk id="2" creationId="{EFFBE689-FFED-D047-8BCD-F59B014B79A5}"/>
-          </ac:spMkLst>
-        </pc:spChg>
-        <pc:spChg chg="mod">
-          <ac:chgData name="Jaewoong Sim" userId="794c201930605eba" providerId="LiveId" clId="{D90F4C83-37AB-1E40-A4BB-46A25534DE26}" dt="2020-09-02T10:30:42.849" v="10153" actId="20577"/>
-          <ac:spMkLst>
-            <pc:docMk/>
-            <pc:sldMk cId="1955788799" sldId="302"/>
-            <ac:spMk id="3" creationId="{F14D180E-F747-D54C-B7C2-E554E98F3185}"/>
-          </ac:spMkLst>
-        </pc:spChg>
-        <pc:picChg chg="add del mod">
-          <ac:chgData name="Jaewoong Sim" userId="794c201930605eba" providerId="LiveId" clId="{D90F4C83-37AB-1E40-A4BB-46A25534DE26}" dt="2020-09-02T09:13:56.138" v="8055" actId="21"/>
-          <ac:picMkLst>
-            <pc:docMk/>
-            <pc:sldMk cId="1955788799" sldId="302"/>
-            <ac:picMk id="5" creationId="{7FE19BC2-A7E2-304C-9A5E-53738FE95FB3}"/>
-          </ac:picMkLst>
-        </pc:picChg>
-        <pc:picChg chg="add mod">
-          <ac:chgData name="Jaewoong Sim" userId="794c201930605eba" providerId="LiveId" clId="{D90F4C83-37AB-1E40-A4BB-46A25534DE26}" dt="2020-09-02T09:56:39.828" v="8850" actId="1076"/>
-          <ac:picMkLst>
-            <pc:docMk/>
-            <pc:sldMk cId="1955788799" sldId="302"/>
-            <ac:picMk id="7" creationId="{3A385293-7848-4547-88FC-B336ABA15260}"/>
-          </ac:picMkLst>
-        </pc:picChg>
-      </pc:sldChg>
-      <pc:sldChg chg="modSp add del mod">
-        <pc:chgData name="Jaewoong Sim" userId="794c201930605eba" providerId="LiveId" clId="{D90F4C83-37AB-1E40-A4BB-46A25534DE26}" dt="2020-08-30T12:58:57.141" v="1839" actId="2696"/>
-        <pc:sldMkLst>
-          <pc:docMk/>
-          <pc:sldMk cId="1994170830" sldId="303"/>
-        </pc:sldMkLst>
-        <pc:spChg chg="mod">
-          <ac:chgData name="Jaewoong Sim" userId="794c201930605eba" providerId="LiveId" clId="{D90F4C83-37AB-1E40-A4BB-46A25534DE26}" dt="2020-08-30T12:58:43.037" v="1826" actId="20577"/>
-          <ac:spMkLst>
-            <pc:docMk/>
-            <pc:sldMk cId="1994170830" sldId="303"/>
-            <ac:spMk id="2" creationId="{98362A23-3BA2-E846-982A-C8CF5F630F60}"/>
-          </ac:spMkLst>
-        </pc:spChg>
-        <pc:spChg chg="mod">
-          <ac:chgData name="Jaewoong Sim" userId="794c201930605eba" providerId="LiveId" clId="{D90F4C83-37AB-1E40-A4BB-46A25534DE26}" dt="2020-08-30T12:58:56.204" v="1838" actId="20577"/>
-          <ac:spMkLst>
-            <pc:docMk/>
-            <pc:sldMk cId="1994170830" sldId="303"/>
-            <ac:spMk id="3" creationId="{CA61697D-5BB5-444A-BB76-F89C11A0E0F8}"/>
-          </ac:spMkLst>
-        </pc:spChg>
-      </pc:sldChg>
-      <pc:sldChg chg="addSp delSp modSp add mod">
-        <pc:chgData name="Jaewoong Sim" userId="794c201930605eba" providerId="LiveId" clId="{D90F4C83-37AB-1E40-A4BB-46A25534DE26}" dt="2020-08-30T14:34:10.396" v="4869" actId="14734"/>
-        <pc:sldMkLst>
-          <pc:docMk/>
-          <pc:sldMk cId="3569826347" sldId="303"/>
-        </pc:sldMkLst>
-        <pc:spChg chg="mod">
-          <ac:chgData name="Jaewoong Sim" userId="794c201930605eba" providerId="LiveId" clId="{D90F4C83-37AB-1E40-A4BB-46A25534DE26}" dt="2020-08-30T13:06:37.082" v="1889" actId="20577"/>
-          <ac:spMkLst>
-            <pc:docMk/>
-            <pc:sldMk cId="3569826347" sldId="303"/>
-            <ac:spMk id="2" creationId="{31C94C50-4C1D-8248-8B40-00BA3E4192E0}"/>
-          </ac:spMkLst>
-        </pc:spChg>
-        <pc:spChg chg="mod">
-          <ac:chgData name="Jaewoong Sim" userId="794c201930605eba" providerId="LiveId" clId="{D90F4C83-37AB-1E40-A4BB-46A25534DE26}" dt="2020-08-30T13:55:38.638" v="3116" actId="255"/>
-          <ac:spMkLst>
-            <pc:docMk/>
-            <pc:sldMk cId="3569826347" sldId="303"/>
-            <ac:spMk id="3" creationId="{23B73BA8-F73A-EF48-81FD-4635E2C863CB}"/>
-          </ac:spMkLst>
-        </pc:spChg>
-        <pc:spChg chg="add mod">
-          <ac:chgData name="Jaewoong Sim" userId="794c201930605eba" providerId="LiveId" clId="{D90F4C83-37AB-1E40-A4BB-46A25534DE26}" dt="2020-08-30T13:13:53.232" v="2008" actId="1076"/>
-          <ac:spMkLst>
-            <pc:docMk/>
-            <pc:sldMk cId="3569826347" sldId="303"/>
-            <ac:spMk id="5" creationId="{179CEF07-B580-1440-A720-86A41F9C1C79}"/>
-          </ac:spMkLst>
-        </pc:spChg>
-        <pc:spChg chg="add mod">
-          <ac:chgData name="Jaewoong Sim" userId="794c201930605eba" providerId="LiveId" clId="{D90F4C83-37AB-1E40-A4BB-46A25534DE26}" dt="2020-08-30T13:13:53.232" v="2008" actId="1076"/>
-          <ac:spMkLst>
-            <pc:docMk/>
-            <pc:sldMk cId="3569826347" sldId="303"/>
-            <ac:spMk id="6" creationId="{8B2E08B3-E153-564F-8A89-68AC828DE6C8}"/>
-          </ac:spMkLst>
-        </pc:spChg>
-        <pc:spChg chg="add mod">
-          <ac:chgData name="Jaewoong Sim" userId="794c201930605eba" providerId="LiveId" clId="{D90F4C83-37AB-1E40-A4BB-46A25534DE26}" dt="2020-08-30T13:13:53.232" v="2008" actId="1076"/>
-          <ac:spMkLst>
-            <pc:docMk/>
-            <pc:sldMk cId="3569826347" sldId="303"/>
-            <ac:spMk id="7" creationId="{32E43BFE-3EE7-0242-A9AD-EC39C44EF95D}"/>
-          </ac:spMkLst>
-        </pc:spChg>
-        <pc:spChg chg="add del mod">
-          <ac:chgData name="Jaewoong Sim" userId="794c201930605eba" providerId="LiveId" clId="{D90F4C83-37AB-1E40-A4BB-46A25534DE26}" dt="2020-08-30T13:18:11.434" v="2301"/>
-          <ac:spMkLst>
-            <pc:docMk/>
-            <pc:sldMk cId="3569826347" sldId="303"/>
-            <ac:spMk id="8" creationId="{6FBBEF34-C677-774B-897C-F29787AA0BDE}"/>
-          </ac:spMkLst>
-        </pc:spChg>
-        <pc:graphicFrameChg chg="add mod modGraphic">
-          <ac:chgData name="Jaewoong Sim" userId="794c201930605eba" providerId="LiveId" clId="{D90F4C83-37AB-1E40-A4BB-46A25534DE26}" dt="2020-08-30T14:34:10.396" v="4869" actId="14734"/>
-          <ac:graphicFrameMkLst>
-            <pc:docMk/>
-            <pc:sldMk cId="3569826347" sldId="303"/>
-            <ac:graphicFrameMk id="4" creationId="{8687C324-314B-EB43-8178-7BA40D6FA659}"/>
-          </ac:graphicFrameMkLst>
-        </pc:graphicFrameChg>
-      </pc:sldChg>
-      <pc:sldChg chg="add del">
-        <pc:chgData name="Jaewoong Sim" userId="794c201930605eba" providerId="LiveId" clId="{D90F4C83-37AB-1E40-A4BB-46A25534DE26}" dt="2020-08-30T13:33:28.254" v="2677" actId="2696"/>
-        <pc:sldMkLst>
-          <pc:docMk/>
-          <pc:sldMk cId="592821462" sldId="304"/>
-        </pc:sldMkLst>
-      </pc:sldChg>
-      <pc:sldChg chg="modSp add mod">
-        <pc:chgData name="Jaewoong Sim" userId="794c201930605eba" providerId="LiveId" clId="{D90F4C83-37AB-1E40-A4BB-46A25534DE26}" dt="2020-08-30T13:29:00.078" v="2483" actId="14100"/>
-        <pc:sldMkLst>
-          <pc:docMk/>
-          <pc:sldMk cId="1507072382" sldId="305"/>
-        </pc:sldMkLst>
-        <pc:spChg chg="mod">
-          <ac:chgData name="Jaewoong Sim" userId="794c201930605eba" providerId="LiveId" clId="{D90F4C83-37AB-1E40-A4BB-46A25534DE26}" dt="2020-08-30T13:25:55.796" v="2401" actId="20577"/>
-          <ac:spMkLst>
-            <pc:docMk/>
-            <pc:sldMk cId="1507072382" sldId="305"/>
-            <ac:spMk id="2" creationId="{B5654CA1-1855-694E-86BE-0269352AC284}"/>
-          </ac:spMkLst>
-        </pc:spChg>
-        <pc:spChg chg="mod">
-          <ac:chgData name="Jaewoong Sim" userId="794c201930605eba" providerId="LiveId" clId="{D90F4C83-37AB-1E40-A4BB-46A25534DE26}" dt="2020-08-30T13:29:00.078" v="2483" actId="14100"/>
-          <ac:spMkLst>
-            <pc:docMk/>
-            <pc:sldMk cId="1507072382" sldId="305"/>
-            <ac:spMk id="3" creationId="{3A033D0B-87DB-B843-B296-41DDA4871FF1}"/>
-          </ac:spMkLst>
-        </pc:spChg>
-      </pc:sldChg>
-      <pc:sldChg chg="modSp add mod">
-        <pc:chgData name="Jaewoong Sim" userId="794c201930605eba" providerId="LiveId" clId="{D90F4C83-37AB-1E40-A4BB-46A25534DE26}" dt="2020-08-30T13:57:57.864" v="3132" actId="255"/>
-        <pc:sldMkLst>
-          <pc:docMk/>
-          <pc:sldMk cId="2410604289" sldId="306"/>
-        </pc:sldMkLst>
-        <pc:spChg chg="mod">
-          <ac:chgData name="Jaewoong Sim" userId="794c201930605eba" providerId="LiveId" clId="{D90F4C83-37AB-1E40-A4BB-46A25534DE26}" dt="2020-08-30T13:29:42.688" v="2494" actId="20577"/>
-          <ac:spMkLst>
-            <pc:docMk/>
-            <pc:sldMk cId="2410604289" sldId="306"/>
-            <ac:spMk id="2" creationId="{AFC3CD56-43A1-594A-B838-B30328B0B179}"/>
-          </ac:spMkLst>
-        </pc:spChg>
-        <pc:spChg chg="mod">
-          <ac:chgData name="Jaewoong Sim" userId="794c201930605eba" providerId="LiveId" clId="{D90F4C83-37AB-1E40-A4BB-46A25534DE26}" dt="2020-08-30T13:57:57.864" v="3132" actId="255"/>
-          <ac:spMkLst>
-            <pc:docMk/>
-            <pc:sldMk cId="2410604289" sldId="306"/>
-            <ac:spMk id="3" creationId="{A55FD3F7-C5A2-B548-A8C4-B085823ADE83}"/>
-          </ac:spMkLst>
-        </pc:spChg>
-      </pc:sldChg>
-      <pc:sldChg chg="delSp modSp add del mod">
-        <pc:chgData name="Jaewoong Sim" userId="794c201930605eba" providerId="LiveId" clId="{D90F4C83-37AB-1E40-A4BB-46A25534DE26}" dt="2020-08-30T13:29:36.289" v="2486" actId="2696"/>
-        <pc:sldMkLst>
-          <pc:docMk/>
-          <pc:sldMk cId="3239150817" sldId="306"/>
-        </pc:sldMkLst>
-        <pc:spChg chg="del">
-          <ac:chgData name="Jaewoong Sim" userId="794c201930605eba" providerId="LiveId" clId="{D90F4C83-37AB-1E40-A4BB-46A25534DE26}" dt="2020-08-30T13:27:38.910" v="2471" actId="478"/>
-          <ac:spMkLst>
-            <pc:docMk/>
-            <pc:sldMk cId="3239150817" sldId="306"/>
-            <ac:spMk id="2" creationId="{B5654CA1-1855-694E-86BE-0269352AC284}"/>
-          </ac:spMkLst>
-        </pc:spChg>
-        <pc:spChg chg="mod">
-          <ac:chgData name="Jaewoong Sim" userId="794c201930605eba" providerId="LiveId" clId="{D90F4C83-37AB-1E40-A4BB-46A25534DE26}" dt="2020-08-30T13:29:11.745" v="2485" actId="14100"/>
-          <ac:spMkLst>
-            <pc:docMk/>
-            <pc:sldMk cId="3239150817" sldId="306"/>
-            <ac:spMk id="3" creationId="{3A033D0B-87DB-B843-B296-41DDA4871FF1}"/>
-          </ac:spMkLst>
-        </pc:spChg>
-      </pc:sldChg>
-      <pc:sldChg chg="add del">
-        <pc:chgData name="Jaewoong Sim" userId="794c201930605eba" providerId="LiveId" clId="{D90F4C83-37AB-1E40-A4BB-46A25534DE26}" dt="2020-08-30T13:27:27.690" v="2460"/>
-        <pc:sldMkLst>
-          <pc:docMk/>
-          <pc:sldMk cId="4229928320" sldId="306"/>
-        </pc:sldMkLst>
-      </pc:sldChg>
-      <pc:sldChg chg="delSp modSp add mod">
-        <pc:chgData name="Jaewoong Sim" userId="794c201930605eba" providerId="LiveId" clId="{D90F4C83-37AB-1E40-A4BB-46A25534DE26}" dt="2020-08-30T15:21:39.867" v="6460" actId="20577"/>
-        <pc:sldMkLst>
-          <pc:docMk/>
-          <pc:sldMk cId="716175589" sldId="307"/>
-        </pc:sldMkLst>
-        <pc:spChg chg="del">
-          <ac:chgData name="Jaewoong Sim" userId="794c201930605eba" providerId="LiveId" clId="{D90F4C83-37AB-1E40-A4BB-46A25534DE26}" dt="2020-08-30T14:00:14.014" v="3148" actId="478"/>
-          <ac:spMkLst>
-            <pc:docMk/>
-            <pc:sldMk cId="716175589" sldId="307"/>
-            <ac:spMk id="2" creationId="{B5654CA1-1855-694E-86BE-0269352AC284}"/>
-          </ac:spMkLst>
-        </pc:spChg>
-        <pc:spChg chg="mod">
-          <ac:chgData name="Jaewoong Sim" userId="794c201930605eba" providerId="LiveId" clId="{D90F4C83-37AB-1E40-A4BB-46A25534DE26}" dt="2020-08-30T15:21:39.867" v="6460" actId="20577"/>
-          <ac:spMkLst>
-            <pc:docMk/>
-            <pc:sldMk cId="716175589" sldId="307"/>
-            <ac:spMk id="3" creationId="{3A033D0B-87DB-B843-B296-41DDA4871FF1}"/>
-          </ac:spMkLst>
-        </pc:spChg>
-      </pc:sldChg>
-      <pc:sldChg chg="addSp delSp modSp add del mod">
-        <pc:chgData name="Jaewoong Sim" userId="794c201930605eba" providerId="LiveId" clId="{D90F4C83-37AB-1E40-A4BB-46A25534DE26}" dt="2020-08-30T15:16:30.924" v="6424" actId="2696"/>
-        <pc:sldMkLst>
-          <pc:docMk/>
-          <pc:sldMk cId="3796703380" sldId="308"/>
-        </pc:sldMkLst>
-        <pc:spChg chg="mod">
-          <ac:chgData name="Jaewoong Sim" userId="794c201930605eba" providerId="LiveId" clId="{D90F4C83-37AB-1E40-A4BB-46A25534DE26}" dt="2020-08-30T14:01:35.250" v="3173" actId="20577"/>
-          <ac:spMkLst>
-            <pc:docMk/>
-            <pc:sldMk cId="3796703380" sldId="308"/>
-            <ac:spMk id="2" creationId="{958B1E90-BF58-2344-A351-278D12225F14}"/>
-          </ac:spMkLst>
-        </pc:spChg>
-        <pc:spChg chg="mod">
-          <ac:chgData name="Jaewoong Sim" userId="794c201930605eba" providerId="LiveId" clId="{D90F4C83-37AB-1E40-A4BB-46A25534DE26}" dt="2020-08-30T15:12:49.319" v="6209" actId="20577"/>
-          <ac:spMkLst>
-            <pc:docMk/>
-            <pc:sldMk cId="3796703380" sldId="308"/>
-            <ac:spMk id="3" creationId="{5B285C67-B258-2442-8B1E-F1A5C6587DDD}"/>
-          </ac:spMkLst>
-        </pc:spChg>
-        <pc:spChg chg="add del mod">
-          <ac:chgData name="Jaewoong Sim" userId="794c201930605eba" providerId="LiveId" clId="{D90F4C83-37AB-1E40-A4BB-46A25534DE26}" dt="2020-08-30T14:59:20.242" v="5643" actId="478"/>
-          <ac:spMkLst>
-            <pc:docMk/>
-            <pc:sldMk cId="3796703380" sldId="308"/>
-            <ac:spMk id="4" creationId="{9C7F11BD-0AC7-A74B-A5E2-D690B5A957C9}"/>
-          </ac:spMkLst>
-        </pc:spChg>
-        <pc:spChg chg="add del mod">
-          <ac:chgData name="Jaewoong Sim" userId="794c201930605eba" providerId="LiveId" clId="{D90F4C83-37AB-1E40-A4BB-46A25534DE26}" dt="2020-08-30T15:02:05.579" v="5659" actId="478"/>
-          <ac:spMkLst>
-            <pc:docMk/>
-            <pc:sldMk cId="3796703380" sldId="308"/>
-            <ac:spMk id="4" creationId="{F3F98E55-A119-3D4C-9C9A-36B37646B9C1}"/>
-          </ac:spMkLst>
-        </pc:spChg>
-        <pc:spChg chg="add mod">
-          <ac:chgData name="Jaewoong Sim" userId="794c201930605eba" providerId="LiveId" clId="{D90F4C83-37AB-1E40-A4BB-46A25534DE26}" dt="2020-08-30T15:04:18.237" v="5878" actId="1076"/>
-          <ac:spMkLst>
-            <pc:docMk/>
-            <pc:sldMk cId="3796703380" sldId="308"/>
-            <ac:spMk id="5" creationId="{17A9DC01-3605-9349-BB4B-7C548E964D07}"/>
-          </ac:spMkLst>
-        </pc:spChg>
-      </pc:sldChg>
-      <pc:sldChg chg="add del">
-        <pc:chgData name="Jaewoong Sim" userId="794c201930605eba" providerId="LiveId" clId="{D90F4C83-37AB-1E40-A4BB-46A25534DE26}" dt="2020-08-30T14:52:05.131" v="5605" actId="2696"/>
-        <pc:sldMkLst>
-          <pc:docMk/>
-          <pc:sldMk cId="1325803742" sldId="309"/>
-        </pc:sldMkLst>
-      </pc:sldChg>
-      <pc:sldChg chg="modSp add mod">
-        <pc:chgData name="Jaewoong Sim" userId="794c201930605eba" providerId="LiveId" clId="{D90F4C83-37AB-1E40-A4BB-46A25534DE26}" dt="2020-08-30T14:50:23.022" v="5603" actId="20577"/>
-        <pc:sldMkLst>
-          <pc:docMk/>
-          <pc:sldMk cId="68626014" sldId="310"/>
-        </pc:sldMkLst>
-        <pc:spChg chg="mod">
-          <ac:chgData name="Jaewoong Sim" userId="794c201930605eba" providerId="LiveId" clId="{D90F4C83-37AB-1E40-A4BB-46A25534DE26}" dt="2020-08-30T14:16:52.011" v="3926" actId="20577"/>
-          <ac:spMkLst>
-            <pc:docMk/>
-            <pc:sldMk cId="68626014" sldId="310"/>
-            <ac:spMk id="2" creationId="{95714937-A17D-4C47-845A-3DC65138836A}"/>
-          </ac:spMkLst>
-        </pc:spChg>
-        <pc:spChg chg="mod">
-          <ac:chgData name="Jaewoong Sim" userId="794c201930605eba" providerId="LiveId" clId="{D90F4C83-37AB-1E40-A4BB-46A25534DE26}" dt="2020-08-30T14:50:23.022" v="5603" actId="20577"/>
-          <ac:spMkLst>
-            <pc:docMk/>
-            <pc:sldMk cId="68626014" sldId="310"/>
-            <ac:spMk id="3" creationId="{DA77B38A-1EE3-0D4A-B1C0-AE857CD36014}"/>
-          </ac:spMkLst>
-        </pc:spChg>
-      </pc:sldChg>
-      <pc:sldChg chg="add del">
-        <pc:chgData name="Jaewoong Sim" userId="794c201930605eba" providerId="LiveId" clId="{D90F4C83-37AB-1E40-A4BB-46A25534DE26}" dt="2020-08-30T13:41:12.203" v="2892"/>
-        <pc:sldMkLst>
-          <pc:docMk/>
-          <pc:sldMk cId="4066213645" sldId="310"/>
-        </pc:sldMkLst>
-      </pc:sldChg>
-      <pc:sldChg chg="modSp add mod">
-        <pc:chgData name="Jaewoong Sim" userId="794c201930605eba" providerId="LiveId" clId="{D90F4C83-37AB-1E40-A4BB-46A25534DE26}" dt="2020-08-30T14:21:42.624" v="4291" actId="20577"/>
-        <pc:sldMkLst>
-          <pc:docMk/>
-          <pc:sldMk cId="2470329742" sldId="311"/>
-        </pc:sldMkLst>
-        <pc:spChg chg="mod">
-          <ac:chgData name="Jaewoong Sim" userId="794c201930605eba" providerId="LiveId" clId="{D90F4C83-37AB-1E40-A4BB-46A25534DE26}" dt="2020-08-30T14:07:39.694" v="3398" actId="20577"/>
-          <ac:spMkLst>
-            <pc:docMk/>
-            <pc:sldMk cId="2470329742" sldId="311"/>
-            <ac:spMk id="2" creationId="{ADE301B5-9102-4E49-AF7A-04B4551A4C34}"/>
-          </ac:spMkLst>
-        </pc:spChg>
-        <pc:spChg chg="mod">
-          <ac:chgData name="Jaewoong Sim" userId="794c201930605eba" providerId="LiveId" clId="{D90F4C83-37AB-1E40-A4BB-46A25534DE26}" dt="2020-08-30T14:21:42.624" v="4291" actId="20577"/>
-          <ac:spMkLst>
-            <pc:docMk/>
-            <pc:sldMk cId="2470329742" sldId="311"/>
-            <ac:spMk id="3" creationId="{009FA2F4-D80F-3548-9D2A-6CA68CCFDE36}"/>
-          </ac:spMkLst>
-        </pc:spChg>
-      </pc:sldChg>
-      <pc:sldChg chg="modSp add mod">
-        <pc:chgData name="Jaewoong Sim" userId="794c201930605eba" providerId="LiveId" clId="{D90F4C83-37AB-1E40-A4BB-46A25534DE26}" dt="2020-08-30T14:51:42.349" v="5604" actId="20577"/>
-        <pc:sldMkLst>
-          <pc:docMk/>
-          <pc:sldMk cId="2964757626" sldId="312"/>
-        </pc:sldMkLst>
-        <pc:spChg chg="mod">
-          <ac:chgData name="Jaewoong Sim" userId="794c201930605eba" providerId="LiveId" clId="{D90F4C83-37AB-1E40-A4BB-46A25534DE26}" dt="2020-08-30T14:40:06.493" v="5036" actId="20577"/>
-          <ac:spMkLst>
-            <pc:docMk/>
-            <pc:sldMk cId="2964757626" sldId="312"/>
-            <ac:spMk id="2" creationId="{42E77F60-485F-714C-B915-316A45E8DEBB}"/>
-          </ac:spMkLst>
-        </pc:spChg>
-        <pc:spChg chg="mod">
-          <ac:chgData name="Jaewoong Sim" userId="794c201930605eba" providerId="LiveId" clId="{D90F4C83-37AB-1E40-A4BB-46A25534DE26}" dt="2020-08-30T14:51:42.349" v="5604" actId="20577"/>
-          <ac:spMkLst>
-            <pc:docMk/>
-            <pc:sldMk cId="2964757626" sldId="312"/>
-            <ac:spMk id="3" creationId="{0B068E64-5D37-5F48-9381-0FEAD66A61C6}"/>
-          </ac:spMkLst>
-        </pc:spChg>
-      </pc:sldChg>
-      <pc:sldChg chg="addSp delSp modSp add mod">
-        <pc:chgData name="Jaewoong Sim" userId="794c201930605eba" providerId="LiveId" clId="{D90F4C83-37AB-1E40-A4BB-46A25534DE26}" dt="2020-08-30T15:17:28.041" v="6430" actId="207"/>
-        <pc:sldMkLst>
-          <pc:docMk/>
-          <pc:sldMk cId="497510145" sldId="313"/>
-        </pc:sldMkLst>
-        <pc:spChg chg="mod">
-          <ac:chgData name="Jaewoong Sim" userId="794c201930605eba" providerId="LiveId" clId="{D90F4C83-37AB-1E40-A4BB-46A25534DE26}" dt="2020-08-30T15:05:48.458" v="5961" actId="20577"/>
-          <ac:spMkLst>
-            <pc:docMk/>
-            <pc:sldMk cId="497510145" sldId="313"/>
-            <ac:spMk id="3" creationId="{5B285C67-B258-2442-8B1E-F1A5C6587DDD}"/>
-          </ac:spMkLst>
-        </pc:spChg>
-        <pc:spChg chg="add mod">
-          <ac:chgData name="Jaewoong Sim" userId="794c201930605eba" providerId="LiveId" clId="{D90F4C83-37AB-1E40-A4BB-46A25534DE26}" dt="2020-08-30T15:17:10.596" v="6428" actId="207"/>
-          <ac:spMkLst>
-            <pc:docMk/>
-            <pc:sldMk cId="497510145" sldId="313"/>
-            <ac:spMk id="4" creationId="{C451AF87-1C67-2346-8EE8-A46E769275DA}"/>
-          </ac:spMkLst>
-        </pc:spChg>
-        <pc:spChg chg="del">
-          <ac:chgData name="Jaewoong Sim" userId="794c201930605eba" providerId="LiveId" clId="{D90F4C83-37AB-1E40-A4BB-46A25534DE26}" dt="2020-08-30T15:05:29.384" v="5898" actId="478"/>
-          <ac:spMkLst>
-            <pc:docMk/>
-            <pc:sldMk cId="497510145" sldId="313"/>
-            <ac:spMk id="5" creationId="{17A9DC01-3605-9349-BB4B-7C548E964D07}"/>
-          </ac:spMkLst>
-        </pc:spChg>
-        <pc:spChg chg="add mod">
-          <ac:chgData name="Jaewoong Sim" userId="794c201930605eba" providerId="LiveId" clId="{D90F4C83-37AB-1E40-A4BB-46A25534DE26}" dt="2020-08-30T15:17:19.586" v="6429" actId="207"/>
-          <ac:spMkLst>
-            <pc:docMk/>
-            <pc:sldMk cId="497510145" sldId="313"/>
-            <ac:spMk id="11" creationId="{DD20A5A2-D741-BA43-8BB5-F2E5B9927AD8}"/>
-          </ac:spMkLst>
-        </pc:spChg>
-        <pc:spChg chg="add mod">
-          <ac:chgData name="Jaewoong Sim" userId="794c201930605eba" providerId="LiveId" clId="{D90F4C83-37AB-1E40-A4BB-46A25534DE26}" dt="2020-08-30T15:17:19.586" v="6429" actId="207"/>
-          <ac:spMkLst>
-            <pc:docMk/>
-            <pc:sldMk cId="497510145" sldId="313"/>
-            <ac:spMk id="12" creationId="{24563B38-58C3-7B49-AB1A-0B78FBFA974B}"/>
-          </ac:spMkLst>
-        </pc:spChg>
-        <pc:spChg chg="add mod">
-          <ac:chgData name="Jaewoong Sim" userId="794c201930605eba" providerId="LiveId" clId="{D90F4C83-37AB-1E40-A4BB-46A25534DE26}" dt="2020-08-30T15:17:19.586" v="6429" actId="207"/>
-          <ac:spMkLst>
-            <pc:docMk/>
-            <pc:sldMk cId="497510145" sldId="313"/>
-            <ac:spMk id="13" creationId="{4D9B4E4D-4FF4-8043-8F73-4FE077B2D7FF}"/>
-          </ac:spMkLst>
-        </pc:spChg>
-        <pc:spChg chg="add mod">
-          <ac:chgData name="Jaewoong Sim" userId="794c201930605eba" providerId="LiveId" clId="{D90F4C83-37AB-1E40-A4BB-46A25534DE26}" dt="2020-08-30T15:17:19.586" v="6429" actId="207"/>
-          <ac:spMkLst>
-            <pc:docMk/>
-            <pc:sldMk cId="497510145" sldId="313"/>
-            <ac:spMk id="14" creationId="{BAFBD341-6B1E-0648-8555-48D3F0BF5EF4}"/>
-          </ac:spMkLst>
-        </pc:spChg>
-        <pc:spChg chg="add mod">
-          <ac:chgData name="Jaewoong Sim" userId="794c201930605eba" providerId="LiveId" clId="{D90F4C83-37AB-1E40-A4BB-46A25534DE26}" dt="2020-08-30T15:17:28.041" v="6430" actId="207"/>
-          <ac:spMkLst>
-            <pc:docMk/>
-            <pc:sldMk cId="497510145" sldId="313"/>
-            <ac:spMk id="17" creationId="{F29A2952-316D-DD44-9CE3-D24130502B71}"/>
-          </ac:spMkLst>
-        </pc:spChg>
-        <pc:spChg chg="add mod">
-          <ac:chgData name="Jaewoong Sim" userId="794c201930605eba" providerId="LiveId" clId="{D90F4C83-37AB-1E40-A4BB-46A25534DE26}" dt="2020-08-30T15:17:28.041" v="6430" actId="207"/>
-          <ac:spMkLst>
-            <pc:docMk/>
-            <pc:sldMk cId="497510145" sldId="313"/>
-            <ac:spMk id="18" creationId="{F1A19809-8D2F-9A48-AACA-38B4489A4321}"/>
-          </ac:spMkLst>
-        </pc:spChg>
-        <pc:graphicFrameChg chg="add mod modGraphic">
-          <ac:chgData name="Jaewoong Sim" userId="794c201930605eba" providerId="LiveId" clId="{D90F4C83-37AB-1E40-A4BB-46A25534DE26}" dt="2020-08-30T15:17:00.222" v="6427" actId="207"/>
-          <ac:graphicFrameMkLst>
-            <pc:docMk/>
-            <pc:sldMk cId="497510145" sldId="313"/>
-            <ac:graphicFrameMk id="19" creationId="{85396BA3-159D-AE4E-8AE1-78156F0E007D}"/>
-          </ac:graphicFrameMkLst>
-        </pc:graphicFrameChg>
-        <pc:cxnChg chg="add mod">
-          <ac:chgData name="Jaewoong Sim" userId="794c201930605eba" providerId="LiveId" clId="{D90F4C83-37AB-1E40-A4BB-46A25534DE26}" dt="2020-08-30T15:17:10.596" v="6428" actId="207"/>
-          <ac:cxnSpMkLst>
-            <pc:docMk/>
-            <pc:sldMk cId="497510145" sldId="313"/>
-            <ac:cxnSpMk id="7" creationId="{81DDF81B-9037-914C-AA5B-1337948BE7BE}"/>
-          </ac:cxnSpMkLst>
-        </pc:cxnChg>
-        <pc:cxnChg chg="add mod">
-          <ac:chgData name="Jaewoong Sim" userId="794c201930605eba" providerId="LiveId" clId="{D90F4C83-37AB-1E40-A4BB-46A25534DE26}" dt="2020-08-30T15:17:10.596" v="6428" actId="207"/>
-          <ac:cxnSpMkLst>
-            <pc:docMk/>
-            <pc:sldMk cId="497510145" sldId="313"/>
-            <ac:cxnSpMk id="8" creationId="{FD910A5A-E733-A041-B396-B99E543588FA}"/>
-          </ac:cxnSpMkLst>
-        </pc:cxnChg>
-        <pc:cxnChg chg="add mod">
-          <ac:chgData name="Jaewoong Sim" userId="794c201930605eba" providerId="LiveId" clId="{D90F4C83-37AB-1E40-A4BB-46A25534DE26}" dt="2020-08-30T15:17:10.596" v="6428" actId="207"/>
-          <ac:cxnSpMkLst>
-            <pc:docMk/>
-            <pc:sldMk cId="497510145" sldId="313"/>
-            <ac:cxnSpMk id="9" creationId="{E633A70F-373D-7F4E-B892-215E8104DB7D}"/>
-          </ac:cxnSpMkLst>
-        </pc:cxnChg>
-        <pc:cxnChg chg="add mod">
-          <ac:chgData name="Jaewoong Sim" userId="794c201930605eba" providerId="LiveId" clId="{D90F4C83-37AB-1E40-A4BB-46A25534DE26}" dt="2020-08-30T15:17:10.596" v="6428" actId="207"/>
-          <ac:cxnSpMkLst>
-            <pc:docMk/>
-            <pc:sldMk cId="497510145" sldId="313"/>
-            <ac:cxnSpMk id="10" creationId="{CF5048E4-404B-9C4F-9C18-A3111C62EDA7}"/>
-          </ac:cxnSpMkLst>
-        </pc:cxnChg>
-        <pc:cxnChg chg="add mod">
-          <ac:chgData name="Jaewoong Sim" userId="794c201930605eba" providerId="LiveId" clId="{D90F4C83-37AB-1E40-A4BB-46A25534DE26}" dt="2020-08-30T15:17:10.596" v="6428" actId="207"/>
-          <ac:cxnSpMkLst>
-            <pc:docMk/>
-            <pc:sldMk cId="497510145" sldId="313"/>
-            <ac:cxnSpMk id="15" creationId="{EAB10120-4595-C24E-99DF-1B99B04F1A2C}"/>
-          </ac:cxnSpMkLst>
-        </pc:cxnChg>
-        <pc:cxnChg chg="add mod">
-          <ac:chgData name="Jaewoong Sim" userId="794c201930605eba" providerId="LiveId" clId="{D90F4C83-37AB-1E40-A4BB-46A25534DE26}" dt="2020-08-30T15:17:10.596" v="6428" actId="207"/>
-          <ac:cxnSpMkLst>
-            <pc:docMk/>
-            <pc:sldMk cId="497510145" sldId="313"/>
-            <ac:cxnSpMk id="16" creationId="{1EDEC1DC-1852-3D47-8EF7-82F5001509E1}"/>
-          </ac:cxnSpMkLst>
-        </pc:cxnChg>
-      </pc:sldChg>
-      <pc:sldChg chg="addSp delSp modSp add del mod">
-        <pc:chgData name="Jaewoong Sim" userId="794c201930605eba" providerId="LiveId" clId="{D90F4C83-37AB-1E40-A4BB-46A25534DE26}" dt="2020-08-30T15:03:36.147" v="5876" actId="2696"/>
-        <pc:sldMkLst>
-          <pc:docMk/>
-          <pc:sldMk cId="4237703071" sldId="313"/>
-        </pc:sldMkLst>
-        <pc:spChg chg="del">
-          <ac:chgData name="Jaewoong Sim" userId="794c201930605eba" providerId="LiveId" clId="{D90F4C83-37AB-1E40-A4BB-46A25534DE26}" dt="2020-08-30T14:59:43.360" v="5645"/>
-          <ac:spMkLst>
-            <pc:docMk/>
-            <pc:sldMk cId="4237703071" sldId="313"/>
-            <ac:spMk id="3" creationId="{3D842C0E-945C-9044-8644-882930E68B6F}"/>
-          </ac:spMkLst>
-        </pc:spChg>
-        <pc:picChg chg="add mod">
-          <ac:chgData name="Jaewoong Sim" userId="794c201930605eba" providerId="LiveId" clId="{D90F4C83-37AB-1E40-A4BB-46A25534DE26}" dt="2020-08-30T14:59:47.829" v="5648" actId="1076"/>
-          <ac:picMkLst>
-            <pc:docMk/>
-            <pc:sldMk cId="4237703071" sldId="313"/>
-            <ac:picMk id="5" creationId="{DE1F3AC0-71E1-4D4C-97B3-22039C827ADF}"/>
-          </ac:picMkLst>
-        </pc:picChg>
-      </pc:sldChg>
-      <pc:sldChg chg="addSp modSp add mod">
-        <pc:chgData name="Jaewoong Sim" userId="794c201930605eba" providerId="LiveId" clId="{D90F4C83-37AB-1E40-A4BB-46A25534DE26}" dt="2020-08-30T15:21:10.915" v="6459" actId="255"/>
-        <pc:sldMkLst>
-          <pc:docMk/>
-          <pc:sldMk cId="2530187995" sldId="314"/>
-        </pc:sldMkLst>
-        <pc:spChg chg="mod">
-          <ac:chgData name="Jaewoong Sim" userId="794c201930605eba" providerId="LiveId" clId="{D90F4C83-37AB-1E40-A4BB-46A25534DE26}" dt="2020-08-30T15:13:05.523" v="6221" actId="20577"/>
-          <ac:spMkLst>
-            <pc:docMk/>
-            <pc:sldMk cId="2530187995" sldId="314"/>
-            <ac:spMk id="2" creationId="{C6D8F310-191A-FF47-A3CB-C4540D82A3E0}"/>
-          </ac:spMkLst>
-        </pc:spChg>
-        <pc:spChg chg="mod">
-          <ac:chgData name="Jaewoong Sim" userId="794c201930605eba" providerId="LiveId" clId="{D90F4C83-37AB-1E40-A4BB-46A25534DE26}" dt="2020-08-30T15:20:14.218" v="6450"/>
-          <ac:spMkLst>
-            <pc:docMk/>
-            <pc:sldMk cId="2530187995" sldId="314"/>
-            <ac:spMk id="3" creationId="{4D34AF1D-12D3-5B4F-8B6C-0C91546DC140}"/>
-          </ac:spMkLst>
-        </pc:spChg>
-        <pc:spChg chg="add mod">
-          <ac:chgData name="Jaewoong Sim" userId="794c201930605eba" providerId="LiveId" clId="{D90F4C83-37AB-1E40-A4BB-46A25534DE26}" dt="2020-08-30T15:21:10.915" v="6459" actId="255"/>
-          <ac:spMkLst>
-            <pc:docMk/>
-            <pc:sldMk cId="2530187995" sldId="314"/>
-            <ac:spMk id="4" creationId="{C93559BE-BB38-B943-BEF0-C1C4B6DFDE0B}"/>
-          </ac:spMkLst>
-        </pc:spChg>
-      </pc:sldChg>
-      <pc:sldChg chg="addSp delSp modSp add mod">
-        <pc:chgData name="Jaewoong Sim" userId="794c201930605eba" providerId="LiveId" clId="{D90F4C83-37AB-1E40-A4BB-46A25534DE26}" dt="2020-09-02T09:03:29.487" v="7828" actId="20577"/>
-        <pc:sldMkLst>
-          <pc:docMk/>
-          <pc:sldMk cId="231709556" sldId="315"/>
-        </pc:sldMkLst>
-        <pc:spChg chg="mod">
-          <ac:chgData name="Jaewoong Sim" userId="794c201930605eba" providerId="LiveId" clId="{D90F4C83-37AB-1E40-A4BB-46A25534DE26}" dt="2020-09-02T09:03:29.487" v="7828" actId="20577"/>
-          <ac:spMkLst>
-            <pc:docMk/>
-            <pc:sldMk cId="231709556" sldId="315"/>
-            <ac:spMk id="2" creationId="{1AB552DC-3CC4-F64F-ADC2-EC888B59DDF6}"/>
-          </ac:spMkLst>
-        </pc:spChg>
-        <pc:spChg chg="mod">
-          <ac:chgData name="Jaewoong Sim" userId="794c201930605eba" providerId="LiveId" clId="{D90F4C83-37AB-1E40-A4BB-46A25534DE26}" dt="2020-08-30T15:24:11.019" v="6559" actId="313"/>
-          <ac:spMkLst>
-            <pc:docMk/>
-            <pc:sldMk cId="231709556" sldId="315"/>
-            <ac:spMk id="3" creationId="{B3B453E2-F2EE-304C-8F22-657B641C7ECE}"/>
-          </ac:spMkLst>
-        </pc:spChg>
-        <pc:spChg chg="add del mod">
-          <ac:chgData name="Jaewoong Sim" userId="794c201930605eba" providerId="LiveId" clId="{D90F4C83-37AB-1E40-A4BB-46A25534DE26}" dt="2020-08-30T15:26:32.002" v="6577" actId="478"/>
-          <ac:spMkLst>
-            <pc:docMk/>
-            <pc:sldMk cId="231709556" sldId="315"/>
-            <ac:spMk id="6" creationId="{D6EBD7F4-6BC3-EE43-8DB4-998C7802D042}"/>
-          </ac:spMkLst>
-        </pc:spChg>
-        <pc:picChg chg="add mod">
-          <ac:chgData name="Jaewoong Sim" userId="794c201930605eba" providerId="LiveId" clId="{D90F4C83-37AB-1E40-A4BB-46A25534DE26}" dt="2020-08-30T15:27:30.059" v="6587" actId="208"/>
-          <ac:picMkLst>
-            <pc:docMk/>
-            <pc:sldMk cId="231709556" sldId="315"/>
-            <ac:picMk id="5" creationId="{968A2C9A-2D4E-394B-9F12-8883BA80E973}"/>
-          </ac:picMkLst>
-        </pc:picChg>
-        <pc:picChg chg="add del mod">
-          <ac:chgData name="Jaewoong Sim" userId="794c201930605eba" providerId="LiveId" clId="{D90F4C83-37AB-1E40-A4BB-46A25534DE26}" dt="2020-08-30T15:27:13.529" v="6582" actId="478"/>
-          <ac:picMkLst>
-            <pc:docMk/>
-            <pc:sldMk cId="231709556" sldId="315"/>
-            <ac:picMk id="8" creationId="{24592D39-7625-5943-A37C-F682FD94E1D1}"/>
-          </ac:picMkLst>
-        </pc:picChg>
-        <pc:picChg chg="add del mod">
-          <ac:chgData name="Jaewoong Sim" userId="794c201930605eba" providerId="LiveId" clId="{D90F4C83-37AB-1E40-A4BB-46A25534DE26}" dt="2020-08-30T15:28:49.621" v="6593" actId="478"/>
-          <ac:picMkLst>
-            <pc:docMk/>
-            <pc:sldMk cId="231709556" sldId="315"/>
-            <ac:picMk id="10" creationId="{FF06C7A0-EB1F-4B43-BFB6-8E642AAFD808}"/>
-          </ac:picMkLst>
-        </pc:picChg>
-        <pc:picChg chg="add mod">
-          <ac:chgData name="Jaewoong Sim" userId="794c201930605eba" providerId="LiveId" clId="{D90F4C83-37AB-1E40-A4BB-46A25534DE26}" dt="2020-08-30T15:28:54.457" v="6595" actId="1076"/>
-          <ac:picMkLst>
-            <pc:docMk/>
-            <pc:sldMk cId="231709556" sldId="315"/>
-            <ac:picMk id="12" creationId="{E10BD572-F1A3-1249-AB3A-1E574BD9EC87}"/>
-          </ac:picMkLst>
-        </pc:picChg>
-        <pc:picChg chg="add del mod">
-          <ac:chgData name="Jaewoong Sim" userId="794c201930605eba" providerId="LiveId" clId="{D90F4C83-37AB-1E40-A4BB-46A25534DE26}" dt="2020-08-30T15:29:40.993" v="6604" actId="478"/>
-          <ac:picMkLst>
-            <pc:docMk/>
-            <pc:sldMk cId="231709556" sldId="315"/>
-            <ac:picMk id="14" creationId="{A4132FA7-CBE1-8D48-A3B9-6E0BA59AD24B}"/>
-          </ac:picMkLst>
-        </pc:picChg>
-      </pc:sldChg>
-      <pc:sldChg chg="delSp modSp add mod">
-        <pc:chgData name="Jaewoong Sim" userId="794c201930605eba" providerId="LiveId" clId="{D90F4C83-37AB-1E40-A4BB-46A25534DE26}" dt="2020-09-02T09:03:42.240" v="7864" actId="20577"/>
-        <pc:sldMkLst>
-          <pc:docMk/>
-          <pc:sldMk cId="108102331" sldId="316"/>
-        </pc:sldMkLst>
-        <pc:spChg chg="mod">
-          <ac:chgData name="Jaewoong Sim" userId="794c201930605eba" providerId="LiveId" clId="{D90F4C83-37AB-1E40-A4BB-46A25534DE26}" dt="2020-09-02T09:03:42.240" v="7864" actId="20577"/>
-          <ac:spMkLst>
-            <pc:docMk/>
-            <pc:sldMk cId="108102331" sldId="316"/>
-            <ac:spMk id="2" creationId="{1AB552DC-3CC4-F64F-ADC2-EC888B59DDF6}"/>
-          </ac:spMkLst>
-        </pc:spChg>
-        <pc:spChg chg="mod">
-          <ac:chgData name="Jaewoong Sim" userId="794c201930605eba" providerId="LiveId" clId="{D90F4C83-37AB-1E40-A4BB-46A25534DE26}" dt="2020-08-30T15:30:20.170" v="6678" actId="313"/>
-          <ac:spMkLst>
-            <pc:docMk/>
-            <pc:sldMk cId="108102331" sldId="316"/>
-            <ac:spMk id="3" creationId="{B3B453E2-F2EE-304C-8F22-657B641C7ECE}"/>
-          </ac:spMkLst>
-        </pc:spChg>
-        <pc:picChg chg="del">
-          <ac:chgData name="Jaewoong Sim" userId="794c201930605eba" providerId="LiveId" clId="{D90F4C83-37AB-1E40-A4BB-46A25534DE26}" dt="2020-08-30T15:30:23.609" v="6679" actId="478"/>
-          <ac:picMkLst>
-            <pc:docMk/>
-            <pc:sldMk cId="108102331" sldId="316"/>
-            <ac:picMk id="5" creationId="{968A2C9A-2D4E-394B-9F12-8883BA80E973}"/>
-          </ac:picMkLst>
-        </pc:picChg>
-        <pc:picChg chg="del">
-          <ac:chgData name="Jaewoong Sim" userId="794c201930605eba" providerId="LiveId" clId="{D90F4C83-37AB-1E40-A4BB-46A25534DE26}" dt="2020-08-30T15:30:27.344" v="6681" actId="478"/>
-          <ac:picMkLst>
-            <pc:docMk/>
-            <pc:sldMk cId="108102331" sldId="316"/>
-            <ac:picMk id="12" creationId="{E10BD572-F1A3-1249-AB3A-1E574BD9EC87}"/>
-          </ac:picMkLst>
-        </pc:picChg>
-        <pc:picChg chg="mod">
-          <ac:chgData name="Jaewoong Sim" userId="794c201930605eba" providerId="LiveId" clId="{D90F4C83-37AB-1E40-A4BB-46A25534DE26}" dt="2020-08-30T15:30:32.213" v="6683" actId="1076"/>
-          <ac:picMkLst>
-            <pc:docMk/>
-            <pc:sldMk cId="108102331" sldId="316"/>
-            <ac:picMk id="14" creationId="{A4132FA7-CBE1-8D48-A3B9-6E0BA59AD24B}"/>
-          </ac:picMkLst>
-        </pc:picChg>
-      </pc:sldChg>
-      <pc:sldChg chg="addSp delSp modSp add mod">
-        <pc:chgData name="Jaewoong Sim" userId="794c201930605eba" providerId="LiveId" clId="{D90F4C83-37AB-1E40-A4BB-46A25534DE26}" dt="2020-09-02T09:03:56.718" v="7890" actId="20577"/>
-        <pc:sldMkLst>
-          <pc:docMk/>
-          <pc:sldMk cId="3237492384" sldId="317"/>
-        </pc:sldMkLst>
-        <pc:spChg chg="mod">
-          <ac:chgData name="Jaewoong Sim" userId="794c201930605eba" providerId="LiveId" clId="{D90F4C83-37AB-1E40-A4BB-46A25534DE26}" dt="2020-09-02T09:03:56.718" v="7890" actId="20577"/>
-          <ac:spMkLst>
-            <pc:docMk/>
-            <pc:sldMk cId="3237492384" sldId="317"/>
-            <ac:spMk id="2" creationId="{4C875710-2478-FA41-A2A3-27F55C7D5F45}"/>
-          </ac:spMkLst>
-        </pc:spChg>
-        <pc:spChg chg="del">
-          <ac:chgData name="Jaewoong Sim" userId="794c201930605eba" providerId="LiveId" clId="{D90F4C83-37AB-1E40-A4BB-46A25534DE26}" dt="2020-08-30T15:32:55.305" v="6704"/>
-          <ac:spMkLst>
-            <pc:docMk/>
-            <pc:sldMk cId="3237492384" sldId="317"/>
-            <ac:spMk id="3" creationId="{29138646-9F9B-F948-88AD-F12C786861FD}"/>
-          </ac:spMkLst>
-        </pc:spChg>
-        <pc:spChg chg="add mod">
-          <ac:chgData name="Jaewoong Sim" userId="794c201930605eba" providerId="LiveId" clId="{D90F4C83-37AB-1E40-A4BB-46A25534DE26}" dt="2020-08-30T15:34:24.650" v="6713" actId="14100"/>
-          <ac:spMkLst>
-            <pc:docMk/>
-            <pc:sldMk cId="3237492384" sldId="317"/>
-            <ac:spMk id="6" creationId="{DA025347-F54D-CA48-95EE-CE33E2681CA0}"/>
-          </ac:spMkLst>
-        </pc:spChg>
-        <pc:spChg chg="add mod">
-          <ac:chgData name="Jaewoong Sim" userId="794c201930605eba" providerId="LiveId" clId="{D90F4C83-37AB-1E40-A4BB-46A25534DE26}" dt="2020-08-30T15:34:31.336" v="6716" actId="14100"/>
-          <ac:spMkLst>
-            <pc:docMk/>
-            <pc:sldMk cId="3237492384" sldId="317"/>
-            <ac:spMk id="7" creationId="{708BA698-BEAB-9D42-83F3-AC180CF06102}"/>
-          </ac:spMkLst>
-        </pc:spChg>
-        <pc:picChg chg="add mod">
-          <ac:chgData name="Jaewoong Sim" userId="794c201930605eba" providerId="LiveId" clId="{D90F4C83-37AB-1E40-A4BB-46A25534DE26}" dt="2020-08-30T15:34:13.172" v="6710" actId="1076"/>
-          <ac:picMkLst>
-            <pc:docMk/>
-            <pc:sldMk cId="3237492384" sldId="317"/>
-            <ac:picMk id="5" creationId="{7EFB7FB2-A7F4-4548-871F-69A30BE0ED73}"/>
-          </ac:picMkLst>
-        </pc:picChg>
-      </pc:sldChg>
-      <pc:sldChg chg="addSp modSp add mod">
-        <pc:chgData name="Jaewoong Sim" userId="794c201930605eba" providerId="LiveId" clId="{D90F4C83-37AB-1E40-A4BB-46A25534DE26}" dt="2020-09-02T10:07:59.891" v="9210" actId="20577"/>
-        <pc:sldMkLst>
-          <pc:docMk/>
-          <pc:sldMk cId="3039008657" sldId="318"/>
-        </pc:sldMkLst>
-        <pc:spChg chg="mod">
-          <ac:chgData name="Jaewoong Sim" userId="794c201930605eba" providerId="LiveId" clId="{D90F4C83-37AB-1E40-A4BB-46A25534DE26}" dt="2020-09-02T10:07:59.891" v="9210" actId="20577"/>
-          <ac:spMkLst>
-            <pc:docMk/>
-            <pc:sldMk cId="3039008657" sldId="318"/>
-            <ac:spMk id="2" creationId="{D30484C9-525F-B147-B413-D87528A9DA14}"/>
-          </ac:spMkLst>
-        </pc:spChg>
-        <pc:spChg chg="mod">
-          <ac:chgData name="Jaewoong Sim" userId="794c201930605eba" providerId="LiveId" clId="{D90F4C83-37AB-1E40-A4BB-46A25534DE26}" dt="2020-08-30T15:40:37.599" v="6776" actId="255"/>
-          <ac:spMkLst>
-            <pc:docMk/>
-            <pc:sldMk cId="3039008657" sldId="318"/>
-            <ac:spMk id="3" creationId="{BB1649E6-598F-A845-A972-50F79AB3B642}"/>
-          </ac:spMkLst>
-        </pc:spChg>
-        <pc:picChg chg="add mod">
-          <ac:chgData name="Jaewoong Sim" userId="794c201930605eba" providerId="LiveId" clId="{D90F4C83-37AB-1E40-A4BB-46A25534DE26}" dt="2020-08-30T15:40:02.187" v="6722" actId="1076"/>
-          <ac:picMkLst>
-            <pc:docMk/>
-            <pc:sldMk cId="3039008657" sldId="318"/>
-            <ac:picMk id="4" creationId="{EFC05A8D-DC8C-CD46-AB63-CEC89A380B25}"/>
-          </ac:picMkLst>
-        </pc:picChg>
-      </pc:sldChg>
-      <pc:sldChg chg="addSp delSp modSp add mod">
-        <pc:chgData name="Jaewoong Sim" userId="794c201930605eba" providerId="LiveId" clId="{D90F4C83-37AB-1E40-A4BB-46A25534DE26}" dt="2020-09-02T10:08:07.654" v="9237" actId="20577"/>
-        <pc:sldMkLst>
-          <pc:docMk/>
-          <pc:sldMk cId="2709198429" sldId="319"/>
-        </pc:sldMkLst>
-        <pc:spChg chg="mod">
-          <ac:chgData name="Jaewoong Sim" userId="794c201930605eba" providerId="LiveId" clId="{D90F4C83-37AB-1E40-A4BB-46A25534DE26}" dt="2020-09-02T10:08:07.654" v="9237" actId="20577"/>
-          <ac:spMkLst>
-            <pc:docMk/>
-            <pc:sldMk cId="2709198429" sldId="319"/>
-            <ac:spMk id="2" creationId="{8CE57999-512A-FB4C-9AE6-7DFC30A67274}"/>
-          </ac:spMkLst>
-        </pc:spChg>
-        <pc:spChg chg="mod">
-          <ac:chgData name="Jaewoong Sim" userId="794c201930605eba" providerId="LiveId" clId="{D90F4C83-37AB-1E40-A4BB-46A25534DE26}" dt="2020-08-30T15:44:50.727" v="6875" actId="20577"/>
-          <ac:spMkLst>
-            <pc:docMk/>
-            <pc:sldMk cId="2709198429" sldId="319"/>
-            <ac:spMk id="3" creationId="{B3D1FDE5-740E-C44D-B301-BAE647140C8E}"/>
-          </ac:spMkLst>
-        </pc:spChg>
-        <pc:picChg chg="add del mod">
-          <ac:chgData name="Jaewoong Sim" userId="794c201930605eba" providerId="LiveId" clId="{D90F4C83-37AB-1E40-A4BB-46A25534DE26}" dt="2020-08-30T15:44:31.788" v="6867" actId="478"/>
-          <ac:picMkLst>
-            <pc:docMk/>
-            <pc:sldMk cId="2709198429" sldId="319"/>
-            <ac:picMk id="5" creationId="{840C3EAE-4ECB-F54D-9465-867227F893D9}"/>
-          </ac:picMkLst>
-        </pc:picChg>
-        <pc:picChg chg="add mod">
-          <ac:chgData name="Jaewoong Sim" userId="794c201930605eba" providerId="LiveId" clId="{D90F4C83-37AB-1E40-A4BB-46A25534DE26}" dt="2020-08-30T15:57:48.497" v="7197" actId="1076"/>
-          <ac:picMkLst>
-            <pc:docMk/>
-            <pc:sldMk cId="2709198429" sldId="319"/>
-            <ac:picMk id="7" creationId="{29BEADBC-CFC2-E442-B496-30A75380B5C4}"/>
-          </ac:picMkLst>
-        </pc:picChg>
-        <pc:picChg chg="add del mod">
-          <ac:chgData name="Jaewoong Sim" userId="794c201930605eba" providerId="LiveId" clId="{D90F4C83-37AB-1E40-A4BB-46A25534DE26}" dt="2020-08-30T15:46:48.981" v="6881" actId="21"/>
-          <ac:picMkLst>
-            <pc:docMk/>
-            <pc:sldMk cId="2709198429" sldId="319"/>
-            <ac:picMk id="9" creationId="{83B42AAE-F5C9-134C-8D3A-118EAFCE776E}"/>
-          </ac:picMkLst>
-        </pc:picChg>
-      </pc:sldChg>
-      <pc:sldChg chg="addSp delSp modSp add del mod">
-        <pc:chgData name="Jaewoong Sim" userId="794c201930605eba" providerId="LiveId" clId="{D90F4C83-37AB-1E40-A4BB-46A25534DE26}" dt="2020-08-30T15:49:04.803" v="6945" actId="2696"/>
-        <pc:sldMkLst>
-          <pc:docMk/>
-          <pc:sldMk cId="3309001424" sldId="320"/>
-        </pc:sldMkLst>
-        <pc:spChg chg="del">
-          <ac:chgData name="Jaewoong Sim" userId="794c201930605eba" providerId="LiveId" clId="{D90F4C83-37AB-1E40-A4BB-46A25534DE26}" dt="2020-08-30T15:47:18.228" v="6886"/>
-          <ac:spMkLst>
-            <pc:docMk/>
-            <pc:sldMk cId="3309001424" sldId="320"/>
-            <ac:spMk id="3" creationId="{7DBCD429-E6FD-564F-BEF8-09438294FBF2}"/>
-          </ac:spMkLst>
-        </pc:spChg>
-        <pc:picChg chg="add mod">
-          <ac:chgData name="Jaewoong Sim" userId="794c201930605eba" providerId="LiveId" clId="{D90F4C83-37AB-1E40-A4BB-46A25534DE26}" dt="2020-08-30T15:46:57.569" v="6885" actId="1076"/>
-          <ac:picMkLst>
-            <pc:docMk/>
-            <pc:sldMk cId="3309001424" sldId="320"/>
-            <ac:picMk id="4" creationId="{264C0CC3-15D6-D040-B78E-F70B2CB9DEAE}"/>
-          </ac:picMkLst>
-        </pc:picChg>
-        <pc:picChg chg="add mod">
-          <ac:chgData name="Jaewoong Sim" userId="794c201930605eba" providerId="LiveId" clId="{D90F4C83-37AB-1E40-A4BB-46A25534DE26}" dt="2020-08-30T15:47:30.799" v="6892" actId="1076"/>
-          <ac:picMkLst>
-            <pc:docMk/>
-            <pc:sldMk cId="3309001424" sldId="320"/>
-            <ac:picMk id="6" creationId="{874ECE61-C7DE-0B4F-AD3D-7D23B65376CD}"/>
-          </ac:picMkLst>
-        </pc:picChg>
-      </pc:sldChg>
-      <pc:sldChg chg="addSp delSp modSp add mod">
-        <pc:chgData name="Jaewoong Sim" userId="794c201930605eba" providerId="LiveId" clId="{D90F4C83-37AB-1E40-A4BB-46A25534DE26}" dt="2020-09-02T10:08:14.455" v="9250" actId="20577"/>
-        <pc:sldMkLst>
-          <pc:docMk/>
-          <pc:sldMk cId="3047516019" sldId="321"/>
-        </pc:sldMkLst>
-        <pc:spChg chg="mod">
-          <ac:chgData name="Jaewoong Sim" userId="794c201930605eba" providerId="LiveId" clId="{D90F4C83-37AB-1E40-A4BB-46A25534DE26}" dt="2020-09-02T10:08:14.455" v="9250" actId="20577"/>
-          <ac:spMkLst>
-            <pc:docMk/>
-            <pc:sldMk cId="3047516019" sldId="321"/>
-            <ac:spMk id="2" creationId="{8CE57999-512A-FB4C-9AE6-7DFC30A67274}"/>
-          </ac:spMkLst>
-        </pc:spChg>
-        <pc:spChg chg="mod">
-          <ac:chgData name="Jaewoong Sim" userId="794c201930605eba" providerId="LiveId" clId="{D90F4C83-37AB-1E40-A4BB-46A25534DE26}" dt="2020-08-30T15:48:30.526" v="6943" actId="20577"/>
-          <ac:spMkLst>
-            <pc:docMk/>
-            <pc:sldMk cId="3047516019" sldId="321"/>
-            <ac:spMk id="3" creationId="{B3D1FDE5-740E-C44D-B301-BAE647140C8E}"/>
-          </ac:spMkLst>
-        </pc:spChg>
-        <pc:spChg chg="add mod">
-          <ac:chgData name="Jaewoong Sim" userId="794c201930605eba" providerId="LiveId" clId="{D90F4C83-37AB-1E40-A4BB-46A25534DE26}" dt="2020-08-30T16:10:22.985" v="7318" actId="255"/>
-          <ac:spMkLst>
-            <pc:docMk/>
-            <pc:sldMk cId="3047516019" sldId="321"/>
-            <ac:spMk id="4" creationId="{0199C5D9-B032-DF4A-8510-1AD87B9E8270}"/>
-          </ac:spMkLst>
-        </pc:spChg>
-        <pc:spChg chg="add mod">
-          <ac:chgData name="Jaewoong Sim" userId="794c201930605eba" providerId="LiveId" clId="{D90F4C83-37AB-1E40-A4BB-46A25534DE26}" dt="2020-08-30T15:48:25.621" v="6938" actId="14100"/>
-          <ac:spMkLst>
-            <pc:docMk/>
-            <pc:sldMk cId="3047516019" sldId="321"/>
-            <ac:spMk id="8" creationId="{E3F70D3B-A5EF-E04F-9893-84A047BB47BF}"/>
-          </ac:spMkLst>
-        </pc:spChg>
-        <pc:spChg chg="add mod">
-          <ac:chgData name="Jaewoong Sim" userId="794c201930605eba" providerId="LiveId" clId="{D90F4C83-37AB-1E40-A4BB-46A25534DE26}" dt="2020-08-30T16:10:25.056" v="7322" actId="255"/>
-          <ac:spMkLst>
-            <pc:docMk/>
-            <pc:sldMk cId="3047516019" sldId="321"/>
-            <ac:spMk id="10" creationId="{2D36B88C-D3F8-EF42-B177-69008F87A88A}"/>
-          </ac:spMkLst>
-        </pc:spChg>
-        <pc:picChg chg="add mod">
-          <ac:chgData name="Jaewoong Sim" userId="794c201930605eba" providerId="LiveId" clId="{D90F4C83-37AB-1E40-A4BB-46A25534DE26}" dt="2020-08-30T15:48:05.207" v="6934" actId="1076"/>
-          <ac:picMkLst>
-            <pc:docMk/>
-            <pc:sldMk cId="3047516019" sldId="321"/>
-            <ac:picMk id="5" creationId="{5DCDDEC0-248B-EA46-B21B-A7C48DC3D724}"/>
-          </ac:picMkLst>
-        </pc:picChg>
-        <pc:picChg chg="add mod">
-          <ac:chgData name="Jaewoong Sim" userId="794c201930605eba" providerId="LiveId" clId="{D90F4C83-37AB-1E40-A4BB-46A25534DE26}" dt="2020-08-30T15:48:34.751" v="6944" actId="1076"/>
-          <ac:picMkLst>
-            <pc:docMk/>
-            <pc:sldMk cId="3047516019" sldId="321"/>
-            <ac:picMk id="6" creationId="{8E141303-5E12-4340-8310-D1E1867A79E4}"/>
-          </ac:picMkLst>
-        </pc:picChg>
-        <pc:picChg chg="del">
-          <ac:chgData name="Jaewoong Sim" userId="794c201930605eba" providerId="LiveId" clId="{D90F4C83-37AB-1E40-A4BB-46A25534DE26}" dt="2020-08-30T15:47:53.462" v="6931" actId="478"/>
-          <ac:picMkLst>
-            <pc:docMk/>
-            <pc:sldMk cId="3047516019" sldId="321"/>
-            <ac:picMk id="7" creationId="{29BEADBC-CFC2-E442-B496-30A75380B5C4}"/>
-          </ac:picMkLst>
-        </pc:picChg>
-        <pc:picChg chg="add mod">
-          <ac:chgData name="Jaewoong Sim" userId="794c201930605eba" providerId="LiveId" clId="{D90F4C83-37AB-1E40-A4BB-46A25534DE26}" dt="2020-08-30T16:04:31.600" v="7204" actId="1076"/>
-          <ac:picMkLst>
-            <pc:docMk/>
-            <pc:sldMk cId="3047516019" sldId="321"/>
-            <ac:picMk id="9" creationId="{18CD864E-5DE5-1647-84CB-B343ACCDDE1D}"/>
-          </ac:picMkLst>
-        </pc:picChg>
-        <pc:picChg chg="add del mod">
-          <ac:chgData name="Jaewoong Sim" userId="794c201930605eba" providerId="LiveId" clId="{D90F4C83-37AB-1E40-A4BB-46A25534DE26}" dt="2020-08-30T16:09:18.094" v="7273" actId="21"/>
-          <ac:picMkLst>
-            <pc:docMk/>
-            <pc:sldMk cId="3047516019" sldId="321"/>
-            <ac:picMk id="12" creationId="{62B9F6E3-F3B1-3642-9869-2863353586FE}"/>
-          </ac:picMkLst>
-        </pc:picChg>
-        <pc:picChg chg="add del mod">
-          <ac:chgData name="Jaewoong Sim" userId="794c201930605eba" providerId="LiveId" clId="{D90F4C83-37AB-1E40-A4BB-46A25534DE26}" dt="2020-08-30T16:12:10.550" v="7326" actId="478"/>
-          <ac:picMkLst>
-            <pc:docMk/>
-            <pc:sldMk cId="3047516019" sldId="321"/>
-            <ac:picMk id="14" creationId="{CDCD2149-DC0B-D649-A954-A3B7F7D8B4C4}"/>
-          </ac:picMkLst>
-        </pc:picChg>
-      </pc:sldChg>
-      <pc:sldChg chg="addSp modSp add mod">
-        <pc:chgData name="Jaewoong Sim" userId="794c201930605eba" providerId="LiveId" clId="{D90F4C83-37AB-1E40-A4BB-46A25534DE26}" dt="2020-09-02T10:08:27.280" v="9270" actId="20577"/>
-        <pc:sldMkLst>
-          <pc:docMk/>
-          <pc:sldMk cId="648260214" sldId="322"/>
-        </pc:sldMkLst>
-        <pc:spChg chg="mod">
-          <ac:chgData name="Jaewoong Sim" userId="794c201930605eba" providerId="LiveId" clId="{D90F4C83-37AB-1E40-A4BB-46A25534DE26}" dt="2020-09-02T10:08:27.280" v="9270" actId="20577"/>
-          <ac:spMkLst>
-            <pc:docMk/>
-            <pc:sldMk cId="648260214" sldId="322"/>
-            <ac:spMk id="2" creationId="{32196FE8-C842-DD46-A5DA-16CF5A211451}"/>
-          </ac:spMkLst>
-        </pc:spChg>
-        <pc:spChg chg="mod">
-          <ac:chgData name="Jaewoong Sim" userId="794c201930605eba" providerId="LiveId" clId="{D90F4C83-37AB-1E40-A4BB-46A25534DE26}" dt="2020-08-30T16:09:30.877" v="7299" actId="20577"/>
-          <ac:spMkLst>
-            <pc:docMk/>
-            <pc:sldMk cId="648260214" sldId="322"/>
-            <ac:spMk id="3" creationId="{F9CC33FA-25B1-E044-8C7C-525C2347CA6E}"/>
-          </ac:spMkLst>
-        </pc:spChg>
-        <pc:picChg chg="add mod">
-          <ac:chgData name="Jaewoong Sim" userId="794c201930605eba" providerId="LiveId" clId="{D90F4C83-37AB-1E40-A4BB-46A25534DE26}" dt="2020-08-30T15:52:50.851" v="7019" actId="1076"/>
-          <ac:picMkLst>
-            <pc:docMk/>
-            <pc:sldMk cId="648260214" sldId="322"/>
-            <ac:picMk id="5" creationId="{23936D73-3BFE-C24B-AAC2-544B02958E93}"/>
-          </ac:picMkLst>
-        </pc:picChg>
-        <pc:picChg chg="add mod">
-          <ac:chgData name="Jaewoong Sim" userId="794c201930605eba" providerId="LiveId" clId="{D90F4C83-37AB-1E40-A4BB-46A25534DE26}" dt="2020-08-30T16:09:34.577" v="7300" actId="1076"/>
-          <ac:picMkLst>
-            <pc:docMk/>
-            <pc:sldMk cId="648260214" sldId="322"/>
-            <ac:picMk id="6" creationId="{CAF742A4-D558-5548-B3E0-F8010E97396E}"/>
-          </ac:picMkLst>
-        </pc:picChg>
-      </pc:sldChg>
-      <pc:sldChg chg="addSp delSp modSp add mod">
-        <pc:chgData name="Jaewoong Sim" userId="794c201930605eba" providerId="LiveId" clId="{D90F4C83-37AB-1E40-A4BB-46A25534DE26}" dt="2020-08-30T15:57:26.535" v="7196" actId="20577"/>
-        <pc:sldMkLst>
-          <pc:docMk/>
-          <pc:sldMk cId="1799688836" sldId="323"/>
-        </pc:sldMkLst>
-        <pc:spChg chg="mod">
-          <ac:chgData name="Jaewoong Sim" userId="794c201930605eba" providerId="LiveId" clId="{D90F4C83-37AB-1E40-A4BB-46A25534DE26}" dt="2020-08-30T15:54:49.427" v="7060" actId="20577"/>
-          <ac:spMkLst>
-            <pc:docMk/>
-            <pc:sldMk cId="1799688836" sldId="323"/>
-            <ac:spMk id="2" creationId="{898E56AD-6877-6742-A2CF-F52D9C57B9FB}"/>
-          </ac:spMkLst>
-        </pc:spChg>
-        <pc:spChg chg="mod">
-          <ac:chgData name="Jaewoong Sim" userId="794c201930605eba" providerId="LiveId" clId="{D90F4C83-37AB-1E40-A4BB-46A25534DE26}" dt="2020-08-30T15:57:26.535" v="7196" actId="20577"/>
-          <ac:spMkLst>
-            <pc:docMk/>
-            <pc:sldMk cId="1799688836" sldId="323"/>
-            <ac:spMk id="3" creationId="{61172AAB-E463-3649-8720-6D4956EDA8BE}"/>
-          </ac:spMkLst>
-        </pc:spChg>
-        <pc:picChg chg="add del mod">
-          <ac:chgData name="Jaewoong Sim" userId="794c201930605eba" providerId="LiveId" clId="{D90F4C83-37AB-1E40-A4BB-46A25534DE26}" dt="2020-08-30T15:55:53.302" v="7109" actId="478"/>
-          <ac:picMkLst>
-            <pc:docMk/>
-            <pc:sldMk cId="1799688836" sldId="323"/>
-            <ac:picMk id="5" creationId="{8D2C91E9-79B1-0848-9FC1-81D657F07065}"/>
-          </ac:picMkLst>
-        </pc:picChg>
-        <pc:picChg chg="add mod">
-          <ac:chgData name="Jaewoong Sim" userId="794c201930605eba" providerId="LiveId" clId="{D90F4C83-37AB-1E40-A4BB-46A25534DE26}" dt="2020-08-30T15:57:07.606" v="7124" actId="1076"/>
-          <ac:picMkLst>
-            <pc:docMk/>
-            <pc:sldMk cId="1799688836" sldId="323"/>
-            <ac:picMk id="7" creationId="{F6BAFCF1-488E-ED40-98AC-2FC0E5AAC75D}"/>
-          </ac:picMkLst>
-        </pc:picChg>
-        <pc:picChg chg="add mod">
-          <ac:chgData name="Jaewoong Sim" userId="794c201930605eba" providerId="LiveId" clId="{D90F4C83-37AB-1E40-A4BB-46A25534DE26}" dt="2020-08-30T15:56:59.441" v="7122" actId="1076"/>
-          <ac:picMkLst>
-            <pc:docMk/>
-            <pc:sldMk cId="1799688836" sldId="323"/>
-            <ac:picMk id="9" creationId="{3756C9B4-723E-5741-8ACE-516F26EA2E3C}"/>
-          </ac:picMkLst>
-        </pc:picChg>
-      </pc:sldChg>
-      <pc:sldChg chg="addSp delSp modSp add mod">
-        <pc:chgData name="Jaewoong Sim" userId="794c201930605eba" providerId="LiveId" clId="{D90F4C83-37AB-1E40-A4BB-46A25534DE26}" dt="2020-09-02T09:52:50.368" v="8774" actId="14100"/>
-        <pc:sldMkLst>
-          <pc:docMk/>
-          <pc:sldMk cId="475313323" sldId="324"/>
-        </pc:sldMkLst>
-        <pc:spChg chg="mod">
-          <ac:chgData name="Jaewoong Sim" userId="794c201930605eba" providerId="LiveId" clId="{D90F4C83-37AB-1E40-A4BB-46A25534DE26}" dt="2020-09-02T08:53:24.247" v="7672" actId="20577"/>
-          <ac:spMkLst>
-            <pc:docMk/>
-            <pc:sldMk cId="475313323" sldId="324"/>
-            <ac:spMk id="2" creationId="{D1AFF01E-E3D5-A142-9315-86CFC0CAC7CF}"/>
-          </ac:spMkLst>
-        </pc:spChg>
-        <pc:spChg chg="add del mod">
-          <ac:chgData name="Jaewoong Sim" userId="794c201930605eba" providerId="LiveId" clId="{D90F4C83-37AB-1E40-A4BB-46A25534DE26}" dt="2020-09-02T09:48:28.785" v="8604" actId="478"/>
-          <ac:spMkLst>
-            <pc:docMk/>
-            <pc:sldMk cId="475313323" sldId="324"/>
-            <ac:spMk id="3" creationId="{995526B1-69FD-BB46-9003-B1EEDB836D08}"/>
-          </ac:spMkLst>
-        </pc:spChg>
-        <pc:spChg chg="del">
-          <ac:chgData name="Jaewoong Sim" userId="794c201930605eba" providerId="LiveId" clId="{D90F4C83-37AB-1E40-A4BB-46A25534DE26}" dt="2020-08-30T16:04:17.388" v="7199"/>
-          <ac:spMkLst>
-            <pc:docMk/>
-            <pc:sldMk cId="475313323" sldId="324"/>
-            <ac:spMk id="3" creationId="{DF068455-F81E-C54A-B858-561B268113FE}"/>
-          </ac:spMkLst>
-        </pc:spChg>
-        <pc:spChg chg="add del mod">
-          <ac:chgData name="Jaewoong Sim" userId="794c201930605eba" providerId="LiveId" clId="{D90F4C83-37AB-1E40-A4BB-46A25534DE26}" dt="2020-09-02T09:48:31.464" v="8605" actId="478"/>
-          <ac:spMkLst>
-            <pc:docMk/>
-            <pc:sldMk cId="475313323" sldId="324"/>
-            <ac:spMk id="5" creationId="{3027A6DF-A20C-644A-96C5-89FA44B32F65}"/>
-          </ac:spMkLst>
-        </pc:spChg>
-        <pc:spChg chg="add mod">
-          <ac:chgData name="Jaewoong Sim" userId="794c201930605eba" providerId="LiveId" clId="{D90F4C83-37AB-1E40-A4BB-46A25534DE26}" dt="2020-09-02T09:52:42.072" v="8772" actId="20577"/>
-          <ac:spMkLst>
-            <pc:docMk/>
-            <pc:sldMk cId="475313323" sldId="324"/>
-            <ac:spMk id="7" creationId="{6E477A57-30DD-C34C-AC9D-4E04A027F87F}"/>
-          </ac:spMkLst>
-        </pc:spChg>
-        <pc:picChg chg="add del mod">
-          <ac:chgData name="Jaewoong Sim" userId="794c201930605eba" providerId="LiveId" clId="{D90F4C83-37AB-1E40-A4BB-46A25534DE26}" dt="2020-08-30T16:04:19.491" v="7200" actId="21"/>
-          <ac:picMkLst>
-            <pc:docMk/>
-            <pc:sldMk cId="475313323" sldId="324"/>
-            <ac:picMk id="5" creationId="{718EE366-922E-8E41-8606-8D790A8CD067}"/>
-          </ac:picMkLst>
-        </pc:picChg>
-        <pc:cxnChg chg="add mod">
-          <ac:chgData name="Jaewoong Sim" userId="794c201930605eba" providerId="LiveId" clId="{D90F4C83-37AB-1E40-A4BB-46A25534DE26}" dt="2020-09-02T09:50:33.130" v="8703" actId="208"/>
-          <ac:cxnSpMkLst>
-            <pc:docMk/>
-            <pc:sldMk cId="475313323" sldId="324"/>
-            <ac:cxnSpMk id="6" creationId="{6C48F867-DDD5-3840-852C-5EB2417417B2}"/>
-          </ac:cxnSpMkLst>
-        </pc:cxnChg>
-        <pc:cxnChg chg="add del">
-          <ac:chgData name="Jaewoong Sim" userId="794c201930605eba" providerId="LiveId" clId="{D90F4C83-37AB-1E40-A4BB-46A25534DE26}" dt="2020-09-02T09:49:12.386" v="8628" actId="478"/>
-          <ac:cxnSpMkLst>
-            <pc:docMk/>
-            <pc:sldMk cId="475313323" sldId="324"/>
-            <ac:cxnSpMk id="9" creationId="{509E6F5F-E48F-F647-B781-2FEF3AD0BC3A}"/>
-          </ac:cxnSpMkLst>
-        </pc:cxnChg>
-        <pc:cxnChg chg="add mod">
-          <ac:chgData name="Jaewoong Sim" userId="794c201930605eba" providerId="LiveId" clId="{D90F4C83-37AB-1E40-A4BB-46A25534DE26}" dt="2020-09-02T09:51:45.433" v="8735" actId="14100"/>
-          <ac:cxnSpMkLst>
-            <pc:docMk/>
-            <pc:sldMk cId="475313323" sldId="324"/>
-            <ac:cxnSpMk id="10" creationId="{1A1BDA3C-A6D6-C047-9CD9-8F00427A9857}"/>
-          </ac:cxnSpMkLst>
-        </pc:cxnChg>
-        <pc:cxnChg chg="add mod">
-          <ac:chgData name="Jaewoong Sim" userId="794c201930605eba" providerId="LiveId" clId="{D90F4C83-37AB-1E40-A4BB-46A25534DE26}" dt="2020-09-02T09:52:50.368" v="8774" actId="14100"/>
-          <ac:cxnSpMkLst>
-            <pc:docMk/>
-            <pc:sldMk cId="475313323" sldId="324"/>
-            <ac:cxnSpMk id="12" creationId="{6868CC8E-533B-9841-BF9F-7BA05D6BF2FA}"/>
-          </ac:cxnSpMkLst>
-        </pc:cxnChg>
-      </pc:sldChg>
-      <pc:sldChg chg="addSp delSp modSp add mod">
-        <pc:chgData name="Jaewoong Sim" userId="794c201930605eba" providerId="LiveId" clId="{D90F4C83-37AB-1E40-A4BB-46A25534DE26}" dt="2020-09-02T09:15:12.131" v="8132" actId="20577"/>
-        <pc:sldMkLst>
-          <pc:docMk/>
-          <pc:sldMk cId="4160810478" sldId="325"/>
-        </pc:sldMkLst>
-        <pc:spChg chg="mod">
-          <ac:chgData name="Jaewoong Sim" userId="794c201930605eba" providerId="LiveId" clId="{D90F4C83-37AB-1E40-A4BB-46A25534DE26}" dt="2020-09-02T09:15:12.131" v="8132" actId="20577"/>
-          <ac:spMkLst>
-            <pc:docMk/>
-            <pc:sldMk cId="4160810478" sldId="325"/>
-            <ac:spMk id="2" creationId="{6A8D600C-0684-2544-9823-1F0AC20FDE26}"/>
-          </ac:spMkLst>
-        </pc:spChg>
-        <pc:spChg chg="mod">
-          <ac:chgData name="Jaewoong Sim" userId="794c201930605eba" providerId="LiveId" clId="{D90F4C83-37AB-1E40-A4BB-46A25534DE26}" dt="2020-09-02T09:08:57.046" v="7990" actId="20577"/>
-          <ac:spMkLst>
-            <pc:docMk/>
-            <pc:sldMk cId="4160810478" sldId="325"/>
-            <ac:spMk id="3" creationId="{F7C8E132-84D0-B84C-BC78-047C8F8B47E6}"/>
-          </ac:spMkLst>
-        </pc:spChg>
-        <pc:picChg chg="add mod">
-          <ac:chgData name="Jaewoong Sim" userId="794c201930605eba" providerId="LiveId" clId="{D90F4C83-37AB-1E40-A4BB-46A25534DE26}" dt="2020-09-02T09:09:42.438" v="7995" actId="1076"/>
-          <ac:picMkLst>
-            <pc:docMk/>
-            <pc:sldMk cId="4160810478" sldId="325"/>
-            <ac:picMk id="5" creationId="{23917D49-EBD7-9049-9CAB-39E0020B7F12}"/>
-          </ac:picMkLst>
-        </pc:picChg>
-        <pc:picChg chg="add del mod">
-          <ac:chgData name="Jaewoong Sim" userId="794c201930605eba" providerId="LiveId" clId="{D90F4C83-37AB-1E40-A4BB-46A25534DE26}" dt="2020-09-02T09:10:25.368" v="8003" actId="21"/>
-          <ac:picMkLst>
-            <pc:docMk/>
-            <pc:sldMk cId="4160810478" sldId="325"/>
-            <ac:picMk id="7" creationId="{40B81317-D34D-6544-AACA-673B5027F36D}"/>
-          </ac:picMkLst>
-        </pc:picChg>
-      </pc:sldChg>
-      <pc:sldChg chg="addSp delSp modSp add mod">
-        <pc:chgData name="Jaewoong Sim" userId="794c201930605eba" providerId="LiveId" clId="{D90F4C83-37AB-1E40-A4BB-46A25534DE26}" dt="2020-09-02T10:27:23.860" v="10071" actId="20577"/>
-        <pc:sldMkLst>
-          <pc:docMk/>
-          <pc:sldMk cId="476165456" sldId="326"/>
-        </pc:sldMkLst>
-        <pc:spChg chg="mod">
-          <ac:chgData name="Jaewoong Sim" userId="794c201930605eba" providerId="LiveId" clId="{D90F4C83-37AB-1E40-A4BB-46A25534DE26}" dt="2020-09-02T09:03:48.469" v="7880" actId="20577"/>
-          <ac:spMkLst>
-            <pc:docMk/>
-            <pc:sldMk cId="476165456" sldId="326"/>
-            <ac:spMk id="2" creationId="{CCE7B96E-9451-2A4C-8856-7F0E818D3753}"/>
-          </ac:spMkLst>
-        </pc:spChg>
-        <pc:spChg chg="mod">
-          <ac:chgData name="Jaewoong Sim" userId="794c201930605eba" providerId="LiveId" clId="{D90F4C83-37AB-1E40-A4BB-46A25534DE26}" dt="2020-09-02T10:27:23.860" v="10071" actId="20577"/>
-          <ac:spMkLst>
-            <pc:docMk/>
-            <pc:sldMk cId="476165456" sldId="326"/>
-            <ac:spMk id="3" creationId="{8E397A54-AA8F-E940-BECB-47E376B03FD4}"/>
-          </ac:spMkLst>
-        </pc:spChg>
-        <pc:spChg chg="add mod">
-          <ac:chgData name="Jaewoong Sim" userId="794c201930605eba" providerId="LiveId" clId="{D90F4C83-37AB-1E40-A4BB-46A25534DE26}" dt="2020-09-02T10:05:16.826" v="9135" actId="14100"/>
-          <ac:spMkLst>
-            <pc:docMk/>
-            <pc:sldMk cId="476165456" sldId="326"/>
-            <ac:spMk id="8" creationId="{087D3EDD-30A4-7E41-BA7D-989ED5E11CD4}"/>
-          </ac:spMkLst>
-        </pc:spChg>
-        <pc:spChg chg="add mod">
-          <ac:chgData name="Jaewoong Sim" userId="794c201930605eba" providerId="LiveId" clId="{D90F4C83-37AB-1E40-A4BB-46A25534DE26}" dt="2020-09-02T10:05:20.318" v="9137" actId="1076"/>
-          <ac:spMkLst>
-            <pc:docMk/>
-            <pc:sldMk cId="476165456" sldId="326"/>
-            <ac:spMk id="9" creationId="{AAA1354F-3823-E04D-B057-91BF5E0A3959}"/>
-          </ac:spMkLst>
-        </pc:spChg>
-        <pc:picChg chg="add del mod">
-          <ac:chgData name="Jaewoong Sim" userId="794c201930605eba" providerId="LiveId" clId="{D90F4C83-37AB-1E40-A4BB-46A25534DE26}" dt="2020-09-02T10:03:54.313" v="9014" actId="478"/>
-          <ac:picMkLst>
-            <pc:docMk/>
-            <pc:sldMk cId="476165456" sldId="326"/>
-            <ac:picMk id="5" creationId="{765E2BCE-6E96-A34B-ADF5-D0AC3F8D7F4A}"/>
-          </ac:picMkLst>
-        </pc:picChg>
-        <pc:picChg chg="add mod">
-          <ac:chgData name="Jaewoong Sim" userId="794c201930605eba" providerId="LiveId" clId="{D90F4C83-37AB-1E40-A4BB-46A25534DE26}" dt="2020-09-02T10:04:02.188" v="9017" actId="14100"/>
-          <ac:picMkLst>
-            <pc:docMk/>
-            <pc:sldMk cId="476165456" sldId="326"/>
-            <ac:picMk id="7" creationId="{433A95D6-0EE7-FE45-9682-7FF75136D737}"/>
-          </ac:picMkLst>
-        </pc:picChg>
-      </pc:sldChg>
-      <pc:sldChg chg="addSp modSp add mod">
-        <pc:chgData name="Jaewoong Sim" userId="794c201930605eba" providerId="LiveId" clId="{D90F4C83-37AB-1E40-A4BB-46A25534DE26}" dt="2020-09-02T09:11:56.668" v="8047" actId="1076"/>
-        <pc:sldMkLst>
-          <pc:docMk/>
-          <pc:sldMk cId="2993990792" sldId="327"/>
-        </pc:sldMkLst>
-        <pc:spChg chg="mod">
-          <ac:chgData name="Jaewoong Sim" userId="794c201930605eba" providerId="LiveId" clId="{D90F4C83-37AB-1E40-A4BB-46A25534DE26}" dt="2020-09-02T09:10:50.450" v="8035" actId="20577"/>
-          <ac:spMkLst>
-            <pc:docMk/>
-            <pc:sldMk cId="2993990792" sldId="327"/>
-            <ac:spMk id="2" creationId="{FBFD54E5-C20A-554E-8B9F-48657EDF486E}"/>
-          </ac:spMkLst>
-        </pc:spChg>
-        <pc:spChg chg="mod">
-          <ac:chgData name="Jaewoong Sim" userId="794c201930605eba" providerId="LiveId" clId="{D90F4C83-37AB-1E40-A4BB-46A25534DE26}" dt="2020-09-02T09:10:39.635" v="8030" actId="20577"/>
-          <ac:spMkLst>
-            <pc:docMk/>
-            <pc:sldMk cId="2993990792" sldId="327"/>
-            <ac:spMk id="3" creationId="{8D412705-C591-EF46-BCBB-EB65F447C399}"/>
-          </ac:spMkLst>
-        </pc:spChg>
-        <pc:spChg chg="add mod">
-          <ac:chgData name="Jaewoong Sim" userId="794c201930605eba" providerId="LiveId" clId="{D90F4C83-37AB-1E40-A4BB-46A25534DE26}" dt="2020-09-02T09:11:50.007" v="8045" actId="14100"/>
-          <ac:spMkLst>
-            <pc:docMk/>
-            <pc:sldMk cId="2993990792" sldId="327"/>
-            <ac:spMk id="7" creationId="{5482E36E-8510-2F45-99C5-53C1EC83D050}"/>
-          </ac:spMkLst>
-        </pc:spChg>
-        <pc:picChg chg="add mod">
-          <ac:chgData name="Jaewoong Sim" userId="794c201930605eba" providerId="LiveId" clId="{D90F4C83-37AB-1E40-A4BB-46A25534DE26}" dt="2020-09-02T09:10:30.191" v="8006" actId="1076"/>
-          <ac:picMkLst>
-            <pc:docMk/>
-            <pc:sldMk cId="2993990792" sldId="327"/>
-            <ac:picMk id="4" creationId="{96E76F74-4739-C742-BF43-FB3C48A06C3B}"/>
-          </ac:picMkLst>
-        </pc:picChg>
-        <pc:picChg chg="add mod">
-          <ac:chgData name="Jaewoong Sim" userId="794c201930605eba" providerId="LiveId" clId="{D90F4C83-37AB-1E40-A4BB-46A25534DE26}" dt="2020-09-02T09:11:56.668" v="8047" actId="1076"/>
-          <ac:picMkLst>
-            <pc:docMk/>
-            <pc:sldMk cId="2993990792" sldId="327"/>
-            <ac:picMk id="6" creationId="{3CE3A73F-2099-D549-963C-936A908176C2}"/>
-          </ac:picMkLst>
-        </pc:picChg>
-      </pc:sldChg>
-      <pc:sldChg chg="addSp delSp modSp add mod">
-        <pc:chgData name="Jaewoong Sim" userId="794c201930605eba" providerId="LiveId" clId="{D90F4C83-37AB-1E40-A4BB-46A25534DE26}" dt="2020-09-02T09:34:28.664" v="8210" actId="1076"/>
-        <pc:sldMkLst>
-          <pc:docMk/>
-          <pc:sldMk cId="176475796" sldId="328"/>
-        </pc:sldMkLst>
-        <pc:spChg chg="mod">
-          <ac:chgData name="Jaewoong Sim" userId="794c201930605eba" providerId="LiveId" clId="{D90F4C83-37AB-1E40-A4BB-46A25534DE26}" dt="2020-09-02T09:15:17.537" v="8133"/>
-          <ac:spMkLst>
-            <pc:docMk/>
-            <pc:sldMk cId="176475796" sldId="328"/>
-            <ac:spMk id="2" creationId="{05E9AB2D-C620-5C4A-9B7D-280E0846769B}"/>
-          </ac:spMkLst>
-        </pc:spChg>
-        <pc:spChg chg="mod">
-          <ac:chgData name="Jaewoong Sim" userId="794c201930605eba" providerId="LiveId" clId="{D90F4C83-37AB-1E40-A4BB-46A25534DE26}" dt="2020-09-02T09:34:19.931" v="8209" actId="113"/>
-          <ac:spMkLst>
-            <pc:docMk/>
-            <pc:sldMk cId="176475796" sldId="328"/>
-            <ac:spMk id="3" creationId="{EA4D0A23-D6AA-934D-A4F0-09B389E07765}"/>
-          </ac:spMkLst>
-        </pc:spChg>
-        <pc:spChg chg="add mod">
-          <ac:chgData name="Jaewoong Sim" userId="794c201930605eba" providerId="LiveId" clId="{D90F4C83-37AB-1E40-A4BB-46A25534DE26}" dt="2020-09-02T09:34:28.664" v="8210" actId="1076"/>
-          <ac:spMkLst>
-            <pc:docMk/>
-            <pc:sldMk cId="176475796" sldId="328"/>
-            <ac:spMk id="8" creationId="{780E47BD-66BD-8441-9201-0F1F090A46AC}"/>
-          </ac:spMkLst>
-        </pc:spChg>
-        <pc:picChg chg="add mod">
-          <ac:chgData name="Jaewoong Sim" userId="794c201930605eba" providerId="LiveId" clId="{D90F4C83-37AB-1E40-A4BB-46A25534DE26}" dt="2020-09-02T09:34:07.136" v="8203" actId="1076"/>
-          <ac:picMkLst>
-            <pc:docMk/>
-            <pc:sldMk cId="176475796" sldId="328"/>
-            <ac:picMk id="4" creationId="{AF9B2DEA-5BF3-2E4D-BE5E-BCC88CF77D67}"/>
-          </ac:picMkLst>
-        </pc:picChg>
-        <pc:picChg chg="add mod">
-          <ac:chgData name="Jaewoong Sim" userId="794c201930605eba" providerId="LiveId" clId="{D90F4C83-37AB-1E40-A4BB-46A25534DE26}" dt="2020-09-02T09:34:10.748" v="8205" actId="1076"/>
-          <ac:picMkLst>
-            <pc:docMk/>
-            <pc:sldMk cId="176475796" sldId="328"/>
-            <ac:picMk id="6" creationId="{9738C9CD-3A19-9446-9580-A599CFF28F00}"/>
-          </ac:picMkLst>
-        </pc:picChg>
-        <pc:picChg chg="add del mod">
-          <ac:chgData name="Jaewoong Sim" userId="794c201930605eba" providerId="LiveId" clId="{D90F4C83-37AB-1E40-A4BB-46A25534DE26}" dt="2020-09-02T09:32:57.393" v="8136"/>
-          <ac:picMkLst>
-            <pc:docMk/>
-            <pc:sldMk cId="176475796" sldId="328"/>
-            <ac:picMk id="7" creationId="{2A693E91-E3D2-794A-8145-FF03E77503B2}"/>
-          </ac:picMkLst>
-        </pc:picChg>
-      </pc:sldChg>
-      <pc:sldChg chg="addSp delSp modSp add mod">
-        <pc:chgData name="Jaewoong Sim" userId="794c201930605eba" providerId="LiveId" clId="{D90F4C83-37AB-1E40-A4BB-46A25534DE26}" dt="2020-09-02T09:44:22.878" v="8537" actId="20577"/>
-        <pc:sldMkLst>
-          <pc:docMk/>
-          <pc:sldMk cId="4180978895" sldId="329"/>
-        </pc:sldMkLst>
-        <pc:spChg chg="mod">
-          <ac:chgData name="Jaewoong Sim" userId="794c201930605eba" providerId="LiveId" clId="{D90F4C83-37AB-1E40-A4BB-46A25534DE26}" dt="2020-09-02T09:44:22.878" v="8537" actId="20577"/>
-          <ac:spMkLst>
-            <pc:docMk/>
-            <pc:sldMk cId="4180978895" sldId="329"/>
-            <ac:spMk id="2" creationId="{09B4DCDE-C368-E04D-AA09-8C8AC3B32315}"/>
-          </ac:spMkLst>
-        </pc:spChg>
-        <pc:spChg chg="mod">
-          <ac:chgData name="Jaewoong Sim" userId="794c201930605eba" providerId="LiveId" clId="{D90F4C83-37AB-1E40-A4BB-46A25534DE26}" dt="2020-09-02T09:44:14.011" v="8523" actId="20577"/>
-          <ac:spMkLst>
-            <pc:docMk/>
-            <pc:sldMk cId="4180978895" sldId="329"/>
-            <ac:spMk id="3" creationId="{8D87B650-8835-F64F-B4A3-0F28407C86C4}"/>
-          </ac:spMkLst>
-        </pc:spChg>
-        <pc:spChg chg="add mod">
-          <ac:chgData name="Jaewoong Sim" userId="794c201930605eba" providerId="LiveId" clId="{D90F4C83-37AB-1E40-A4BB-46A25534DE26}" dt="2020-09-02T09:39:53.566" v="8252" actId="1076"/>
-          <ac:spMkLst>
-            <pc:docMk/>
-            <pc:sldMk cId="4180978895" sldId="329"/>
-            <ac:spMk id="8" creationId="{B586E73A-4B47-4C46-80F4-FECAE6B7750F}"/>
-          </ac:spMkLst>
-        </pc:spChg>
-        <pc:picChg chg="add mod">
-          <ac:chgData name="Jaewoong Sim" userId="794c201930605eba" providerId="LiveId" clId="{D90F4C83-37AB-1E40-A4BB-46A25534DE26}" dt="2020-09-02T09:40:38.458" v="8259" actId="14100"/>
-          <ac:picMkLst>
-            <pc:docMk/>
-            <pc:sldMk cId="4180978895" sldId="329"/>
-            <ac:picMk id="5" creationId="{19C26701-636A-874B-ACF3-81B75393B29C}"/>
-          </ac:picMkLst>
-        </pc:picChg>
-        <pc:picChg chg="add del mod">
-          <ac:chgData name="Jaewoong Sim" userId="794c201930605eba" providerId="LiveId" clId="{D90F4C83-37AB-1E40-A4BB-46A25534DE26}" dt="2020-09-02T09:39:55.838" v="8253" actId="478"/>
-          <ac:picMkLst>
-            <pc:docMk/>
-            <pc:sldMk cId="4180978895" sldId="329"/>
-            <ac:picMk id="7" creationId="{C125EEEA-3F43-2F47-AD27-44B82CC36F85}"/>
-          </ac:picMkLst>
-        </pc:picChg>
-        <pc:picChg chg="add del mod">
-          <ac:chgData name="Jaewoong Sim" userId="794c201930605eba" providerId="LiveId" clId="{D90F4C83-37AB-1E40-A4BB-46A25534DE26}" dt="2020-09-02T09:42:06.391" v="8402" actId="478"/>
-          <ac:picMkLst>
-            <pc:docMk/>
-            <pc:sldMk cId="4180978895" sldId="329"/>
-            <ac:picMk id="10" creationId="{A48D277F-070C-2F4D-AEC1-0F6459271624}"/>
-          </ac:picMkLst>
-        </pc:picChg>
-        <pc:picChg chg="add mod">
-          <ac:chgData name="Jaewoong Sim" userId="794c201930605eba" providerId="LiveId" clId="{D90F4C83-37AB-1E40-A4BB-46A25534DE26}" dt="2020-09-02T09:43:22.677" v="8510" actId="14100"/>
-          <ac:picMkLst>
-            <pc:docMk/>
-            <pc:sldMk cId="4180978895" sldId="329"/>
-            <ac:picMk id="12" creationId="{7239CBC4-0D04-8246-8748-1A9E156CA0C5}"/>
-          </ac:picMkLst>
-        </pc:picChg>
-      </pc:sldChg>
-      <pc:sldChg chg="add del">
-        <pc:chgData name="Jaewoong Sim" userId="794c201930605eba" providerId="LiveId" clId="{D90F4C83-37AB-1E40-A4BB-46A25534DE26}" dt="2020-09-02T09:43:24.836" v="8511" actId="2696"/>
-        <pc:sldMkLst>
-          <pc:docMk/>
-          <pc:sldMk cId="751947181" sldId="330"/>
-        </pc:sldMkLst>
-      </pc:sldChg>
-      <pc:sldChg chg="add del">
-        <pc:chgData name="Jaewoong Sim" userId="794c201930605eba" providerId="LiveId" clId="{D90F4C83-37AB-1E40-A4BB-46A25534DE26}" dt="2020-09-02T09:47:08.012" v="8541" actId="2696"/>
-        <pc:sldMkLst>
-          <pc:docMk/>
-          <pc:sldMk cId="3533784288" sldId="330"/>
-        </pc:sldMkLst>
-      </pc:sldChg>
-      <pc:sldMasterChg chg="modSldLayout">
-        <pc:chgData name="Jaewoong Sim" userId="794c201930605eba" providerId="LiveId" clId="{D90F4C83-37AB-1E40-A4BB-46A25534DE26}" dt="2020-08-30T14:54:58.301" v="5618" actId="20577"/>
-        <pc:sldMasterMkLst>
-          <pc:docMk/>
-          <pc:sldMasterMk cId="896398211" sldId="2147483681"/>
-        </pc:sldMasterMkLst>
-        <pc:sldLayoutChg chg="addSp modSp mod">
-          <pc:chgData name="Jaewoong Sim" userId="794c201930605eba" providerId="LiveId" clId="{D90F4C83-37AB-1E40-A4BB-46A25534DE26}" dt="2020-08-30T14:53:39.233" v="5612" actId="207"/>
-          <pc:sldLayoutMkLst>
-            <pc:docMk/>
-            <pc:sldMasterMk cId="896398211" sldId="2147483681"/>
-            <pc:sldLayoutMk cId="1260711047" sldId="2147483682"/>
-          </pc:sldLayoutMkLst>
-          <pc:spChg chg="add mod">
-            <ac:chgData name="Jaewoong Sim" userId="794c201930605eba" providerId="LiveId" clId="{D90F4C83-37AB-1E40-A4BB-46A25534DE26}" dt="2020-08-30T14:53:39.233" v="5612" actId="207"/>
-            <ac:spMkLst>
-              <pc:docMk/>
-              <pc:sldMasterMk cId="896398211" sldId="2147483681"/>
-              <pc:sldLayoutMk cId="1260711047" sldId="2147483682"/>
-              <ac:spMk id="6" creationId="{FE367117-81BE-5B43-9A7C-C3DB00AFD223}"/>
-            </ac:spMkLst>
-          </pc:spChg>
-        </pc:sldLayoutChg>
-        <pc:sldLayoutChg chg="addSp modSp mod">
-          <pc:chgData name="Jaewoong Sim" userId="794c201930605eba" providerId="LiveId" clId="{D90F4C83-37AB-1E40-A4BB-46A25534DE26}" dt="2020-08-30T14:54:58.301" v="5618" actId="20577"/>
-          <pc:sldLayoutMkLst>
-            <pc:docMk/>
-            <pc:sldMasterMk cId="896398211" sldId="2147483681"/>
-            <pc:sldLayoutMk cId="2917105420" sldId="2147483683"/>
-          </pc:sldLayoutMkLst>
-          <pc:spChg chg="add mod">
-            <ac:chgData name="Jaewoong Sim" userId="794c201930605eba" providerId="LiveId" clId="{D90F4C83-37AB-1E40-A4BB-46A25534DE26}" dt="2020-08-30T14:54:58.301" v="5618" actId="20577"/>
-            <ac:spMkLst>
-              <pc:docMk/>
-              <pc:sldMasterMk cId="896398211" sldId="2147483681"/>
-              <pc:sldLayoutMk cId="2917105420" sldId="2147483683"/>
-              <ac:spMk id="4" creationId="{18D32FDC-DB1B-0840-BE54-ECE2F5EC3314}"/>
-            </ac:spMkLst>
-          </pc:spChg>
-          <pc:spChg chg="mod">
-            <ac:chgData name="Jaewoong Sim" userId="794c201930605eba" providerId="LiveId" clId="{D90F4C83-37AB-1E40-A4BB-46A25534DE26}" dt="2020-08-30T13:46:01.678" v="2995" actId="1076"/>
-            <ac:spMkLst>
-              <pc:docMk/>
-              <pc:sldMasterMk cId="896398211" sldId="2147483681"/>
-              <pc:sldLayoutMk cId="2917105420" sldId="2147483683"/>
-              <ac:spMk id="10" creationId="{00000000-0000-0000-0000-000000000000}"/>
-            </ac:spMkLst>
-          </pc:spChg>
-        </pc:sldLayoutChg>
-      </pc:sldMasterChg>
-    </pc:docChg>
-  </pc:docChgLst>
-</pc:chgInfo>
 </file>
 
 <file path=ppt/handoutMasters/handoutMaster1.xml><?xml version="1.0" encoding="utf-8"?>
@@ -15251,8 +13577,12 @@
               <a:t>, </a:t>
             </a:r>
             <a:r>
+              <a:rPr lang="en-US" altLang="ko-KR"/>
+              <a:t>m_axis</a:t>
+            </a:r>
+            <a:r>
               <a:rPr lang="en-US" altLang="ko-KR" dirty="0" err="1"/>
-              <a:t>maxis_tlast</a:t>
+              <a:t>_tlast</a:t>
             </a:r>
             <a:r>
               <a:rPr lang="en-US" altLang="ko-KR" dirty="0"/>
@@ -36844,6 +35174,12 @@
 </file>
 
 <file path=customXml/item1.xml><?xml version="1.0" encoding="utf-8"?>
+<p:properties xmlns:p="http://schemas.microsoft.com/office/2006/metadata/properties" xmlns:xsi="http://www.w3.org/2001/XMLSchema-instance" xmlns:pc="http://schemas.microsoft.com/office/infopath/2007/PartnerControls">
+  <documentManagement/>
+</p:properties>
+</file>
+
+<file path=customXml/item2.xml><?xml version="1.0" encoding="utf-8"?>
 <?mso-contentType ?>
 <FormTemplates xmlns="http://schemas.microsoft.com/sharepoint/v3/contenttype/forms">
   <Display>DocumentLibraryForm</Display>
@@ -36852,7 +35188,7 @@
 </FormTemplates>
 </file>
 
-<file path=customXml/item2.xml><?xml version="1.0" encoding="utf-8"?>
+<file path=customXml/item3.xml><?xml version="1.0" encoding="utf-8"?>
 <ct:contentTypeSchema xmlns:ct="http://schemas.microsoft.com/office/2006/metadata/contentType" xmlns:ma="http://schemas.microsoft.com/office/2006/metadata/properties/metaAttributes" ct:_="" ma:_="" ma:contentTypeName="Document" ma:contentTypeID="0x010100908E52CD4C816C4BBB1CCCB7FBDEA8AA" ma:contentTypeVersion="7" ma:contentTypeDescription="Create a new document." ma:contentTypeScope="" ma:versionID="9d0743c339d6f19ca1005cdb2cb59a4d">
   <xsd:schema xmlns:xsd="http://www.w3.org/2001/XMLSchema" xmlns:xs="http://www.w3.org/2001/XMLSchema" xmlns:p="http://schemas.microsoft.com/office/2006/metadata/properties" xmlns:ns2="88219213-67e2-4ac3-a442-e990d1089aff" xmlns:ns3="2dc3a4e5-2cab-4f3e-8a9b-62c706d04a34" targetNamespace="http://schemas.microsoft.com/office/2006/metadata/properties" ma:root="true" ma:fieldsID="a20c9e27c0c0ff04fd196fd1b9de20ff" ns2:_="" ns3:_="">
     <xsd:import namespace="88219213-67e2-4ac3-a442-e990d1089aff"/>
@@ -37035,13 +35371,16 @@
 </ct:contentTypeSchema>
 </file>
 
-<file path=customXml/item3.xml><?xml version="1.0" encoding="utf-8"?>
-<p:properties xmlns:p="http://schemas.microsoft.com/office/2006/metadata/properties" xmlns:xsi="http://www.w3.org/2001/XMLSchema-instance" xmlns:pc="http://schemas.microsoft.com/office/infopath/2007/PartnerControls">
-  <documentManagement/>
-</p:properties>
+<file path=customXml/itemProps1.xml><?xml version="1.0" encoding="utf-8"?>
+<ds:datastoreItem xmlns:ds="http://schemas.openxmlformats.org/officeDocument/2006/customXml" ds:itemID="{0C46FF38-B138-4528-9BFF-011DABE29C3E}">
+  <ds:schemaRefs>
+    <ds:schemaRef ds:uri="http://schemas.microsoft.com/office/2006/metadata/properties"/>
+    <ds:schemaRef ds:uri="http://schemas.microsoft.com/office/infopath/2007/PartnerControls"/>
+  </ds:schemaRefs>
+</ds:datastoreItem>
 </file>
 
-<file path=customXml/itemProps1.xml><?xml version="1.0" encoding="utf-8"?>
+<file path=customXml/itemProps2.xml><?xml version="1.0" encoding="utf-8"?>
 <ds:datastoreItem xmlns:ds="http://schemas.openxmlformats.org/officeDocument/2006/customXml" ds:itemID="{48F818C2-C29E-4C5C-ACC2-65A4B89382B0}">
   <ds:schemaRefs>
     <ds:schemaRef ds:uri="http://schemas.microsoft.com/sharepoint/v3/contenttype/forms"/>
@@ -37049,7 +35388,7 @@
 </ds:datastoreItem>
 </file>
 
-<file path=customXml/itemProps2.xml><?xml version="1.0" encoding="utf-8"?>
+<file path=customXml/itemProps3.xml><?xml version="1.0" encoding="utf-8"?>
 <ds:datastoreItem xmlns:ds="http://schemas.openxmlformats.org/officeDocument/2006/customXml" ds:itemID="{DBD080E6-D672-43C5-AE02-53785586427E}">
   <ds:schemaRefs>
     <ds:schemaRef ds:uri="http://schemas.microsoft.com/office/2006/metadata/contentType"/>
@@ -37066,13 +35405,4 @@
     <ds:schemaRef ds:uri="http://schemas.microsoft.com/internal/obd"/>
   </ds:schemaRefs>
 </ds:datastoreItem>
-</file>
-
-<file path=customXml/itemProps3.xml><?xml version="1.0" encoding="utf-8"?>
-<ds:datastoreItem xmlns:ds="http://schemas.openxmlformats.org/officeDocument/2006/customXml" ds:itemID="{0C46FF38-B138-4528-9BFF-011DABE29C3E}">
-  <ds:schemaRefs>
-    <ds:schemaRef ds:uri="http://schemas.microsoft.com/office/2006/metadata/properties"/>
-    <ds:schemaRef ds:uri="http://schemas.microsoft.com/office/infopath/2007/PartnerControls"/>
-  </ds:schemaRefs>
-</ds:datastoreItem>
 </file>
--- a/docs/Term_Project.pptx
+++ b/docs/Term_Project.pptx
@@ -5,10 +5,10 @@
     <p:sldMasterId id="2147483681" r:id="rId4"/>
   </p:sldMasterIdLst>
   <p:notesMasterIdLst>
-    <p:notesMasterId r:id="rId92"/>
+    <p:notesMasterId r:id="rId93"/>
   </p:notesMasterIdLst>
   <p:handoutMasterIdLst>
-    <p:handoutMasterId r:id="rId93"/>
+    <p:handoutMasterId r:id="rId94"/>
   </p:handoutMasterIdLst>
   <p:sldIdLst>
     <p:sldId id="256" r:id="rId5"/>
@@ -32,72 +32,73 @@
     <p:sldId id="485" r:id="rId23"/>
     <p:sldId id="486" r:id="rId24"/>
     <p:sldId id="496" r:id="rId25"/>
-    <p:sldId id="508" r:id="rId26"/>
-    <p:sldId id="509" r:id="rId27"/>
-    <p:sldId id="510" r:id="rId28"/>
-    <p:sldId id="512" r:id="rId29"/>
-    <p:sldId id="511" r:id="rId30"/>
-    <p:sldId id="513" r:id="rId31"/>
-    <p:sldId id="514" r:id="rId32"/>
-    <p:sldId id="515" r:id="rId33"/>
-    <p:sldId id="516" r:id="rId34"/>
-    <p:sldId id="517" r:id="rId35"/>
-    <p:sldId id="518" r:id="rId36"/>
-    <p:sldId id="522" r:id="rId37"/>
-    <p:sldId id="520" r:id="rId38"/>
-    <p:sldId id="519" r:id="rId39"/>
-    <p:sldId id="523" r:id="rId40"/>
-    <p:sldId id="521" r:id="rId41"/>
-    <p:sldId id="524" r:id="rId42"/>
-    <p:sldId id="525" r:id="rId43"/>
-    <p:sldId id="396" r:id="rId44"/>
-    <p:sldId id="397" r:id="rId45"/>
-    <p:sldId id="399" r:id="rId46"/>
-    <p:sldId id="398" r:id="rId47"/>
-    <p:sldId id="393" r:id="rId48"/>
-    <p:sldId id="394" r:id="rId49"/>
-    <p:sldId id="400" r:id="rId50"/>
-    <p:sldId id="403" r:id="rId51"/>
-    <p:sldId id="402" r:id="rId52"/>
-    <p:sldId id="401" r:id="rId53"/>
-    <p:sldId id="404" r:id="rId54"/>
-    <p:sldId id="407" r:id="rId55"/>
-    <p:sldId id="395" r:id="rId56"/>
-    <p:sldId id="406" r:id="rId57"/>
-    <p:sldId id="405" r:id="rId58"/>
-    <p:sldId id="409" r:id="rId59"/>
-    <p:sldId id="541" r:id="rId60"/>
-    <p:sldId id="377" r:id="rId61"/>
-    <p:sldId id="376" r:id="rId62"/>
-    <p:sldId id="372" r:id="rId63"/>
-    <p:sldId id="428" r:id="rId64"/>
-    <p:sldId id="437" r:id="rId65"/>
-    <p:sldId id="439" r:id="rId66"/>
-    <p:sldId id="438" r:id="rId67"/>
-    <p:sldId id="429" r:id="rId68"/>
-    <p:sldId id="542" r:id="rId69"/>
-    <p:sldId id="529" r:id="rId70"/>
-    <p:sldId id="527" r:id="rId71"/>
-    <p:sldId id="419" r:id="rId72"/>
-    <p:sldId id="544" r:id="rId73"/>
-    <p:sldId id="420" r:id="rId74"/>
-    <p:sldId id="548" r:id="rId75"/>
-    <p:sldId id="547" r:id="rId76"/>
-    <p:sldId id="421" r:id="rId77"/>
-    <p:sldId id="543" r:id="rId78"/>
-    <p:sldId id="413" r:id="rId79"/>
-    <p:sldId id="414" r:id="rId80"/>
-    <p:sldId id="528" r:id="rId81"/>
-    <p:sldId id="495" r:id="rId82"/>
-    <p:sldId id="497" r:id="rId83"/>
-    <p:sldId id="502" r:id="rId84"/>
-    <p:sldId id="500" r:id="rId85"/>
-    <p:sldId id="504" r:id="rId86"/>
-    <p:sldId id="503" r:id="rId87"/>
-    <p:sldId id="505" r:id="rId88"/>
-    <p:sldId id="506" r:id="rId89"/>
-    <p:sldId id="501" r:id="rId90"/>
-    <p:sldId id="545" r:id="rId91"/>
+    <p:sldId id="549" r:id="rId26"/>
+    <p:sldId id="508" r:id="rId27"/>
+    <p:sldId id="509" r:id="rId28"/>
+    <p:sldId id="510" r:id="rId29"/>
+    <p:sldId id="512" r:id="rId30"/>
+    <p:sldId id="511" r:id="rId31"/>
+    <p:sldId id="513" r:id="rId32"/>
+    <p:sldId id="514" r:id="rId33"/>
+    <p:sldId id="515" r:id="rId34"/>
+    <p:sldId id="516" r:id="rId35"/>
+    <p:sldId id="517" r:id="rId36"/>
+    <p:sldId id="518" r:id="rId37"/>
+    <p:sldId id="522" r:id="rId38"/>
+    <p:sldId id="520" r:id="rId39"/>
+    <p:sldId id="519" r:id="rId40"/>
+    <p:sldId id="523" r:id="rId41"/>
+    <p:sldId id="521" r:id="rId42"/>
+    <p:sldId id="524" r:id="rId43"/>
+    <p:sldId id="525" r:id="rId44"/>
+    <p:sldId id="396" r:id="rId45"/>
+    <p:sldId id="397" r:id="rId46"/>
+    <p:sldId id="399" r:id="rId47"/>
+    <p:sldId id="398" r:id="rId48"/>
+    <p:sldId id="393" r:id="rId49"/>
+    <p:sldId id="394" r:id="rId50"/>
+    <p:sldId id="400" r:id="rId51"/>
+    <p:sldId id="403" r:id="rId52"/>
+    <p:sldId id="402" r:id="rId53"/>
+    <p:sldId id="401" r:id="rId54"/>
+    <p:sldId id="404" r:id="rId55"/>
+    <p:sldId id="407" r:id="rId56"/>
+    <p:sldId id="395" r:id="rId57"/>
+    <p:sldId id="406" r:id="rId58"/>
+    <p:sldId id="405" r:id="rId59"/>
+    <p:sldId id="409" r:id="rId60"/>
+    <p:sldId id="541" r:id="rId61"/>
+    <p:sldId id="377" r:id="rId62"/>
+    <p:sldId id="376" r:id="rId63"/>
+    <p:sldId id="372" r:id="rId64"/>
+    <p:sldId id="428" r:id="rId65"/>
+    <p:sldId id="437" r:id="rId66"/>
+    <p:sldId id="439" r:id="rId67"/>
+    <p:sldId id="438" r:id="rId68"/>
+    <p:sldId id="429" r:id="rId69"/>
+    <p:sldId id="542" r:id="rId70"/>
+    <p:sldId id="529" r:id="rId71"/>
+    <p:sldId id="527" r:id="rId72"/>
+    <p:sldId id="419" r:id="rId73"/>
+    <p:sldId id="544" r:id="rId74"/>
+    <p:sldId id="420" r:id="rId75"/>
+    <p:sldId id="548" r:id="rId76"/>
+    <p:sldId id="547" r:id="rId77"/>
+    <p:sldId id="421" r:id="rId78"/>
+    <p:sldId id="543" r:id="rId79"/>
+    <p:sldId id="413" r:id="rId80"/>
+    <p:sldId id="414" r:id="rId81"/>
+    <p:sldId id="528" r:id="rId82"/>
+    <p:sldId id="495" r:id="rId83"/>
+    <p:sldId id="497" r:id="rId84"/>
+    <p:sldId id="502" r:id="rId85"/>
+    <p:sldId id="500" r:id="rId86"/>
+    <p:sldId id="504" r:id="rId87"/>
+    <p:sldId id="503" r:id="rId88"/>
+    <p:sldId id="505" r:id="rId89"/>
+    <p:sldId id="506" r:id="rId90"/>
+    <p:sldId id="501" r:id="rId91"/>
+    <p:sldId id="545" r:id="rId92"/>
   </p:sldIdLst>
   <p:sldSz cx="9144000" cy="6858000" type="screen4x3"/>
   <p:notesSz cx="6881813" cy="9120188"/>
@@ -238,6 +239,7 @@
             <p14:sldId id="485"/>
             <p14:sldId id="486"/>
             <p14:sldId id="496"/>
+            <p14:sldId id="549"/>
             <p14:sldId id="508"/>
             <p14:sldId id="509"/>
             <p14:sldId id="510"/>
@@ -435,7 +437,7 @@
           <a:p>
             <a:fld id="{BCB5BC45-66ED-47E2-893A-D3BABCDC3A5A}" type="datetimeFigureOut">
               <a:rPr lang="en-US" smtClean="0"/>
-              <a:t>11/20/21</a:t>
+              <a:t>11/21/21</a:t>
             </a:fld>
             <a:endParaRPr lang="en-US"/>
           </a:p>
@@ -600,7 +602,7 @@
           <a:p>
             <a:fld id="{061F0A6E-7066-444F-9154-C920A97B19B6}" type="datetimeFigureOut">
               <a:rPr lang="en-US" smtClean="0"/>
-              <a:t>11/20/21</a:t>
+              <a:t>11/21/21</a:t>
             </a:fld>
             <a:endParaRPr lang="en-US"/>
           </a:p>
@@ -1110,7 +1112,7 @@
           <a:p>
             <a:fld id="{CFA73DCC-7281-48A2-81AB-205AFF0B9365}" type="slidenum">
               <a:rPr lang="en-US" smtClean="0"/>
-              <a:t>47</a:t>
+              <a:t>48</a:t>
             </a:fld>
             <a:endParaRPr lang="en-US"/>
           </a:p>
@@ -1199,7 +1201,7 @@
           <a:p>
             <a:fld id="{CFA73DCC-7281-48A2-81AB-205AFF0B9365}" type="slidenum">
               <a:rPr lang="en-US" smtClean="0"/>
-              <a:t>56</a:t>
+              <a:t>57</a:t>
             </a:fld>
             <a:endParaRPr lang="en-US"/>
           </a:p>
@@ -1288,7 +1290,7 @@
           <a:p>
             <a:fld id="{CFA73DCC-7281-48A2-81AB-205AFF0B9365}" type="slidenum">
               <a:rPr lang="en-US" smtClean="0"/>
-              <a:t>65</a:t>
+              <a:t>66</a:t>
             </a:fld>
             <a:endParaRPr lang="en-US"/>
           </a:p>
@@ -1377,7 +1379,7 @@
           <a:p>
             <a:fld id="{CFA73DCC-7281-48A2-81AB-205AFF0B9365}" type="slidenum">
               <a:rPr lang="en-US" smtClean="0"/>
-              <a:t>69</a:t>
+              <a:t>70</a:t>
             </a:fld>
             <a:endParaRPr lang="en-US"/>
           </a:p>
@@ -1461,7 +1463,7 @@
           <a:p>
             <a:fld id="{CFA73DCC-7281-48A2-81AB-205AFF0B9365}" type="slidenum">
               <a:rPr lang="en-US" smtClean="0"/>
-              <a:t>73</a:t>
+              <a:t>74</a:t>
             </a:fld>
             <a:endParaRPr lang="en-US"/>
           </a:p>
@@ -1550,7 +1552,7 @@
           <a:p>
             <a:fld id="{CFA73DCC-7281-48A2-81AB-205AFF0B9365}" type="slidenum">
               <a:rPr lang="en-US" smtClean="0"/>
-              <a:t>74</a:t>
+              <a:t>75</a:t>
             </a:fld>
             <a:endParaRPr lang="en-US"/>
           </a:p>
@@ -1639,7 +1641,7 @@
           <a:p>
             <a:fld id="{CFA73DCC-7281-48A2-81AB-205AFF0B9365}" type="slidenum">
               <a:rPr lang="en-US" smtClean="0"/>
-              <a:t>87</a:t>
+              <a:t>88</a:t>
             </a:fld>
             <a:endParaRPr lang="en-US"/>
           </a:p>
@@ -8424,6 +8426,2509 @@
       </p:grpSpPr>
       <p:sp>
         <p:nvSpPr>
+          <p:cNvPr id="2" name="Title 1">
+            <a:extLst>
+              <a:ext uri="{FF2B5EF4-FFF2-40B4-BE49-F238E27FC236}">
+                <a16:creationId xmlns:a16="http://schemas.microsoft.com/office/drawing/2014/main" id="{1E1DB94D-96C8-C940-9604-49A0BD5753D6}"/>
+              </a:ext>
+            </a:extLst>
+          </p:cNvPr>
+          <p:cNvSpPr>
+            <a:spLocks noGrp="1"/>
+          </p:cNvSpPr>
+          <p:nvPr>
+            <p:ph type="title"/>
+          </p:nvPr>
+        </p:nvSpPr>
+        <p:spPr/>
+        <p:txBody>
+          <a:bodyPr/>
+          <a:lstStyle/>
+          <a:p>
+            <a:r>
+              <a:rPr lang="en-US" dirty="0"/>
+              <a:t>APB</a:t>
+            </a:r>
+            <a:endParaRPr lang="en-KR" dirty="0"/>
+          </a:p>
+        </p:txBody>
+      </p:sp>
+      <p:sp>
+        <p:nvSpPr>
+          <p:cNvPr id="3" name="Content Placeholder 2">
+            <a:extLst>
+              <a:ext uri="{FF2B5EF4-FFF2-40B4-BE49-F238E27FC236}">
+                <a16:creationId xmlns:a16="http://schemas.microsoft.com/office/drawing/2014/main" id="{BF374289-E264-564F-8B9E-348A3379FA82}"/>
+              </a:ext>
+            </a:extLst>
+          </p:cNvPr>
+          <p:cNvSpPr>
+            <a:spLocks noGrp="1"/>
+          </p:cNvSpPr>
+          <p:nvPr>
+            <p:ph sz="quarter" idx="1"/>
+          </p:nvPr>
+        </p:nvSpPr>
+        <p:spPr/>
+        <p:txBody>
+          <a:bodyPr/>
+          <a:lstStyle/>
+          <a:p>
+            <a:r>
+              <a:rPr lang="en-US" altLang="ko-KR" dirty="0"/>
+              <a:t>APB port list</a:t>
+            </a:r>
+            <a:endParaRPr lang="ko-KR" altLang="en-US" dirty="0"/>
+          </a:p>
+          <a:p>
+            <a:endParaRPr lang="en-KR" dirty="0"/>
+          </a:p>
+        </p:txBody>
+      </p:sp>
+      <p:graphicFrame>
+        <p:nvGraphicFramePr>
+          <p:cNvPr id="4" name="표 3">
+            <a:extLst>
+              <a:ext uri="{FF2B5EF4-FFF2-40B4-BE49-F238E27FC236}">
+                <a16:creationId xmlns:a16="http://schemas.microsoft.com/office/drawing/2014/main" id="{A5DADA52-CC2F-AF4C-A6F5-1FA06E281666}"/>
+              </a:ext>
+            </a:extLst>
+          </p:cNvPr>
+          <p:cNvGraphicFramePr>
+            <a:graphicFrameLocks noGrp="1"/>
+          </p:cNvGraphicFramePr>
+          <p:nvPr>
+            <p:extLst>
+              <p:ext uri="{D42A27DB-BD31-4B8C-83A1-F6EECF244321}">
+                <p14:modId xmlns:p14="http://schemas.microsoft.com/office/powerpoint/2010/main" val="2645466707"/>
+              </p:ext>
+            </p:extLst>
+          </p:nvPr>
+        </p:nvGraphicFramePr>
+        <p:xfrm>
+          <a:off x="677699" y="2233337"/>
+          <a:ext cx="7560001" cy="2749465"/>
+        </p:xfrm>
+        <a:graphic>
+          <a:graphicData uri="http://schemas.openxmlformats.org/drawingml/2006/table">
+            <a:tbl>
+              <a:tblPr firstRow="1" bandRow="1">
+                <a:tableStyleId>{5C22544A-7EE6-4342-B048-85BDC9FD1C3A}</a:tableStyleId>
+              </a:tblPr>
+              <a:tblGrid>
+                <a:gridCol w="1851852">
+                  <a:extLst>
+                    <a:ext uri="{9D8B030D-6E8A-4147-A177-3AD203B41FA5}">
+                      <a16:colId xmlns:a16="http://schemas.microsoft.com/office/drawing/2014/main" val="2262499931"/>
+                    </a:ext>
+                  </a:extLst>
+                </a:gridCol>
+                <a:gridCol w="1932167">
+                  <a:extLst>
+                    <a:ext uri="{9D8B030D-6E8A-4147-A177-3AD203B41FA5}">
+                      <a16:colId xmlns:a16="http://schemas.microsoft.com/office/drawing/2014/main" val="2110529792"/>
+                    </a:ext>
+                  </a:extLst>
+                </a:gridCol>
+                <a:gridCol w="1872533">
+                  <a:extLst>
+                    <a:ext uri="{9D8B030D-6E8A-4147-A177-3AD203B41FA5}">
+                      <a16:colId xmlns:a16="http://schemas.microsoft.com/office/drawing/2014/main" val="501713418"/>
+                    </a:ext>
+                  </a:extLst>
+                </a:gridCol>
+                <a:gridCol w="1903449">
+                  <a:extLst>
+                    <a:ext uri="{9D8B030D-6E8A-4147-A177-3AD203B41FA5}">
+                      <a16:colId xmlns:a16="http://schemas.microsoft.com/office/drawing/2014/main" val="1630203398"/>
+                    </a:ext>
+                  </a:extLst>
+                </a:gridCol>
+              </a:tblGrid>
+              <a:tr h="434340">
+                <a:tc gridSpan="4">
+                  <a:txBody>
+                    <a:bodyPr/>
+                    <a:lstStyle/>
+                    <a:p>
+                      <a:pPr algn="ctr" latinLnBrk="1"/>
+                      <a:r>
+                        <a:rPr lang="en-US" altLang="ko-KR" sz="2400" b="1" dirty="0">
+                          <a:solidFill>
+                            <a:srgbClr val="EEEAE3"/>
+                          </a:solidFill>
+                          <a:latin typeface="Arial" panose="020B0604020202020204" pitchFamily="34" charset="0"/>
+                          <a:cs typeface="Arial" panose="020B0604020202020204" pitchFamily="34" charset="0"/>
+                        </a:rPr>
+                        <a:t>APB input/output</a:t>
+                      </a:r>
+                      <a:endParaRPr lang="ko-KR" altLang="en-US" sz="2400" b="1" dirty="0">
+                        <a:solidFill>
+                          <a:srgbClr val="EEEAE3"/>
+                        </a:solidFill>
+                        <a:latin typeface="Arial" panose="020B0604020202020204" pitchFamily="34" charset="0"/>
+                        <a:cs typeface="Arial" panose="020B0604020202020204" pitchFamily="34" charset="0"/>
+                      </a:endParaRPr>
+                    </a:p>
+                  </a:txBody>
+                  <a:tcPr marL="68580" marR="68580" marT="34290" marB="34290">
+                    <a:lnL w="12700" cap="flat" cmpd="sng" algn="ctr">
+                      <a:solidFill>
+                        <a:schemeClr val="tx1"/>
+                      </a:solidFill>
+                      <a:prstDash val="solid"/>
+                      <a:round/>
+                      <a:headEnd type="none" w="med" len="med"/>
+                      <a:tailEnd type="none" w="med" len="med"/>
+                    </a:lnL>
+                    <a:lnR w="12700" cap="flat" cmpd="sng" algn="ctr">
+                      <a:solidFill>
+                        <a:schemeClr val="tx1"/>
+                      </a:solidFill>
+                      <a:prstDash val="solid"/>
+                      <a:round/>
+                      <a:headEnd type="none" w="med" len="med"/>
+                      <a:tailEnd type="none" w="med" len="med"/>
+                    </a:lnR>
+                    <a:lnT w="12700" cap="flat" cmpd="sng" algn="ctr">
+                      <a:solidFill>
+                        <a:schemeClr val="tx1"/>
+                      </a:solidFill>
+                      <a:prstDash val="solid"/>
+                      <a:round/>
+                      <a:headEnd type="none" w="med" len="med"/>
+                      <a:tailEnd type="none" w="med" len="med"/>
+                    </a:lnT>
+                    <a:lnB w="12700" cap="flat" cmpd="sng" algn="ctr">
+                      <a:solidFill>
+                        <a:schemeClr val="tx1"/>
+                      </a:solidFill>
+                      <a:prstDash val="solid"/>
+                      <a:round/>
+                      <a:headEnd type="none" w="med" len="med"/>
+                      <a:tailEnd type="none" w="med" len="med"/>
+                    </a:lnB>
+                    <a:solidFill>
+                      <a:srgbClr val="5F4B8B"/>
+                    </a:solidFill>
+                  </a:tcPr>
+                </a:tc>
+                <a:tc hMerge="1">
+                  <a:txBody>
+                    <a:bodyPr/>
+                    <a:lstStyle/>
+                    <a:p>
+                      <a:pPr latinLnBrk="1"/>
+                      <a:endParaRPr lang="ko-KR" altLang="en-US"/>
+                    </a:p>
+                  </a:txBody>
+                  <a:tcPr/>
+                </a:tc>
+                <a:tc hMerge="1">
+                  <a:txBody>
+                    <a:bodyPr/>
+                    <a:lstStyle/>
+                    <a:p>
+                      <a:pPr algn="ctr" latinLnBrk="1"/>
+                      <a:endParaRPr lang="ko-KR" altLang="en-US" b="1" dirty="0">
+                        <a:solidFill>
+                          <a:schemeClr val="tx1"/>
+                        </a:solidFill>
+                      </a:endParaRPr>
+                    </a:p>
+                  </a:txBody>
+                  <a:tcPr>
+                    <a:lnL w="28575" cap="flat" cmpd="sng" algn="ctr">
+                      <a:solidFill>
+                        <a:schemeClr val="tx1"/>
+                      </a:solidFill>
+                      <a:prstDash val="solid"/>
+                      <a:round/>
+                      <a:headEnd type="none" w="med" len="med"/>
+                      <a:tailEnd type="none" w="med" len="med"/>
+                    </a:lnL>
+                    <a:lnR w="12700" cap="flat" cmpd="sng" algn="ctr">
+                      <a:solidFill>
+                        <a:schemeClr val="tx1"/>
+                      </a:solidFill>
+                      <a:prstDash val="solid"/>
+                      <a:round/>
+                      <a:headEnd type="none" w="med" len="med"/>
+                      <a:tailEnd type="none" w="med" len="med"/>
+                    </a:lnR>
+                    <a:lnT w="12700" cap="flat" cmpd="sng" algn="ctr">
+                      <a:solidFill>
+                        <a:schemeClr val="tx1"/>
+                      </a:solidFill>
+                      <a:prstDash val="solid"/>
+                      <a:round/>
+                      <a:headEnd type="none" w="med" len="med"/>
+                      <a:tailEnd type="none" w="med" len="med"/>
+                    </a:lnT>
+                    <a:lnB w="12700" cap="flat" cmpd="sng" algn="ctr">
+                      <a:solidFill>
+                        <a:schemeClr val="tx1"/>
+                      </a:solidFill>
+                      <a:prstDash val="solid"/>
+                      <a:round/>
+                      <a:headEnd type="none" w="med" len="med"/>
+                      <a:tailEnd type="none" w="med" len="med"/>
+                    </a:lnB>
+                    <a:solidFill>
+                      <a:schemeClr val="bg1">
+                        <a:lumMod val="75000"/>
+                      </a:schemeClr>
+                    </a:solidFill>
+                  </a:tcPr>
+                </a:tc>
+                <a:tc hMerge="1">
+                  <a:txBody>
+                    <a:bodyPr/>
+                    <a:lstStyle/>
+                    <a:p>
+                      <a:pPr latinLnBrk="1"/>
+                      <a:endParaRPr lang="ko-KR" altLang="en-US"/>
+                    </a:p>
+                  </a:txBody>
+                  <a:tcPr/>
+                </a:tc>
+                <a:extLst>
+                  <a:ext uri="{0D108BD9-81ED-4DB2-BD59-A6C34878D82A}">
+                    <a16:rowId xmlns:a16="http://schemas.microsoft.com/office/drawing/2014/main" val="3888212015"/>
+                  </a:ext>
+                </a:extLst>
+              </a:tr>
+              <a:tr h="282762">
+                <a:tc gridSpan="2">
+                  <a:txBody>
+                    <a:bodyPr/>
+                    <a:lstStyle/>
+                    <a:p>
+                      <a:pPr algn="ctr" latinLnBrk="1"/>
+                      <a:r>
+                        <a:rPr lang="en-US" altLang="ko-KR" sz="1200" b="1" dirty="0">
+                          <a:solidFill>
+                            <a:schemeClr val="tx1"/>
+                          </a:solidFill>
+                          <a:latin typeface="Arial" panose="020B0604020202020204" pitchFamily="34" charset="0"/>
+                          <a:cs typeface="Arial" panose="020B0604020202020204" pitchFamily="34" charset="0"/>
+                        </a:rPr>
+                        <a:t>Input</a:t>
+                      </a:r>
+                      <a:endParaRPr lang="ko-KR" altLang="en-US" sz="1200" b="1" dirty="0">
+                        <a:solidFill>
+                          <a:schemeClr val="tx1"/>
+                        </a:solidFill>
+                        <a:latin typeface="Arial" panose="020B0604020202020204" pitchFamily="34" charset="0"/>
+                        <a:cs typeface="Arial" panose="020B0604020202020204" pitchFamily="34" charset="0"/>
+                      </a:endParaRPr>
+                    </a:p>
+                  </a:txBody>
+                  <a:tcPr marL="68580" marR="68580" marT="34290" marB="34290">
+                    <a:lnL w="12700" cap="flat" cmpd="sng" algn="ctr">
+                      <a:solidFill>
+                        <a:schemeClr val="tx1"/>
+                      </a:solidFill>
+                      <a:prstDash val="solid"/>
+                      <a:round/>
+                      <a:headEnd type="none" w="med" len="med"/>
+                      <a:tailEnd type="none" w="med" len="med"/>
+                    </a:lnL>
+                    <a:lnR w="28575" cap="flat" cmpd="sng" algn="ctr">
+                      <a:solidFill>
+                        <a:schemeClr val="tx1"/>
+                      </a:solidFill>
+                      <a:prstDash val="solid"/>
+                      <a:round/>
+                      <a:headEnd type="none" w="med" len="med"/>
+                      <a:tailEnd type="none" w="med" len="med"/>
+                    </a:lnR>
+                    <a:lnT w="12700" cap="flat" cmpd="sng" algn="ctr">
+                      <a:solidFill>
+                        <a:schemeClr val="tx1"/>
+                      </a:solidFill>
+                      <a:prstDash val="solid"/>
+                      <a:round/>
+                      <a:headEnd type="none" w="med" len="med"/>
+                      <a:tailEnd type="none" w="med" len="med"/>
+                    </a:lnT>
+                    <a:lnB w="12700" cap="flat" cmpd="sng" algn="ctr">
+                      <a:solidFill>
+                        <a:schemeClr val="tx1"/>
+                      </a:solidFill>
+                      <a:prstDash val="solid"/>
+                      <a:round/>
+                      <a:headEnd type="none" w="med" len="med"/>
+                      <a:tailEnd type="none" w="med" len="med"/>
+                    </a:lnB>
+                    <a:solidFill>
+                      <a:srgbClr val="D2DEEF"/>
+                    </a:solidFill>
+                  </a:tcPr>
+                </a:tc>
+                <a:tc hMerge="1">
+                  <a:txBody>
+                    <a:bodyPr/>
+                    <a:lstStyle/>
+                    <a:p>
+                      <a:pPr latinLnBrk="1"/>
+                      <a:endParaRPr lang="ko-KR" altLang="en-US"/>
+                    </a:p>
+                  </a:txBody>
+                  <a:tcPr/>
+                </a:tc>
+                <a:tc gridSpan="2">
+                  <a:txBody>
+                    <a:bodyPr/>
+                    <a:lstStyle/>
+                    <a:p>
+                      <a:pPr algn="ctr" latinLnBrk="1"/>
+                      <a:r>
+                        <a:rPr lang="en-US" altLang="ko-KR" sz="1200" b="1" dirty="0">
+                          <a:solidFill>
+                            <a:schemeClr val="tx1"/>
+                          </a:solidFill>
+                          <a:latin typeface="Arial" panose="020B0604020202020204" pitchFamily="34" charset="0"/>
+                          <a:cs typeface="Arial" panose="020B0604020202020204" pitchFamily="34" charset="0"/>
+                        </a:rPr>
+                        <a:t>Output</a:t>
+                      </a:r>
+                      <a:endParaRPr lang="ko-KR" altLang="en-US" sz="1200" b="1" dirty="0">
+                        <a:solidFill>
+                          <a:schemeClr val="tx1"/>
+                        </a:solidFill>
+                        <a:latin typeface="Arial" panose="020B0604020202020204" pitchFamily="34" charset="0"/>
+                        <a:cs typeface="Arial" panose="020B0604020202020204" pitchFamily="34" charset="0"/>
+                      </a:endParaRPr>
+                    </a:p>
+                  </a:txBody>
+                  <a:tcPr marL="68580" marR="68580" marT="34290" marB="34290">
+                    <a:lnL w="28575" cap="flat" cmpd="sng" algn="ctr">
+                      <a:solidFill>
+                        <a:schemeClr val="tx1"/>
+                      </a:solidFill>
+                      <a:prstDash val="solid"/>
+                      <a:round/>
+                      <a:headEnd type="none" w="med" len="med"/>
+                      <a:tailEnd type="none" w="med" len="med"/>
+                    </a:lnL>
+                    <a:lnR w="12700" cap="flat" cmpd="sng" algn="ctr">
+                      <a:solidFill>
+                        <a:schemeClr val="tx1"/>
+                      </a:solidFill>
+                      <a:prstDash val="solid"/>
+                      <a:round/>
+                      <a:headEnd type="none" w="med" len="med"/>
+                      <a:tailEnd type="none" w="med" len="med"/>
+                    </a:lnR>
+                    <a:lnT w="12700" cap="flat" cmpd="sng" algn="ctr">
+                      <a:solidFill>
+                        <a:schemeClr val="tx1"/>
+                      </a:solidFill>
+                      <a:prstDash val="solid"/>
+                      <a:round/>
+                      <a:headEnd type="none" w="med" len="med"/>
+                      <a:tailEnd type="none" w="med" len="med"/>
+                    </a:lnT>
+                    <a:lnB w="12700" cap="flat" cmpd="sng" algn="ctr">
+                      <a:solidFill>
+                        <a:schemeClr val="tx1"/>
+                      </a:solidFill>
+                      <a:prstDash val="solid"/>
+                      <a:round/>
+                      <a:headEnd type="none" w="med" len="med"/>
+                      <a:tailEnd type="none" w="med" len="med"/>
+                    </a:lnB>
+                    <a:solidFill>
+                      <a:srgbClr val="D2DEEF"/>
+                    </a:solidFill>
+                  </a:tcPr>
+                </a:tc>
+                <a:tc hMerge="1">
+                  <a:txBody>
+                    <a:bodyPr/>
+                    <a:lstStyle/>
+                    <a:p>
+                      <a:pPr latinLnBrk="1"/>
+                      <a:endParaRPr lang="ko-KR" altLang="en-US"/>
+                    </a:p>
+                  </a:txBody>
+                  <a:tcPr/>
+                </a:tc>
+                <a:extLst>
+                  <a:ext uri="{0D108BD9-81ED-4DB2-BD59-A6C34878D82A}">
+                    <a16:rowId xmlns:a16="http://schemas.microsoft.com/office/drawing/2014/main" val="4137831900"/>
+                  </a:ext>
+                </a:extLst>
+              </a:tr>
+              <a:tr h="272143">
+                <a:tc>
+                  <a:txBody>
+                    <a:bodyPr/>
+                    <a:lstStyle/>
+                    <a:p>
+                      <a:pPr algn="ctr" latinLnBrk="1"/>
+                      <a:r>
+                        <a:rPr lang="en-US" altLang="ko-KR" sz="1200" b="1" dirty="0">
+                          <a:solidFill>
+                            <a:schemeClr val="tx1"/>
+                          </a:solidFill>
+                          <a:latin typeface="Arial" panose="020B0604020202020204" pitchFamily="34" charset="0"/>
+                          <a:cs typeface="Arial" panose="020B0604020202020204" pitchFamily="34" charset="0"/>
+                        </a:rPr>
+                        <a:t>Name</a:t>
+                      </a:r>
+                      <a:endParaRPr lang="ko-KR" altLang="en-US" sz="1200" b="1" dirty="0">
+                        <a:solidFill>
+                          <a:schemeClr val="tx1"/>
+                        </a:solidFill>
+                        <a:latin typeface="Arial" panose="020B0604020202020204" pitchFamily="34" charset="0"/>
+                        <a:cs typeface="Arial" panose="020B0604020202020204" pitchFamily="34" charset="0"/>
+                      </a:endParaRPr>
+                    </a:p>
+                  </a:txBody>
+                  <a:tcPr marL="68580" marR="68580" marT="34290" marB="34290">
+                    <a:lnL w="12700" cap="flat" cmpd="sng" algn="ctr">
+                      <a:solidFill>
+                        <a:schemeClr val="tx1"/>
+                      </a:solidFill>
+                      <a:prstDash val="solid"/>
+                      <a:round/>
+                      <a:headEnd type="none" w="med" len="med"/>
+                      <a:tailEnd type="none" w="med" len="med"/>
+                    </a:lnL>
+                    <a:lnR w="12700" cap="flat" cmpd="sng" algn="ctr">
+                      <a:solidFill>
+                        <a:schemeClr val="tx1"/>
+                      </a:solidFill>
+                      <a:prstDash val="solid"/>
+                      <a:round/>
+                      <a:headEnd type="none" w="med" len="med"/>
+                      <a:tailEnd type="none" w="med" len="med"/>
+                    </a:lnR>
+                    <a:lnT w="12700" cap="flat" cmpd="sng" algn="ctr">
+                      <a:solidFill>
+                        <a:schemeClr val="tx1"/>
+                      </a:solidFill>
+                      <a:prstDash val="solid"/>
+                      <a:round/>
+                      <a:headEnd type="none" w="med" len="med"/>
+                      <a:tailEnd type="none" w="med" len="med"/>
+                    </a:lnT>
+                    <a:lnB w="28575" cap="flat" cmpd="sng" algn="ctr">
+                      <a:solidFill>
+                        <a:schemeClr val="tx1"/>
+                      </a:solidFill>
+                      <a:prstDash val="solid"/>
+                      <a:round/>
+                      <a:headEnd type="none" w="med" len="med"/>
+                      <a:tailEnd type="none" w="med" len="med"/>
+                    </a:lnB>
+                    <a:solidFill>
+                      <a:srgbClr val="D2DEEF"/>
+                    </a:solidFill>
+                  </a:tcPr>
+                </a:tc>
+                <a:tc>
+                  <a:txBody>
+                    <a:bodyPr/>
+                    <a:lstStyle/>
+                    <a:p>
+                      <a:pPr algn="ctr" latinLnBrk="1"/>
+                      <a:r>
+                        <a:rPr lang="en-US" altLang="ko-KR" sz="1200" b="1" dirty="0">
+                          <a:solidFill>
+                            <a:schemeClr val="tx1"/>
+                          </a:solidFill>
+                          <a:latin typeface="Arial" panose="020B0604020202020204" pitchFamily="34" charset="0"/>
+                          <a:cs typeface="Arial" panose="020B0604020202020204" pitchFamily="34" charset="0"/>
+                        </a:rPr>
+                        <a:t>Size</a:t>
+                      </a:r>
+                      <a:endParaRPr lang="ko-KR" altLang="en-US" sz="1200" b="1" dirty="0">
+                        <a:solidFill>
+                          <a:schemeClr val="tx1"/>
+                        </a:solidFill>
+                        <a:latin typeface="Arial" panose="020B0604020202020204" pitchFamily="34" charset="0"/>
+                        <a:cs typeface="Arial" panose="020B0604020202020204" pitchFamily="34" charset="0"/>
+                      </a:endParaRPr>
+                    </a:p>
+                  </a:txBody>
+                  <a:tcPr marL="68580" marR="68580" marT="34290" marB="34290">
+                    <a:lnL w="12700" cap="flat" cmpd="sng" algn="ctr">
+                      <a:solidFill>
+                        <a:schemeClr val="tx1"/>
+                      </a:solidFill>
+                      <a:prstDash val="solid"/>
+                      <a:round/>
+                      <a:headEnd type="none" w="med" len="med"/>
+                      <a:tailEnd type="none" w="med" len="med"/>
+                    </a:lnL>
+                    <a:lnR w="28575" cap="flat" cmpd="sng" algn="ctr">
+                      <a:solidFill>
+                        <a:schemeClr val="tx1"/>
+                      </a:solidFill>
+                      <a:prstDash val="solid"/>
+                      <a:round/>
+                      <a:headEnd type="none" w="med" len="med"/>
+                      <a:tailEnd type="none" w="med" len="med"/>
+                    </a:lnR>
+                    <a:lnT w="12700" cap="flat" cmpd="sng" algn="ctr">
+                      <a:solidFill>
+                        <a:schemeClr val="tx1"/>
+                      </a:solidFill>
+                      <a:prstDash val="solid"/>
+                      <a:round/>
+                      <a:headEnd type="none" w="med" len="med"/>
+                      <a:tailEnd type="none" w="med" len="med"/>
+                    </a:lnT>
+                    <a:lnB w="28575" cap="flat" cmpd="sng" algn="ctr">
+                      <a:solidFill>
+                        <a:schemeClr val="tx1"/>
+                      </a:solidFill>
+                      <a:prstDash val="solid"/>
+                      <a:round/>
+                      <a:headEnd type="none" w="med" len="med"/>
+                      <a:tailEnd type="none" w="med" len="med"/>
+                    </a:lnB>
+                    <a:solidFill>
+                      <a:srgbClr val="D2DEEF"/>
+                    </a:solidFill>
+                  </a:tcPr>
+                </a:tc>
+                <a:tc>
+                  <a:txBody>
+                    <a:bodyPr/>
+                    <a:lstStyle/>
+                    <a:p>
+                      <a:pPr algn="ctr" latinLnBrk="1"/>
+                      <a:r>
+                        <a:rPr lang="en-US" altLang="ko-KR" sz="1200" b="1" dirty="0">
+                          <a:solidFill>
+                            <a:schemeClr val="tx1"/>
+                          </a:solidFill>
+                          <a:latin typeface="Arial" panose="020B0604020202020204" pitchFamily="34" charset="0"/>
+                          <a:cs typeface="Arial" panose="020B0604020202020204" pitchFamily="34" charset="0"/>
+                        </a:rPr>
+                        <a:t>Name</a:t>
+                      </a:r>
+                      <a:endParaRPr lang="ko-KR" altLang="en-US" sz="1200" b="1" dirty="0">
+                        <a:solidFill>
+                          <a:schemeClr val="tx1"/>
+                        </a:solidFill>
+                        <a:latin typeface="Arial" panose="020B0604020202020204" pitchFamily="34" charset="0"/>
+                        <a:cs typeface="Arial" panose="020B0604020202020204" pitchFamily="34" charset="0"/>
+                      </a:endParaRPr>
+                    </a:p>
+                  </a:txBody>
+                  <a:tcPr marL="68580" marR="68580" marT="34290" marB="34290">
+                    <a:lnL w="28575" cap="flat" cmpd="sng" algn="ctr">
+                      <a:solidFill>
+                        <a:schemeClr val="tx1"/>
+                      </a:solidFill>
+                      <a:prstDash val="solid"/>
+                      <a:round/>
+                      <a:headEnd type="none" w="med" len="med"/>
+                      <a:tailEnd type="none" w="med" len="med"/>
+                    </a:lnL>
+                    <a:lnR w="12700" cap="flat" cmpd="sng" algn="ctr">
+                      <a:solidFill>
+                        <a:schemeClr val="tx1"/>
+                      </a:solidFill>
+                      <a:prstDash val="solid"/>
+                      <a:round/>
+                      <a:headEnd type="none" w="med" len="med"/>
+                      <a:tailEnd type="none" w="med" len="med"/>
+                    </a:lnR>
+                    <a:lnT w="12700" cap="flat" cmpd="sng" algn="ctr">
+                      <a:solidFill>
+                        <a:schemeClr val="tx1"/>
+                      </a:solidFill>
+                      <a:prstDash val="solid"/>
+                      <a:round/>
+                      <a:headEnd type="none" w="med" len="med"/>
+                      <a:tailEnd type="none" w="med" len="med"/>
+                    </a:lnT>
+                    <a:lnB w="28575" cap="flat" cmpd="sng" algn="ctr">
+                      <a:solidFill>
+                        <a:schemeClr val="tx1"/>
+                      </a:solidFill>
+                      <a:prstDash val="solid"/>
+                      <a:round/>
+                      <a:headEnd type="none" w="med" len="med"/>
+                      <a:tailEnd type="none" w="med" len="med"/>
+                    </a:lnB>
+                    <a:solidFill>
+                      <a:srgbClr val="D2DEEF"/>
+                    </a:solidFill>
+                  </a:tcPr>
+                </a:tc>
+                <a:tc>
+                  <a:txBody>
+                    <a:bodyPr/>
+                    <a:lstStyle/>
+                    <a:p>
+                      <a:pPr algn="ctr" latinLnBrk="1"/>
+                      <a:r>
+                        <a:rPr lang="en-US" altLang="ko-KR" sz="1200" b="1" dirty="0">
+                          <a:solidFill>
+                            <a:schemeClr val="tx1"/>
+                          </a:solidFill>
+                          <a:latin typeface="Arial" panose="020B0604020202020204" pitchFamily="34" charset="0"/>
+                          <a:cs typeface="Arial" panose="020B0604020202020204" pitchFamily="34" charset="0"/>
+                        </a:rPr>
+                        <a:t>Size</a:t>
+                      </a:r>
+                      <a:endParaRPr lang="ko-KR" altLang="en-US" sz="1200" b="1" dirty="0">
+                        <a:solidFill>
+                          <a:schemeClr val="tx1"/>
+                        </a:solidFill>
+                        <a:latin typeface="Arial" panose="020B0604020202020204" pitchFamily="34" charset="0"/>
+                        <a:cs typeface="Arial" panose="020B0604020202020204" pitchFamily="34" charset="0"/>
+                      </a:endParaRPr>
+                    </a:p>
+                  </a:txBody>
+                  <a:tcPr marL="68580" marR="68580" marT="34290" marB="34290">
+                    <a:lnL w="12700" cap="flat" cmpd="sng" algn="ctr">
+                      <a:solidFill>
+                        <a:schemeClr val="tx1"/>
+                      </a:solidFill>
+                      <a:prstDash val="solid"/>
+                      <a:round/>
+                      <a:headEnd type="none" w="med" len="med"/>
+                      <a:tailEnd type="none" w="med" len="med"/>
+                    </a:lnL>
+                    <a:lnR w="12700" cap="flat" cmpd="sng" algn="ctr">
+                      <a:solidFill>
+                        <a:schemeClr val="tx1"/>
+                      </a:solidFill>
+                      <a:prstDash val="solid"/>
+                      <a:round/>
+                      <a:headEnd type="none" w="med" len="med"/>
+                      <a:tailEnd type="none" w="med" len="med"/>
+                    </a:lnR>
+                    <a:lnT w="12700" cap="flat" cmpd="sng" algn="ctr">
+                      <a:solidFill>
+                        <a:schemeClr val="tx1"/>
+                      </a:solidFill>
+                      <a:prstDash val="solid"/>
+                      <a:round/>
+                      <a:headEnd type="none" w="med" len="med"/>
+                      <a:tailEnd type="none" w="med" len="med"/>
+                    </a:lnT>
+                    <a:lnB w="28575" cap="flat" cmpd="sng" algn="ctr">
+                      <a:solidFill>
+                        <a:schemeClr val="tx1"/>
+                      </a:solidFill>
+                      <a:prstDash val="solid"/>
+                      <a:round/>
+                      <a:headEnd type="none" w="med" len="med"/>
+                      <a:tailEnd type="none" w="med" len="med"/>
+                    </a:lnB>
+                    <a:solidFill>
+                      <a:srgbClr val="D2DEEF"/>
+                    </a:solidFill>
+                  </a:tcPr>
+                </a:tc>
+                <a:extLst>
+                  <a:ext uri="{0D108BD9-81ED-4DB2-BD59-A6C34878D82A}">
+                    <a16:rowId xmlns:a16="http://schemas.microsoft.com/office/drawing/2014/main" val="983595356"/>
+                  </a:ext>
+                </a:extLst>
+              </a:tr>
+              <a:tr h="251460">
+                <a:tc>
+                  <a:txBody>
+                    <a:bodyPr/>
+                    <a:lstStyle/>
+                    <a:p>
+                      <a:pPr algn="ctr" latinLnBrk="1"/>
+                      <a:r>
+                        <a:rPr lang="en-US" altLang="ko-KR" sz="1200" dirty="0">
+                          <a:solidFill>
+                            <a:schemeClr val="tx1"/>
+                          </a:solidFill>
+                          <a:latin typeface="Arial" panose="020B0604020202020204" pitchFamily="34" charset="0"/>
+                          <a:cs typeface="Arial" panose="020B0604020202020204" pitchFamily="34" charset="0"/>
+                        </a:rPr>
+                        <a:t>PCLK</a:t>
+                      </a:r>
+                      <a:endParaRPr lang="ko-KR" altLang="en-US" sz="1200" dirty="0">
+                        <a:solidFill>
+                          <a:schemeClr val="tx1"/>
+                        </a:solidFill>
+                        <a:latin typeface="Arial" panose="020B0604020202020204" pitchFamily="34" charset="0"/>
+                        <a:cs typeface="Arial" panose="020B0604020202020204" pitchFamily="34" charset="0"/>
+                      </a:endParaRPr>
+                    </a:p>
+                  </a:txBody>
+                  <a:tcPr marL="68580" marR="68580" marT="34290" marB="34290">
+                    <a:lnL w="12700" cap="flat" cmpd="sng" algn="ctr">
+                      <a:solidFill>
+                        <a:schemeClr val="tx1"/>
+                      </a:solidFill>
+                      <a:prstDash val="solid"/>
+                      <a:round/>
+                      <a:headEnd type="none" w="med" len="med"/>
+                      <a:tailEnd type="none" w="med" len="med"/>
+                    </a:lnL>
+                    <a:lnR w="12700" cap="flat" cmpd="sng" algn="ctr">
+                      <a:solidFill>
+                        <a:schemeClr val="tx1"/>
+                      </a:solidFill>
+                      <a:prstDash val="solid"/>
+                      <a:round/>
+                      <a:headEnd type="none" w="med" len="med"/>
+                      <a:tailEnd type="none" w="med" len="med"/>
+                    </a:lnR>
+                    <a:lnT w="28575" cap="flat" cmpd="sng" algn="ctr">
+                      <a:solidFill>
+                        <a:schemeClr val="tx1"/>
+                      </a:solidFill>
+                      <a:prstDash val="solid"/>
+                      <a:round/>
+                      <a:headEnd type="none" w="med" len="med"/>
+                      <a:tailEnd type="none" w="med" len="med"/>
+                    </a:lnT>
+                    <a:lnB w="12700" cap="flat" cmpd="sng" algn="ctr">
+                      <a:solidFill>
+                        <a:schemeClr val="tx1"/>
+                      </a:solidFill>
+                      <a:prstDash val="solid"/>
+                      <a:round/>
+                      <a:headEnd type="none" w="med" len="med"/>
+                      <a:tailEnd type="none" w="med" len="med"/>
+                    </a:lnB>
+                    <a:solidFill>
+                      <a:srgbClr val="EAEFF7"/>
+                    </a:solidFill>
+                  </a:tcPr>
+                </a:tc>
+                <a:tc>
+                  <a:txBody>
+                    <a:bodyPr/>
+                    <a:lstStyle/>
+                    <a:p>
+                      <a:pPr algn="ctr"/>
+                      <a:r>
+                        <a:rPr lang="en-US" altLang="ko-KR" sz="1200" dirty="0">
+                          <a:latin typeface="Arial" panose="020B0604020202020204" pitchFamily="34" charset="0"/>
+                          <a:cs typeface="Arial" panose="020B0604020202020204" pitchFamily="34" charset="0"/>
+                        </a:rPr>
+                        <a:t>1-bit</a:t>
+                      </a:r>
+                      <a:endParaRPr lang="ko-KR" altLang="en-US" sz="1200" dirty="0">
+                        <a:latin typeface="Arial" panose="020B0604020202020204" pitchFamily="34" charset="0"/>
+                        <a:cs typeface="Arial" panose="020B0604020202020204" pitchFamily="34" charset="0"/>
+                      </a:endParaRPr>
+                    </a:p>
+                  </a:txBody>
+                  <a:tcPr marL="68580" marR="68580" marT="34290" marB="34290">
+                    <a:lnL w="12700" cap="flat" cmpd="sng" algn="ctr">
+                      <a:solidFill>
+                        <a:schemeClr val="tx1"/>
+                      </a:solidFill>
+                      <a:prstDash val="solid"/>
+                      <a:round/>
+                      <a:headEnd type="none" w="med" len="med"/>
+                      <a:tailEnd type="none" w="med" len="med"/>
+                    </a:lnL>
+                    <a:lnR w="28575" cap="flat" cmpd="sng" algn="ctr">
+                      <a:solidFill>
+                        <a:schemeClr val="tx1"/>
+                      </a:solidFill>
+                      <a:prstDash val="solid"/>
+                      <a:round/>
+                      <a:headEnd type="none" w="med" len="med"/>
+                      <a:tailEnd type="none" w="med" len="med"/>
+                    </a:lnR>
+                    <a:lnT w="28575" cap="flat" cmpd="sng" algn="ctr">
+                      <a:solidFill>
+                        <a:schemeClr val="tx1"/>
+                      </a:solidFill>
+                      <a:prstDash val="solid"/>
+                      <a:round/>
+                      <a:headEnd type="none" w="med" len="med"/>
+                      <a:tailEnd type="none" w="med" len="med"/>
+                    </a:lnT>
+                    <a:lnB w="12700" cap="flat" cmpd="sng" algn="ctr">
+                      <a:solidFill>
+                        <a:schemeClr val="tx1"/>
+                      </a:solidFill>
+                      <a:prstDash val="solid"/>
+                      <a:round/>
+                      <a:headEnd type="none" w="med" len="med"/>
+                      <a:tailEnd type="none" w="med" len="med"/>
+                    </a:lnB>
+                    <a:solidFill>
+                      <a:srgbClr val="EAEFF7"/>
+                    </a:solidFill>
+                  </a:tcPr>
+                </a:tc>
+                <a:tc>
+                  <a:txBody>
+                    <a:bodyPr/>
+                    <a:lstStyle/>
+                    <a:p>
+                      <a:pPr algn="ctr" latinLnBrk="1"/>
+                      <a:r>
+                        <a:rPr lang="en-US" altLang="ko-KR" sz="1200" dirty="0">
+                          <a:solidFill>
+                            <a:schemeClr val="tx1"/>
+                          </a:solidFill>
+                          <a:latin typeface="Arial" panose="020B0604020202020204" pitchFamily="34" charset="0"/>
+                          <a:cs typeface="Arial" panose="020B0604020202020204" pitchFamily="34" charset="0"/>
+                        </a:rPr>
+                        <a:t>PRDATA</a:t>
+                      </a:r>
+                      <a:endParaRPr lang="ko-KR" altLang="en-US" sz="1200" dirty="0">
+                        <a:solidFill>
+                          <a:schemeClr val="tx1"/>
+                        </a:solidFill>
+                        <a:latin typeface="Arial" panose="020B0604020202020204" pitchFamily="34" charset="0"/>
+                        <a:cs typeface="Arial" panose="020B0604020202020204" pitchFamily="34" charset="0"/>
+                      </a:endParaRPr>
+                    </a:p>
+                  </a:txBody>
+                  <a:tcPr marL="68580" marR="68580" marT="34290" marB="34290">
+                    <a:lnL w="28575" cap="flat" cmpd="sng" algn="ctr">
+                      <a:solidFill>
+                        <a:schemeClr val="tx1"/>
+                      </a:solidFill>
+                      <a:prstDash val="solid"/>
+                      <a:round/>
+                      <a:headEnd type="none" w="med" len="med"/>
+                      <a:tailEnd type="none" w="med" len="med"/>
+                    </a:lnL>
+                    <a:lnR w="12700" cap="flat" cmpd="sng" algn="ctr">
+                      <a:solidFill>
+                        <a:schemeClr val="tx1"/>
+                      </a:solidFill>
+                      <a:prstDash val="solid"/>
+                      <a:round/>
+                      <a:headEnd type="none" w="med" len="med"/>
+                      <a:tailEnd type="none" w="med" len="med"/>
+                    </a:lnR>
+                    <a:lnT w="28575" cap="flat" cmpd="sng" algn="ctr">
+                      <a:solidFill>
+                        <a:schemeClr val="tx1"/>
+                      </a:solidFill>
+                      <a:prstDash val="solid"/>
+                      <a:round/>
+                      <a:headEnd type="none" w="med" len="med"/>
+                      <a:tailEnd type="none" w="med" len="med"/>
+                    </a:lnT>
+                    <a:lnB w="12700" cap="flat" cmpd="sng" algn="ctr">
+                      <a:solidFill>
+                        <a:schemeClr val="tx1"/>
+                      </a:solidFill>
+                      <a:prstDash val="solid"/>
+                      <a:round/>
+                      <a:headEnd type="none" w="med" len="med"/>
+                      <a:tailEnd type="none" w="med" len="med"/>
+                    </a:lnB>
+                    <a:solidFill>
+                      <a:srgbClr val="EAEFF7"/>
+                    </a:solidFill>
+                  </a:tcPr>
+                </a:tc>
+                <a:tc>
+                  <a:txBody>
+                    <a:bodyPr/>
+                    <a:lstStyle/>
+                    <a:p>
+                      <a:pPr algn="ctr" latinLnBrk="1"/>
+                      <a:r>
+                        <a:rPr lang="en-US" altLang="ko-KR" sz="1200" dirty="0">
+                          <a:latin typeface="Arial" panose="020B0604020202020204" pitchFamily="34" charset="0"/>
+                          <a:cs typeface="Arial" panose="020B0604020202020204" pitchFamily="34" charset="0"/>
+                        </a:rPr>
+                        <a:t>32-bit</a:t>
+                      </a:r>
+                      <a:endParaRPr lang="ko-KR" altLang="en-US" sz="1200" dirty="0">
+                        <a:solidFill>
+                          <a:schemeClr val="tx1"/>
+                        </a:solidFill>
+                        <a:latin typeface="Arial" panose="020B0604020202020204" pitchFamily="34" charset="0"/>
+                        <a:cs typeface="Arial" panose="020B0604020202020204" pitchFamily="34" charset="0"/>
+                      </a:endParaRPr>
+                    </a:p>
+                  </a:txBody>
+                  <a:tcPr marL="68580" marR="68580" marT="34290" marB="34290">
+                    <a:lnL w="12700" cap="flat" cmpd="sng" algn="ctr">
+                      <a:solidFill>
+                        <a:schemeClr val="tx1"/>
+                      </a:solidFill>
+                      <a:prstDash val="solid"/>
+                      <a:round/>
+                      <a:headEnd type="none" w="med" len="med"/>
+                      <a:tailEnd type="none" w="med" len="med"/>
+                    </a:lnL>
+                    <a:lnR w="12700" cap="flat" cmpd="sng" algn="ctr">
+                      <a:solidFill>
+                        <a:schemeClr val="tx1"/>
+                      </a:solidFill>
+                      <a:prstDash val="solid"/>
+                      <a:round/>
+                      <a:headEnd type="none" w="med" len="med"/>
+                      <a:tailEnd type="none" w="med" len="med"/>
+                    </a:lnR>
+                    <a:lnT w="28575" cap="flat" cmpd="sng" algn="ctr">
+                      <a:solidFill>
+                        <a:schemeClr val="tx1"/>
+                      </a:solidFill>
+                      <a:prstDash val="solid"/>
+                      <a:round/>
+                      <a:headEnd type="none" w="med" len="med"/>
+                      <a:tailEnd type="none" w="med" len="med"/>
+                    </a:lnT>
+                    <a:lnB w="12700" cap="flat" cmpd="sng" algn="ctr">
+                      <a:solidFill>
+                        <a:schemeClr val="tx1"/>
+                      </a:solidFill>
+                      <a:prstDash val="solid"/>
+                      <a:round/>
+                      <a:headEnd type="none" w="med" len="med"/>
+                      <a:tailEnd type="none" w="med" len="med"/>
+                    </a:lnB>
+                    <a:solidFill>
+                      <a:srgbClr val="EAEFF7"/>
+                    </a:solidFill>
+                  </a:tcPr>
+                </a:tc>
+                <a:extLst>
+                  <a:ext uri="{0D108BD9-81ED-4DB2-BD59-A6C34878D82A}">
+                    <a16:rowId xmlns:a16="http://schemas.microsoft.com/office/drawing/2014/main" val="822487818"/>
+                  </a:ext>
+                </a:extLst>
+              </a:tr>
+              <a:tr h="251460">
+                <a:tc>
+                  <a:txBody>
+                    <a:bodyPr/>
+                    <a:lstStyle/>
+                    <a:p>
+                      <a:pPr algn="ctr" latinLnBrk="1"/>
+                      <a:r>
+                        <a:rPr lang="en-US" altLang="ko-KR" sz="1200" dirty="0">
+                          <a:solidFill>
+                            <a:schemeClr val="tx1"/>
+                          </a:solidFill>
+                          <a:latin typeface="Arial" panose="020B0604020202020204" pitchFamily="34" charset="0"/>
+                          <a:cs typeface="Arial" panose="020B0604020202020204" pitchFamily="34" charset="0"/>
+                        </a:rPr>
+                        <a:t>PRESETB</a:t>
+                      </a:r>
+                      <a:endParaRPr lang="ko-KR" altLang="en-US" sz="1200" dirty="0">
+                        <a:solidFill>
+                          <a:schemeClr val="tx1"/>
+                        </a:solidFill>
+                        <a:latin typeface="Arial" panose="020B0604020202020204" pitchFamily="34" charset="0"/>
+                        <a:cs typeface="Arial" panose="020B0604020202020204" pitchFamily="34" charset="0"/>
+                      </a:endParaRPr>
+                    </a:p>
+                  </a:txBody>
+                  <a:tcPr marL="68580" marR="68580" marT="34290" marB="34290">
+                    <a:lnL w="12700" cap="flat" cmpd="sng" algn="ctr">
+                      <a:solidFill>
+                        <a:schemeClr val="tx1"/>
+                      </a:solidFill>
+                      <a:prstDash val="solid"/>
+                      <a:round/>
+                      <a:headEnd type="none" w="med" len="med"/>
+                      <a:tailEnd type="none" w="med" len="med"/>
+                    </a:lnL>
+                    <a:lnR w="12700" cap="flat" cmpd="sng" algn="ctr">
+                      <a:solidFill>
+                        <a:schemeClr val="tx1"/>
+                      </a:solidFill>
+                      <a:prstDash val="solid"/>
+                      <a:round/>
+                      <a:headEnd type="none" w="med" len="med"/>
+                      <a:tailEnd type="none" w="med" len="med"/>
+                    </a:lnR>
+                    <a:lnT w="12700" cap="flat" cmpd="sng" algn="ctr">
+                      <a:solidFill>
+                        <a:schemeClr val="tx1"/>
+                      </a:solidFill>
+                      <a:prstDash val="solid"/>
+                      <a:round/>
+                      <a:headEnd type="none" w="med" len="med"/>
+                      <a:tailEnd type="none" w="med" len="med"/>
+                    </a:lnT>
+                    <a:lnB w="12700" cap="flat" cmpd="sng" algn="ctr">
+                      <a:solidFill>
+                        <a:schemeClr val="tx1"/>
+                      </a:solidFill>
+                      <a:prstDash val="solid"/>
+                      <a:round/>
+                      <a:headEnd type="none" w="med" len="med"/>
+                      <a:tailEnd type="none" w="med" len="med"/>
+                    </a:lnB>
+                    <a:solidFill>
+                      <a:srgbClr val="D2DEEF"/>
+                    </a:solidFill>
+                  </a:tcPr>
+                </a:tc>
+                <a:tc>
+                  <a:txBody>
+                    <a:bodyPr/>
+                    <a:lstStyle/>
+                    <a:p>
+                      <a:pPr algn="ctr"/>
+                      <a:r>
+                        <a:rPr lang="en-US" altLang="ko-KR" sz="1200" dirty="0">
+                          <a:latin typeface="Arial" panose="020B0604020202020204" pitchFamily="34" charset="0"/>
+                          <a:cs typeface="Arial" panose="020B0604020202020204" pitchFamily="34" charset="0"/>
+                        </a:rPr>
+                        <a:t>1-bit</a:t>
+                      </a:r>
+                      <a:endParaRPr lang="ko-KR" altLang="en-US" sz="1200" dirty="0">
+                        <a:latin typeface="Arial" panose="020B0604020202020204" pitchFamily="34" charset="0"/>
+                        <a:cs typeface="Arial" panose="020B0604020202020204" pitchFamily="34" charset="0"/>
+                      </a:endParaRPr>
+                    </a:p>
+                  </a:txBody>
+                  <a:tcPr marL="68580" marR="68580" marT="34290" marB="34290">
+                    <a:lnL w="12700" cap="flat" cmpd="sng" algn="ctr">
+                      <a:solidFill>
+                        <a:schemeClr val="tx1"/>
+                      </a:solidFill>
+                      <a:prstDash val="solid"/>
+                      <a:round/>
+                      <a:headEnd type="none" w="med" len="med"/>
+                      <a:tailEnd type="none" w="med" len="med"/>
+                    </a:lnL>
+                    <a:lnR w="28575" cap="flat" cmpd="sng" algn="ctr">
+                      <a:solidFill>
+                        <a:schemeClr val="tx1"/>
+                      </a:solidFill>
+                      <a:prstDash val="solid"/>
+                      <a:round/>
+                      <a:headEnd type="none" w="med" len="med"/>
+                      <a:tailEnd type="none" w="med" len="med"/>
+                    </a:lnR>
+                    <a:lnT w="12700" cap="flat" cmpd="sng" algn="ctr">
+                      <a:solidFill>
+                        <a:schemeClr val="tx1"/>
+                      </a:solidFill>
+                      <a:prstDash val="solid"/>
+                      <a:round/>
+                      <a:headEnd type="none" w="med" len="med"/>
+                      <a:tailEnd type="none" w="med" len="med"/>
+                    </a:lnT>
+                    <a:lnB w="12700" cap="flat" cmpd="sng" algn="ctr">
+                      <a:solidFill>
+                        <a:schemeClr val="tx1"/>
+                      </a:solidFill>
+                      <a:prstDash val="solid"/>
+                      <a:round/>
+                      <a:headEnd type="none" w="med" len="med"/>
+                      <a:tailEnd type="none" w="med" len="med"/>
+                    </a:lnB>
+                    <a:solidFill>
+                      <a:srgbClr val="D2DEEF"/>
+                    </a:solidFill>
+                  </a:tcPr>
+                </a:tc>
+                <a:tc>
+                  <a:txBody>
+                    <a:bodyPr/>
+                    <a:lstStyle/>
+                    <a:p>
+                      <a:pPr algn="ctr" latinLnBrk="1"/>
+                      <a:endParaRPr lang="ko-KR" altLang="en-US" sz="1200" dirty="0">
+                        <a:solidFill>
+                          <a:schemeClr val="tx1"/>
+                        </a:solidFill>
+                        <a:latin typeface="Arial" panose="020B0604020202020204" pitchFamily="34" charset="0"/>
+                        <a:cs typeface="Arial" panose="020B0604020202020204" pitchFamily="34" charset="0"/>
+                      </a:endParaRPr>
+                    </a:p>
+                  </a:txBody>
+                  <a:tcPr marL="68580" marR="68580" marT="34290" marB="34290">
+                    <a:lnL w="28575" cap="flat" cmpd="sng" algn="ctr">
+                      <a:solidFill>
+                        <a:schemeClr val="tx1"/>
+                      </a:solidFill>
+                      <a:prstDash val="solid"/>
+                      <a:round/>
+                      <a:headEnd type="none" w="med" len="med"/>
+                      <a:tailEnd type="none" w="med" len="med"/>
+                    </a:lnL>
+                    <a:lnR w="12700" cap="flat" cmpd="sng" algn="ctr">
+                      <a:solidFill>
+                        <a:schemeClr val="tx1"/>
+                      </a:solidFill>
+                      <a:prstDash val="solid"/>
+                      <a:round/>
+                      <a:headEnd type="none" w="med" len="med"/>
+                      <a:tailEnd type="none" w="med" len="med"/>
+                    </a:lnR>
+                    <a:lnT w="12700" cap="flat" cmpd="sng" algn="ctr">
+                      <a:solidFill>
+                        <a:schemeClr val="tx1"/>
+                      </a:solidFill>
+                      <a:prstDash val="solid"/>
+                      <a:round/>
+                      <a:headEnd type="none" w="med" len="med"/>
+                      <a:tailEnd type="none" w="med" len="med"/>
+                    </a:lnT>
+                    <a:lnB w="12700" cap="flat" cmpd="sng" algn="ctr">
+                      <a:solidFill>
+                        <a:schemeClr val="tx1"/>
+                      </a:solidFill>
+                      <a:prstDash val="solid"/>
+                      <a:round/>
+                      <a:headEnd type="none" w="med" len="med"/>
+                      <a:tailEnd type="none" w="med" len="med"/>
+                    </a:lnB>
+                    <a:solidFill>
+                      <a:srgbClr val="D2DEEF"/>
+                    </a:solidFill>
+                  </a:tcPr>
+                </a:tc>
+                <a:tc>
+                  <a:txBody>
+                    <a:bodyPr/>
+                    <a:lstStyle/>
+                    <a:p>
+                      <a:pPr algn="ctr" latinLnBrk="1"/>
+                      <a:endParaRPr lang="ko-KR" altLang="en-US" sz="1200" dirty="0">
+                        <a:solidFill>
+                          <a:schemeClr val="tx1"/>
+                        </a:solidFill>
+                        <a:latin typeface="Arial" panose="020B0604020202020204" pitchFamily="34" charset="0"/>
+                        <a:cs typeface="Arial" panose="020B0604020202020204" pitchFamily="34" charset="0"/>
+                      </a:endParaRPr>
+                    </a:p>
+                  </a:txBody>
+                  <a:tcPr marL="68580" marR="68580" marT="34290" marB="34290">
+                    <a:lnL w="12700" cap="flat" cmpd="sng" algn="ctr">
+                      <a:solidFill>
+                        <a:schemeClr val="tx1"/>
+                      </a:solidFill>
+                      <a:prstDash val="solid"/>
+                      <a:round/>
+                      <a:headEnd type="none" w="med" len="med"/>
+                      <a:tailEnd type="none" w="med" len="med"/>
+                    </a:lnL>
+                    <a:lnR w="12700" cap="flat" cmpd="sng" algn="ctr">
+                      <a:solidFill>
+                        <a:schemeClr val="tx1"/>
+                      </a:solidFill>
+                      <a:prstDash val="solid"/>
+                      <a:round/>
+                      <a:headEnd type="none" w="med" len="med"/>
+                      <a:tailEnd type="none" w="med" len="med"/>
+                    </a:lnR>
+                    <a:lnT w="12700" cap="flat" cmpd="sng" algn="ctr">
+                      <a:solidFill>
+                        <a:schemeClr val="tx1"/>
+                      </a:solidFill>
+                      <a:prstDash val="solid"/>
+                      <a:round/>
+                      <a:headEnd type="none" w="med" len="med"/>
+                      <a:tailEnd type="none" w="med" len="med"/>
+                    </a:lnT>
+                    <a:lnB w="12700" cap="flat" cmpd="sng" algn="ctr">
+                      <a:solidFill>
+                        <a:schemeClr val="tx1"/>
+                      </a:solidFill>
+                      <a:prstDash val="solid"/>
+                      <a:round/>
+                      <a:headEnd type="none" w="med" len="med"/>
+                      <a:tailEnd type="none" w="med" len="med"/>
+                    </a:lnB>
+                    <a:solidFill>
+                      <a:srgbClr val="D2DEEF"/>
+                    </a:solidFill>
+                  </a:tcPr>
+                </a:tc>
+                <a:extLst>
+                  <a:ext uri="{0D108BD9-81ED-4DB2-BD59-A6C34878D82A}">
+                    <a16:rowId xmlns:a16="http://schemas.microsoft.com/office/drawing/2014/main" val="4012728484"/>
+                  </a:ext>
+                </a:extLst>
+              </a:tr>
+              <a:tr h="251460">
+                <a:tc>
+                  <a:txBody>
+                    <a:bodyPr/>
+                    <a:lstStyle/>
+                    <a:p>
+                      <a:pPr algn="ctr" latinLnBrk="1"/>
+                      <a:r>
+                        <a:rPr lang="en-US" altLang="ko-KR" sz="1200" dirty="0">
+                          <a:solidFill>
+                            <a:schemeClr val="tx1"/>
+                          </a:solidFill>
+                          <a:latin typeface="Arial" panose="020B0604020202020204" pitchFamily="34" charset="0"/>
+                          <a:cs typeface="Arial" panose="020B0604020202020204" pitchFamily="34" charset="0"/>
+                        </a:rPr>
+                        <a:t>PADDR</a:t>
+                      </a:r>
+                      <a:endParaRPr lang="ko-KR" altLang="en-US" sz="1200" dirty="0">
+                        <a:solidFill>
+                          <a:schemeClr val="tx1"/>
+                        </a:solidFill>
+                        <a:latin typeface="Arial" panose="020B0604020202020204" pitchFamily="34" charset="0"/>
+                        <a:cs typeface="Arial" panose="020B0604020202020204" pitchFamily="34" charset="0"/>
+                      </a:endParaRPr>
+                    </a:p>
+                  </a:txBody>
+                  <a:tcPr marL="68580" marR="68580" marT="34290" marB="34290">
+                    <a:lnL w="12700" cap="flat" cmpd="sng" algn="ctr">
+                      <a:solidFill>
+                        <a:schemeClr val="tx1"/>
+                      </a:solidFill>
+                      <a:prstDash val="solid"/>
+                      <a:round/>
+                      <a:headEnd type="none" w="med" len="med"/>
+                      <a:tailEnd type="none" w="med" len="med"/>
+                    </a:lnL>
+                    <a:lnR w="12700" cap="flat" cmpd="sng" algn="ctr">
+                      <a:solidFill>
+                        <a:schemeClr val="tx1"/>
+                      </a:solidFill>
+                      <a:prstDash val="solid"/>
+                      <a:round/>
+                      <a:headEnd type="none" w="med" len="med"/>
+                      <a:tailEnd type="none" w="med" len="med"/>
+                    </a:lnR>
+                    <a:lnT w="12700" cap="flat" cmpd="sng" algn="ctr">
+                      <a:solidFill>
+                        <a:schemeClr val="tx1"/>
+                      </a:solidFill>
+                      <a:prstDash val="solid"/>
+                      <a:round/>
+                      <a:headEnd type="none" w="med" len="med"/>
+                      <a:tailEnd type="none" w="med" len="med"/>
+                    </a:lnT>
+                    <a:lnB w="12700" cap="flat" cmpd="sng" algn="ctr">
+                      <a:solidFill>
+                        <a:schemeClr val="tx1"/>
+                      </a:solidFill>
+                      <a:prstDash val="solid"/>
+                      <a:round/>
+                      <a:headEnd type="none" w="med" len="med"/>
+                      <a:tailEnd type="none" w="med" len="med"/>
+                    </a:lnB>
+                    <a:solidFill>
+                      <a:srgbClr val="EAEFF7"/>
+                    </a:solidFill>
+                  </a:tcPr>
+                </a:tc>
+                <a:tc>
+                  <a:txBody>
+                    <a:bodyPr/>
+                    <a:lstStyle/>
+                    <a:p>
+                      <a:pPr algn="ctr"/>
+                      <a:r>
+                        <a:rPr lang="en-US" altLang="ko-KR" sz="1200" dirty="0">
+                          <a:latin typeface="Arial" panose="020B0604020202020204" pitchFamily="34" charset="0"/>
+                          <a:cs typeface="Arial" panose="020B0604020202020204" pitchFamily="34" charset="0"/>
+                        </a:rPr>
+                        <a:t>32-bit</a:t>
+                      </a:r>
+                      <a:endParaRPr lang="ko-KR" altLang="en-US" sz="1200" dirty="0">
+                        <a:latin typeface="Arial" panose="020B0604020202020204" pitchFamily="34" charset="0"/>
+                        <a:cs typeface="Arial" panose="020B0604020202020204" pitchFamily="34" charset="0"/>
+                      </a:endParaRPr>
+                    </a:p>
+                  </a:txBody>
+                  <a:tcPr marL="68580" marR="68580" marT="34290" marB="34290">
+                    <a:lnL w="12700" cap="flat" cmpd="sng" algn="ctr">
+                      <a:solidFill>
+                        <a:schemeClr val="tx1"/>
+                      </a:solidFill>
+                      <a:prstDash val="solid"/>
+                      <a:round/>
+                      <a:headEnd type="none" w="med" len="med"/>
+                      <a:tailEnd type="none" w="med" len="med"/>
+                    </a:lnL>
+                    <a:lnR w="28575" cap="flat" cmpd="sng" algn="ctr">
+                      <a:solidFill>
+                        <a:schemeClr val="tx1"/>
+                      </a:solidFill>
+                      <a:prstDash val="solid"/>
+                      <a:round/>
+                      <a:headEnd type="none" w="med" len="med"/>
+                      <a:tailEnd type="none" w="med" len="med"/>
+                    </a:lnR>
+                    <a:lnT w="12700" cap="flat" cmpd="sng" algn="ctr">
+                      <a:solidFill>
+                        <a:schemeClr val="tx1"/>
+                      </a:solidFill>
+                      <a:prstDash val="solid"/>
+                      <a:round/>
+                      <a:headEnd type="none" w="med" len="med"/>
+                      <a:tailEnd type="none" w="med" len="med"/>
+                    </a:lnT>
+                    <a:lnB w="12700" cap="flat" cmpd="sng" algn="ctr">
+                      <a:solidFill>
+                        <a:schemeClr val="tx1"/>
+                      </a:solidFill>
+                      <a:prstDash val="solid"/>
+                      <a:round/>
+                      <a:headEnd type="none" w="med" len="med"/>
+                      <a:tailEnd type="none" w="med" len="med"/>
+                    </a:lnB>
+                    <a:solidFill>
+                      <a:srgbClr val="EAEFF7"/>
+                    </a:solidFill>
+                  </a:tcPr>
+                </a:tc>
+                <a:tc>
+                  <a:txBody>
+                    <a:bodyPr/>
+                    <a:lstStyle/>
+                    <a:p>
+                      <a:pPr algn="ctr" latinLnBrk="1"/>
+                      <a:endParaRPr lang="ko-KR" altLang="en-US" sz="1200" dirty="0">
+                        <a:solidFill>
+                          <a:schemeClr val="tx1"/>
+                        </a:solidFill>
+                        <a:latin typeface="Arial" panose="020B0604020202020204" pitchFamily="34" charset="0"/>
+                        <a:cs typeface="Arial" panose="020B0604020202020204" pitchFamily="34" charset="0"/>
+                      </a:endParaRPr>
+                    </a:p>
+                  </a:txBody>
+                  <a:tcPr marL="68580" marR="68580" marT="34290" marB="34290">
+                    <a:lnL w="28575" cap="flat" cmpd="sng" algn="ctr">
+                      <a:solidFill>
+                        <a:schemeClr val="tx1"/>
+                      </a:solidFill>
+                      <a:prstDash val="solid"/>
+                      <a:round/>
+                      <a:headEnd type="none" w="med" len="med"/>
+                      <a:tailEnd type="none" w="med" len="med"/>
+                    </a:lnL>
+                    <a:lnR w="12700" cap="flat" cmpd="sng" algn="ctr">
+                      <a:solidFill>
+                        <a:schemeClr val="tx1"/>
+                      </a:solidFill>
+                      <a:prstDash val="solid"/>
+                      <a:round/>
+                      <a:headEnd type="none" w="med" len="med"/>
+                      <a:tailEnd type="none" w="med" len="med"/>
+                    </a:lnR>
+                    <a:lnT w="12700" cap="flat" cmpd="sng" algn="ctr">
+                      <a:solidFill>
+                        <a:schemeClr val="tx1"/>
+                      </a:solidFill>
+                      <a:prstDash val="solid"/>
+                      <a:round/>
+                      <a:headEnd type="none" w="med" len="med"/>
+                      <a:tailEnd type="none" w="med" len="med"/>
+                    </a:lnT>
+                    <a:lnB w="12700" cap="flat" cmpd="sng" algn="ctr">
+                      <a:solidFill>
+                        <a:schemeClr val="tx1"/>
+                      </a:solidFill>
+                      <a:prstDash val="solid"/>
+                      <a:round/>
+                      <a:headEnd type="none" w="med" len="med"/>
+                      <a:tailEnd type="none" w="med" len="med"/>
+                    </a:lnB>
+                    <a:solidFill>
+                      <a:srgbClr val="EAEFF7"/>
+                    </a:solidFill>
+                  </a:tcPr>
+                </a:tc>
+                <a:tc>
+                  <a:txBody>
+                    <a:bodyPr/>
+                    <a:lstStyle/>
+                    <a:p>
+                      <a:pPr algn="ctr" latinLnBrk="1"/>
+                      <a:endParaRPr lang="ko-KR" altLang="en-US" sz="1200" dirty="0">
+                        <a:solidFill>
+                          <a:schemeClr val="tx1"/>
+                        </a:solidFill>
+                        <a:latin typeface="Arial" panose="020B0604020202020204" pitchFamily="34" charset="0"/>
+                        <a:cs typeface="Arial" panose="020B0604020202020204" pitchFamily="34" charset="0"/>
+                      </a:endParaRPr>
+                    </a:p>
+                  </a:txBody>
+                  <a:tcPr marL="68580" marR="68580" marT="34290" marB="34290">
+                    <a:lnL w="12700" cap="flat" cmpd="sng" algn="ctr">
+                      <a:solidFill>
+                        <a:schemeClr val="tx1"/>
+                      </a:solidFill>
+                      <a:prstDash val="solid"/>
+                      <a:round/>
+                      <a:headEnd type="none" w="med" len="med"/>
+                      <a:tailEnd type="none" w="med" len="med"/>
+                    </a:lnL>
+                    <a:lnR w="12700" cap="flat" cmpd="sng" algn="ctr">
+                      <a:solidFill>
+                        <a:schemeClr val="tx1"/>
+                      </a:solidFill>
+                      <a:prstDash val="solid"/>
+                      <a:round/>
+                      <a:headEnd type="none" w="med" len="med"/>
+                      <a:tailEnd type="none" w="med" len="med"/>
+                    </a:lnR>
+                    <a:lnT w="12700" cap="flat" cmpd="sng" algn="ctr">
+                      <a:solidFill>
+                        <a:schemeClr val="tx1"/>
+                      </a:solidFill>
+                      <a:prstDash val="solid"/>
+                      <a:round/>
+                      <a:headEnd type="none" w="med" len="med"/>
+                      <a:tailEnd type="none" w="med" len="med"/>
+                    </a:lnT>
+                    <a:lnB w="12700" cap="flat" cmpd="sng" algn="ctr">
+                      <a:solidFill>
+                        <a:schemeClr val="tx1"/>
+                      </a:solidFill>
+                      <a:prstDash val="solid"/>
+                      <a:round/>
+                      <a:headEnd type="none" w="med" len="med"/>
+                      <a:tailEnd type="none" w="med" len="med"/>
+                    </a:lnB>
+                    <a:solidFill>
+                      <a:srgbClr val="EAEFF7"/>
+                    </a:solidFill>
+                  </a:tcPr>
+                </a:tc>
+                <a:extLst>
+                  <a:ext uri="{0D108BD9-81ED-4DB2-BD59-A6C34878D82A}">
+                    <a16:rowId xmlns:a16="http://schemas.microsoft.com/office/drawing/2014/main" val="2086059040"/>
+                  </a:ext>
+                </a:extLst>
+              </a:tr>
+              <a:tr h="251460">
+                <a:tc>
+                  <a:txBody>
+                    <a:bodyPr/>
+                    <a:lstStyle/>
+                    <a:p>
+                      <a:pPr algn="ctr" latinLnBrk="1"/>
+                      <a:r>
+                        <a:rPr lang="en-US" altLang="ko-KR" sz="1200" dirty="0">
+                          <a:solidFill>
+                            <a:schemeClr val="tx1"/>
+                          </a:solidFill>
+                          <a:latin typeface="Arial" panose="020B0604020202020204" pitchFamily="34" charset="0"/>
+                          <a:cs typeface="Arial" panose="020B0604020202020204" pitchFamily="34" charset="0"/>
+                        </a:rPr>
+                        <a:t>PSEL</a:t>
+                      </a:r>
+                      <a:endParaRPr lang="ko-KR" altLang="en-US" sz="1200" dirty="0">
+                        <a:solidFill>
+                          <a:schemeClr val="tx1"/>
+                        </a:solidFill>
+                        <a:latin typeface="Arial" panose="020B0604020202020204" pitchFamily="34" charset="0"/>
+                        <a:cs typeface="Arial" panose="020B0604020202020204" pitchFamily="34" charset="0"/>
+                      </a:endParaRPr>
+                    </a:p>
+                  </a:txBody>
+                  <a:tcPr marL="68580" marR="68580" marT="34290" marB="34290">
+                    <a:lnL w="12700" cap="flat" cmpd="sng" algn="ctr">
+                      <a:solidFill>
+                        <a:schemeClr val="tx1"/>
+                      </a:solidFill>
+                      <a:prstDash val="solid"/>
+                      <a:round/>
+                      <a:headEnd type="none" w="med" len="med"/>
+                      <a:tailEnd type="none" w="med" len="med"/>
+                    </a:lnL>
+                    <a:lnR w="12700" cap="flat" cmpd="sng" algn="ctr">
+                      <a:solidFill>
+                        <a:schemeClr val="tx1"/>
+                      </a:solidFill>
+                      <a:prstDash val="solid"/>
+                      <a:round/>
+                      <a:headEnd type="none" w="med" len="med"/>
+                      <a:tailEnd type="none" w="med" len="med"/>
+                    </a:lnR>
+                    <a:lnT w="12700" cap="flat" cmpd="sng" algn="ctr">
+                      <a:solidFill>
+                        <a:schemeClr val="tx1"/>
+                      </a:solidFill>
+                      <a:prstDash val="solid"/>
+                      <a:round/>
+                      <a:headEnd type="none" w="med" len="med"/>
+                      <a:tailEnd type="none" w="med" len="med"/>
+                    </a:lnT>
+                    <a:lnB w="12700" cap="flat" cmpd="sng" algn="ctr">
+                      <a:solidFill>
+                        <a:schemeClr val="tx1"/>
+                      </a:solidFill>
+                      <a:prstDash val="solid"/>
+                      <a:round/>
+                      <a:headEnd type="none" w="med" len="med"/>
+                      <a:tailEnd type="none" w="med" len="med"/>
+                    </a:lnB>
+                    <a:solidFill>
+                      <a:srgbClr val="D2DEEF"/>
+                    </a:solidFill>
+                  </a:tcPr>
+                </a:tc>
+                <a:tc>
+                  <a:txBody>
+                    <a:bodyPr/>
+                    <a:lstStyle/>
+                    <a:p>
+                      <a:pPr algn="ctr"/>
+                      <a:r>
+                        <a:rPr lang="en-US" altLang="ko-KR" sz="1200" dirty="0">
+                          <a:latin typeface="Arial" panose="020B0604020202020204" pitchFamily="34" charset="0"/>
+                          <a:cs typeface="Arial" panose="020B0604020202020204" pitchFamily="34" charset="0"/>
+                        </a:rPr>
+                        <a:t>1-bit</a:t>
+                      </a:r>
+                      <a:endParaRPr lang="ko-KR" altLang="en-US" sz="1200" dirty="0">
+                        <a:latin typeface="Arial" panose="020B0604020202020204" pitchFamily="34" charset="0"/>
+                        <a:cs typeface="Arial" panose="020B0604020202020204" pitchFamily="34" charset="0"/>
+                      </a:endParaRPr>
+                    </a:p>
+                  </a:txBody>
+                  <a:tcPr marL="68580" marR="68580" marT="34290" marB="34290">
+                    <a:lnL w="12700" cap="flat" cmpd="sng" algn="ctr">
+                      <a:solidFill>
+                        <a:schemeClr val="tx1"/>
+                      </a:solidFill>
+                      <a:prstDash val="solid"/>
+                      <a:round/>
+                      <a:headEnd type="none" w="med" len="med"/>
+                      <a:tailEnd type="none" w="med" len="med"/>
+                    </a:lnL>
+                    <a:lnR w="28575" cap="flat" cmpd="sng" algn="ctr">
+                      <a:solidFill>
+                        <a:schemeClr val="tx1"/>
+                      </a:solidFill>
+                      <a:prstDash val="solid"/>
+                      <a:round/>
+                      <a:headEnd type="none" w="med" len="med"/>
+                      <a:tailEnd type="none" w="med" len="med"/>
+                    </a:lnR>
+                    <a:lnT w="12700" cap="flat" cmpd="sng" algn="ctr">
+                      <a:solidFill>
+                        <a:schemeClr val="tx1"/>
+                      </a:solidFill>
+                      <a:prstDash val="solid"/>
+                      <a:round/>
+                      <a:headEnd type="none" w="med" len="med"/>
+                      <a:tailEnd type="none" w="med" len="med"/>
+                    </a:lnT>
+                    <a:lnB w="12700" cap="flat" cmpd="sng" algn="ctr">
+                      <a:solidFill>
+                        <a:schemeClr val="tx1"/>
+                      </a:solidFill>
+                      <a:prstDash val="solid"/>
+                      <a:round/>
+                      <a:headEnd type="none" w="med" len="med"/>
+                      <a:tailEnd type="none" w="med" len="med"/>
+                    </a:lnB>
+                    <a:solidFill>
+                      <a:srgbClr val="D2DEEF"/>
+                    </a:solidFill>
+                  </a:tcPr>
+                </a:tc>
+                <a:tc>
+                  <a:txBody>
+                    <a:bodyPr/>
+                    <a:lstStyle/>
+                    <a:p>
+                      <a:pPr algn="ctr" latinLnBrk="1"/>
+                      <a:endParaRPr lang="ko-KR" altLang="en-US" sz="1200" dirty="0">
+                        <a:solidFill>
+                          <a:schemeClr val="tx1"/>
+                        </a:solidFill>
+                        <a:latin typeface="Arial" panose="020B0604020202020204" pitchFamily="34" charset="0"/>
+                        <a:cs typeface="Arial" panose="020B0604020202020204" pitchFamily="34" charset="0"/>
+                      </a:endParaRPr>
+                    </a:p>
+                  </a:txBody>
+                  <a:tcPr marL="68580" marR="68580" marT="34290" marB="34290">
+                    <a:lnL w="28575" cap="flat" cmpd="sng" algn="ctr">
+                      <a:solidFill>
+                        <a:schemeClr val="tx1"/>
+                      </a:solidFill>
+                      <a:prstDash val="solid"/>
+                      <a:round/>
+                      <a:headEnd type="none" w="med" len="med"/>
+                      <a:tailEnd type="none" w="med" len="med"/>
+                    </a:lnL>
+                    <a:lnR w="12700" cap="flat" cmpd="sng" algn="ctr">
+                      <a:solidFill>
+                        <a:schemeClr val="tx1"/>
+                      </a:solidFill>
+                      <a:prstDash val="solid"/>
+                      <a:round/>
+                      <a:headEnd type="none" w="med" len="med"/>
+                      <a:tailEnd type="none" w="med" len="med"/>
+                    </a:lnR>
+                    <a:lnT w="12700" cap="flat" cmpd="sng" algn="ctr">
+                      <a:solidFill>
+                        <a:schemeClr val="tx1"/>
+                      </a:solidFill>
+                      <a:prstDash val="solid"/>
+                      <a:round/>
+                      <a:headEnd type="none" w="med" len="med"/>
+                      <a:tailEnd type="none" w="med" len="med"/>
+                    </a:lnT>
+                    <a:lnB w="12700" cap="flat" cmpd="sng" algn="ctr">
+                      <a:solidFill>
+                        <a:schemeClr val="tx1"/>
+                      </a:solidFill>
+                      <a:prstDash val="solid"/>
+                      <a:round/>
+                      <a:headEnd type="none" w="med" len="med"/>
+                      <a:tailEnd type="none" w="med" len="med"/>
+                    </a:lnB>
+                    <a:solidFill>
+                      <a:srgbClr val="D2DEEF"/>
+                    </a:solidFill>
+                  </a:tcPr>
+                </a:tc>
+                <a:tc>
+                  <a:txBody>
+                    <a:bodyPr/>
+                    <a:lstStyle/>
+                    <a:p>
+                      <a:pPr algn="ctr" latinLnBrk="1"/>
+                      <a:endParaRPr lang="ko-KR" altLang="en-US" sz="1200" dirty="0">
+                        <a:solidFill>
+                          <a:schemeClr val="tx1"/>
+                        </a:solidFill>
+                        <a:latin typeface="Arial" panose="020B0604020202020204" pitchFamily="34" charset="0"/>
+                        <a:cs typeface="Arial" panose="020B0604020202020204" pitchFamily="34" charset="0"/>
+                      </a:endParaRPr>
+                    </a:p>
+                  </a:txBody>
+                  <a:tcPr marL="68580" marR="68580" marT="34290" marB="34290">
+                    <a:lnL w="12700" cap="flat" cmpd="sng" algn="ctr">
+                      <a:solidFill>
+                        <a:schemeClr val="tx1"/>
+                      </a:solidFill>
+                      <a:prstDash val="solid"/>
+                      <a:round/>
+                      <a:headEnd type="none" w="med" len="med"/>
+                      <a:tailEnd type="none" w="med" len="med"/>
+                    </a:lnL>
+                    <a:lnR w="12700" cap="flat" cmpd="sng" algn="ctr">
+                      <a:solidFill>
+                        <a:schemeClr val="tx1"/>
+                      </a:solidFill>
+                      <a:prstDash val="solid"/>
+                      <a:round/>
+                      <a:headEnd type="none" w="med" len="med"/>
+                      <a:tailEnd type="none" w="med" len="med"/>
+                    </a:lnR>
+                    <a:lnT w="12700" cap="flat" cmpd="sng" algn="ctr">
+                      <a:solidFill>
+                        <a:schemeClr val="tx1"/>
+                      </a:solidFill>
+                      <a:prstDash val="solid"/>
+                      <a:round/>
+                      <a:headEnd type="none" w="med" len="med"/>
+                      <a:tailEnd type="none" w="med" len="med"/>
+                    </a:lnT>
+                    <a:lnB w="12700" cap="flat" cmpd="sng" algn="ctr">
+                      <a:solidFill>
+                        <a:schemeClr val="tx1"/>
+                      </a:solidFill>
+                      <a:prstDash val="solid"/>
+                      <a:round/>
+                      <a:headEnd type="none" w="med" len="med"/>
+                      <a:tailEnd type="none" w="med" len="med"/>
+                    </a:lnB>
+                    <a:solidFill>
+                      <a:srgbClr val="D2DEEF"/>
+                    </a:solidFill>
+                  </a:tcPr>
+                </a:tc>
+                <a:extLst>
+                  <a:ext uri="{0D108BD9-81ED-4DB2-BD59-A6C34878D82A}">
+                    <a16:rowId xmlns:a16="http://schemas.microsoft.com/office/drawing/2014/main" val="1852922277"/>
+                  </a:ext>
+                </a:extLst>
+              </a:tr>
+              <a:tr h="251460">
+                <a:tc>
+                  <a:txBody>
+                    <a:bodyPr/>
+                    <a:lstStyle/>
+                    <a:p>
+                      <a:pPr algn="ctr" latinLnBrk="1"/>
+                      <a:r>
+                        <a:rPr lang="en-US" altLang="ko-KR" sz="1200" dirty="0">
+                          <a:solidFill>
+                            <a:schemeClr val="tx1"/>
+                          </a:solidFill>
+                          <a:latin typeface="Arial" panose="020B0604020202020204" pitchFamily="34" charset="0"/>
+                          <a:cs typeface="Arial" panose="020B0604020202020204" pitchFamily="34" charset="0"/>
+                        </a:rPr>
+                        <a:t>PENABLE</a:t>
+                      </a:r>
+                      <a:endParaRPr lang="ko-KR" altLang="en-US" sz="1200" dirty="0">
+                        <a:solidFill>
+                          <a:schemeClr val="tx1"/>
+                        </a:solidFill>
+                        <a:latin typeface="Arial" panose="020B0604020202020204" pitchFamily="34" charset="0"/>
+                        <a:cs typeface="Arial" panose="020B0604020202020204" pitchFamily="34" charset="0"/>
+                      </a:endParaRPr>
+                    </a:p>
+                  </a:txBody>
+                  <a:tcPr marL="68580" marR="68580" marT="34290" marB="34290">
+                    <a:lnL w="12700" cap="flat" cmpd="sng" algn="ctr">
+                      <a:solidFill>
+                        <a:schemeClr val="tx1"/>
+                      </a:solidFill>
+                      <a:prstDash val="solid"/>
+                      <a:round/>
+                      <a:headEnd type="none" w="med" len="med"/>
+                      <a:tailEnd type="none" w="med" len="med"/>
+                    </a:lnL>
+                    <a:lnR w="12700" cap="flat" cmpd="sng" algn="ctr">
+                      <a:solidFill>
+                        <a:schemeClr val="tx1"/>
+                      </a:solidFill>
+                      <a:prstDash val="solid"/>
+                      <a:round/>
+                      <a:headEnd type="none" w="med" len="med"/>
+                      <a:tailEnd type="none" w="med" len="med"/>
+                    </a:lnR>
+                    <a:lnT w="12700" cap="flat" cmpd="sng" algn="ctr">
+                      <a:solidFill>
+                        <a:schemeClr val="tx1"/>
+                      </a:solidFill>
+                      <a:prstDash val="solid"/>
+                      <a:round/>
+                      <a:headEnd type="none" w="med" len="med"/>
+                      <a:tailEnd type="none" w="med" len="med"/>
+                    </a:lnT>
+                    <a:lnB w="12700" cap="flat" cmpd="sng" algn="ctr">
+                      <a:solidFill>
+                        <a:schemeClr val="tx1"/>
+                      </a:solidFill>
+                      <a:prstDash val="solid"/>
+                      <a:round/>
+                      <a:headEnd type="none" w="med" len="med"/>
+                      <a:tailEnd type="none" w="med" len="med"/>
+                    </a:lnB>
+                    <a:solidFill>
+                      <a:srgbClr val="EAEFF7"/>
+                    </a:solidFill>
+                  </a:tcPr>
+                </a:tc>
+                <a:tc>
+                  <a:txBody>
+                    <a:bodyPr/>
+                    <a:lstStyle/>
+                    <a:p>
+                      <a:pPr algn="ctr"/>
+                      <a:r>
+                        <a:rPr lang="en-US" altLang="ko-KR" sz="1200" dirty="0">
+                          <a:latin typeface="Arial" panose="020B0604020202020204" pitchFamily="34" charset="0"/>
+                          <a:cs typeface="Arial" panose="020B0604020202020204" pitchFamily="34" charset="0"/>
+                        </a:rPr>
+                        <a:t>1-bit</a:t>
+                      </a:r>
+                      <a:endParaRPr lang="ko-KR" altLang="en-US" sz="1200" dirty="0">
+                        <a:latin typeface="Arial" panose="020B0604020202020204" pitchFamily="34" charset="0"/>
+                        <a:cs typeface="Arial" panose="020B0604020202020204" pitchFamily="34" charset="0"/>
+                      </a:endParaRPr>
+                    </a:p>
+                  </a:txBody>
+                  <a:tcPr marL="68580" marR="68580" marT="34290" marB="34290">
+                    <a:lnL w="12700" cap="flat" cmpd="sng" algn="ctr">
+                      <a:solidFill>
+                        <a:schemeClr val="tx1"/>
+                      </a:solidFill>
+                      <a:prstDash val="solid"/>
+                      <a:round/>
+                      <a:headEnd type="none" w="med" len="med"/>
+                      <a:tailEnd type="none" w="med" len="med"/>
+                    </a:lnL>
+                    <a:lnR w="28575" cap="flat" cmpd="sng" algn="ctr">
+                      <a:solidFill>
+                        <a:schemeClr val="tx1"/>
+                      </a:solidFill>
+                      <a:prstDash val="solid"/>
+                      <a:round/>
+                      <a:headEnd type="none" w="med" len="med"/>
+                      <a:tailEnd type="none" w="med" len="med"/>
+                    </a:lnR>
+                    <a:lnT w="12700" cap="flat" cmpd="sng" algn="ctr">
+                      <a:solidFill>
+                        <a:schemeClr val="tx1"/>
+                      </a:solidFill>
+                      <a:prstDash val="solid"/>
+                      <a:round/>
+                      <a:headEnd type="none" w="med" len="med"/>
+                      <a:tailEnd type="none" w="med" len="med"/>
+                    </a:lnT>
+                    <a:lnB w="12700" cap="flat" cmpd="sng" algn="ctr">
+                      <a:solidFill>
+                        <a:schemeClr val="tx1"/>
+                      </a:solidFill>
+                      <a:prstDash val="solid"/>
+                      <a:round/>
+                      <a:headEnd type="none" w="med" len="med"/>
+                      <a:tailEnd type="none" w="med" len="med"/>
+                    </a:lnB>
+                    <a:solidFill>
+                      <a:srgbClr val="EAEFF7"/>
+                    </a:solidFill>
+                  </a:tcPr>
+                </a:tc>
+                <a:tc>
+                  <a:txBody>
+                    <a:bodyPr/>
+                    <a:lstStyle/>
+                    <a:p>
+                      <a:pPr algn="ctr" latinLnBrk="1"/>
+                      <a:endParaRPr lang="ko-KR" altLang="en-US" sz="1200" dirty="0">
+                        <a:solidFill>
+                          <a:schemeClr val="tx1"/>
+                        </a:solidFill>
+                        <a:latin typeface="Arial" panose="020B0604020202020204" pitchFamily="34" charset="0"/>
+                        <a:cs typeface="Arial" panose="020B0604020202020204" pitchFamily="34" charset="0"/>
+                      </a:endParaRPr>
+                    </a:p>
+                  </a:txBody>
+                  <a:tcPr marL="68580" marR="68580" marT="34290" marB="34290">
+                    <a:lnL w="28575" cap="flat" cmpd="sng" algn="ctr">
+                      <a:solidFill>
+                        <a:schemeClr val="tx1"/>
+                      </a:solidFill>
+                      <a:prstDash val="solid"/>
+                      <a:round/>
+                      <a:headEnd type="none" w="med" len="med"/>
+                      <a:tailEnd type="none" w="med" len="med"/>
+                    </a:lnL>
+                    <a:lnR w="12700" cap="flat" cmpd="sng" algn="ctr">
+                      <a:solidFill>
+                        <a:schemeClr val="tx1"/>
+                      </a:solidFill>
+                      <a:prstDash val="solid"/>
+                      <a:round/>
+                      <a:headEnd type="none" w="med" len="med"/>
+                      <a:tailEnd type="none" w="med" len="med"/>
+                    </a:lnR>
+                    <a:lnT w="12700" cap="flat" cmpd="sng" algn="ctr">
+                      <a:solidFill>
+                        <a:schemeClr val="tx1"/>
+                      </a:solidFill>
+                      <a:prstDash val="solid"/>
+                      <a:round/>
+                      <a:headEnd type="none" w="med" len="med"/>
+                      <a:tailEnd type="none" w="med" len="med"/>
+                    </a:lnT>
+                    <a:lnB w="12700" cap="flat" cmpd="sng" algn="ctr">
+                      <a:solidFill>
+                        <a:schemeClr val="tx1"/>
+                      </a:solidFill>
+                      <a:prstDash val="solid"/>
+                      <a:round/>
+                      <a:headEnd type="none" w="med" len="med"/>
+                      <a:tailEnd type="none" w="med" len="med"/>
+                    </a:lnB>
+                    <a:solidFill>
+                      <a:srgbClr val="EAEFF7"/>
+                    </a:solidFill>
+                  </a:tcPr>
+                </a:tc>
+                <a:tc>
+                  <a:txBody>
+                    <a:bodyPr/>
+                    <a:lstStyle/>
+                    <a:p>
+                      <a:pPr algn="ctr" latinLnBrk="1"/>
+                      <a:endParaRPr lang="ko-KR" altLang="en-US" sz="1200" dirty="0">
+                        <a:solidFill>
+                          <a:schemeClr val="tx1"/>
+                        </a:solidFill>
+                        <a:latin typeface="Arial" panose="020B0604020202020204" pitchFamily="34" charset="0"/>
+                        <a:cs typeface="Arial" panose="020B0604020202020204" pitchFamily="34" charset="0"/>
+                      </a:endParaRPr>
+                    </a:p>
+                  </a:txBody>
+                  <a:tcPr marL="68580" marR="68580" marT="34290" marB="34290">
+                    <a:lnL w="12700" cap="flat" cmpd="sng" algn="ctr">
+                      <a:solidFill>
+                        <a:schemeClr val="tx1"/>
+                      </a:solidFill>
+                      <a:prstDash val="solid"/>
+                      <a:round/>
+                      <a:headEnd type="none" w="med" len="med"/>
+                      <a:tailEnd type="none" w="med" len="med"/>
+                    </a:lnL>
+                    <a:lnR w="12700" cap="flat" cmpd="sng" algn="ctr">
+                      <a:solidFill>
+                        <a:schemeClr val="tx1"/>
+                      </a:solidFill>
+                      <a:prstDash val="solid"/>
+                      <a:round/>
+                      <a:headEnd type="none" w="med" len="med"/>
+                      <a:tailEnd type="none" w="med" len="med"/>
+                    </a:lnR>
+                    <a:lnT w="12700" cap="flat" cmpd="sng" algn="ctr">
+                      <a:solidFill>
+                        <a:schemeClr val="tx1"/>
+                      </a:solidFill>
+                      <a:prstDash val="solid"/>
+                      <a:round/>
+                      <a:headEnd type="none" w="med" len="med"/>
+                      <a:tailEnd type="none" w="med" len="med"/>
+                    </a:lnT>
+                    <a:lnB w="12700" cap="flat" cmpd="sng" algn="ctr">
+                      <a:solidFill>
+                        <a:schemeClr val="tx1"/>
+                      </a:solidFill>
+                      <a:prstDash val="solid"/>
+                      <a:round/>
+                      <a:headEnd type="none" w="med" len="med"/>
+                      <a:tailEnd type="none" w="med" len="med"/>
+                    </a:lnB>
+                    <a:solidFill>
+                      <a:srgbClr val="EAEFF7"/>
+                    </a:solidFill>
+                  </a:tcPr>
+                </a:tc>
+                <a:extLst>
+                  <a:ext uri="{0D108BD9-81ED-4DB2-BD59-A6C34878D82A}">
+                    <a16:rowId xmlns:a16="http://schemas.microsoft.com/office/drawing/2014/main" val="1422102575"/>
+                  </a:ext>
+                </a:extLst>
+              </a:tr>
+              <a:tr h="251460">
+                <a:tc>
+                  <a:txBody>
+                    <a:bodyPr/>
+                    <a:lstStyle/>
+                    <a:p>
+                      <a:pPr algn="ctr" latinLnBrk="1"/>
+                      <a:r>
+                        <a:rPr lang="en-US" altLang="ko-KR" sz="1200" dirty="0">
+                          <a:solidFill>
+                            <a:schemeClr val="tx1"/>
+                          </a:solidFill>
+                          <a:latin typeface="Arial" panose="020B0604020202020204" pitchFamily="34" charset="0"/>
+                          <a:cs typeface="Arial" panose="020B0604020202020204" pitchFamily="34" charset="0"/>
+                        </a:rPr>
+                        <a:t>PWRITE</a:t>
+                      </a:r>
+                      <a:endParaRPr lang="ko-KR" altLang="en-US" sz="1200" dirty="0">
+                        <a:solidFill>
+                          <a:schemeClr val="tx1"/>
+                        </a:solidFill>
+                        <a:latin typeface="Arial" panose="020B0604020202020204" pitchFamily="34" charset="0"/>
+                        <a:cs typeface="Arial" panose="020B0604020202020204" pitchFamily="34" charset="0"/>
+                      </a:endParaRPr>
+                    </a:p>
+                  </a:txBody>
+                  <a:tcPr marL="68580" marR="68580" marT="34290" marB="34290">
+                    <a:lnL w="12700" cap="flat" cmpd="sng" algn="ctr">
+                      <a:solidFill>
+                        <a:schemeClr val="tx1"/>
+                      </a:solidFill>
+                      <a:prstDash val="solid"/>
+                      <a:round/>
+                      <a:headEnd type="none" w="med" len="med"/>
+                      <a:tailEnd type="none" w="med" len="med"/>
+                    </a:lnL>
+                    <a:lnR w="12700" cap="flat" cmpd="sng" algn="ctr">
+                      <a:solidFill>
+                        <a:schemeClr val="tx1"/>
+                      </a:solidFill>
+                      <a:prstDash val="solid"/>
+                      <a:round/>
+                      <a:headEnd type="none" w="med" len="med"/>
+                      <a:tailEnd type="none" w="med" len="med"/>
+                    </a:lnR>
+                    <a:lnT w="12700" cap="flat" cmpd="sng" algn="ctr">
+                      <a:solidFill>
+                        <a:schemeClr val="tx1"/>
+                      </a:solidFill>
+                      <a:prstDash val="solid"/>
+                      <a:round/>
+                      <a:headEnd type="none" w="med" len="med"/>
+                      <a:tailEnd type="none" w="med" len="med"/>
+                    </a:lnT>
+                    <a:lnB w="12700" cap="flat" cmpd="sng" algn="ctr">
+                      <a:solidFill>
+                        <a:schemeClr val="tx1"/>
+                      </a:solidFill>
+                      <a:prstDash val="solid"/>
+                      <a:round/>
+                      <a:headEnd type="none" w="med" len="med"/>
+                      <a:tailEnd type="none" w="med" len="med"/>
+                    </a:lnB>
+                    <a:solidFill>
+                      <a:srgbClr val="D2DEEF"/>
+                    </a:solidFill>
+                  </a:tcPr>
+                </a:tc>
+                <a:tc>
+                  <a:txBody>
+                    <a:bodyPr/>
+                    <a:lstStyle/>
+                    <a:p>
+                      <a:pPr algn="ctr"/>
+                      <a:r>
+                        <a:rPr lang="en-US" altLang="ko-KR" sz="1200" dirty="0">
+                          <a:latin typeface="Arial" panose="020B0604020202020204" pitchFamily="34" charset="0"/>
+                          <a:cs typeface="Arial" panose="020B0604020202020204" pitchFamily="34" charset="0"/>
+                        </a:rPr>
+                        <a:t>1-bit</a:t>
+                      </a:r>
+                      <a:endParaRPr lang="ko-KR" altLang="en-US" sz="1200" dirty="0">
+                        <a:latin typeface="Arial" panose="020B0604020202020204" pitchFamily="34" charset="0"/>
+                        <a:cs typeface="Arial" panose="020B0604020202020204" pitchFamily="34" charset="0"/>
+                      </a:endParaRPr>
+                    </a:p>
+                  </a:txBody>
+                  <a:tcPr marL="68580" marR="68580" marT="34290" marB="34290">
+                    <a:lnL w="12700" cap="flat" cmpd="sng" algn="ctr">
+                      <a:solidFill>
+                        <a:schemeClr val="tx1"/>
+                      </a:solidFill>
+                      <a:prstDash val="solid"/>
+                      <a:round/>
+                      <a:headEnd type="none" w="med" len="med"/>
+                      <a:tailEnd type="none" w="med" len="med"/>
+                    </a:lnL>
+                    <a:lnR w="28575" cap="flat" cmpd="sng" algn="ctr">
+                      <a:solidFill>
+                        <a:schemeClr val="tx1"/>
+                      </a:solidFill>
+                      <a:prstDash val="solid"/>
+                      <a:round/>
+                      <a:headEnd type="none" w="med" len="med"/>
+                      <a:tailEnd type="none" w="med" len="med"/>
+                    </a:lnR>
+                    <a:lnT w="12700" cap="flat" cmpd="sng" algn="ctr">
+                      <a:solidFill>
+                        <a:schemeClr val="tx1"/>
+                      </a:solidFill>
+                      <a:prstDash val="solid"/>
+                      <a:round/>
+                      <a:headEnd type="none" w="med" len="med"/>
+                      <a:tailEnd type="none" w="med" len="med"/>
+                    </a:lnT>
+                    <a:lnB w="12700" cap="flat" cmpd="sng" algn="ctr">
+                      <a:solidFill>
+                        <a:schemeClr val="tx1"/>
+                      </a:solidFill>
+                      <a:prstDash val="solid"/>
+                      <a:round/>
+                      <a:headEnd type="none" w="med" len="med"/>
+                      <a:tailEnd type="none" w="med" len="med"/>
+                    </a:lnB>
+                    <a:solidFill>
+                      <a:srgbClr val="D2DEEF"/>
+                    </a:solidFill>
+                  </a:tcPr>
+                </a:tc>
+                <a:tc>
+                  <a:txBody>
+                    <a:bodyPr/>
+                    <a:lstStyle/>
+                    <a:p>
+                      <a:pPr algn="ctr" latinLnBrk="1"/>
+                      <a:endParaRPr lang="ko-KR" altLang="en-US" sz="1200" dirty="0">
+                        <a:solidFill>
+                          <a:schemeClr val="tx1"/>
+                        </a:solidFill>
+                        <a:latin typeface="Arial" panose="020B0604020202020204" pitchFamily="34" charset="0"/>
+                        <a:cs typeface="Arial" panose="020B0604020202020204" pitchFamily="34" charset="0"/>
+                      </a:endParaRPr>
+                    </a:p>
+                  </a:txBody>
+                  <a:tcPr marL="68580" marR="68580" marT="34290" marB="34290">
+                    <a:lnL w="28575" cap="flat" cmpd="sng" algn="ctr">
+                      <a:solidFill>
+                        <a:schemeClr val="tx1"/>
+                      </a:solidFill>
+                      <a:prstDash val="solid"/>
+                      <a:round/>
+                      <a:headEnd type="none" w="med" len="med"/>
+                      <a:tailEnd type="none" w="med" len="med"/>
+                    </a:lnL>
+                    <a:lnR w="12700" cap="flat" cmpd="sng" algn="ctr">
+                      <a:solidFill>
+                        <a:schemeClr val="tx1"/>
+                      </a:solidFill>
+                      <a:prstDash val="solid"/>
+                      <a:round/>
+                      <a:headEnd type="none" w="med" len="med"/>
+                      <a:tailEnd type="none" w="med" len="med"/>
+                    </a:lnR>
+                    <a:lnT w="12700" cap="flat" cmpd="sng" algn="ctr">
+                      <a:solidFill>
+                        <a:schemeClr val="tx1"/>
+                      </a:solidFill>
+                      <a:prstDash val="solid"/>
+                      <a:round/>
+                      <a:headEnd type="none" w="med" len="med"/>
+                      <a:tailEnd type="none" w="med" len="med"/>
+                    </a:lnT>
+                    <a:lnB w="12700" cap="flat" cmpd="sng" algn="ctr">
+                      <a:solidFill>
+                        <a:schemeClr val="tx1"/>
+                      </a:solidFill>
+                      <a:prstDash val="solid"/>
+                      <a:round/>
+                      <a:headEnd type="none" w="med" len="med"/>
+                      <a:tailEnd type="none" w="med" len="med"/>
+                    </a:lnB>
+                    <a:solidFill>
+                      <a:srgbClr val="D2DEEF"/>
+                    </a:solidFill>
+                  </a:tcPr>
+                </a:tc>
+                <a:tc>
+                  <a:txBody>
+                    <a:bodyPr/>
+                    <a:lstStyle/>
+                    <a:p>
+                      <a:pPr algn="ctr" latinLnBrk="1"/>
+                      <a:endParaRPr lang="ko-KR" altLang="en-US" sz="1200" dirty="0">
+                        <a:solidFill>
+                          <a:schemeClr val="tx1"/>
+                        </a:solidFill>
+                        <a:latin typeface="Arial" panose="020B0604020202020204" pitchFamily="34" charset="0"/>
+                        <a:cs typeface="Arial" panose="020B0604020202020204" pitchFamily="34" charset="0"/>
+                      </a:endParaRPr>
+                    </a:p>
+                  </a:txBody>
+                  <a:tcPr marL="68580" marR="68580" marT="34290" marB="34290">
+                    <a:lnL w="12700" cap="flat" cmpd="sng" algn="ctr">
+                      <a:solidFill>
+                        <a:schemeClr val="tx1"/>
+                      </a:solidFill>
+                      <a:prstDash val="solid"/>
+                      <a:round/>
+                      <a:headEnd type="none" w="med" len="med"/>
+                      <a:tailEnd type="none" w="med" len="med"/>
+                    </a:lnL>
+                    <a:lnR w="12700" cap="flat" cmpd="sng" algn="ctr">
+                      <a:solidFill>
+                        <a:schemeClr val="tx1"/>
+                      </a:solidFill>
+                      <a:prstDash val="solid"/>
+                      <a:round/>
+                      <a:headEnd type="none" w="med" len="med"/>
+                      <a:tailEnd type="none" w="med" len="med"/>
+                    </a:lnR>
+                    <a:lnT w="12700" cap="flat" cmpd="sng" algn="ctr">
+                      <a:solidFill>
+                        <a:schemeClr val="tx1"/>
+                      </a:solidFill>
+                      <a:prstDash val="solid"/>
+                      <a:round/>
+                      <a:headEnd type="none" w="med" len="med"/>
+                      <a:tailEnd type="none" w="med" len="med"/>
+                    </a:lnT>
+                    <a:lnB w="12700" cap="flat" cmpd="sng" algn="ctr">
+                      <a:solidFill>
+                        <a:schemeClr val="tx1"/>
+                      </a:solidFill>
+                      <a:prstDash val="solid"/>
+                      <a:round/>
+                      <a:headEnd type="none" w="med" len="med"/>
+                      <a:tailEnd type="none" w="med" len="med"/>
+                    </a:lnB>
+                    <a:solidFill>
+                      <a:srgbClr val="D2DEEF"/>
+                    </a:solidFill>
+                  </a:tcPr>
+                </a:tc>
+                <a:extLst>
+                  <a:ext uri="{0D108BD9-81ED-4DB2-BD59-A6C34878D82A}">
+                    <a16:rowId xmlns:a16="http://schemas.microsoft.com/office/drawing/2014/main" val="1253221728"/>
+                  </a:ext>
+                </a:extLst>
+              </a:tr>
+              <a:tr h="251460">
+                <a:tc>
+                  <a:txBody>
+                    <a:bodyPr/>
+                    <a:lstStyle/>
+                    <a:p>
+                      <a:pPr algn="ctr" latinLnBrk="1"/>
+                      <a:r>
+                        <a:rPr lang="en-US" altLang="ko-KR" sz="1200" dirty="0">
+                          <a:solidFill>
+                            <a:schemeClr val="tx1"/>
+                          </a:solidFill>
+                          <a:latin typeface="Arial" panose="020B0604020202020204" pitchFamily="34" charset="0"/>
+                          <a:cs typeface="Arial" panose="020B0604020202020204" pitchFamily="34" charset="0"/>
+                        </a:rPr>
+                        <a:t>PWDATA</a:t>
+                      </a:r>
+                      <a:endParaRPr lang="ko-KR" altLang="en-US" sz="1200" dirty="0">
+                        <a:solidFill>
+                          <a:schemeClr val="tx1"/>
+                        </a:solidFill>
+                        <a:latin typeface="Arial" panose="020B0604020202020204" pitchFamily="34" charset="0"/>
+                        <a:cs typeface="Arial" panose="020B0604020202020204" pitchFamily="34" charset="0"/>
+                      </a:endParaRPr>
+                    </a:p>
+                  </a:txBody>
+                  <a:tcPr marL="68580" marR="68580" marT="34290" marB="34290">
+                    <a:lnL w="12700" cap="flat" cmpd="sng" algn="ctr">
+                      <a:solidFill>
+                        <a:schemeClr val="tx1"/>
+                      </a:solidFill>
+                      <a:prstDash val="solid"/>
+                      <a:round/>
+                      <a:headEnd type="none" w="med" len="med"/>
+                      <a:tailEnd type="none" w="med" len="med"/>
+                    </a:lnL>
+                    <a:lnR w="12700" cap="flat" cmpd="sng" algn="ctr">
+                      <a:solidFill>
+                        <a:schemeClr val="tx1"/>
+                      </a:solidFill>
+                      <a:prstDash val="solid"/>
+                      <a:round/>
+                      <a:headEnd type="none" w="med" len="med"/>
+                      <a:tailEnd type="none" w="med" len="med"/>
+                    </a:lnR>
+                    <a:lnT w="12700" cap="flat" cmpd="sng" algn="ctr">
+                      <a:solidFill>
+                        <a:schemeClr val="tx1"/>
+                      </a:solidFill>
+                      <a:prstDash val="solid"/>
+                      <a:round/>
+                      <a:headEnd type="none" w="med" len="med"/>
+                      <a:tailEnd type="none" w="med" len="med"/>
+                    </a:lnT>
+                    <a:lnB w="12700" cap="flat" cmpd="sng" algn="ctr">
+                      <a:solidFill>
+                        <a:schemeClr val="tx1"/>
+                      </a:solidFill>
+                      <a:prstDash val="solid"/>
+                      <a:round/>
+                      <a:headEnd type="none" w="med" len="med"/>
+                      <a:tailEnd type="none" w="med" len="med"/>
+                    </a:lnB>
+                    <a:solidFill>
+                      <a:srgbClr val="EAEFF7"/>
+                    </a:solidFill>
+                  </a:tcPr>
+                </a:tc>
+                <a:tc>
+                  <a:txBody>
+                    <a:bodyPr/>
+                    <a:lstStyle/>
+                    <a:p>
+                      <a:pPr algn="ctr"/>
+                      <a:r>
+                        <a:rPr lang="en-US" altLang="ko-KR" sz="1200" dirty="0">
+                          <a:latin typeface="Arial" panose="020B0604020202020204" pitchFamily="34" charset="0"/>
+                          <a:cs typeface="Arial" panose="020B0604020202020204" pitchFamily="34" charset="0"/>
+                        </a:rPr>
+                        <a:t>32-bit</a:t>
+                      </a:r>
+                      <a:endParaRPr lang="ko-KR" altLang="en-US" sz="1200" dirty="0">
+                        <a:latin typeface="Arial" panose="020B0604020202020204" pitchFamily="34" charset="0"/>
+                        <a:cs typeface="Arial" panose="020B0604020202020204" pitchFamily="34" charset="0"/>
+                      </a:endParaRPr>
+                    </a:p>
+                  </a:txBody>
+                  <a:tcPr marL="68580" marR="68580" marT="34290" marB="34290">
+                    <a:lnL w="12700" cap="flat" cmpd="sng" algn="ctr">
+                      <a:solidFill>
+                        <a:schemeClr val="tx1"/>
+                      </a:solidFill>
+                      <a:prstDash val="solid"/>
+                      <a:round/>
+                      <a:headEnd type="none" w="med" len="med"/>
+                      <a:tailEnd type="none" w="med" len="med"/>
+                    </a:lnL>
+                    <a:lnR w="28575" cap="flat" cmpd="sng" algn="ctr">
+                      <a:solidFill>
+                        <a:schemeClr val="tx1"/>
+                      </a:solidFill>
+                      <a:prstDash val="solid"/>
+                      <a:round/>
+                      <a:headEnd type="none" w="med" len="med"/>
+                      <a:tailEnd type="none" w="med" len="med"/>
+                    </a:lnR>
+                    <a:lnT w="12700" cap="flat" cmpd="sng" algn="ctr">
+                      <a:solidFill>
+                        <a:schemeClr val="tx1"/>
+                      </a:solidFill>
+                      <a:prstDash val="solid"/>
+                      <a:round/>
+                      <a:headEnd type="none" w="med" len="med"/>
+                      <a:tailEnd type="none" w="med" len="med"/>
+                    </a:lnT>
+                    <a:lnB w="12700" cap="flat" cmpd="sng" algn="ctr">
+                      <a:solidFill>
+                        <a:schemeClr val="tx1"/>
+                      </a:solidFill>
+                      <a:prstDash val="solid"/>
+                      <a:round/>
+                      <a:headEnd type="none" w="med" len="med"/>
+                      <a:tailEnd type="none" w="med" len="med"/>
+                    </a:lnB>
+                    <a:solidFill>
+                      <a:srgbClr val="EAEFF7"/>
+                    </a:solidFill>
+                  </a:tcPr>
+                </a:tc>
+                <a:tc>
+                  <a:txBody>
+                    <a:bodyPr/>
+                    <a:lstStyle/>
+                    <a:p>
+                      <a:pPr algn="ctr"/>
+                      <a:endParaRPr lang="ko-KR" altLang="en-US" sz="1200" dirty="0">
+                        <a:latin typeface="Arial" panose="020B0604020202020204" pitchFamily="34" charset="0"/>
+                        <a:cs typeface="Arial" panose="020B0604020202020204" pitchFamily="34" charset="0"/>
+                      </a:endParaRPr>
+                    </a:p>
+                  </a:txBody>
+                  <a:tcPr marL="68580" marR="68580" marT="34290" marB="34290">
+                    <a:lnL w="28575" cap="flat" cmpd="sng" algn="ctr">
+                      <a:solidFill>
+                        <a:schemeClr val="tx1"/>
+                      </a:solidFill>
+                      <a:prstDash val="solid"/>
+                      <a:round/>
+                      <a:headEnd type="none" w="med" len="med"/>
+                      <a:tailEnd type="none" w="med" len="med"/>
+                    </a:lnL>
+                    <a:lnR w="12700" cap="flat" cmpd="sng" algn="ctr">
+                      <a:solidFill>
+                        <a:schemeClr val="tx1"/>
+                      </a:solidFill>
+                      <a:prstDash val="solid"/>
+                      <a:round/>
+                      <a:headEnd type="none" w="med" len="med"/>
+                      <a:tailEnd type="none" w="med" len="med"/>
+                    </a:lnR>
+                    <a:lnT w="12700" cap="flat" cmpd="sng" algn="ctr">
+                      <a:solidFill>
+                        <a:schemeClr val="tx1"/>
+                      </a:solidFill>
+                      <a:prstDash val="solid"/>
+                      <a:round/>
+                      <a:headEnd type="none" w="med" len="med"/>
+                      <a:tailEnd type="none" w="med" len="med"/>
+                    </a:lnT>
+                    <a:lnB w="12700" cap="flat" cmpd="sng" algn="ctr">
+                      <a:solidFill>
+                        <a:schemeClr val="tx1"/>
+                      </a:solidFill>
+                      <a:prstDash val="solid"/>
+                      <a:round/>
+                      <a:headEnd type="none" w="med" len="med"/>
+                      <a:tailEnd type="none" w="med" len="med"/>
+                    </a:lnB>
+                    <a:solidFill>
+                      <a:srgbClr val="EAEFF7"/>
+                    </a:solidFill>
+                  </a:tcPr>
+                </a:tc>
+                <a:tc>
+                  <a:txBody>
+                    <a:bodyPr/>
+                    <a:lstStyle/>
+                    <a:p>
+                      <a:pPr algn="ctr" latinLnBrk="1"/>
+                      <a:endParaRPr lang="ko-KR" altLang="en-US" sz="1200" dirty="0">
+                        <a:solidFill>
+                          <a:schemeClr val="tx1"/>
+                        </a:solidFill>
+                        <a:latin typeface="Arial" panose="020B0604020202020204" pitchFamily="34" charset="0"/>
+                        <a:cs typeface="Arial" panose="020B0604020202020204" pitchFamily="34" charset="0"/>
+                      </a:endParaRPr>
+                    </a:p>
+                  </a:txBody>
+                  <a:tcPr marL="68580" marR="68580" marT="34290" marB="34290">
+                    <a:lnL w="12700" cap="flat" cmpd="sng" algn="ctr">
+                      <a:solidFill>
+                        <a:schemeClr val="tx1"/>
+                      </a:solidFill>
+                      <a:prstDash val="solid"/>
+                      <a:round/>
+                      <a:headEnd type="none" w="med" len="med"/>
+                      <a:tailEnd type="none" w="med" len="med"/>
+                    </a:lnL>
+                    <a:lnR w="12700" cap="flat" cmpd="sng" algn="ctr">
+                      <a:solidFill>
+                        <a:schemeClr val="tx1"/>
+                      </a:solidFill>
+                      <a:prstDash val="solid"/>
+                      <a:round/>
+                      <a:headEnd type="none" w="med" len="med"/>
+                      <a:tailEnd type="none" w="med" len="med"/>
+                    </a:lnR>
+                    <a:lnT w="12700" cap="flat" cmpd="sng" algn="ctr">
+                      <a:solidFill>
+                        <a:schemeClr val="tx1"/>
+                      </a:solidFill>
+                      <a:prstDash val="solid"/>
+                      <a:round/>
+                      <a:headEnd type="none" w="med" len="med"/>
+                      <a:tailEnd type="none" w="med" len="med"/>
+                    </a:lnT>
+                    <a:lnB w="12700" cap="flat" cmpd="sng" algn="ctr">
+                      <a:solidFill>
+                        <a:schemeClr val="tx1"/>
+                      </a:solidFill>
+                      <a:prstDash val="solid"/>
+                      <a:round/>
+                      <a:headEnd type="none" w="med" len="med"/>
+                      <a:tailEnd type="none" w="med" len="med"/>
+                    </a:lnB>
+                    <a:solidFill>
+                      <a:srgbClr val="EAEFF7"/>
+                    </a:solidFill>
+                  </a:tcPr>
+                </a:tc>
+                <a:extLst>
+                  <a:ext uri="{0D108BD9-81ED-4DB2-BD59-A6C34878D82A}">
+                    <a16:rowId xmlns:a16="http://schemas.microsoft.com/office/drawing/2014/main" val="2373466545"/>
+                  </a:ext>
+                </a:extLst>
+              </a:tr>
+            </a:tbl>
+          </a:graphicData>
+        </a:graphic>
+      </p:graphicFrame>
+    </p:spTree>
+    <p:extLst>
+      <p:ext uri="{BB962C8B-B14F-4D97-AF65-F5344CB8AC3E}">
+        <p14:creationId xmlns:p14="http://schemas.microsoft.com/office/powerpoint/2010/main" val="1490253582"/>
+      </p:ext>
+    </p:extLst>
+  </p:cSld>
+  <p:clrMapOvr>
+    <a:masterClrMapping/>
+  </p:clrMapOvr>
+</p:sld>
+</file>
+
+<file path=ppt/slides/slide23.xml><?xml version="1.0" encoding="utf-8"?>
+<p:sld xmlns:a="http://schemas.openxmlformats.org/drawingml/2006/main" xmlns:r="http://schemas.openxmlformats.org/officeDocument/2006/relationships" xmlns:p="http://schemas.openxmlformats.org/presentationml/2006/main">
+  <p:cSld>
+    <p:spTree>
+      <p:nvGrpSpPr>
+        <p:cNvPr id="1" name=""/>
+        <p:cNvGrpSpPr/>
+        <p:nvPr/>
+      </p:nvGrpSpPr>
+      <p:grpSpPr>
+        <a:xfrm>
+          <a:off x="0" y="0"/>
+          <a:ext cx="0" cy="0"/>
+          <a:chOff x="0" y="0"/>
+          <a:chExt cx="0" cy="0"/>
+        </a:xfrm>
+      </p:grpSpPr>
+      <p:sp>
+        <p:nvSpPr>
           <p:cNvPr id="2" name="제목 1"/>
           <p:cNvSpPr>
             <a:spLocks noGrp="1"/>
@@ -8569,7 +11074,7 @@
 </p:sld>
 </file>
 
-<file path=ppt/slides/slide23.xml><?xml version="1.0" encoding="utf-8"?>
+<file path=ppt/slides/slide24.xml><?xml version="1.0" encoding="utf-8"?>
 <p:sld xmlns:a="http://schemas.openxmlformats.org/drawingml/2006/main" xmlns:r="http://schemas.openxmlformats.org/officeDocument/2006/relationships" xmlns:p="http://schemas.openxmlformats.org/presentationml/2006/main">
   <p:cSld>
     <p:spTree>
@@ -8974,7 +11479,7 @@
 </p:sld>
 </file>
 
-<file path=ppt/slides/slide24.xml><?xml version="1.0" encoding="utf-8"?>
+<file path=ppt/slides/slide25.xml><?xml version="1.0" encoding="utf-8"?>
 <p:sld xmlns:a="http://schemas.openxmlformats.org/drawingml/2006/main" xmlns:r="http://schemas.openxmlformats.org/officeDocument/2006/relationships" xmlns:p="http://schemas.openxmlformats.org/presentationml/2006/main">
   <p:cSld>
     <p:spTree>
@@ -11822,7 +14327,7 @@
 </p:sld>
 </file>
 
-<file path=ppt/slides/slide25.xml><?xml version="1.0" encoding="utf-8"?>
+<file path=ppt/slides/slide26.xml><?xml version="1.0" encoding="utf-8"?>
 <p:sld xmlns:a="http://schemas.openxmlformats.org/drawingml/2006/main" xmlns:r="http://schemas.openxmlformats.org/officeDocument/2006/relationships" xmlns:p="http://schemas.openxmlformats.org/presentationml/2006/main">
   <p:cSld>
     <p:spTree>
@@ -11955,7 +14460,7 @@
 </p:sld>
 </file>
 
-<file path=ppt/slides/slide26.xml><?xml version="1.0" encoding="utf-8"?>
+<file path=ppt/slides/slide27.xml><?xml version="1.0" encoding="utf-8"?>
 <p:sld xmlns:a="http://schemas.openxmlformats.org/drawingml/2006/main" xmlns:r="http://schemas.openxmlformats.org/officeDocument/2006/relationships" xmlns:p="http://schemas.openxmlformats.org/presentationml/2006/main">
   <p:cSld>
     <p:spTree>
@@ -12076,7 +14581,7 @@
 </p:sld>
 </file>
 
-<file path=ppt/slides/slide27.xml><?xml version="1.0" encoding="utf-8"?>
+<file path=ppt/slides/slide28.xml><?xml version="1.0" encoding="utf-8"?>
 <p:sld xmlns:a="http://schemas.openxmlformats.org/drawingml/2006/main" xmlns:r="http://schemas.openxmlformats.org/officeDocument/2006/relationships" xmlns:p="http://schemas.openxmlformats.org/presentationml/2006/main">
   <p:cSld>
     <p:spTree>
@@ -12302,7 +14807,7 @@
 </p:sld>
 </file>
 
-<file path=ppt/slides/slide28.xml><?xml version="1.0" encoding="utf-8"?>
+<file path=ppt/slides/slide29.xml><?xml version="1.0" encoding="utf-8"?>
 <p:sld xmlns:a="http://schemas.openxmlformats.org/drawingml/2006/main" xmlns:r="http://schemas.openxmlformats.org/officeDocument/2006/relationships" xmlns:p="http://schemas.openxmlformats.org/presentationml/2006/main">
   <p:cSld>
     <p:spTree>
@@ -12574,7 +15079,102 @@
 </p:sld>
 </file>
 
-<file path=ppt/slides/slide29.xml><?xml version="1.0" encoding="utf-8"?>
+<file path=ppt/slides/slide3.xml><?xml version="1.0" encoding="utf-8"?>
+<p:sld xmlns:a="http://schemas.openxmlformats.org/drawingml/2006/main" xmlns:r="http://schemas.openxmlformats.org/officeDocument/2006/relationships" xmlns:p="http://schemas.openxmlformats.org/presentationml/2006/main">
+  <p:cSld>
+    <p:spTree>
+      <p:nvGrpSpPr>
+        <p:cNvPr id="1" name=""/>
+        <p:cNvGrpSpPr/>
+        <p:nvPr/>
+      </p:nvGrpSpPr>
+      <p:grpSpPr>
+        <a:xfrm>
+          <a:off x="0" y="0"/>
+          <a:ext cx="0" cy="0"/>
+          <a:chOff x="0" y="0"/>
+          <a:chExt cx="0" cy="0"/>
+        </a:xfrm>
+      </p:grpSpPr>
+      <p:sp>
+        <p:nvSpPr>
+          <p:cNvPr id="2" name="Title 1"/>
+          <p:cNvSpPr>
+            <a:spLocks noGrp="1"/>
+          </p:cNvSpPr>
+          <p:nvPr>
+            <p:ph type="ctrTitle"/>
+          </p:nvPr>
+        </p:nvSpPr>
+        <p:spPr>
+          <a:xfrm>
+            <a:off x="0" y="2524008"/>
+            <a:ext cx="9144000" cy="1070405"/>
+          </a:xfrm>
+        </p:spPr>
+        <p:txBody>
+          <a:bodyPr>
+            <a:noAutofit/>
+          </a:bodyPr>
+          <a:lstStyle/>
+          <a:p>
+            <a:r>
+              <a:rPr lang="en-US" sz="3900" dirty="0">
+                <a:ln w="9000" cmpd="sng">
+                  <a:noFill/>
+                  <a:prstDash val="solid"/>
+                </a:ln>
+                <a:solidFill>
+                  <a:schemeClr val="tx1">
+                    <a:lumMod val="75000"/>
+                    <a:lumOff val="25000"/>
+                  </a:schemeClr>
+                </a:solidFill>
+              </a:rPr>
+              <a:t>Introduction &amp; Project Goal</a:t>
+            </a:r>
+            <a:endParaRPr lang="en-US" sz="3000" dirty="0">
+              <a:ln w="9000" cmpd="sng">
+                <a:solidFill>
+                  <a:schemeClr val="tx1">
+                    <a:lumMod val="75000"/>
+                    <a:lumOff val="25000"/>
+                  </a:schemeClr>
+                </a:solidFill>
+                <a:prstDash val="solid"/>
+              </a:ln>
+              <a:solidFill>
+                <a:schemeClr val="tx1">
+                  <a:lumMod val="75000"/>
+                  <a:lumOff val="25000"/>
+                </a:schemeClr>
+              </a:solidFill>
+            </a:endParaRPr>
+          </a:p>
+        </p:txBody>
+      </p:sp>
+    </p:spTree>
+    <p:extLst>
+      <p:ext uri="{BB962C8B-B14F-4D97-AF65-F5344CB8AC3E}">
+        <p14:creationId xmlns:p14="http://schemas.microsoft.com/office/powerpoint/2010/main" val="2767387948"/>
+      </p:ext>
+    </p:extLst>
+  </p:cSld>
+  <p:clrMapOvr>
+    <a:masterClrMapping/>
+  </p:clrMapOvr>
+  <mc:AlternateContent xmlns:mc="http://schemas.openxmlformats.org/markup-compatibility/2006" xmlns:p14="http://schemas.microsoft.com/office/powerpoint/2010/main">
+    <mc:Choice Requires="p14">
+      <p:transition p14:dur="0" advTm="29252"/>
+    </mc:Choice>
+    <mc:Fallback xmlns="">
+      <p:transition advTm="29252"/>
+    </mc:Fallback>
+  </mc:AlternateContent>
+</p:sld>
+</file>
+
+<file path=ppt/slides/slide30.xml><?xml version="1.0" encoding="utf-8"?>
 <p:sld xmlns:a="http://schemas.openxmlformats.org/drawingml/2006/main" xmlns:r="http://schemas.openxmlformats.org/officeDocument/2006/relationships" xmlns:p="http://schemas.openxmlformats.org/presentationml/2006/main">
   <p:cSld>
     <p:spTree>
@@ -12762,102 +15362,7 @@
 </p:sld>
 </file>
 
-<file path=ppt/slides/slide3.xml><?xml version="1.0" encoding="utf-8"?>
-<p:sld xmlns:a="http://schemas.openxmlformats.org/drawingml/2006/main" xmlns:r="http://schemas.openxmlformats.org/officeDocument/2006/relationships" xmlns:p="http://schemas.openxmlformats.org/presentationml/2006/main">
-  <p:cSld>
-    <p:spTree>
-      <p:nvGrpSpPr>
-        <p:cNvPr id="1" name=""/>
-        <p:cNvGrpSpPr/>
-        <p:nvPr/>
-      </p:nvGrpSpPr>
-      <p:grpSpPr>
-        <a:xfrm>
-          <a:off x="0" y="0"/>
-          <a:ext cx="0" cy="0"/>
-          <a:chOff x="0" y="0"/>
-          <a:chExt cx="0" cy="0"/>
-        </a:xfrm>
-      </p:grpSpPr>
-      <p:sp>
-        <p:nvSpPr>
-          <p:cNvPr id="2" name="Title 1"/>
-          <p:cNvSpPr>
-            <a:spLocks noGrp="1"/>
-          </p:cNvSpPr>
-          <p:nvPr>
-            <p:ph type="ctrTitle"/>
-          </p:nvPr>
-        </p:nvSpPr>
-        <p:spPr>
-          <a:xfrm>
-            <a:off x="0" y="2524008"/>
-            <a:ext cx="9144000" cy="1070405"/>
-          </a:xfrm>
-        </p:spPr>
-        <p:txBody>
-          <a:bodyPr>
-            <a:noAutofit/>
-          </a:bodyPr>
-          <a:lstStyle/>
-          <a:p>
-            <a:r>
-              <a:rPr lang="en-US" sz="3900" dirty="0">
-                <a:ln w="9000" cmpd="sng">
-                  <a:noFill/>
-                  <a:prstDash val="solid"/>
-                </a:ln>
-                <a:solidFill>
-                  <a:schemeClr val="tx1">
-                    <a:lumMod val="75000"/>
-                    <a:lumOff val="25000"/>
-                  </a:schemeClr>
-                </a:solidFill>
-              </a:rPr>
-              <a:t>Introduction &amp; Project Goal</a:t>
-            </a:r>
-            <a:endParaRPr lang="en-US" sz="3000" dirty="0">
-              <a:ln w="9000" cmpd="sng">
-                <a:solidFill>
-                  <a:schemeClr val="tx1">
-                    <a:lumMod val="75000"/>
-                    <a:lumOff val="25000"/>
-                  </a:schemeClr>
-                </a:solidFill>
-                <a:prstDash val="solid"/>
-              </a:ln>
-              <a:solidFill>
-                <a:schemeClr val="tx1">
-                  <a:lumMod val="75000"/>
-                  <a:lumOff val="25000"/>
-                </a:schemeClr>
-              </a:solidFill>
-            </a:endParaRPr>
-          </a:p>
-        </p:txBody>
-      </p:sp>
-    </p:spTree>
-    <p:extLst>
-      <p:ext uri="{BB962C8B-B14F-4D97-AF65-F5344CB8AC3E}">
-        <p14:creationId xmlns:p14="http://schemas.microsoft.com/office/powerpoint/2010/main" val="2767387948"/>
-      </p:ext>
-    </p:extLst>
-  </p:cSld>
-  <p:clrMapOvr>
-    <a:masterClrMapping/>
-  </p:clrMapOvr>
-  <mc:AlternateContent xmlns:mc="http://schemas.openxmlformats.org/markup-compatibility/2006" xmlns:p14="http://schemas.microsoft.com/office/powerpoint/2010/main">
-    <mc:Choice Requires="p14">
-      <p:transition p14:dur="0" advTm="29252"/>
-    </mc:Choice>
-    <mc:Fallback xmlns="">
-      <p:transition advTm="29252"/>
-    </mc:Fallback>
-  </mc:AlternateContent>
-</p:sld>
-</file>
-
-<file path=ppt/slides/slide30.xml><?xml version="1.0" encoding="utf-8"?>
+<file path=ppt/slides/slide31.xml><?xml version="1.0" encoding="utf-8"?>
 <p:sld xmlns:a="http://schemas.openxmlformats.org/drawingml/2006/main" xmlns:r="http://schemas.openxmlformats.org/officeDocument/2006/relationships" xmlns:p="http://schemas.openxmlformats.org/presentationml/2006/main">
   <p:cSld>
     <p:spTree>
@@ -13254,103 +15759,6 @@
 </p:sld>
 </file>
 
-<file path=ppt/slides/slide31.xml><?xml version="1.0" encoding="utf-8"?>
-<p:sld xmlns:a="http://schemas.openxmlformats.org/drawingml/2006/main" xmlns:r="http://schemas.openxmlformats.org/officeDocument/2006/relationships" xmlns:p="http://schemas.openxmlformats.org/presentationml/2006/main">
-  <p:cSld>
-    <p:spTree>
-      <p:nvGrpSpPr>
-        <p:cNvPr id="1" name=""/>
-        <p:cNvGrpSpPr/>
-        <p:nvPr/>
-      </p:nvGrpSpPr>
-      <p:grpSpPr>
-        <a:xfrm>
-          <a:off x="0" y="0"/>
-          <a:ext cx="0" cy="0"/>
-          <a:chOff x="0" y="0"/>
-          <a:chExt cx="0" cy="0"/>
-        </a:xfrm>
-      </p:grpSpPr>
-      <p:sp>
-        <p:nvSpPr>
-          <p:cNvPr id="2" name="제목 1"/>
-          <p:cNvSpPr>
-            <a:spLocks noGrp="1"/>
-          </p:cNvSpPr>
-          <p:nvPr>
-            <p:ph type="title"/>
-          </p:nvPr>
-        </p:nvSpPr>
-        <p:spPr/>
-        <p:txBody>
-          <a:bodyPr/>
-          <a:lstStyle/>
-          <a:p>
-            <a:r>
-              <a:rPr lang="en-US" altLang="ko-KR" dirty="0"/>
-              <a:t>AXI-Stream</a:t>
-            </a:r>
-            <a:endParaRPr lang="ko-KR" altLang="en-US" dirty="0"/>
-          </a:p>
-        </p:txBody>
-      </p:sp>
-      <p:sp>
-        <p:nvSpPr>
-          <p:cNvPr id="3" name="내용 개체 틀 2"/>
-          <p:cNvSpPr>
-            <a:spLocks noGrp="1"/>
-          </p:cNvSpPr>
-          <p:nvPr>
-            <p:ph sz="quarter" idx="1"/>
-          </p:nvPr>
-        </p:nvSpPr>
-        <p:spPr/>
-        <p:txBody>
-          <a:bodyPr/>
-          <a:lstStyle/>
-          <a:p>
-            <a:r>
-              <a:rPr lang="en-US" altLang="ko-KR" dirty="0"/>
-              <a:t>If you want to know more information, you can make AXI-stream example file with the way you make the AXI-Lite example file. (Please refer the Lab 09)</a:t>
-            </a:r>
-          </a:p>
-          <a:p>
-            <a:pPr marL="0" indent="0">
-              <a:buNone/>
-            </a:pPr>
-            <a:endParaRPr lang="en-US" altLang="ko-KR" dirty="0"/>
-          </a:p>
-          <a:p>
-            <a:r>
-              <a:rPr lang="en-US" altLang="ko-KR" dirty="0"/>
-              <a:t>Or you can refer the following site:</a:t>
-            </a:r>
-            <a:br>
-              <a:rPr lang="en-US" altLang="ko-KR" dirty="0"/>
-            </a:br>
-            <a:r>
-              <a:rPr lang="en-US" altLang="ko-KR" dirty="0">
-                <a:hlinkClick r:id="rId2"/>
-              </a:rPr>
-              <a:t>https://www.xilinx.com/support/documentation/ip_documentation/ug761_axi_reference_guide.pdf</a:t>
-            </a:r>
-            <a:endParaRPr lang="en-US" altLang="ko-KR" dirty="0"/>
-          </a:p>
-        </p:txBody>
-      </p:sp>
-    </p:spTree>
-    <p:extLst>
-      <p:ext uri="{BB962C8B-B14F-4D97-AF65-F5344CB8AC3E}">
-        <p14:creationId xmlns:p14="http://schemas.microsoft.com/office/powerpoint/2010/main" val="2527348972"/>
-      </p:ext>
-    </p:extLst>
-  </p:cSld>
-  <p:clrMapOvr>
-    <a:masterClrMapping/>
-  </p:clrMapOvr>
-</p:sld>
-</file>
-
 <file path=ppt/slides/slide32.xml><?xml version="1.0" encoding="utf-8"?>
 <p:sld xmlns:a="http://schemas.openxmlformats.org/drawingml/2006/main" xmlns:r="http://schemas.openxmlformats.org/officeDocument/2006/relationships" xmlns:p="http://schemas.openxmlformats.org/presentationml/2006/main">
   <p:cSld>
@@ -13385,7 +15793,7 @@
           <a:p>
             <a:r>
               <a:rPr lang="en-US" altLang="ko-KR" dirty="0"/>
-              <a:t>VDMA</a:t>
+              <a:t>AXI-Stream</a:t>
             </a:r>
             <a:endParaRPr lang="ko-KR" altLang="en-US" dirty="0"/>
           </a:p>
@@ -13408,6 +15816,103 @@
           <a:p>
             <a:r>
               <a:rPr lang="en-US" altLang="ko-KR" dirty="0"/>
+              <a:t>If you want to know more information, you can make AXI-stream example file with the way you make the AXI-Lite example file. (Please refer the Lab 09)</a:t>
+            </a:r>
+          </a:p>
+          <a:p>
+            <a:pPr marL="0" indent="0">
+              <a:buNone/>
+            </a:pPr>
+            <a:endParaRPr lang="en-US" altLang="ko-KR" dirty="0"/>
+          </a:p>
+          <a:p>
+            <a:r>
+              <a:rPr lang="en-US" altLang="ko-KR" dirty="0"/>
+              <a:t>Or you can refer the following site:</a:t>
+            </a:r>
+            <a:br>
+              <a:rPr lang="en-US" altLang="ko-KR" dirty="0"/>
+            </a:br>
+            <a:r>
+              <a:rPr lang="en-US" altLang="ko-KR" dirty="0">
+                <a:hlinkClick r:id="rId2"/>
+              </a:rPr>
+              <a:t>https://www.xilinx.com/support/documentation/ip_documentation/ug761_axi_reference_guide.pdf</a:t>
+            </a:r>
+            <a:endParaRPr lang="en-US" altLang="ko-KR" dirty="0"/>
+          </a:p>
+        </p:txBody>
+      </p:sp>
+    </p:spTree>
+    <p:extLst>
+      <p:ext uri="{BB962C8B-B14F-4D97-AF65-F5344CB8AC3E}">
+        <p14:creationId xmlns:p14="http://schemas.microsoft.com/office/powerpoint/2010/main" val="2527348972"/>
+      </p:ext>
+    </p:extLst>
+  </p:cSld>
+  <p:clrMapOvr>
+    <a:masterClrMapping/>
+  </p:clrMapOvr>
+</p:sld>
+</file>
+
+<file path=ppt/slides/slide33.xml><?xml version="1.0" encoding="utf-8"?>
+<p:sld xmlns:a="http://schemas.openxmlformats.org/drawingml/2006/main" xmlns:r="http://schemas.openxmlformats.org/officeDocument/2006/relationships" xmlns:p="http://schemas.openxmlformats.org/presentationml/2006/main">
+  <p:cSld>
+    <p:spTree>
+      <p:nvGrpSpPr>
+        <p:cNvPr id="1" name=""/>
+        <p:cNvGrpSpPr/>
+        <p:nvPr/>
+      </p:nvGrpSpPr>
+      <p:grpSpPr>
+        <a:xfrm>
+          <a:off x="0" y="0"/>
+          <a:ext cx="0" cy="0"/>
+          <a:chOff x="0" y="0"/>
+          <a:chExt cx="0" cy="0"/>
+        </a:xfrm>
+      </p:grpSpPr>
+      <p:sp>
+        <p:nvSpPr>
+          <p:cNvPr id="2" name="제목 1"/>
+          <p:cNvSpPr>
+            <a:spLocks noGrp="1"/>
+          </p:cNvSpPr>
+          <p:nvPr>
+            <p:ph type="title"/>
+          </p:nvPr>
+        </p:nvSpPr>
+        <p:spPr/>
+        <p:txBody>
+          <a:bodyPr/>
+          <a:lstStyle/>
+          <a:p>
+            <a:r>
+              <a:rPr lang="en-US" altLang="ko-KR" dirty="0"/>
+              <a:t>VDMA</a:t>
+            </a:r>
+            <a:endParaRPr lang="ko-KR" altLang="en-US" dirty="0"/>
+          </a:p>
+        </p:txBody>
+      </p:sp>
+      <p:sp>
+        <p:nvSpPr>
+          <p:cNvPr id="3" name="내용 개체 틀 2"/>
+          <p:cNvSpPr>
+            <a:spLocks noGrp="1"/>
+          </p:cNvSpPr>
+          <p:nvPr>
+            <p:ph sz="quarter" idx="1"/>
+          </p:nvPr>
+        </p:nvSpPr>
+        <p:spPr/>
+        <p:txBody>
+          <a:bodyPr/>
+          <a:lstStyle/>
+          <a:p>
+            <a:r>
+              <a:rPr lang="en-US" altLang="ko-KR" dirty="0"/>
               <a:t>AXI VDMA (Video Direct Memory Access)</a:t>
             </a:r>
           </a:p>
@@ -13471,7 +15976,7 @@
 </p:sld>
 </file>
 
-<file path=ppt/slides/slide33.xml><?xml version="1.0" encoding="utf-8"?>
+<file path=ppt/slides/slide34.xml><?xml version="1.0" encoding="utf-8"?>
 <p:sld xmlns:a="http://schemas.openxmlformats.org/drawingml/2006/main" xmlns:r="http://schemas.openxmlformats.org/officeDocument/2006/relationships" xmlns:p="http://schemas.openxmlformats.org/presentationml/2006/main">
   <p:cSld>
     <p:spTree>
@@ -13995,7 +16500,7 @@
 </p:sld>
 </file>
 
-<file path=ppt/slides/slide34.xml><?xml version="1.0" encoding="utf-8"?>
+<file path=ppt/slides/slide35.xml><?xml version="1.0" encoding="utf-8"?>
 <p:sld xmlns:a="http://schemas.openxmlformats.org/drawingml/2006/main" xmlns:r="http://schemas.openxmlformats.org/officeDocument/2006/relationships" xmlns:p="http://schemas.openxmlformats.org/presentationml/2006/main">
   <p:cSld>
     <p:spTree>
@@ -14517,7 +17022,7 @@
 </p:sld>
 </file>
 
-<file path=ppt/slides/slide35.xml><?xml version="1.0" encoding="utf-8"?>
+<file path=ppt/slides/slide36.xml><?xml version="1.0" encoding="utf-8"?>
 <p:sld xmlns:a="http://schemas.openxmlformats.org/drawingml/2006/main" xmlns:r="http://schemas.openxmlformats.org/officeDocument/2006/relationships" xmlns:p="http://schemas.openxmlformats.org/presentationml/2006/main">
   <p:cSld>
     <p:spTree>
@@ -15348,7 +17853,7 @@
 </p:sld>
 </file>
 
-<file path=ppt/slides/slide36.xml><?xml version="1.0" encoding="utf-8"?>
+<file path=ppt/slides/slide37.xml><?xml version="1.0" encoding="utf-8"?>
 <p:sld xmlns:a="http://schemas.openxmlformats.org/drawingml/2006/main" xmlns:r="http://schemas.openxmlformats.org/officeDocument/2006/relationships" xmlns:p="http://schemas.openxmlformats.org/presentationml/2006/main">
   <p:cSld>
     <p:spTree>
@@ -15449,7 +17954,7 @@
                   <a:srgbClr val="C00000"/>
                 </a:solidFill>
               </a:rPr>
-              <a:t>M2SS</a:t>
+              <a:t>MM2S</a:t>
             </a:r>
             <a:r>
               <a:rPr lang="en-US" altLang="ko-KR" dirty="0"/>
@@ -16164,178 +18669,6 @@
 </p:sld>
 </file>
 
-<file path=ppt/slides/slide37.xml><?xml version="1.0" encoding="utf-8"?>
-<p:sld xmlns:a="http://schemas.openxmlformats.org/drawingml/2006/main" xmlns:r="http://schemas.openxmlformats.org/officeDocument/2006/relationships" xmlns:p="http://schemas.openxmlformats.org/presentationml/2006/main">
-  <p:cSld>
-    <p:spTree>
-      <p:nvGrpSpPr>
-        <p:cNvPr id="1" name=""/>
-        <p:cNvGrpSpPr/>
-        <p:nvPr/>
-      </p:nvGrpSpPr>
-      <p:grpSpPr>
-        <a:xfrm>
-          <a:off x="0" y="0"/>
-          <a:ext cx="0" cy="0"/>
-          <a:chOff x="0" y="0"/>
-          <a:chExt cx="0" cy="0"/>
-        </a:xfrm>
-      </p:grpSpPr>
-      <p:sp>
-        <p:nvSpPr>
-          <p:cNvPr id="2" name="제목 1"/>
-          <p:cNvSpPr>
-            <a:spLocks noGrp="1"/>
-          </p:cNvSpPr>
-          <p:nvPr>
-            <p:ph type="title"/>
-          </p:nvPr>
-        </p:nvSpPr>
-        <p:spPr/>
-        <p:txBody>
-          <a:bodyPr/>
-          <a:lstStyle/>
-          <a:p>
-            <a:r>
-              <a:rPr lang="en-US" altLang="ko-KR" dirty="0"/>
-              <a:t>VDMA</a:t>
-            </a:r>
-            <a:endParaRPr lang="ko-KR" altLang="en-US" dirty="0"/>
-          </a:p>
-        </p:txBody>
-      </p:sp>
-      <p:sp>
-        <p:nvSpPr>
-          <p:cNvPr id="3" name="내용 개체 틀 2"/>
-          <p:cNvSpPr>
-            <a:spLocks noGrp="1"/>
-          </p:cNvSpPr>
-          <p:nvPr>
-            <p:ph sz="quarter" idx="1"/>
-          </p:nvPr>
-        </p:nvSpPr>
-        <p:spPr/>
-        <p:txBody>
-          <a:bodyPr/>
-          <a:lstStyle/>
-          <a:p>
-            <a:r>
-              <a:rPr lang="en-US" altLang="ko-KR" dirty="0"/>
-              <a:t>Within the VDMA, there are registers responsible for setting the </a:t>
-            </a:r>
-            <a:r>
-              <a:rPr lang="en-US" altLang="ko-KR" b="1" dirty="0"/>
-              <a:t>control</a:t>
-            </a:r>
-            <a:r>
-              <a:rPr lang="en-US" altLang="ko-KR" dirty="0"/>
-              <a:t>, </a:t>
-            </a:r>
-            <a:r>
-              <a:rPr lang="en-US" altLang="ko-KR" b="1" dirty="0"/>
-              <a:t>start address</a:t>
-            </a:r>
-            <a:r>
-              <a:rPr lang="en-US" altLang="ko-KR" dirty="0"/>
-              <a:t>, </a:t>
-            </a:r>
-            <a:r>
-              <a:rPr lang="en-US" altLang="ko-KR" b="1" dirty="0"/>
-              <a:t>class</a:t>
-            </a:r>
-            <a:r>
-              <a:rPr lang="en-US" altLang="ko-KR" dirty="0"/>
-              <a:t>, </a:t>
-            </a:r>
-            <a:r>
-              <a:rPr lang="en-US" altLang="ko-KR" b="1" dirty="0" err="1"/>
-              <a:t>hsize</a:t>
-            </a:r>
-            <a:r>
-              <a:rPr lang="en-US" altLang="ko-KR" dirty="0"/>
-              <a:t> and </a:t>
-            </a:r>
-            <a:r>
-              <a:rPr lang="en-US" altLang="ko-KR" b="1" dirty="0" err="1"/>
-              <a:t>vsize</a:t>
-            </a:r>
-            <a:r>
-              <a:rPr lang="en-US" altLang="ko-KR" dirty="0"/>
-              <a:t> by data transfer direction (MM2S and S2MM)</a:t>
-            </a:r>
-          </a:p>
-          <a:p>
-            <a:endParaRPr lang="en-US" altLang="ko-KR" dirty="0"/>
-          </a:p>
-          <a:p>
-            <a:r>
-              <a:rPr lang="en-US" altLang="ko-KR" dirty="0"/>
-              <a:t>To send data over VDMA, the values must be written to VDMA internal registers via the AXI4-Lite interface</a:t>
-            </a:r>
-          </a:p>
-          <a:p>
-            <a:endParaRPr lang="en-US" altLang="ko-KR" dirty="0"/>
-          </a:p>
-          <a:p>
-            <a:r>
-              <a:rPr lang="en-US" altLang="ko-KR" dirty="0"/>
-              <a:t>Because it is Video DMA, default transfer unit is frame</a:t>
-            </a:r>
-          </a:p>
-          <a:p>
-            <a:pPr lvl="1"/>
-            <a:r>
-              <a:rPr lang="en-US" altLang="ko-KR" dirty="0"/>
-              <a:t>The frame consists of lines, and you can send data by setting the </a:t>
-            </a:r>
-            <a:r>
-              <a:rPr lang="en-US" altLang="ko-KR" b="1" dirty="0" err="1">
-                <a:solidFill>
-                  <a:srgbClr val="C00000"/>
-                </a:solidFill>
-              </a:rPr>
-              <a:t>hsize</a:t>
-            </a:r>
-            <a:r>
-              <a:rPr lang="en-US" altLang="ko-KR" b="1" dirty="0">
-                <a:solidFill>
-                  <a:srgbClr val="C00000"/>
-                </a:solidFill>
-              </a:rPr>
-              <a:t> (line size) and </a:t>
-            </a:r>
-            <a:r>
-              <a:rPr lang="en-US" altLang="ko-KR" b="1" dirty="0" err="1">
-                <a:solidFill>
-                  <a:srgbClr val="C00000"/>
-                </a:solidFill>
-              </a:rPr>
-              <a:t>vsize</a:t>
-            </a:r>
-            <a:r>
-              <a:rPr lang="en-US" altLang="ko-KR" b="1" dirty="0">
-                <a:solidFill>
-                  <a:srgbClr val="C00000"/>
-                </a:solidFill>
-              </a:rPr>
-              <a:t> (# of lines)</a:t>
-            </a:r>
-          </a:p>
-        </p:txBody>
-      </p:sp>
-    </p:spTree>
-    <p:extLst>
-      <p:ext uri="{BB962C8B-B14F-4D97-AF65-F5344CB8AC3E}">
-        <p14:creationId xmlns:p14="http://schemas.microsoft.com/office/powerpoint/2010/main" val="514059028"/>
-      </p:ext>
-    </p:extLst>
-  </p:cSld>
-  <p:clrMapOvr>
-    <a:masterClrMapping/>
-  </p:clrMapOvr>
-</p:sld>
-</file>
-
 <file path=ppt/slides/slide38.xml><?xml version="1.0" encoding="utf-8"?>
 <p:sld xmlns:a="http://schemas.openxmlformats.org/drawingml/2006/main" xmlns:r="http://schemas.openxmlformats.org/officeDocument/2006/relationships" xmlns:p="http://schemas.openxmlformats.org/presentationml/2006/main">
   <p:cSld>
@@ -16393,6 +18726,178 @@
           <a:p>
             <a:r>
               <a:rPr lang="en-US" altLang="ko-KR" dirty="0"/>
+              <a:t>Within the VDMA, there are registers responsible for setting the </a:t>
+            </a:r>
+            <a:r>
+              <a:rPr lang="en-US" altLang="ko-KR" b="1" dirty="0"/>
+              <a:t>control</a:t>
+            </a:r>
+            <a:r>
+              <a:rPr lang="en-US" altLang="ko-KR" dirty="0"/>
+              <a:t>, </a:t>
+            </a:r>
+            <a:r>
+              <a:rPr lang="en-US" altLang="ko-KR" b="1" dirty="0"/>
+              <a:t>start address</a:t>
+            </a:r>
+            <a:r>
+              <a:rPr lang="en-US" altLang="ko-KR" dirty="0"/>
+              <a:t>, </a:t>
+            </a:r>
+            <a:r>
+              <a:rPr lang="en-US" altLang="ko-KR" b="1" dirty="0"/>
+              <a:t>class</a:t>
+            </a:r>
+            <a:r>
+              <a:rPr lang="en-US" altLang="ko-KR" dirty="0"/>
+              <a:t>, </a:t>
+            </a:r>
+            <a:r>
+              <a:rPr lang="en-US" altLang="ko-KR" b="1" dirty="0" err="1"/>
+              <a:t>hsize</a:t>
+            </a:r>
+            <a:r>
+              <a:rPr lang="en-US" altLang="ko-KR" dirty="0"/>
+              <a:t> and </a:t>
+            </a:r>
+            <a:r>
+              <a:rPr lang="en-US" altLang="ko-KR" b="1" dirty="0" err="1"/>
+              <a:t>vsize</a:t>
+            </a:r>
+            <a:r>
+              <a:rPr lang="en-US" altLang="ko-KR" dirty="0"/>
+              <a:t> by data transfer direction (MM2S and S2MM)</a:t>
+            </a:r>
+          </a:p>
+          <a:p>
+            <a:endParaRPr lang="en-US" altLang="ko-KR" dirty="0"/>
+          </a:p>
+          <a:p>
+            <a:r>
+              <a:rPr lang="en-US" altLang="ko-KR" dirty="0"/>
+              <a:t>To send data over VDMA, the values must be written to VDMA internal registers via the AXI4-Lite interface</a:t>
+            </a:r>
+          </a:p>
+          <a:p>
+            <a:endParaRPr lang="en-US" altLang="ko-KR" dirty="0"/>
+          </a:p>
+          <a:p>
+            <a:r>
+              <a:rPr lang="en-US" altLang="ko-KR" dirty="0"/>
+              <a:t>Because it is Video DMA, default transfer unit is frame</a:t>
+            </a:r>
+          </a:p>
+          <a:p>
+            <a:pPr lvl="1"/>
+            <a:r>
+              <a:rPr lang="en-US" altLang="ko-KR" dirty="0"/>
+              <a:t>The frame consists of lines, and you can send data by setting the </a:t>
+            </a:r>
+            <a:r>
+              <a:rPr lang="en-US" altLang="ko-KR" b="1" dirty="0" err="1">
+                <a:solidFill>
+                  <a:srgbClr val="C00000"/>
+                </a:solidFill>
+              </a:rPr>
+              <a:t>hsize</a:t>
+            </a:r>
+            <a:r>
+              <a:rPr lang="en-US" altLang="ko-KR" b="1" dirty="0">
+                <a:solidFill>
+                  <a:srgbClr val="C00000"/>
+                </a:solidFill>
+              </a:rPr>
+              <a:t> (line size) and </a:t>
+            </a:r>
+            <a:r>
+              <a:rPr lang="en-US" altLang="ko-KR" b="1" dirty="0" err="1">
+                <a:solidFill>
+                  <a:srgbClr val="C00000"/>
+                </a:solidFill>
+              </a:rPr>
+              <a:t>vsize</a:t>
+            </a:r>
+            <a:r>
+              <a:rPr lang="en-US" altLang="ko-KR" b="1" dirty="0">
+                <a:solidFill>
+                  <a:srgbClr val="C00000"/>
+                </a:solidFill>
+              </a:rPr>
+              <a:t> (# of lines)</a:t>
+            </a:r>
+          </a:p>
+        </p:txBody>
+      </p:sp>
+    </p:spTree>
+    <p:extLst>
+      <p:ext uri="{BB962C8B-B14F-4D97-AF65-F5344CB8AC3E}">
+        <p14:creationId xmlns:p14="http://schemas.microsoft.com/office/powerpoint/2010/main" val="514059028"/>
+      </p:ext>
+    </p:extLst>
+  </p:cSld>
+  <p:clrMapOvr>
+    <a:masterClrMapping/>
+  </p:clrMapOvr>
+</p:sld>
+</file>
+
+<file path=ppt/slides/slide39.xml><?xml version="1.0" encoding="utf-8"?>
+<p:sld xmlns:a="http://schemas.openxmlformats.org/drawingml/2006/main" xmlns:r="http://schemas.openxmlformats.org/officeDocument/2006/relationships" xmlns:p="http://schemas.openxmlformats.org/presentationml/2006/main">
+  <p:cSld>
+    <p:spTree>
+      <p:nvGrpSpPr>
+        <p:cNvPr id="1" name=""/>
+        <p:cNvGrpSpPr/>
+        <p:nvPr/>
+      </p:nvGrpSpPr>
+      <p:grpSpPr>
+        <a:xfrm>
+          <a:off x="0" y="0"/>
+          <a:ext cx="0" cy="0"/>
+          <a:chOff x="0" y="0"/>
+          <a:chExt cx="0" cy="0"/>
+        </a:xfrm>
+      </p:grpSpPr>
+      <p:sp>
+        <p:nvSpPr>
+          <p:cNvPr id="2" name="제목 1"/>
+          <p:cNvSpPr>
+            <a:spLocks noGrp="1"/>
+          </p:cNvSpPr>
+          <p:nvPr>
+            <p:ph type="title"/>
+          </p:nvPr>
+        </p:nvSpPr>
+        <p:spPr/>
+        <p:txBody>
+          <a:bodyPr/>
+          <a:lstStyle/>
+          <a:p>
+            <a:r>
+              <a:rPr lang="en-US" altLang="ko-KR" dirty="0"/>
+              <a:t>VDMA</a:t>
+            </a:r>
+            <a:endParaRPr lang="ko-KR" altLang="en-US" dirty="0"/>
+          </a:p>
+        </p:txBody>
+      </p:sp>
+      <p:sp>
+        <p:nvSpPr>
+          <p:cNvPr id="3" name="내용 개체 틀 2"/>
+          <p:cNvSpPr>
+            <a:spLocks noGrp="1"/>
+          </p:cNvSpPr>
+          <p:nvPr>
+            <p:ph sz="quarter" idx="1"/>
+          </p:nvPr>
+        </p:nvSpPr>
+        <p:spPr/>
+        <p:txBody>
+          <a:bodyPr/>
+          <a:lstStyle/>
+          <a:p>
+            <a:r>
+              <a:rPr lang="en-US" altLang="ko-KR" dirty="0"/>
               <a:t>To operate the VDMA, </a:t>
             </a:r>
             <a:r>
@@ -16490,7 +18995,457 @@
 </p:sld>
 </file>
 
-<file path=ppt/slides/slide39.xml><?xml version="1.0" encoding="utf-8"?>
+<file path=ppt/slides/slide4.xml><?xml version="1.0" encoding="utf-8"?>
+<p:sld xmlns:a="http://schemas.openxmlformats.org/drawingml/2006/main" xmlns:r="http://schemas.openxmlformats.org/officeDocument/2006/relationships" xmlns:p="http://schemas.openxmlformats.org/presentationml/2006/main">
+  <p:cSld>
+    <p:spTree>
+      <p:nvGrpSpPr>
+        <p:cNvPr id="1" name=""/>
+        <p:cNvGrpSpPr/>
+        <p:nvPr/>
+      </p:nvGrpSpPr>
+      <p:grpSpPr>
+        <a:xfrm>
+          <a:off x="0" y="0"/>
+          <a:ext cx="0" cy="0"/>
+          <a:chOff x="0" y="0"/>
+          <a:chExt cx="0" cy="0"/>
+        </a:xfrm>
+      </p:grpSpPr>
+      <p:sp>
+        <p:nvSpPr>
+          <p:cNvPr id="2" name="제목 1"/>
+          <p:cNvSpPr>
+            <a:spLocks noGrp="1"/>
+          </p:cNvSpPr>
+          <p:nvPr>
+            <p:ph type="title"/>
+          </p:nvPr>
+        </p:nvSpPr>
+        <p:spPr/>
+        <p:txBody>
+          <a:bodyPr/>
+          <a:lstStyle/>
+          <a:p>
+            <a:r>
+              <a:rPr lang="en-US" altLang="ko-KR" dirty="0"/>
+              <a:t>Introduction</a:t>
+            </a:r>
+            <a:endParaRPr lang="ko-KR" altLang="en-US" dirty="0"/>
+          </a:p>
+        </p:txBody>
+      </p:sp>
+      <p:sp>
+        <p:nvSpPr>
+          <p:cNvPr id="3" name="내용 개체 틀 2"/>
+          <p:cNvSpPr>
+            <a:spLocks noGrp="1"/>
+          </p:cNvSpPr>
+          <p:nvPr>
+            <p:ph sz="quarter" idx="1"/>
+          </p:nvPr>
+        </p:nvSpPr>
+        <p:spPr/>
+        <p:txBody>
+          <a:bodyPr/>
+          <a:lstStyle/>
+          <a:p>
+            <a:r>
+              <a:rPr lang="en-US" altLang="ko-KR" dirty="0"/>
+              <a:t>Deep Learning Hardware</a:t>
+            </a:r>
+            <a:endParaRPr lang="ko-KR" altLang="en-US" dirty="0"/>
+          </a:p>
+        </p:txBody>
+      </p:sp>
+      <p:grpSp>
+        <p:nvGrpSpPr>
+          <p:cNvPr id="4" name="그룹 3"/>
+          <p:cNvGrpSpPr/>
+          <p:nvPr/>
+        </p:nvGrpSpPr>
+        <p:grpSpPr>
+          <a:xfrm>
+            <a:off x="3305843" y="2228514"/>
+            <a:ext cx="1608290" cy="1398302"/>
+            <a:chOff x="5023807" y="1631270"/>
+            <a:chExt cx="2144386" cy="1864403"/>
+          </a:xfrm>
+        </p:grpSpPr>
+        <p:pic>
+          <p:nvPicPr>
+            <p:cNvPr id="5" name="Picture 2" descr="tpu 2"/>
+            <p:cNvPicPr>
+              <a:picLocks noChangeAspect="1" noChangeArrowheads="1"/>
+            </p:cNvPicPr>
+            <p:nvPr/>
+          </p:nvPicPr>
+          <p:blipFill>
+            <a:blip r:embed="rId2" cstate="print">
+              <a:extLst>
+                <a:ext uri="{28A0092B-C50C-407E-A947-70E740481C1C}">
+                  <a14:useLocalDpi xmlns:a14="http://schemas.microsoft.com/office/drawing/2010/main" val="0"/>
+                </a:ext>
+              </a:extLst>
+            </a:blip>
+            <a:srcRect/>
+            <a:stretch>
+              <a:fillRect/>
+            </a:stretch>
+          </p:blipFill>
+          <p:spPr bwMode="auto">
+            <a:xfrm>
+              <a:off x="5023807" y="1631270"/>
+              <a:ext cx="2144386" cy="1648959"/>
+            </a:xfrm>
+            <a:prstGeom prst="rect">
+              <a:avLst/>
+            </a:prstGeom>
+            <a:noFill/>
+            <a:extLst>
+              <a:ext uri="{909E8E84-426E-40DD-AFC4-6F175D3DCCD1}">
+                <a14:hiddenFill xmlns:a14="http://schemas.microsoft.com/office/drawing/2010/main">
+                  <a:solidFill>
+                    <a:srgbClr val="FFFFFF"/>
+                  </a:solidFill>
+                </a14:hiddenFill>
+              </a:ext>
+            </a:extLst>
+          </p:spPr>
+        </p:pic>
+        <p:sp>
+          <p:nvSpPr>
+            <p:cNvPr id="6" name="TextBox 5"/>
+            <p:cNvSpPr txBox="1"/>
+            <p:nvPr/>
+          </p:nvSpPr>
+          <p:spPr>
+            <a:xfrm>
+              <a:off x="6152193" y="3003230"/>
+              <a:ext cx="1016000" cy="492443"/>
+            </a:xfrm>
+            <a:prstGeom prst="rect">
+              <a:avLst/>
+            </a:prstGeom>
+            <a:noFill/>
+          </p:spPr>
+          <p:txBody>
+            <a:bodyPr wrap="square" rtlCol="0">
+              <a:spAutoFit/>
+            </a:bodyPr>
+            <a:lstStyle/>
+            <a:p>
+              <a:r>
+                <a:rPr lang="en-US" altLang="ko-KR" sz="900" dirty="0"/>
+                <a:t>Google TPU</a:t>
+              </a:r>
+              <a:endParaRPr lang="ko-KR" altLang="en-US" sz="900" dirty="0"/>
+            </a:p>
+          </p:txBody>
+        </p:sp>
+      </p:grpSp>
+      <p:grpSp>
+        <p:nvGrpSpPr>
+          <p:cNvPr id="7" name="그룹 6"/>
+          <p:cNvGrpSpPr/>
+          <p:nvPr/>
+        </p:nvGrpSpPr>
+        <p:grpSpPr>
+          <a:xfrm>
+            <a:off x="5964662" y="2999557"/>
+            <a:ext cx="2326784" cy="1712773"/>
+            <a:chOff x="5023806" y="3414796"/>
+            <a:chExt cx="3102379" cy="2283697"/>
+          </a:xfrm>
+        </p:grpSpPr>
+        <p:pic>
+          <p:nvPicPr>
+            <p:cNvPr id="8" name="Picture 4" descr="https://images.anandtech.com/doci/12673/nvidia-titanv-technical-front-3qtr-left_1512609636_678x452.jpg"/>
+            <p:cNvPicPr>
+              <a:picLocks noChangeAspect="1" noChangeArrowheads="1"/>
+            </p:cNvPicPr>
+            <p:nvPr/>
+          </p:nvPicPr>
+          <p:blipFill>
+            <a:blip r:embed="rId3" cstate="print">
+              <a:extLst>
+                <a:ext uri="{28A0092B-C50C-407E-A947-70E740481C1C}">
+                  <a14:useLocalDpi xmlns:a14="http://schemas.microsoft.com/office/drawing/2010/main" val="0"/>
+                </a:ext>
+              </a:extLst>
+            </a:blip>
+            <a:srcRect/>
+            <a:stretch>
+              <a:fillRect/>
+            </a:stretch>
+          </p:blipFill>
+          <p:spPr bwMode="auto">
+            <a:xfrm>
+              <a:off x="5023806" y="3414796"/>
+              <a:ext cx="3102379" cy="2068253"/>
+            </a:xfrm>
+            <a:prstGeom prst="rect">
+              <a:avLst/>
+            </a:prstGeom>
+            <a:noFill/>
+            <a:extLst>
+              <a:ext uri="{909E8E84-426E-40DD-AFC4-6F175D3DCCD1}">
+                <a14:hiddenFill xmlns:a14="http://schemas.microsoft.com/office/drawing/2010/main">
+                  <a:solidFill>
+                    <a:srgbClr val="FFFFFF"/>
+                  </a:solidFill>
+                </a14:hiddenFill>
+              </a:ext>
+            </a:extLst>
+          </p:spPr>
+        </p:pic>
+        <p:sp>
+          <p:nvSpPr>
+            <p:cNvPr id="9" name="TextBox 8"/>
+            <p:cNvSpPr txBox="1"/>
+            <p:nvPr/>
+          </p:nvSpPr>
+          <p:spPr>
+            <a:xfrm>
+              <a:off x="6152193" y="5206050"/>
+              <a:ext cx="1663700" cy="492443"/>
+            </a:xfrm>
+            <a:prstGeom prst="rect">
+              <a:avLst/>
+            </a:prstGeom>
+            <a:noFill/>
+          </p:spPr>
+          <p:txBody>
+            <a:bodyPr wrap="square" rtlCol="0">
+              <a:spAutoFit/>
+            </a:bodyPr>
+            <a:lstStyle/>
+            <a:p>
+              <a:r>
+                <a:rPr lang="en-US" altLang="ko-KR" sz="900" dirty="0"/>
+                <a:t>NVIDIA GPU (Titan V)</a:t>
+              </a:r>
+              <a:endParaRPr lang="ko-KR" altLang="en-US" sz="900" dirty="0"/>
+            </a:p>
+          </p:txBody>
+        </p:sp>
+      </p:grpSp>
+      <p:grpSp>
+        <p:nvGrpSpPr>
+          <p:cNvPr id="10" name="그룹 9"/>
+          <p:cNvGrpSpPr/>
+          <p:nvPr/>
+        </p:nvGrpSpPr>
+        <p:grpSpPr>
+          <a:xfrm>
+            <a:off x="3467814" y="4712330"/>
+            <a:ext cx="2208371" cy="1225686"/>
+            <a:chOff x="6303703" y="4261173"/>
+            <a:chExt cx="2944495" cy="1634247"/>
+          </a:xfrm>
+        </p:grpSpPr>
+        <p:pic>
+          <p:nvPicPr>
+            <p:cNvPr id="11" name="Picture 8" descr="http://www.hitechglobal.com/images/Virtex7-PCIE-x3FMC.png"/>
+            <p:cNvPicPr>
+              <a:picLocks noChangeAspect="1" noChangeArrowheads="1"/>
+            </p:cNvPicPr>
+            <p:nvPr/>
+          </p:nvPicPr>
+          <p:blipFill>
+            <a:blip r:embed="rId4" cstate="print">
+              <a:extLst>
+                <a:ext uri="{28A0092B-C50C-407E-A947-70E740481C1C}">
+                  <a14:useLocalDpi xmlns:a14="http://schemas.microsoft.com/office/drawing/2010/main" val="0"/>
+                </a:ext>
+              </a:extLst>
+            </a:blip>
+            <a:srcRect/>
+            <a:stretch>
+              <a:fillRect/>
+            </a:stretch>
+          </p:blipFill>
+          <p:spPr bwMode="auto">
+            <a:xfrm>
+              <a:off x="6303703" y="4261173"/>
+              <a:ext cx="2882814" cy="1390534"/>
+            </a:xfrm>
+            <a:prstGeom prst="rect">
+              <a:avLst/>
+            </a:prstGeom>
+            <a:noFill/>
+            <a:extLst>
+              <a:ext uri="{909E8E84-426E-40DD-AFC4-6F175D3DCCD1}">
+                <a14:hiddenFill xmlns:a14="http://schemas.microsoft.com/office/drawing/2010/main">
+                  <a:solidFill>
+                    <a:srgbClr val="FFFFFF"/>
+                  </a:solidFill>
+                </a14:hiddenFill>
+              </a:ext>
+            </a:extLst>
+          </p:spPr>
+        </p:pic>
+        <p:sp>
+          <p:nvSpPr>
+            <p:cNvPr id="12" name="TextBox 11"/>
+            <p:cNvSpPr txBox="1"/>
+            <p:nvPr/>
+          </p:nvSpPr>
+          <p:spPr>
+            <a:xfrm>
+              <a:off x="7584498" y="5402978"/>
+              <a:ext cx="1663700" cy="492442"/>
+            </a:xfrm>
+            <a:prstGeom prst="rect">
+              <a:avLst/>
+            </a:prstGeom>
+            <a:noFill/>
+          </p:spPr>
+          <p:txBody>
+            <a:bodyPr wrap="square" rtlCol="0">
+              <a:spAutoFit/>
+            </a:bodyPr>
+            <a:lstStyle/>
+            <a:p>
+              <a:r>
+                <a:rPr lang="en-US" altLang="ko-KR" sz="900" dirty="0"/>
+                <a:t>FPGA (Xilinx Virtex-7)</a:t>
+              </a:r>
+              <a:endParaRPr lang="ko-KR" altLang="en-US" sz="900" dirty="0"/>
+            </a:p>
+          </p:txBody>
+        </p:sp>
+      </p:grpSp>
+      <p:grpSp>
+        <p:nvGrpSpPr>
+          <p:cNvPr id="13" name="그룹 12"/>
+          <p:cNvGrpSpPr/>
+          <p:nvPr/>
+        </p:nvGrpSpPr>
+        <p:grpSpPr>
+          <a:xfrm>
+            <a:off x="901643" y="3749800"/>
+            <a:ext cx="1607345" cy="1740984"/>
+            <a:chOff x="3720597" y="4065815"/>
+            <a:chExt cx="2143126" cy="2321312"/>
+          </a:xfrm>
+        </p:grpSpPr>
+        <p:pic>
+          <p:nvPicPr>
+            <p:cNvPr id="14" name="Picture 6" descr="https://www.intel.com/content/dam/products/hero/foreground/processor-badge-xeon-platinum-1x1.png.rendition.intel.web.225.225.png"/>
+            <p:cNvPicPr>
+              <a:picLocks noChangeAspect="1" noChangeArrowheads="1"/>
+            </p:cNvPicPr>
+            <p:nvPr/>
+          </p:nvPicPr>
+          <p:blipFill>
+            <a:blip r:embed="rId5">
+              <a:extLst>
+                <a:ext uri="{28A0092B-C50C-407E-A947-70E740481C1C}">
+                  <a14:useLocalDpi xmlns:a14="http://schemas.microsoft.com/office/drawing/2010/main" val="0"/>
+                </a:ext>
+              </a:extLst>
+            </a:blip>
+            <a:srcRect/>
+            <a:stretch>
+              <a:fillRect/>
+            </a:stretch>
+          </p:blipFill>
+          <p:spPr bwMode="auto">
+            <a:xfrm>
+              <a:off x="3720597" y="4065815"/>
+              <a:ext cx="2143125" cy="2143125"/>
+            </a:xfrm>
+            <a:prstGeom prst="rect">
+              <a:avLst/>
+            </a:prstGeom>
+            <a:noFill/>
+            <a:extLst>
+              <a:ext uri="{909E8E84-426E-40DD-AFC4-6F175D3DCCD1}">
+                <a14:hiddenFill xmlns:a14="http://schemas.microsoft.com/office/drawing/2010/main">
+                  <a:solidFill>
+                    <a:srgbClr val="FFFFFF"/>
+                  </a:solidFill>
+                </a14:hiddenFill>
+              </a:ext>
+            </a:extLst>
+          </p:spPr>
+        </p:pic>
+        <p:sp>
+          <p:nvSpPr>
+            <p:cNvPr id="15" name="TextBox 14"/>
+            <p:cNvSpPr txBox="1"/>
+            <p:nvPr/>
+          </p:nvSpPr>
+          <p:spPr>
+            <a:xfrm>
+              <a:off x="4483037" y="6079351"/>
+              <a:ext cx="1380686" cy="307776"/>
+            </a:xfrm>
+            <a:prstGeom prst="rect">
+              <a:avLst/>
+            </a:prstGeom>
+            <a:noFill/>
+          </p:spPr>
+          <p:txBody>
+            <a:bodyPr wrap="square" rtlCol="0">
+              <a:spAutoFit/>
+            </a:bodyPr>
+            <a:lstStyle/>
+            <a:p>
+              <a:r>
+                <a:rPr lang="en-US" altLang="ko-KR" sz="900" dirty="0"/>
+                <a:t>Intel CPU (Xeon)</a:t>
+              </a:r>
+              <a:endParaRPr lang="ko-KR" altLang="en-US" sz="900" dirty="0"/>
+            </a:p>
+          </p:txBody>
+        </p:sp>
+      </p:grpSp>
+      <p:sp>
+        <p:nvSpPr>
+          <p:cNvPr id="16" name="TextBox 15"/>
+          <p:cNvSpPr txBox="1"/>
+          <p:nvPr/>
+        </p:nvSpPr>
+        <p:spPr>
+          <a:xfrm>
+            <a:off x="6708799" y="5375368"/>
+            <a:ext cx="1247775" cy="230832"/>
+          </a:xfrm>
+          <a:prstGeom prst="rect">
+            <a:avLst/>
+          </a:prstGeom>
+          <a:noFill/>
+        </p:spPr>
+        <p:txBody>
+          <a:bodyPr wrap="square" rtlCol="0">
+            <a:spAutoFit/>
+          </a:bodyPr>
+          <a:lstStyle/>
+          <a:p>
+            <a:r>
+              <a:rPr lang="en-US" altLang="ko-KR" sz="900" dirty="0"/>
+              <a:t>NPU, etc…</a:t>
+            </a:r>
+            <a:endParaRPr lang="ko-KR" altLang="en-US" sz="900" dirty="0"/>
+          </a:p>
+        </p:txBody>
+      </p:sp>
+    </p:spTree>
+    <p:extLst>
+      <p:ext uri="{BB962C8B-B14F-4D97-AF65-F5344CB8AC3E}">
+        <p14:creationId xmlns:p14="http://schemas.microsoft.com/office/powerpoint/2010/main" val="3266596539"/>
+      </p:ext>
+    </p:extLst>
+  </p:cSld>
+  <p:clrMapOvr>
+    <a:masterClrMapping/>
+  </p:clrMapOvr>
+</p:sld>
+</file>
+
+<file path=ppt/slides/slide40.xml><?xml version="1.0" encoding="utf-8"?>
 <p:sld xmlns:a="http://schemas.openxmlformats.org/drawingml/2006/main" xmlns:r="http://schemas.openxmlformats.org/officeDocument/2006/relationships" xmlns:p="http://schemas.openxmlformats.org/presentationml/2006/main">
   <p:cSld>
     <p:spTree>
@@ -18090,576 +21045,6 @@
 </p:sld>
 </file>
 
-<file path=ppt/slides/slide4.xml><?xml version="1.0" encoding="utf-8"?>
-<p:sld xmlns:a="http://schemas.openxmlformats.org/drawingml/2006/main" xmlns:r="http://schemas.openxmlformats.org/officeDocument/2006/relationships" xmlns:p="http://schemas.openxmlformats.org/presentationml/2006/main">
-  <p:cSld>
-    <p:spTree>
-      <p:nvGrpSpPr>
-        <p:cNvPr id="1" name=""/>
-        <p:cNvGrpSpPr/>
-        <p:nvPr/>
-      </p:nvGrpSpPr>
-      <p:grpSpPr>
-        <a:xfrm>
-          <a:off x="0" y="0"/>
-          <a:ext cx="0" cy="0"/>
-          <a:chOff x="0" y="0"/>
-          <a:chExt cx="0" cy="0"/>
-        </a:xfrm>
-      </p:grpSpPr>
-      <p:sp>
-        <p:nvSpPr>
-          <p:cNvPr id="2" name="제목 1"/>
-          <p:cNvSpPr>
-            <a:spLocks noGrp="1"/>
-          </p:cNvSpPr>
-          <p:nvPr>
-            <p:ph type="title"/>
-          </p:nvPr>
-        </p:nvSpPr>
-        <p:spPr/>
-        <p:txBody>
-          <a:bodyPr/>
-          <a:lstStyle/>
-          <a:p>
-            <a:r>
-              <a:rPr lang="en-US" altLang="ko-KR" dirty="0"/>
-              <a:t>Introduction</a:t>
-            </a:r>
-            <a:endParaRPr lang="ko-KR" altLang="en-US" dirty="0"/>
-          </a:p>
-        </p:txBody>
-      </p:sp>
-      <p:sp>
-        <p:nvSpPr>
-          <p:cNvPr id="3" name="내용 개체 틀 2"/>
-          <p:cNvSpPr>
-            <a:spLocks noGrp="1"/>
-          </p:cNvSpPr>
-          <p:nvPr>
-            <p:ph sz="quarter" idx="1"/>
-          </p:nvPr>
-        </p:nvSpPr>
-        <p:spPr/>
-        <p:txBody>
-          <a:bodyPr/>
-          <a:lstStyle/>
-          <a:p>
-            <a:r>
-              <a:rPr lang="en-US" altLang="ko-KR" dirty="0"/>
-              <a:t>Deep Learning Hardware</a:t>
-            </a:r>
-            <a:endParaRPr lang="ko-KR" altLang="en-US" dirty="0"/>
-          </a:p>
-        </p:txBody>
-      </p:sp>
-      <p:grpSp>
-        <p:nvGrpSpPr>
-          <p:cNvPr id="4" name="그룹 3"/>
-          <p:cNvGrpSpPr/>
-          <p:nvPr/>
-        </p:nvGrpSpPr>
-        <p:grpSpPr>
-          <a:xfrm>
-            <a:off x="3305843" y="2228514"/>
-            <a:ext cx="1608290" cy="1398302"/>
-            <a:chOff x="5023807" y="1631270"/>
-            <a:chExt cx="2144386" cy="1864403"/>
-          </a:xfrm>
-        </p:grpSpPr>
-        <p:pic>
-          <p:nvPicPr>
-            <p:cNvPr id="5" name="Picture 2" descr="tpu 2"/>
-            <p:cNvPicPr>
-              <a:picLocks noChangeAspect="1" noChangeArrowheads="1"/>
-            </p:cNvPicPr>
-            <p:nvPr/>
-          </p:nvPicPr>
-          <p:blipFill>
-            <a:blip r:embed="rId2" cstate="print">
-              <a:extLst>
-                <a:ext uri="{28A0092B-C50C-407E-A947-70E740481C1C}">
-                  <a14:useLocalDpi xmlns:a14="http://schemas.microsoft.com/office/drawing/2010/main" val="0"/>
-                </a:ext>
-              </a:extLst>
-            </a:blip>
-            <a:srcRect/>
-            <a:stretch>
-              <a:fillRect/>
-            </a:stretch>
-          </p:blipFill>
-          <p:spPr bwMode="auto">
-            <a:xfrm>
-              <a:off x="5023807" y="1631270"/>
-              <a:ext cx="2144386" cy="1648959"/>
-            </a:xfrm>
-            <a:prstGeom prst="rect">
-              <a:avLst/>
-            </a:prstGeom>
-            <a:noFill/>
-            <a:extLst>
-              <a:ext uri="{909E8E84-426E-40DD-AFC4-6F175D3DCCD1}">
-                <a14:hiddenFill xmlns:a14="http://schemas.microsoft.com/office/drawing/2010/main">
-                  <a:solidFill>
-                    <a:srgbClr val="FFFFFF"/>
-                  </a:solidFill>
-                </a14:hiddenFill>
-              </a:ext>
-            </a:extLst>
-          </p:spPr>
-        </p:pic>
-        <p:sp>
-          <p:nvSpPr>
-            <p:cNvPr id="6" name="TextBox 5"/>
-            <p:cNvSpPr txBox="1"/>
-            <p:nvPr/>
-          </p:nvSpPr>
-          <p:spPr>
-            <a:xfrm>
-              <a:off x="6152193" y="3003230"/>
-              <a:ext cx="1016000" cy="492443"/>
-            </a:xfrm>
-            <a:prstGeom prst="rect">
-              <a:avLst/>
-            </a:prstGeom>
-            <a:noFill/>
-          </p:spPr>
-          <p:txBody>
-            <a:bodyPr wrap="square" rtlCol="0">
-              <a:spAutoFit/>
-            </a:bodyPr>
-            <a:lstStyle/>
-            <a:p>
-              <a:r>
-                <a:rPr lang="en-US" altLang="ko-KR" sz="900" dirty="0"/>
-                <a:t>Google TPU</a:t>
-              </a:r>
-              <a:endParaRPr lang="ko-KR" altLang="en-US" sz="900" dirty="0"/>
-            </a:p>
-          </p:txBody>
-        </p:sp>
-      </p:grpSp>
-      <p:grpSp>
-        <p:nvGrpSpPr>
-          <p:cNvPr id="7" name="그룹 6"/>
-          <p:cNvGrpSpPr/>
-          <p:nvPr/>
-        </p:nvGrpSpPr>
-        <p:grpSpPr>
-          <a:xfrm>
-            <a:off x="5964662" y="2999557"/>
-            <a:ext cx="2326784" cy="1712773"/>
-            <a:chOff x="5023806" y="3414796"/>
-            <a:chExt cx="3102379" cy="2283697"/>
-          </a:xfrm>
-        </p:grpSpPr>
-        <p:pic>
-          <p:nvPicPr>
-            <p:cNvPr id="8" name="Picture 4" descr="https://images.anandtech.com/doci/12673/nvidia-titanv-technical-front-3qtr-left_1512609636_678x452.jpg"/>
-            <p:cNvPicPr>
-              <a:picLocks noChangeAspect="1" noChangeArrowheads="1"/>
-            </p:cNvPicPr>
-            <p:nvPr/>
-          </p:nvPicPr>
-          <p:blipFill>
-            <a:blip r:embed="rId3" cstate="print">
-              <a:extLst>
-                <a:ext uri="{28A0092B-C50C-407E-A947-70E740481C1C}">
-                  <a14:useLocalDpi xmlns:a14="http://schemas.microsoft.com/office/drawing/2010/main" val="0"/>
-                </a:ext>
-              </a:extLst>
-            </a:blip>
-            <a:srcRect/>
-            <a:stretch>
-              <a:fillRect/>
-            </a:stretch>
-          </p:blipFill>
-          <p:spPr bwMode="auto">
-            <a:xfrm>
-              <a:off x="5023806" y="3414796"/>
-              <a:ext cx="3102379" cy="2068253"/>
-            </a:xfrm>
-            <a:prstGeom prst="rect">
-              <a:avLst/>
-            </a:prstGeom>
-            <a:noFill/>
-            <a:extLst>
-              <a:ext uri="{909E8E84-426E-40DD-AFC4-6F175D3DCCD1}">
-                <a14:hiddenFill xmlns:a14="http://schemas.microsoft.com/office/drawing/2010/main">
-                  <a:solidFill>
-                    <a:srgbClr val="FFFFFF"/>
-                  </a:solidFill>
-                </a14:hiddenFill>
-              </a:ext>
-            </a:extLst>
-          </p:spPr>
-        </p:pic>
-        <p:sp>
-          <p:nvSpPr>
-            <p:cNvPr id="9" name="TextBox 8"/>
-            <p:cNvSpPr txBox="1"/>
-            <p:nvPr/>
-          </p:nvSpPr>
-          <p:spPr>
-            <a:xfrm>
-              <a:off x="6152193" y="5206050"/>
-              <a:ext cx="1663700" cy="492443"/>
-            </a:xfrm>
-            <a:prstGeom prst="rect">
-              <a:avLst/>
-            </a:prstGeom>
-            <a:noFill/>
-          </p:spPr>
-          <p:txBody>
-            <a:bodyPr wrap="square" rtlCol="0">
-              <a:spAutoFit/>
-            </a:bodyPr>
-            <a:lstStyle/>
-            <a:p>
-              <a:r>
-                <a:rPr lang="en-US" altLang="ko-KR" sz="900" dirty="0"/>
-                <a:t>NVIDIA GPU (Titan V)</a:t>
-              </a:r>
-              <a:endParaRPr lang="ko-KR" altLang="en-US" sz="900" dirty="0"/>
-            </a:p>
-          </p:txBody>
-        </p:sp>
-      </p:grpSp>
-      <p:grpSp>
-        <p:nvGrpSpPr>
-          <p:cNvPr id="10" name="그룹 9"/>
-          <p:cNvGrpSpPr/>
-          <p:nvPr/>
-        </p:nvGrpSpPr>
-        <p:grpSpPr>
-          <a:xfrm>
-            <a:off x="3467814" y="4712330"/>
-            <a:ext cx="2208371" cy="1225686"/>
-            <a:chOff x="6303703" y="4261173"/>
-            <a:chExt cx="2944495" cy="1634247"/>
-          </a:xfrm>
-        </p:grpSpPr>
-        <p:pic>
-          <p:nvPicPr>
-            <p:cNvPr id="11" name="Picture 8" descr="http://www.hitechglobal.com/images/Virtex7-PCIE-x3FMC.png"/>
-            <p:cNvPicPr>
-              <a:picLocks noChangeAspect="1" noChangeArrowheads="1"/>
-            </p:cNvPicPr>
-            <p:nvPr/>
-          </p:nvPicPr>
-          <p:blipFill>
-            <a:blip r:embed="rId4" cstate="print">
-              <a:extLst>
-                <a:ext uri="{28A0092B-C50C-407E-A947-70E740481C1C}">
-                  <a14:useLocalDpi xmlns:a14="http://schemas.microsoft.com/office/drawing/2010/main" val="0"/>
-                </a:ext>
-              </a:extLst>
-            </a:blip>
-            <a:srcRect/>
-            <a:stretch>
-              <a:fillRect/>
-            </a:stretch>
-          </p:blipFill>
-          <p:spPr bwMode="auto">
-            <a:xfrm>
-              <a:off x="6303703" y="4261173"/>
-              <a:ext cx="2882814" cy="1390534"/>
-            </a:xfrm>
-            <a:prstGeom prst="rect">
-              <a:avLst/>
-            </a:prstGeom>
-            <a:noFill/>
-            <a:extLst>
-              <a:ext uri="{909E8E84-426E-40DD-AFC4-6F175D3DCCD1}">
-                <a14:hiddenFill xmlns:a14="http://schemas.microsoft.com/office/drawing/2010/main">
-                  <a:solidFill>
-                    <a:srgbClr val="FFFFFF"/>
-                  </a:solidFill>
-                </a14:hiddenFill>
-              </a:ext>
-            </a:extLst>
-          </p:spPr>
-        </p:pic>
-        <p:sp>
-          <p:nvSpPr>
-            <p:cNvPr id="12" name="TextBox 11"/>
-            <p:cNvSpPr txBox="1"/>
-            <p:nvPr/>
-          </p:nvSpPr>
-          <p:spPr>
-            <a:xfrm>
-              <a:off x="7584498" y="5402978"/>
-              <a:ext cx="1663700" cy="492442"/>
-            </a:xfrm>
-            <a:prstGeom prst="rect">
-              <a:avLst/>
-            </a:prstGeom>
-            <a:noFill/>
-          </p:spPr>
-          <p:txBody>
-            <a:bodyPr wrap="square" rtlCol="0">
-              <a:spAutoFit/>
-            </a:bodyPr>
-            <a:lstStyle/>
-            <a:p>
-              <a:r>
-                <a:rPr lang="en-US" altLang="ko-KR" sz="900" dirty="0"/>
-                <a:t>FPGA (Xilinx Virtex-7)</a:t>
-              </a:r>
-              <a:endParaRPr lang="ko-KR" altLang="en-US" sz="900" dirty="0"/>
-            </a:p>
-          </p:txBody>
-        </p:sp>
-      </p:grpSp>
-      <p:grpSp>
-        <p:nvGrpSpPr>
-          <p:cNvPr id="13" name="그룹 12"/>
-          <p:cNvGrpSpPr/>
-          <p:nvPr/>
-        </p:nvGrpSpPr>
-        <p:grpSpPr>
-          <a:xfrm>
-            <a:off x="901643" y="3749800"/>
-            <a:ext cx="1607345" cy="1740984"/>
-            <a:chOff x="3720597" y="4065815"/>
-            <a:chExt cx="2143126" cy="2321312"/>
-          </a:xfrm>
-        </p:grpSpPr>
-        <p:pic>
-          <p:nvPicPr>
-            <p:cNvPr id="14" name="Picture 6" descr="https://www.intel.com/content/dam/products/hero/foreground/processor-badge-xeon-platinum-1x1.png.rendition.intel.web.225.225.png"/>
-            <p:cNvPicPr>
-              <a:picLocks noChangeAspect="1" noChangeArrowheads="1"/>
-            </p:cNvPicPr>
-            <p:nvPr/>
-          </p:nvPicPr>
-          <p:blipFill>
-            <a:blip r:embed="rId5">
-              <a:extLst>
-                <a:ext uri="{28A0092B-C50C-407E-A947-70E740481C1C}">
-                  <a14:useLocalDpi xmlns:a14="http://schemas.microsoft.com/office/drawing/2010/main" val="0"/>
-                </a:ext>
-              </a:extLst>
-            </a:blip>
-            <a:srcRect/>
-            <a:stretch>
-              <a:fillRect/>
-            </a:stretch>
-          </p:blipFill>
-          <p:spPr bwMode="auto">
-            <a:xfrm>
-              <a:off x="3720597" y="4065815"/>
-              <a:ext cx="2143125" cy="2143125"/>
-            </a:xfrm>
-            <a:prstGeom prst="rect">
-              <a:avLst/>
-            </a:prstGeom>
-            <a:noFill/>
-            <a:extLst>
-              <a:ext uri="{909E8E84-426E-40DD-AFC4-6F175D3DCCD1}">
-                <a14:hiddenFill xmlns:a14="http://schemas.microsoft.com/office/drawing/2010/main">
-                  <a:solidFill>
-                    <a:srgbClr val="FFFFFF"/>
-                  </a:solidFill>
-                </a14:hiddenFill>
-              </a:ext>
-            </a:extLst>
-          </p:spPr>
-        </p:pic>
-        <p:sp>
-          <p:nvSpPr>
-            <p:cNvPr id="15" name="TextBox 14"/>
-            <p:cNvSpPr txBox="1"/>
-            <p:nvPr/>
-          </p:nvSpPr>
-          <p:spPr>
-            <a:xfrm>
-              <a:off x="4483037" y="6079351"/>
-              <a:ext cx="1380686" cy="307776"/>
-            </a:xfrm>
-            <a:prstGeom prst="rect">
-              <a:avLst/>
-            </a:prstGeom>
-            <a:noFill/>
-          </p:spPr>
-          <p:txBody>
-            <a:bodyPr wrap="square" rtlCol="0">
-              <a:spAutoFit/>
-            </a:bodyPr>
-            <a:lstStyle/>
-            <a:p>
-              <a:r>
-                <a:rPr lang="en-US" altLang="ko-KR" sz="900" dirty="0"/>
-                <a:t>Intel CPU (Xeon)</a:t>
-              </a:r>
-              <a:endParaRPr lang="ko-KR" altLang="en-US" sz="900" dirty="0"/>
-            </a:p>
-          </p:txBody>
-        </p:sp>
-      </p:grpSp>
-      <p:sp>
-        <p:nvSpPr>
-          <p:cNvPr id="16" name="TextBox 15"/>
-          <p:cNvSpPr txBox="1"/>
-          <p:nvPr/>
-        </p:nvSpPr>
-        <p:spPr>
-          <a:xfrm>
-            <a:off x="6708799" y="5375368"/>
-            <a:ext cx="1247775" cy="230832"/>
-          </a:xfrm>
-          <a:prstGeom prst="rect">
-            <a:avLst/>
-          </a:prstGeom>
-          <a:noFill/>
-        </p:spPr>
-        <p:txBody>
-          <a:bodyPr wrap="square" rtlCol="0">
-            <a:spAutoFit/>
-          </a:bodyPr>
-          <a:lstStyle/>
-          <a:p>
-            <a:r>
-              <a:rPr lang="en-US" altLang="ko-KR" sz="900" dirty="0"/>
-              <a:t>NPU, etc…</a:t>
-            </a:r>
-            <a:endParaRPr lang="ko-KR" altLang="en-US" sz="900" dirty="0"/>
-          </a:p>
-        </p:txBody>
-      </p:sp>
-    </p:spTree>
-    <p:extLst>
-      <p:ext uri="{BB962C8B-B14F-4D97-AF65-F5344CB8AC3E}">
-        <p14:creationId xmlns:p14="http://schemas.microsoft.com/office/powerpoint/2010/main" val="3266596539"/>
-      </p:ext>
-    </p:extLst>
-  </p:cSld>
-  <p:clrMapOvr>
-    <a:masterClrMapping/>
-  </p:clrMapOvr>
-</p:sld>
-</file>
-
-<file path=ppt/slides/slide40.xml><?xml version="1.0" encoding="utf-8"?>
-<p:sld xmlns:a="http://schemas.openxmlformats.org/drawingml/2006/main" xmlns:r="http://schemas.openxmlformats.org/officeDocument/2006/relationships" xmlns:p="http://schemas.openxmlformats.org/presentationml/2006/main">
-  <p:cSld>
-    <p:spTree>
-      <p:nvGrpSpPr>
-        <p:cNvPr id="1" name=""/>
-        <p:cNvGrpSpPr/>
-        <p:nvPr/>
-      </p:nvGrpSpPr>
-      <p:grpSpPr>
-        <a:xfrm>
-          <a:off x="0" y="0"/>
-          <a:ext cx="0" cy="0"/>
-          <a:chOff x="0" y="0"/>
-          <a:chExt cx="0" cy="0"/>
-        </a:xfrm>
-      </p:grpSpPr>
-      <p:sp>
-        <p:nvSpPr>
-          <p:cNvPr id="2" name="제목 1"/>
-          <p:cNvSpPr>
-            <a:spLocks noGrp="1"/>
-          </p:cNvSpPr>
-          <p:nvPr>
-            <p:ph type="title"/>
-          </p:nvPr>
-        </p:nvSpPr>
-        <p:spPr/>
-        <p:txBody>
-          <a:bodyPr/>
-          <a:lstStyle/>
-          <a:p>
-            <a:r>
-              <a:rPr lang="en-US" altLang="ko-KR" dirty="0"/>
-              <a:t>FC Module</a:t>
-            </a:r>
-            <a:endParaRPr lang="ko-KR" altLang="en-US" dirty="0"/>
-          </a:p>
-        </p:txBody>
-      </p:sp>
-      <p:sp>
-        <p:nvSpPr>
-          <p:cNvPr id="3" name="내용 개체 틀 2"/>
-          <p:cNvSpPr>
-            <a:spLocks noGrp="1"/>
-          </p:cNvSpPr>
-          <p:nvPr>
-            <p:ph sz="quarter" idx="1"/>
-          </p:nvPr>
-        </p:nvSpPr>
-        <p:spPr/>
-        <p:txBody>
-          <a:bodyPr/>
-          <a:lstStyle/>
-          <a:p>
-            <a:r>
-              <a:rPr lang="en-US" altLang="ko-KR" dirty="0"/>
-              <a:t>Module</a:t>
-            </a:r>
-          </a:p>
-          <a:p>
-            <a:pPr lvl="1"/>
-            <a:r>
-              <a:rPr lang="en-US" altLang="ko-KR" dirty="0"/>
-              <a:t>Control</a:t>
-            </a:r>
-          </a:p>
-          <a:p>
-            <a:pPr lvl="1"/>
-            <a:r>
-              <a:rPr lang="en-US" altLang="ko-KR" dirty="0"/>
-              <a:t>MAC (input format: 8-bit 2’s fixed-point)</a:t>
-            </a:r>
-          </a:p>
-          <a:p>
-            <a:pPr lvl="1"/>
-            <a:r>
-              <a:rPr lang="en-US" altLang="ko-KR" dirty="0"/>
-              <a:t>AXI-stream</a:t>
-            </a:r>
-          </a:p>
-          <a:p>
-            <a:pPr lvl="1"/>
-            <a:endParaRPr lang="en-US" altLang="ko-KR" dirty="0"/>
-          </a:p>
-          <a:p>
-            <a:r>
-              <a:rPr lang="en-US" altLang="ko-KR" dirty="0"/>
-              <a:t>Ports</a:t>
-            </a:r>
-          </a:p>
-          <a:p>
-            <a:pPr lvl="1"/>
-            <a:r>
-              <a:rPr lang="en-US" altLang="ko-KR" dirty="0"/>
-              <a:t>APB signal </a:t>
-            </a:r>
-          </a:p>
-          <a:p>
-            <a:pPr lvl="1"/>
-            <a:r>
-              <a:rPr lang="en-US" altLang="ko-KR" dirty="0"/>
-              <a:t>AXI-stream</a:t>
-            </a:r>
-          </a:p>
-        </p:txBody>
-      </p:sp>
-    </p:spTree>
-    <p:extLst>
-      <p:ext uri="{BB962C8B-B14F-4D97-AF65-F5344CB8AC3E}">
-        <p14:creationId xmlns:p14="http://schemas.microsoft.com/office/powerpoint/2010/main" val="579837987"/>
-      </p:ext>
-    </p:extLst>
-  </p:cSld>
-  <p:clrMapOvr>
-    <a:masterClrMapping/>
-  </p:clrMapOvr>
-</p:sld>
-</file>
-
 <file path=ppt/slides/slide41.xml><?xml version="1.0" encoding="utf-8"?>
 <p:sld xmlns:a="http://schemas.openxmlformats.org/drawingml/2006/main" xmlns:r="http://schemas.openxmlformats.org/officeDocument/2006/relationships" xmlns:p="http://schemas.openxmlformats.org/presentationml/2006/main">
   <p:cSld>
@@ -18717,95 +21102,60 @@
           <a:p>
             <a:r>
               <a:rPr lang="en-US" altLang="ko-KR" dirty="0"/>
-              <a:t>AXI-Stream</a:t>
+              <a:t>Module</a:t>
             </a:r>
           </a:p>
           <a:p>
             <a:pPr lvl="1"/>
             <a:r>
               <a:rPr lang="en-US" altLang="ko-KR" dirty="0"/>
-              <a:t>I/O ports are given</a:t>
+              <a:t>Control</a:t>
             </a:r>
           </a:p>
           <a:p>
             <a:pPr lvl="1"/>
             <a:r>
               <a:rPr lang="en-US" altLang="ko-KR" dirty="0"/>
-              <a:t>Unnecessary pins are fixed to default</a:t>
-            </a:r>
-          </a:p>
-          <a:p>
-            <a:r>
-              <a:rPr lang="en-US" altLang="ko-KR" dirty="0"/>
-              <a:t>S_AXI: receive the data </a:t>
-            </a:r>
-          </a:p>
-          <a:p>
-            <a:r>
-              <a:rPr lang="en-US" altLang="ko-KR" dirty="0"/>
-              <a:t>M_AXI: send the data</a:t>
-            </a:r>
-          </a:p>
-          <a:p>
+              <a:t>MAC (input format: 8-bit 2’s fixed-point)</a:t>
+            </a:r>
+          </a:p>
+          <a:p>
+            <a:pPr lvl="1"/>
+            <a:r>
+              <a:rPr lang="en-US" altLang="ko-KR" dirty="0"/>
+              <a:t>AXI-stream</a:t>
+            </a:r>
+          </a:p>
+          <a:p>
+            <a:pPr lvl="1"/>
             <a:endParaRPr lang="en-US" altLang="ko-KR" dirty="0"/>
           </a:p>
           <a:p>
             <a:r>
               <a:rPr lang="en-US" altLang="ko-KR" dirty="0"/>
-              <a:t>The AXIS protocol ports for sending data</a:t>
+              <a:t>Ports</a:t>
             </a:r>
           </a:p>
           <a:p>
             <a:pPr lvl="1"/>
             <a:r>
-              <a:rPr lang="en-US" altLang="ko-KR" dirty="0" err="1"/>
-              <a:t>m_axis_tdata</a:t>
-            </a:r>
-            <a:r>
-              <a:rPr lang="en-US" altLang="ko-KR" dirty="0"/>
-              <a:t>, </a:t>
-            </a:r>
-            <a:r>
-              <a:rPr lang="en-US" altLang="ko-KR"/>
-              <a:t>m_axis</a:t>
-            </a:r>
-            <a:r>
-              <a:rPr lang="en-US" altLang="ko-KR" dirty="0" err="1"/>
-              <a:t>_tlast</a:t>
-            </a:r>
-            <a:r>
-              <a:rPr lang="en-US" altLang="ko-KR" dirty="0"/>
-              <a:t>, </a:t>
-            </a:r>
-            <a:r>
-              <a:rPr lang="en-US" altLang="ko-KR" dirty="0" err="1"/>
-              <a:t>m_axis_tvalid</a:t>
-            </a:r>
-            <a:endParaRPr lang="en-US" altLang="ko-KR" dirty="0"/>
-          </a:p>
-          <a:p>
-            <a:r>
-              <a:rPr lang="en-US" altLang="ko-KR" dirty="0"/>
-              <a:t>The AXIS protocol port for receiving data:</a:t>
+              <a:rPr lang="en-US" altLang="ko-KR" dirty="0"/>
+              <a:t>APB signal </a:t>
             </a:r>
           </a:p>
           <a:p>
             <a:pPr lvl="1"/>
             <a:r>
-              <a:rPr lang="en-US" altLang="ko-KR" dirty="0" err="1"/>
-              <a:t>s_axis_tready</a:t>
-            </a:r>
-            <a:endParaRPr lang="ko-KR" altLang="en-US" dirty="0"/>
-          </a:p>
-          <a:p>
-            <a:endParaRPr lang="en-US" altLang="ko-KR" dirty="0"/>
+              <a:rPr lang="en-US" altLang="ko-KR" dirty="0"/>
+              <a:t>AXI-stream</a:t>
+            </a:r>
           </a:p>
         </p:txBody>
       </p:sp>
     </p:spTree>
     <p:extLst>
       <p:ext uri="{BB962C8B-B14F-4D97-AF65-F5344CB8AC3E}">
-        <p14:creationId xmlns:p14="http://schemas.microsoft.com/office/powerpoint/2010/main" val="3490209779"/>
+        <p14:creationId xmlns:p14="http://schemas.microsoft.com/office/powerpoint/2010/main" val="579837987"/>
       </p:ext>
     </p:extLst>
   </p:cSld>
@@ -18867,6 +21217,161 @@
         </p:nvSpPr>
         <p:spPr/>
         <p:txBody>
+          <a:bodyPr/>
+          <a:lstStyle/>
+          <a:p>
+            <a:r>
+              <a:rPr lang="en-US" altLang="ko-KR" dirty="0"/>
+              <a:t>AXI-Stream</a:t>
+            </a:r>
+          </a:p>
+          <a:p>
+            <a:pPr lvl="1"/>
+            <a:r>
+              <a:rPr lang="en-US" altLang="ko-KR" dirty="0"/>
+              <a:t>I/O ports are given</a:t>
+            </a:r>
+          </a:p>
+          <a:p>
+            <a:pPr lvl="1"/>
+            <a:r>
+              <a:rPr lang="en-US" altLang="ko-KR" dirty="0"/>
+              <a:t>Unnecessary pins are fixed to default</a:t>
+            </a:r>
+          </a:p>
+          <a:p>
+            <a:r>
+              <a:rPr lang="en-US" altLang="ko-KR" dirty="0"/>
+              <a:t>S_AXI: receive the data </a:t>
+            </a:r>
+          </a:p>
+          <a:p>
+            <a:r>
+              <a:rPr lang="en-US" altLang="ko-KR" dirty="0"/>
+              <a:t>M_AXI: send the data</a:t>
+            </a:r>
+          </a:p>
+          <a:p>
+            <a:endParaRPr lang="en-US" altLang="ko-KR" dirty="0"/>
+          </a:p>
+          <a:p>
+            <a:r>
+              <a:rPr lang="en-US" altLang="ko-KR" dirty="0"/>
+              <a:t>The AXIS protocol ports for sending data</a:t>
+            </a:r>
+          </a:p>
+          <a:p>
+            <a:pPr lvl="1"/>
+            <a:r>
+              <a:rPr lang="en-US" altLang="ko-KR" dirty="0" err="1"/>
+              <a:t>m_axis_tdata</a:t>
+            </a:r>
+            <a:r>
+              <a:rPr lang="en-US" altLang="ko-KR" dirty="0"/>
+              <a:t>, </a:t>
+            </a:r>
+            <a:r>
+              <a:rPr lang="en-US" altLang="ko-KR"/>
+              <a:t>m_axis</a:t>
+            </a:r>
+            <a:r>
+              <a:rPr lang="en-US" altLang="ko-KR" dirty="0" err="1"/>
+              <a:t>_tlast</a:t>
+            </a:r>
+            <a:r>
+              <a:rPr lang="en-US" altLang="ko-KR" dirty="0"/>
+              <a:t>, </a:t>
+            </a:r>
+            <a:r>
+              <a:rPr lang="en-US" altLang="ko-KR" dirty="0" err="1"/>
+              <a:t>m_axis_tvalid</a:t>
+            </a:r>
+            <a:endParaRPr lang="en-US" altLang="ko-KR" dirty="0"/>
+          </a:p>
+          <a:p>
+            <a:r>
+              <a:rPr lang="en-US" altLang="ko-KR" dirty="0"/>
+              <a:t>The AXIS protocol port for receiving data:</a:t>
+            </a:r>
+          </a:p>
+          <a:p>
+            <a:pPr lvl="1"/>
+            <a:r>
+              <a:rPr lang="en-US" altLang="ko-KR" dirty="0" err="1"/>
+              <a:t>s_axis_tready</a:t>
+            </a:r>
+            <a:endParaRPr lang="ko-KR" altLang="en-US" dirty="0"/>
+          </a:p>
+          <a:p>
+            <a:endParaRPr lang="en-US" altLang="ko-KR" dirty="0"/>
+          </a:p>
+        </p:txBody>
+      </p:sp>
+    </p:spTree>
+    <p:extLst>
+      <p:ext uri="{BB962C8B-B14F-4D97-AF65-F5344CB8AC3E}">
+        <p14:creationId xmlns:p14="http://schemas.microsoft.com/office/powerpoint/2010/main" val="3490209779"/>
+      </p:ext>
+    </p:extLst>
+  </p:cSld>
+  <p:clrMapOvr>
+    <a:masterClrMapping/>
+  </p:clrMapOvr>
+</p:sld>
+</file>
+
+<file path=ppt/slides/slide43.xml><?xml version="1.0" encoding="utf-8"?>
+<p:sld xmlns:a="http://schemas.openxmlformats.org/drawingml/2006/main" xmlns:r="http://schemas.openxmlformats.org/officeDocument/2006/relationships" xmlns:p="http://schemas.openxmlformats.org/presentationml/2006/main">
+  <p:cSld>
+    <p:spTree>
+      <p:nvGrpSpPr>
+        <p:cNvPr id="1" name=""/>
+        <p:cNvGrpSpPr/>
+        <p:nvPr/>
+      </p:nvGrpSpPr>
+      <p:grpSpPr>
+        <a:xfrm>
+          <a:off x="0" y="0"/>
+          <a:ext cx="0" cy="0"/>
+          <a:chOff x="0" y="0"/>
+          <a:chExt cx="0" cy="0"/>
+        </a:xfrm>
+      </p:grpSpPr>
+      <p:sp>
+        <p:nvSpPr>
+          <p:cNvPr id="2" name="제목 1"/>
+          <p:cNvSpPr>
+            <a:spLocks noGrp="1"/>
+          </p:cNvSpPr>
+          <p:nvPr>
+            <p:ph type="title"/>
+          </p:nvPr>
+        </p:nvSpPr>
+        <p:spPr/>
+        <p:txBody>
+          <a:bodyPr/>
+          <a:lstStyle/>
+          <a:p>
+            <a:r>
+              <a:rPr lang="en-US" altLang="ko-KR" dirty="0"/>
+              <a:t>FC Module</a:t>
+            </a:r>
+            <a:endParaRPr lang="ko-KR" altLang="en-US" dirty="0"/>
+          </a:p>
+        </p:txBody>
+      </p:sp>
+      <p:sp>
+        <p:nvSpPr>
+          <p:cNvPr id="3" name="내용 개체 틀 2"/>
+          <p:cNvSpPr>
+            <a:spLocks noGrp="1"/>
+          </p:cNvSpPr>
+          <p:nvPr>
+            <p:ph sz="quarter" idx="1"/>
+          </p:nvPr>
+        </p:nvSpPr>
+        <p:spPr/>
+        <p:txBody>
           <a:bodyPr>
             <a:normAutofit lnSpcReduction="10000"/>
           </a:bodyPr>
@@ -19017,7 +21522,7 @@
 </p:sld>
 </file>
 
-<file path=ppt/slides/slide43.xml><?xml version="1.0" encoding="utf-8"?>
+<file path=ppt/slides/slide44.xml><?xml version="1.0" encoding="utf-8"?>
 <p:sld xmlns:a="http://schemas.openxmlformats.org/drawingml/2006/main" xmlns:r="http://schemas.openxmlformats.org/officeDocument/2006/relationships" xmlns:p="http://schemas.openxmlformats.org/presentationml/2006/main">
   <p:cSld>
     <p:spTree>
@@ -19597,7 +22102,7 @@
 </p:sld>
 </file>
 
-<file path=ppt/slides/slide44.xml><?xml version="1.0" encoding="utf-8"?>
+<file path=ppt/slides/slide45.xml><?xml version="1.0" encoding="utf-8"?>
 <p:sld xmlns:a="http://schemas.openxmlformats.org/drawingml/2006/main" xmlns:r="http://schemas.openxmlformats.org/officeDocument/2006/relationships" xmlns:p="http://schemas.openxmlformats.org/presentationml/2006/main">
   <p:cSld>
     <p:spTree>
@@ -20353,136 +22858,6 @@
 </p:sld>
 </file>
 
-<file path=ppt/slides/slide45.xml><?xml version="1.0" encoding="utf-8"?>
-<p:sld xmlns:a="http://schemas.openxmlformats.org/drawingml/2006/main" xmlns:r="http://schemas.openxmlformats.org/officeDocument/2006/relationships" xmlns:p="http://schemas.openxmlformats.org/presentationml/2006/main">
-  <p:cSld>
-    <p:spTree>
-      <p:nvGrpSpPr>
-        <p:cNvPr id="1" name=""/>
-        <p:cNvGrpSpPr/>
-        <p:nvPr/>
-      </p:nvGrpSpPr>
-      <p:grpSpPr>
-        <a:xfrm>
-          <a:off x="0" y="0"/>
-          <a:ext cx="0" cy="0"/>
-          <a:chOff x="0" y="0"/>
-          <a:chExt cx="0" cy="0"/>
-        </a:xfrm>
-      </p:grpSpPr>
-      <p:sp>
-        <p:nvSpPr>
-          <p:cNvPr id="2" name="제목 1"/>
-          <p:cNvSpPr>
-            <a:spLocks noGrp="1"/>
-          </p:cNvSpPr>
-          <p:nvPr>
-            <p:ph type="title"/>
-          </p:nvPr>
-        </p:nvSpPr>
-        <p:spPr/>
-        <p:txBody>
-          <a:bodyPr/>
-          <a:lstStyle/>
-          <a:p>
-            <a:r>
-              <a:rPr lang="en-US" altLang="ko-KR" dirty="0"/>
-              <a:t>Conv Module</a:t>
-            </a:r>
-            <a:endParaRPr lang="ko-KR" altLang="en-US" dirty="0"/>
-          </a:p>
-        </p:txBody>
-      </p:sp>
-      <p:sp>
-        <p:nvSpPr>
-          <p:cNvPr id="3" name="내용 개체 틀 2"/>
-          <p:cNvSpPr>
-            <a:spLocks noGrp="1"/>
-          </p:cNvSpPr>
-          <p:nvPr>
-            <p:ph sz="quarter" idx="1"/>
-          </p:nvPr>
-        </p:nvSpPr>
-        <p:spPr/>
-        <p:txBody>
-          <a:bodyPr/>
-          <a:lstStyle/>
-          <a:p>
-            <a:r>
-              <a:rPr lang="en-US" altLang="ko-KR" dirty="0"/>
-              <a:t>Module</a:t>
-            </a:r>
-          </a:p>
-          <a:p>
-            <a:pPr lvl="1"/>
-            <a:r>
-              <a:rPr lang="en-US" altLang="ko-KR" dirty="0"/>
-              <a:t>Control</a:t>
-            </a:r>
-          </a:p>
-          <a:p>
-            <a:pPr lvl="1"/>
-            <a:r>
-              <a:rPr lang="en-US" altLang="ko-KR" dirty="0"/>
-              <a:t>Systolic Array</a:t>
-            </a:r>
-          </a:p>
-          <a:p>
-            <a:pPr lvl="2"/>
-            <a:r>
-              <a:rPr lang="en-US" altLang="ko-KR" dirty="0"/>
-              <a:t>PE (=MAC) (input format: 8-bit 2’s fixed point)</a:t>
-            </a:r>
-          </a:p>
-          <a:p>
-            <a:pPr lvl="1"/>
-            <a:r>
-              <a:rPr lang="en-US" altLang="ko-KR" dirty="0"/>
-              <a:t>AXI-stream</a:t>
-            </a:r>
-          </a:p>
-          <a:p>
-            <a:pPr lvl="1"/>
-            <a:endParaRPr lang="en-US" altLang="ko-KR" dirty="0"/>
-          </a:p>
-          <a:p>
-            <a:r>
-              <a:rPr lang="en-US" altLang="ko-KR" dirty="0"/>
-              <a:t>Port</a:t>
-            </a:r>
-          </a:p>
-          <a:p>
-            <a:pPr lvl="1"/>
-            <a:r>
-              <a:rPr lang="en-US" altLang="ko-KR" dirty="0"/>
-              <a:t>APB signal</a:t>
-            </a:r>
-          </a:p>
-          <a:p>
-            <a:pPr lvl="1"/>
-            <a:r>
-              <a:rPr lang="en-US" altLang="ko-KR" dirty="0"/>
-              <a:t>AXI-stream</a:t>
-            </a:r>
-          </a:p>
-          <a:p>
-            <a:endParaRPr lang="ko-KR" altLang="en-US" dirty="0"/>
-          </a:p>
-        </p:txBody>
-      </p:sp>
-    </p:spTree>
-    <p:extLst>
-      <p:ext uri="{BB962C8B-B14F-4D97-AF65-F5344CB8AC3E}">
-        <p14:creationId xmlns:p14="http://schemas.microsoft.com/office/powerpoint/2010/main" val="3007214995"/>
-      </p:ext>
-    </p:extLst>
-  </p:cSld>
-  <p:clrMapOvr>
-    <a:masterClrMapping/>
-  </p:clrMapOvr>
-</p:sld>
-</file>
-
 <file path=ppt/slides/slide46.xml><?xml version="1.0" encoding="utf-8"?>
 <p:sld xmlns:a="http://schemas.openxmlformats.org/drawingml/2006/main" xmlns:r="http://schemas.openxmlformats.org/officeDocument/2006/relationships" xmlns:p="http://schemas.openxmlformats.org/presentationml/2006/main">
   <p:cSld>
@@ -20516,12 +22891,8 @@
           <a:lstStyle/>
           <a:p>
             <a:r>
-              <a:rPr lang="en-US" altLang="ko-KR" dirty="0" err="1"/>
-              <a:t>Conv</a:t>
-            </a:r>
-            <a:r>
-              <a:rPr lang="en-US" altLang="ko-KR" dirty="0"/>
-              <a:t> Module</a:t>
+              <a:rPr lang="en-US" altLang="ko-KR" dirty="0"/>
+              <a:t>Conv Module</a:t>
             </a:r>
             <a:endParaRPr lang="ko-KR" altLang="en-US" dirty="0"/>
           </a:p>
@@ -20544,81 +22915,60 @@
           <a:p>
             <a:r>
               <a:rPr lang="en-US" altLang="ko-KR" dirty="0"/>
-              <a:t>AXI-Stream</a:t>
+              <a:t>Module</a:t>
             </a:r>
           </a:p>
           <a:p>
             <a:pPr lvl="1"/>
             <a:r>
               <a:rPr lang="en-US" altLang="ko-KR" dirty="0"/>
-              <a:t>I/O ports are given</a:t>
+              <a:t>Control</a:t>
             </a:r>
           </a:p>
           <a:p>
             <a:pPr lvl="1"/>
             <a:r>
               <a:rPr lang="en-US" altLang="ko-KR" dirty="0"/>
-              <a:t>Unnecessary pins are fixed to default</a:t>
-            </a:r>
-          </a:p>
-          <a:p>
-            <a:r>
-              <a:rPr lang="en-US" altLang="ko-KR" dirty="0"/>
-              <a:t>S_AXI: receive the data</a:t>
-            </a:r>
-          </a:p>
-          <a:p>
-            <a:r>
-              <a:rPr lang="en-US" altLang="ko-KR" dirty="0"/>
-              <a:t>M_AXI: send the data</a:t>
-            </a:r>
-          </a:p>
-          <a:p>
+              <a:t>Systolic Array</a:t>
+            </a:r>
+          </a:p>
+          <a:p>
+            <a:pPr lvl="2"/>
+            <a:r>
+              <a:rPr lang="en-US" altLang="ko-KR" dirty="0"/>
+              <a:t>PE (=MAC) (input format: 8-bit 2’s fixed point)</a:t>
+            </a:r>
+          </a:p>
+          <a:p>
+            <a:pPr lvl="1"/>
+            <a:r>
+              <a:rPr lang="en-US" altLang="ko-KR" dirty="0"/>
+              <a:t>AXI-stream</a:t>
+            </a:r>
+          </a:p>
+          <a:p>
+            <a:pPr lvl="1"/>
             <a:endParaRPr lang="en-US" altLang="ko-KR" dirty="0"/>
           </a:p>
           <a:p>
             <a:r>
               <a:rPr lang="en-US" altLang="ko-KR" dirty="0"/>
-              <a:t>The AXIS protocol ports for sending data</a:t>
+              <a:t>Port</a:t>
             </a:r>
           </a:p>
           <a:p>
             <a:pPr lvl="1"/>
             <a:r>
-              <a:rPr lang="en-US" altLang="ko-KR" dirty="0" err="1"/>
-              <a:t>m_axis_tdata</a:t>
-            </a:r>
-            <a:r>
-              <a:rPr lang="en-US" altLang="ko-KR" dirty="0"/>
-              <a:t>, </a:t>
-            </a:r>
-            <a:r>
-              <a:rPr lang="en-US" altLang="ko-KR" dirty="0" err="1"/>
-              <a:t>m_axis_tlast</a:t>
-            </a:r>
-            <a:r>
-              <a:rPr lang="en-US" altLang="ko-KR" dirty="0"/>
-              <a:t>, </a:t>
-            </a:r>
-            <a:r>
-              <a:rPr lang="en-US" altLang="ko-KR" dirty="0" err="1"/>
-              <a:t>m_axis_tvalid</a:t>
-            </a:r>
-            <a:endParaRPr lang="en-US" altLang="ko-KR" dirty="0"/>
-          </a:p>
-          <a:p>
-            <a:r>
-              <a:rPr lang="en-US" altLang="ko-KR" dirty="0"/>
-              <a:t>The AXIS protocol port for receiving data:</a:t>
+              <a:rPr lang="en-US" altLang="ko-KR" dirty="0"/>
+              <a:t>APB signal</a:t>
             </a:r>
           </a:p>
           <a:p>
             <a:pPr lvl="1"/>
             <a:r>
-              <a:rPr lang="en-US" altLang="ko-KR" dirty="0" err="1"/>
-              <a:t>s_axis_tready</a:t>
-            </a:r>
-            <a:endParaRPr lang="ko-KR" altLang="en-US" dirty="0"/>
+              <a:rPr lang="en-US" altLang="ko-KR" dirty="0"/>
+              <a:t>AXI-stream</a:t>
+            </a:r>
           </a:p>
           <a:p>
             <a:endParaRPr lang="ko-KR" altLang="en-US" dirty="0"/>
@@ -20628,7 +22978,7 @@
     </p:spTree>
     <p:extLst>
       <p:ext uri="{BB962C8B-B14F-4D97-AF65-F5344CB8AC3E}">
-        <p14:creationId xmlns:p14="http://schemas.microsoft.com/office/powerpoint/2010/main" val="1212092438"/>
+        <p14:creationId xmlns:p14="http://schemas.microsoft.com/office/powerpoint/2010/main" val="3007214995"/>
       </p:ext>
     </p:extLst>
   </p:cSld>
@@ -20699,7 +23049,162 @@
           <a:p>
             <a:r>
               <a:rPr lang="en-US" altLang="ko-KR" dirty="0"/>
-              <a:t>I/O Ports</a:t>
+              <a:t>AXI-Stream</a:t>
+            </a:r>
+          </a:p>
+          <a:p>
+            <a:pPr lvl="1"/>
+            <a:r>
+              <a:rPr lang="en-US" altLang="ko-KR" dirty="0"/>
+              <a:t>I/O ports are given</a:t>
+            </a:r>
+          </a:p>
+          <a:p>
+            <a:pPr lvl="1"/>
+            <a:r>
+              <a:rPr lang="en-US" altLang="ko-KR" dirty="0"/>
+              <a:t>Unnecessary pins are fixed to default</a:t>
+            </a:r>
+          </a:p>
+          <a:p>
+            <a:r>
+              <a:rPr lang="en-US" altLang="ko-KR" dirty="0"/>
+              <a:t>S_AXI: receive the data</a:t>
+            </a:r>
+          </a:p>
+          <a:p>
+            <a:r>
+              <a:rPr lang="en-US" altLang="ko-KR" dirty="0"/>
+              <a:t>M_AXI: send the data</a:t>
+            </a:r>
+          </a:p>
+          <a:p>
+            <a:endParaRPr lang="en-US" altLang="ko-KR" dirty="0"/>
+          </a:p>
+          <a:p>
+            <a:r>
+              <a:rPr lang="en-US" altLang="ko-KR" dirty="0"/>
+              <a:t>The AXIS protocol ports for sending data</a:t>
+            </a:r>
+          </a:p>
+          <a:p>
+            <a:pPr lvl="1"/>
+            <a:r>
+              <a:rPr lang="en-US" altLang="ko-KR" dirty="0" err="1"/>
+              <a:t>m_axis_tdata</a:t>
+            </a:r>
+            <a:r>
+              <a:rPr lang="en-US" altLang="ko-KR" dirty="0"/>
+              <a:t>, </a:t>
+            </a:r>
+            <a:r>
+              <a:rPr lang="en-US" altLang="ko-KR" dirty="0" err="1"/>
+              <a:t>m_axis_tlast</a:t>
+            </a:r>
+            <a:r>
+              <a:rPr lang="en-US" altLang="ko-KR" dirty="0"/>
+              <a:t>, </a:t>
+            </a:r>
+            <a:r>
+              <a:rPr lang="en-US" altLang="ko-KR" dirty="0" err="1"/>
+              <a:t>m_axis_tvalid</a:t>
+            </a:r>
+            <a:endParaRPr lang="en-US" altLang="ko-KR" dirty="0"/>
+          </a:p>
+          <a:p>
+            <a:r>
+              <a:rPr lang="en-US" altLang="ko-KR" dirty="0"/>
+              <a:t>The AXIS protocol port for receiving data:</a:t>
+            </a:r>
+          </a:p>
+          <a:p>
+            <a:pPr lvl="1"/>
+            <a:r>
+              <a:rPr lang="en-US" altLang="ko-KR" dirty="0" err="1"/>
+              <a:t>s_axis_tready</a:t>
+            </a:r>
+            <a:endParaRPr lang="ko-KR" altLang="en-US" dirty="0"/>
+          </a:p>
+          <a:p>
+            <a:endParaRPr lang="ko-KR" altLang="en-US" dirty="0"/>
+          </a:p>
+        </p:txBody>
+      </p:sp>
+    </p:spTree>
+    <p:extLst>
+      <p:ext uri="{BB962C8B-B14F-4D97-AF65-F5344CB8AC3E}">
+        <p14:creationId xmlns:p14="http://schemas.microsoft.com/office/powerpoint/2010/main" val="1212092438"/>
+      </p:ext>
+    </p:extLst>
+  </p:cSld>
+  <p:clrMapOvr>
+    <a:masterClrMapping/>
+  </p:clrMapOvr>
+</p:sld>
+</file>
+
+<file path=ppt/slides/slide48.xml><?xml version="1.0" encoding="utf-8"?>
+<p:sld xmlns:a="http://schemas.openxmlformats.org/drawingml/2006/main" xmlns:r="http://schemas.openxmlformats.org/officeDocument/2006/relationships" xmlns:p="http://schemas.openxmlformats.org/presentationml/2006/main">
+  <p:cSld>
+    <p:spTree>
+      <p:nvGrpSpPr>
+        <p:cNvPr id="1" name=""/>
+        <p:cNvGrpSpPr/>
+        <p:nvPr/>
+      </p:nvGrpSpPr>
+      <p:grpSpPr>
+        <a:xfrm>
+          <a:off x="0" y="0"/>
+          <a:ext cx="0" cy="0"/>
+          <a:chOff x="0" y="0"/>
+          <a:chExt cx="0" cy="0"/>
+        </a:xfrm>
+      </p:grpSpPr>
+      <p:sp>
+        <p:nvSpPr>
+          <p:cNvPr id="2" name="제목 1"/>
+          <p:cNvSpPr>
+            <a:spLocks noGrp="1"/>
+          </p:cNvSpPr>
+          <p:nvPr>
+            <p:ph type="title"/>
+          </p:nvPr>
+        </p:nvSpPr>
+        <p:spPr/>
+        <p:txBody>
+          <a:bodyPr/>
+          <a:lstStyle/>
+          <a:p>
+            <a:r>
+              <a:rPr lang="en-US" altLang="ko-KR" dirty="0" err="1"/>
+              <a:t>Conv</a:t>
+            </a:r>
+            <a:r>
+              <a:rPr lang="en-US" altLang="ko-KR" dirty="0"/>
+              <a:t> Module</a:t>
+            </a:r>
+            <a:endParaRPr lang="ko-KR" altLang="en-US" dirty="0"/>
+          </a:p>
+        </p:txBody>
+      </p:sp>
+      <p:sp>
+        <p:nvSpPr>
+          <p:cNvPr id="3" name="내용 개체 틀 2"/>
+          <p:cNvSpPr>
+            <a:spLocks noGrp="1"/>
+          </p:cNvSpPr>
+          <p:nvPr>
+            <p:ph sz="quarter" idx="1"/>
+          </p:nvPr>
+        </p:nvSpPr>
+        <p:spPr/>
+        <p:txBody>
+          <a:bodyPr/>
+          <a:lstStyle/>
+          <a:p>
+            <a:r>
+              <a:rPr lang="en-US" altLang="ko-KR" dirty="0"/>
+              <a:t>APB I/O Ports</a:t>
             </a:r>
           </a:p>
           <a:p>
@@ -20803,7 +23308,7 @@
 </p:sld>
 </file>
 
-<file path=ppt/slides/slide48.xml><?xml version="1.0" encoding="utf-8"?>
+<file path=ppt/slides/slide49.xml><?xml version="1.0" encoding="utf-8"?>
 <p:sld xmlns:a="http://schemas.openxmlformats.org/drawingml/2006/main" xmlns:r="http://schemas.openxmlformats.org/officeDocument/2006/relationships" xmlns:p="http://schemas.openxmlformats.org/presentationml/2006/main">
   <p:cSld>
     <p:spTree>
@@ -21387,7 +23892,170 @@
 </p:sld>
 </file>
 
-<file path=ppt/slides/slide49.xml><?xml version="1.0" encoding="utf-8"?>
+<file path=ppt/slides/slide5.xml><?xml version="1.0" encoding="utf-8"?>
+<p:sld xmlns:a="http://schemas.openxmlformats.org/drawingml/2006/main" xmlns:r="http://schemas.openxmlformats.org/officeDocument/2006/relationships" xmlns:p="http://schemas.openxmlformats.org/presentationml/2006/main">
+  <p:cSld>
+    <p:spTree>
+      <p:nvGrpSpPr>
+        <p:cNvPr id="1" name=""/>
+        <p:cNvGrpSpPr/>
+        <p:nvPr/>
+      </p:nvGrpSpPr>
+      <p:grpSpPr>
+        <a:xfrm>
+          <a:off x="0" y="0"/>
+          <a:ext cx="0" cy="0"/>
+          <a:chOff x="0" y="0"/>
+          <a:chExt cx="0" cy="0"/>
+        </a:xfrm>
+      </p:grpSpPr>
+      <p:sp>
+        <p:nvSpPr>
+          <p:cNvPr id="2" name="제목 1"/>
+          <p:cNvSpPr>
+            <a:spLocks noGrp="1"/>
+          </p:cNvSpPr>
+          <p:nvPr>
+            <p:ph type="title"/>
+          </p:nvPr>
+        </p:nvSpPr>
+        <p:spPr/>
+        <p:txBody>
+          <a:bodyPr/>
+          <a:lstStyle/>
+          <a:p>
+            <a:r>
+              <a:rPr lang="en-US" altLang="ko-KR" dirty="0"/>
+              <a:t>Project Goal</a:t>
+            </a:r>
+            <a:endParaRPr lang="ko-KR" altLang="en-US" dirty="0"/>
+          </a:p>
+        </p:txBody>
+      </p:sp>
+      <p:sp>
+        <p:nvSpPr>
+          <p:cNvPr id="3" name="내용 개체 틀 2"/>
+          <p:cNvSpPr>
+            <a:spLocks noGrp="1"/>
+          </p:cNvSpPr>
+          <p:nvPr>
+            <p:ph sz="quarter" idx="1"/>
+          </p:nvPr>
+        </p:nvSpPr>
+        <p:spPr/>
+        <p:txBody>
+          <a:bodyPr>
+            <a:normAutofit/>
+          </a:bodyPr>
+          <a:lstStyle/>
+          <a:p>
+            <a:r>
+              <a:rPr lang="en-US" altLang="ko-KR" dirty="0"/>
+              <a:t>Make a </a:t>
+            </a:r>
+            <a:r>
+              <a:rPr lang="en-US" altLang="ko-KR" dirty="0">
+                <a:solidFill>
+                  <a:srgbClr val="C00000"/>
+                </a:solidFill>
+              </a:rPr>
+              <a:t>CNN accelerator</a:t>
+            </a:r>
+            <a:r>
+              <a:rPr lang="en-US" altLang="ko-KR" dirty="0"/>
+              <a:t> on the FPGA board</a:t>
+            </a:r>
+          </a:p>
+          <a:p>
+            <a:pPr lvl="1"/>
+            <a:r>
+              <a:rPr lang="en-US" altLang="ko-KR" dirty="0"/>
+              <a:t>Only for inference; not training</a:t>
+            </a:r>
+          </a:p>
+          <a:p>
+            <a:pPr lvl="1"/>
+            <a:r>
+              <a:rPr lang="en-US" altLang="ko-KR" dirty="0"/>
+              <a:t>Reconfigurable (You can not change bitstream file)</a:t>
+            </a:r>
+          </a:p>
+          <a:p>
+            <a:endParaRPr lang="en-US" altLang="ko-KR" dirty="0"/>
+          </a:p>
+          <a:p>
+            <a:r>
+              <a:rPr lang="en-US" altLang="ko-KR" dirty="0"/>
+              <a:t>Everything will be given</a:t>
+            </a:r>
+          </a:p>
+          <a:p>
+            <a:pPr lvl="1"/>
+            <a:r>
+              <a:rPr lang="en-US" altLang="ko-KR" dirty="0"/>
+              <a:t>Model structure</a:t>
+            </a:r>
+          </a:p>
+          <a:p>
+            <a:pPr lvl="1"/>
+            <a:r>
+              <a:rPr lang="en-US" altLang="ko-KR" dirty="0"/>
+              <a:t>Datasets</a:t>
+            </a:r>
+          </a:p>
+          <a:p>
+            <a:pPr lvl="1"/>
+            <a:r>
+              <a:rPr lang="en-US" altLang="ko-KR" dirty="0"/>
+              <a:t>Interfaces between computer and FPGA boards</a:t>
+            </a:r>
+          </a:p>
+          <a:p>
+            <a:pPr lvl="1"/>
+            <a:r>
+              <a:rPr lang="en-US" altLang="ko-KR" dirty="0"/>
+              <a:t>Network parameters!</a:t>
+            </a:r>
+          </a:p>
+          <a:p>
+            <a:endParaRPr lang="en-US" altLang="ko-KR" dirty="0"/>
+          </a:p>
+          <a:p>
+            <a:r>
+              <a:rPr lang="en-US" altLang="ko-KR" dirty="0"/>
+              <a:t>Only things to do!</a:t>
+            </a:r>
+          </a:p>
+          <a:p>
+            <a:pPr lvl="1"/>
+            <a:r>
+              <a:rPr lang="en-US" altLang="ko-KR" dirty="0"/>
+              <a:t>Make RTL code of 3-layers</a:t>
+            </a:r>
+          </a:p>
+          <a:p>
+            <a:pPr lvl="1"/>
+            <a:r>
+              <a:rPr lang="en-US" altLang="ko-KR" dirty="0"/>
+              <a:t>Check functionality using the provided test dataset</a:t>
+            </a:r>
+          </a:p>
+        </p:txBody>
+      </p:sp>
+    </p:spTree>
+    <p:extLst>
+      <p:ext uri="{BB962C8B-B14F-4D97-AF65-F5344CB8AC3E}">
+        <p14:creationId xmlns:p14="http://schemas.microsoft.com/office/powerpoint/2010/main" val="4094887106"/>
+      </p:ext>
+    </p:extLst>
+  </p:cSld>
+  <p:clrMapOvr>
+    <a:masterClrMapping/>
+  </p:clrMapOvr>
+</p:sld>
+</file>
+
+<file path=ppt/slides/slide50.xml><?xml version="1.0" encoding="utf-8"?>
 <p:sld xmlns:a="http://schemas.openxmlformats.org/drawingml/2006/main" xmlns:r="http://schemas.openxmlformats.org/officeDocument/2006/relationships" xmlns:p="http://schemas.openxmlformats.org/presentationml/2006/main">
   <p:cSld>
     <p:spTree>
@@ -22147,170 +24815,7 @@
 </p:sld>
 </file>
 
-<file path=ppt/slides/slide5.xml><?xml version="1.0" encoding="utf-8"?>
-<p:sld xmlns:a="http://schemas.openxmlformats.org/drawingml/2006/main" xmlns:r="http://schemas.openxmlformats.org/officeDocument/2006/relationships" xmlns:p="http://schemas.openxmlformats.org/presentationml/2006/main">
-  <p:cSld>
-    <p:spTree>
-      <p:nvGrpSpPr>
-        <p:cNvPr id="1" name=""/>
-        <p:cNvGrpSpPr/>
-        <p:nvPr/>
-      </p:nvGrpSpPr>
-      <p:grpSpPr>
-        <a:xfrm>
-          <a:off x="0" y="0"/>
-          <a:ext cx="0" cy="0"/>
-          <a:chOff x="0" y="0"/>
-          <a:chExt cx="0" cy="0"/>
-        </a:xfrm>
-      </p:grpSpPr>
-      <p:sp>
-        <p:nvSpPr>
-          <p:cNvPr id="2" name="제목 1"/>
-          <p:cNvSpPr>
-            <a:spLocks noGrp="1"/>
-          </p:cNvSpPr>
-          <p:nvPr>
-            <p:ph type="title"/>
-          </p:nvPr>
-        </p:nvSpPr>
-        <p:spPr/>
-        <p:txBody>
-          <a:bodyPr/>
-          <a:lstStyle/>
-          <a:p>
-            <a:r>
-              <a:rPr lang="en-US" altLang="ko-KR" dirty="0"/>
-              <a:t>Project Goal</a:t>
-            </a:r>
-            <a:endParaRPr lang="ko-KR" altLang="en-US" dirty="0"/>
-          </a:p>
-        </p:txBody>
-      </p:sp>
-      <p:sp>
-        <p:nvSpPr>
-          <p:cNvPr id="3" name="내용 개체 틀 2"/>
-          <p:cNvSpPr>
-            <a:spLocks noGrp="1"/>
-          </p:cNvSpPr>
-          <p:nvPr>
-            <p:ph sz="quarter" idx="1"/>
-          </p:nvPr>
-        </p:nvSpPr>
-        <p:spPr/>
-        <p:txBody>
-          <a:bodyPr>
-            <a:normAutofit/>
-          </a:bodyPr>
-          <a:lstStyle/>
-          <a:p>
-            <a:r>
-              <a:rPr lang="en-US" altLang="ko-KR" dirty="0"/>
-              <a:t>Make a </a:t>
-            </a:r>
-            <a:r>
-              <a:rPr lang="en-US" altLang="ko-KR" dirty="0">
-                <a:solidFill>
-                  <a:srgbClr val="C00000"/>
-                </a:solidFill>
-              </a:rPr>
-              <a:t>CNN accelerator</a:t>
-            </a:r>
-            <a:r>
-              <a:rPr lang="en-US" altLang="ko-KR" dirty="0"/>
-              <a:t> on the FPGA board</a:t>
-            </a:r>
-          </a:p>
-          <a:p>
-            <a:pPr lvl="1"/>
-            <a:r>
-              <a:rPr lang="en-US" altLang="ko-KR" dirty="0"/>
-              <a:t>Only for inference; not training</a:t>
-            </a:r>
-          </a:p>
-          <a:p>
-            <a:pPr lvl="1"/>
-            <a:r>
-              <a:rPr lang="en-US" altLang="ko-KR" dirty="0"/>
-              <a:t>Reconfigurable (You can not change bitstream file)</a:t>
-            </a:r>
-          </a:p>
-          <a:p>
-            <a:endParaRPr lang="en-US" altLang="ko-KR" dirty="0"/>
-          </a:p>
-          <a:p>
-            <a:r>
-              <a:rPr lang="en-US" altLang="ko-KR" dirty="0"/>
-              <a:t>Everything will be given</a:t>
-            </a:r>
-          </a:p>
-          <a:p>
-            <a:pPr lvl="1"/>
-            <a:r>
-              <a:rPr lang="en-US" altLang="ko-KR" dirty="0"/>
-              <a:t>Model structure</a:t>
-            </a:r>
-          </a:p>
-          <a:p>
-            <a:pPr lvl="1"/>
-            <a:r>
-              <a:rPr lang="en-US" altLang="ko-KR" dirty="0"/>
-              <a:t>Datasets</a:t>
-            </a:r>
-          </a:p>
-          <a:p>
-            <a:pPr lvl="1"/>
-            <a:r>
-              <a:rPr lang="en-US" altLang="ko-KR" dirty="0"/>
-              <a:t>Interfaces between computer and FPGA boards</a:t>
-            </a:r>
-          </a:p>
-          <a:p>
-            <a:pPr lvl="1"/>
-            <a:r>
-              <a:rPr lang="en-US" altLang="ko-KR" dirty="0"/>
-              <a:t>Network parameters!</a:t>
-            </a:r>
-          </a:p>
-          <a:p>
-            <a:endParaRPr lang="en-US" altLang="ko-KR" dirty="0"/>
-          </a:p>
-          <a:p>
-            <a:r>
-              <a:rPr lang="en-US" altLang="ko-KR" dirty="0"/>
-              <a:t>Only things to do!</a:t>
-            </a:r>
-          </a:p>
-          <a:p>
-            <a:pPr lvl="1"/>
-            <a:r>
-              <a:rPr lang="en-US" altLang="ko-KR" dirty="0"/>
-              <a:t>Make RTL code of 3-layers</a:t>
-            </a:r>
-          </a:p>
-          <a:p>
-            <a:pPr lvl="1"/>
-            <a:r>
-              <a:rPr lang="en-US" altLang="ko-KR" dirty="0"/>
-              <a:t>Check functionality using the provided test dataset</a:t>
-            </a:r>
-          </a:p>
-        </p:txBody>
-      </p:sp>
-    </p:spTree>
-    <p:extLst>
-      <p:ext uri="{BB962C8B-B14F-4D97-AF65-F5344CB8AC3E}">
-        <p14:creationId xmlns:p14="http://schemas.microsoft.com/office/powerpoint/2010/main" val="4094887106"/>
-      </p:ext>
-    </p:extLst>
-  </p:cSld>
-  <p:clrMapOvr>
-    <a:masterClrMapping/>
-  </p:clrMapOvr>
-</p:sld>
-</file>
-
-<file path=ppt/slides/slide50.xml><?xml version="1.0" encoding="utf-8"?>
+<file path=ppt/slides/slide51.xml><?xml version="1.0" encoding="utf-8"?>
 <p:sld xmlns:a="http://schemas.openxmlformats.org/drawingml/2006/main" xmlns:r="http://schemas.openxmlformats.org/officeDocument/2006/relationships" xmlns:p="http://schemas.openxmlformats.org/presentationml/2006/main">
   <p:cSld>
     <p:spTree>
@@ -23873,157 +26378,6 @@
 </p:sld>
 </file>
 
-<file path=ppt/slides/slide51.xml><?xml version="1.0" encoding="utf-8"?>
-<p:sld xmlns:a="http://schemas.openxmlformats.org/drawingml/2006/main" xmlns:r="http://schemas.openxmlformats.org/officeDocument/2006/relationships" xmlns:p="http://schemas.openxmlformats.org/presentationml/2006/main">
-  <p:cSld>
-    <p:spTree>
-      <p:nvGrpSpPr>
-        <p:cNvPr id="1" name=""/>
-        <p:cNvGrpSpPr/>
-        <p:nvPr/>
-      </p:nvGrpSpPr>
-      <p:grpSpPr>
-        <a:xfrm>
-          <a:off x="0" y="0"/>
-          <a:ext cx="0" cy="0"/>
-          <a:chOff x="0" y="0"/>
-          <a:chExt cx="0" cy="0"/>
-        </a:xfrm>
-      </p:grpSpPr>
-      <p:sp>
-        <p:nvSpPr>
-          <p:cNvPr id="2" name="제목 1"/>
-          <p:cNvSpPr>
-            <a:spLocks noGrp="1"/>
-          </p:cNvSpPr>
-          <p:nvPr>
-            <p:ph type="title"/>
-          </p:nvPr>
-        </p:nvSpPr>
-        <p:spPr/>
-        <p:txBody>
-          <a:bodyPr/>
-          <a:lstStyle/>
-          <a:p>
-            <a:r>
-              <a:rPr lang="en-US" altLang="ko-KR" dirty="0"/>
-              <a:t>Pooling Module</a:t>
-            </a:r>
-            <a:endParaRPr lang="ko-KR" altLang="en-US" dirty="0"/>
-          </a:p>
-        </p:txBody>
-      </p:sp>
-      <p:sp>
-        <p:nvSpPr>
-          <p:cNvPr id="3" name="내용 개체 틀 2"/>
-          <p:cNvSpPr>
-            <a:spLocks noGrp="1"/>
-          </p:cNvSpPr>
-          <p:nvPr>
-            <p:ph sz="quarter" idx="1"/>
-          </p:nvPr>
-        </p:nvSpPr>
-        <p:spPr/>
-        <p:txBody>
-          <a:bodyPr/>
-          <a:lstStyle/>
-          <a:p>
-            <a:r>
-              <a:rPr lang="en-US" altLang="ko-KR" dirty="0"/>
-              <a:t>AXI-Stream</a:t>
-            </a:r>
-          </a:p>
-          <a:p>
-            <a:pPr lvl="1"/>
-            <a:r>
-              <a:rPr lang="en-US" altLang="ko-KR" dirty="0"/>
-              <a:t>I/O ports are given</a:t>
-            </a:r>
-          </a:p>
-          <a:p>
-            <a:pPr lvl="1"/>
-            <a:r>
-              <a:rPr lang="en-US" altLang="ko-KR" dirty="0"/>
-              <a:t>Unnecessary pins are fixed to default</a:t>
-            </a:r>
-          </a:p>
-          <a:p>
-            <a:r>
-              <a:rPr lang="en-US" altLang="ko-KR" dirty="0"/>
-              <a:t>S_AXI: receive the data </a:t>
-            </a:r>
-          </a:p>
-          <a:p>
-            <a:r>
-              <a:rPr lang="en-US" altLang="ko-KR" dirty="0"/>
-              <a:t>M_AXI: send the data</a:t>
-            </a:r>
-          </a:p>
-          <a:p>
-            <a:endParaRPr lang="en-US" altLang="ko-KR" dirty="0"/>
-          </a:p>
-          <a:p>
-            <a:r>
-              <a:rPr lang="en-US" altLang="ko-KR" dirty="0"/>
-              <a:t>The AXIS protocol ports for sending data</a:t>
-            </a:r>
-          </a:p>
-          <a:p>
-            <a:pPr lvl="1"/>
-            <a:r>
-              <a:rPr lang="en-US" altLang="ko-KR" dirty="0" err="1"/>
-              <a:t>m_axis_tdata</a:t>
-            </a:r>
-            <a:r>
-              <a:rPr lang="en-US" altLang="ko-KR" dirty="0"/>
-              <a:t>, </a:t>
-            </a:r>
-            <a:r>
-              <a:rPr lang="en-US" altLang="ko-KR" dirty="0" err="1"/>
-              <a:t>m_axis_tlast</a:t>
-            </a:r>
-            <a:r>
-              <a:rPr lang="en-US" altLang="ko-KR" dirty="0"/>
-              <a:t>, </a:t>
-            </a:r>
-            <a:r>
-              <a:rPr lang="en-US" altLang="ko-KR" dirty="0" err="1"/>
-              <a:t>m_axis_tvalid</a:t>
-            </a:r>
-            <a:endParaRPr lang="en-US" altLang="ko-KR" dirty="0"/>
-          </a:p>
-          <a:p>
-            <a:r>
-              <a:rPr lang="en-US" altLang="ko-KR" dirty="0"/>
-              <a:t>The AXIS protocol port for receiving data:</a:t>
-            </a:r>
-          </a:p>
-          <a:p>
-            <a:pPr lvl="1"/>
-            <a:r>
-              <a:rPr lang="en-US" altLang="ko-KR" dirty="0" err="1"/>
-              <a:t>s_axis_tready</a:t>
-            </a:r>
-            <a:endParaRPr lang="ko-KR" altLang="en-US" dirty="0"/>
-          </a:p>
-          <a:p>
-            <a:endParaRPr lang="en-US" altLang="ko-KR" dirty="0"/>
-          </a:p>
-        </p:txBody>
-      </p:sp>
-    </p:spTree>
-    <p:extLst>
-      <p:ext uri="{BB962C8B-B14F-4D97-AF65-F5344CB8AC3E}">
-        <p14:creationId xmlns:p14="http://schemas.microsoft.com/office/powerpoint/2010/main" val="2537612659"/>
-      </p:ext>
-    </p:extLst>
-  </p:cSld>
-  <p:clrMapOvr>
-    <a:masterClrMapping/>
-  </p:clrMapOvr>
-</p:sld>
-</file>
-
 <file path=ppt/slides/slide52.xml><?xml version="1.0" encoding="utf-8"?>
 <p:sld xmlns:a="http://schemas.openxmlformats.org/drawingml/2006/main" xmlns:r="http://schemas.openxmlformats.org/officeDocument/2006/relationships" xmlns:p="http://schemas.openxmlformats.org/presentationml/2006/main">
   <p:cSld>
@@ -24081,7 +26435,158 @@
           <a:p>
             <a:r>
               <a:rPr lang="en-US" altLang="ko-KR" dirty="0"/>
-              <a:t>I/O Ports</a:t>
+              <a:t>AXI-Stream</a:t>
+            </a:r>
+          </a:p>
+          <a:p>
+            <a:pPr lvl="1"/>
+            <a:r>
+              <a:rPr lang="en-US" altLang="ko-KR" dirty="0"/>
+              <a:t>I/O ports are given</a:t>
+            </a:r>
+          </a:p>
+          <a:p>
+            <a:pPr lvl="1"/>
+            <a:r>
+              <a:rPr lang="en-US" altLang="ko-KR" dirty="0"/>
+              <a:t>Unnecessary pins are fixed to default</a:t>
+            </a:r>
+          </a:p>
+          <a:p>
+            <a:r>
+              <a:rPr lang="en-US" altLang="ko-KR" dirty="0"/>
+              <a:t>S_AXI: receive the data </a:t>
+            </a:r>
+          </a:p>
+          <a:p>
+            <a:r>
+              <a:rPr lang="en-US" altLang="ko-KR" dirty="0"/>
+              <a:t>M_AXI: send the data</a:t>
+            </a:r>
+          </a:p>
+          <a:p>
+            <a:endParaRPr lang="en-US" altLang="ko-KR" dirty="0"/>
+          </a:p>
+          <a:p>
+            <a:r>
+              <a:rPr lang="en-US" altLang="ko-KR" dirty="0"/>
+              <a:t>The AXIS protocol ports for sending data</a:t>
+            </a:r>
+          </a:p>
+          <a:p>
+            <a:pPr lvl="1"/>
+            <a:r>
+              <a:rPr lang="en-US" altLang="ko-KR" dirty="0" err="1"/>
+              <a:t>m_axis_tdata</a:t>
+            </a:r>
+            <a:r>
+              <a:rPr lang="en-US" altLang="ko-KR" dirty="0"/>
+              <a:t>, </a:t>
+            </a:r>
+            <a:r>
+              <a:rPr lang="en-US" altLang="ko-KR" dirty="0" err="1"/>
+              <a:t>m_axis_tlast</a:t>
+            </a:r>
+            <a:r>
+              <a:rPr lang="en-US" altLang="ko-KR" dirty="0"/>
+              <a:t>, </a:t>
+            </a:r>
+            <a:r>
+              <a:rPr lang="en-US" altLang="ko-KR" dirty="0" err="1"/>
+              <a:t>m_axis_tvalid</a:t>
+            </a:r>
+            <a:endParaRPr lang="en-US" altLang="ko-KR" dirty="0"/>
+          </a:p>
+          <a:p>
+            <a:r>
+              <a:rPr lang="en-US" altLang="ko-KR" dirty="0"/>
+              <a:t>The AXIS protocol port for receiving data:</a:t>
+            </a:r>
+          </a:p>
+          <a:p>
+            <a:pPr lvl="1"/>
+            <a:r>
+              <a:rPr lang="en-US" altLang="ko-KR" dirty="0" err="1"/>
+              <a:t>s_axis_tready</a:t>
+            </a:r>
+            <a:endParaRPr lang="ko-KR" altLang="en-US" dirty="0"/>
+          </a:p>
+          <a:p>
+            <a:endParaRPr lang="en-US" altLang="ko-KR" dirty="0"/>
+          </a:p>
+        </p:txBody>
+      </p:sp>
+    </p:spTree>
+    <p:extLst>
+      <p:ext uri="{BB962C8B-B14F-4D97-AF65-F5344CB8AC3E}">
+        <p14:creationId xmlns:p14="http://schemas.microsoft.com/office/powerpoint/2010/main" val="2537612659"/>
+      </p:ext>
+    </p:extLst>
+  </p:cSld>
+  <p:clrMapOvr>
+    <a:masterClrMapping/>
+  </p:clrMapOvr>
+</p:sld>
+</file>
+
+<file path=ppt/slides/slide53.xml><?xml version="1.0" encoding="utf-8"?>
+<p:sld xmlns:a="http://schemas.openxmlformats.org/drawingml/2006/main" xmlns:r="http://schemas.openxmlformats.org/officeDocument/2006/relationships" xmlns:p="http://schemas.openxmlformats.org/presentationml/2006/main">
+  <p:cSld>
+    <p:spTree>
+      <p:nvGrpSpPr>
+        <p:cNvPr id="1" name=""/>
+        <p:cNvGrpSpPr/>
+        <p:nvPr/>
+      </p:nvGrpSpPr>
+      <p:grpSpPr>
+        <a:xfrm>
+          <a:off x="0" y="0"/>
+          <a:ext cx="0" cy="0"/>
+          <a:chOff x="0" y="0"/>
+          <a:chExt cx="0" cy="0"/>
+        </a:xfrm>
+      </p:grpSpPr>
+      <p:sp>
+        <p:nvSpPr>
+          <p:cNvPr id="2" name="제목 1"/>
+          <p:cNvSpPr>
+            <a:spLocks noGrp="1"/>
+          </p:cNvSpPr>
+          <p:nvPr>
+            <p:ph type="title"/>
+          </p:nvPr>
+        </p:nvSpPr>
+        <p:spPr/>
+        <p:txBody>
+          <a:bodyPr/>
+          <a:lstStyle/>
+          <a:p>
+            <a:r>
+              <a:rPr lang="en-US" altLang="ko-KR" dirty="0"/>
+              <a:t>Pooling Module</a:t>
+            </a:r>
+            <a:endParaRPr lang="ko-KR" altLang="en-US" dirty="0"/>
+          </a:p>
+        </p:txBody>
+      </p:sp>
+      <p:sp>
+        <p:nvSpPr>
+          <p:cNvPr id="3" name="내용 개체 틀 2"/>
+          <p:cNvSpPr>
+            <a:spLocks noGrp="1"/>
+          </p:cNvSpPr>
+          <p:nvPr>
+            <p:ph sz="quarter" idx="1"/>
+          </p:nvPr>
+        </p:nvSpPr>
+        <p:spPr/>
+        <p:txBody>
+          <a:bodyPr/>
+          <a:lstStyle/>
+          <a:p>
+            <a:r>
+              <a:rPr lang="en-US" altLang="ko-KR" dirty="0"/>
+              <a:t>APB I/O Ports</a:t>
             </a:r>
           </a:p>
           <a:p>
@@ -24185,7 +26690,7 @@
 </p:sld>
 </file>
 
-<file path=ppt/slides/slide53.xml><?xml version="1.0" encoding="utf-8"?>
+<file path=ppt/slides/slide54.xml><?xml version="1.0" encoding="utf-8"?>
 <p:sld xmlns:a="http://schemas.openxmlformats.org/drawingml/2006/main" xmlns:r="http://schemas.openxmlformats.org/officeDocument/2006/relationships" xmlns:p="http://schemas.openxmlformats.org/presentationml/2006/main">
   <p:cSld>
     <p:spTree>
@@ -24765,7 +27270,7 @@
 </p:sld>
 </file>
 
-<file path=ppt/slides/slide54.xml><?xml version="1.0" encoding="utf-8"?>
+<file path=ppt/slides/slide55.xml><?xml version="1.0" encoding="utf-8"?>
 <p:sld xmlns:a="http://schemas.openxmlformats.org/drawingml/2006/main" xmlns:r="http://schemas.openxmlformats.org/officeDocument/2006/relationships" xmlns:p="http://schemas.openxmlformats.org/presentationml/2006/main">
   <p:cSld>
     <p:spTree>
@@ -25473,6 +27978,41 @@
           </p:txBody>
         </p:sp>
       </p:grpSp>
+      <p:sp>
+        <p:nvSpPr>
+          <p:cNvPr id="15" name="내용 개체 틀 2">
+            <a:extLst>
+              <a:ext uri="{FF2B5EF4-FFF2-40B4-BE49-F238E27FC236}">
+                <a16:creationId xmlns:a16="http://schemas.microsoft.com/office/drawing/2014/main" id="{30129864-A208-AC43-9ABC-2FB7E309079B}"/>
+              </a:ext>
+            </a:extLst>
+          </p:cNvPr>
+          <p:cNvSpPr>
+            <a:spLocks noGrp="1"/>
+          </p:cNvSpPr>
+          <p:nvPr>
+            <p:ph sz="quarter" idx="1"/>
+          </p:nvPr>
+        </p:nvSpPr>
+        <p:spPr>
+          <a:xfrm>
+            <a:off x="228600" y="1143000"/>
+            <a:ext cx="8686800" cy="739064"/>
+          </a:xfrm>
+        </p:spPr>
+        <p:txBody>
+          <a:bodyPr>
+            <a:normAutofit/>
+          </a:bodyPr>
+          <a:lstStyle/>
+          <a:p>
+            <a:r>
+              <a:rPr lang="en-US" altLang="ko-KR" dirty="0"/>
+              <a:t>Hardware structure</a:t>
+            </a:r>
+          </a:p>
+        </p:txBody>
+      </p:sp>
     </p:spTree>
     <p:extLst>
       <p:ext uri="{BB962C8B-B14F-4D97-AF65-F5344CB8AC3E}">
@@ -25486,7 +28026,7 @@
 </p:sld>
 </file>
 
-<file path=ppt/slides/slide55.xml><?xml version="1.0" encoding="utf-8"?>
+<file path=ppt/slides/slide56.xml><?xml version="1.0" encoding="utf-8"?>
 <p:sld xmlns:a="http://schemas.openxmlformats.org/drawingml/2006/main" xmlns:r="http://schemas.openxmlformats.org/officeDocument/2006/relationships" xmlns:p="http://schemas.openxmlformats.org/presentationml/2006/main">
   <p:cSld>
     <p:spTree>
@@ -25628,7 +28168,7 @@
 </p:sld>
 </file>
 
-<file path=ppt/slides/slide56.xml><?xml version="1.0" encoding="utf-8"?>
+<file path=ppt/slides/slide57.xml><?xml version="1.0" encoding="utf-8"?>
 <p:sld xmlns:a="http://schemas.openxmlformats.org/drawingml/2006/main" xmlns:r="http://schemas.openxmlformats.org/officeDocument/2006/relationships" xmlns:p="http://schemas.openxmlformats.org/presentationml/2006/main">
   <p:cSld>
     <p:spTree>
@@ -25723,7 +28263,7 @@
 </p:sld>
 </file>
 
-<file path=ppt/slides/slide57.xml><?xml version="1.0" encoding="utf-8"?>
+<file path=ppt/slides/slide58.xml><?xml version="1.0" encoding="utf-8"?>
 <p:sld xmlns:a="http://schemas.openxmlformats.org/drawingml/2006/main" xmlns:r="http://schemas.openxmlformats.org/officeDocument/2006/relationships" xmlns:p="http://schemas.openxmlformats.org/presentationml/2006/main">
   <p:cSld>
     <p:spTree>
@@ -27182,7 +29722,7 @@
 </p:sld>
 </file>
 
-<file path=ppt/slides/slide58.xml><?xml version="1.0" encoding="utf-8"?>
+<file path=ppt/slides/slide59.xml><?xml version="1.0" encoding="utf-8"?>
 <p:sld xmlns:a="http://schemas.openxmlformats.org/drawingml/2006/main" xmlns:r="http://schemas.openxmlformats.org/officeDocument/2006/relationships" xmlns:p="http://schemas.openxmlformats.org/presentationml/2006/main">
   <p:cSld>
     <p:spTree>
@@ -28405,87 +30945,6 @@
 </p:sld>
 </file>
 
-<file path=ppt/slides/slide59.xml><?xml version="1.0" encoding="utf-8"?>
-<p:sld xmlns:a="http://schemas.openxmlformats.org/drawingml/2006/main" xmlns:r="http://schemas.openxmlformats.org/officeDocument/2006/relationships" xmlns:p="http://schemas.openxmlformats.org/presentationml/2006/main">
-  <p:cSld>
-    <p:spTree>
-      <p:nvGrpSpPr>
-        <p:cNvPr id="1" name=""/>
-        <p:cNvGrpSpPr/>
-        <p:nvPr/>
-      </p:nvGrpSpPr>
-      <p:grpSpPr>
-        <a:xfrm>
-          <a:off x="0" y="0"/>
-          <a:ext cx="0" cy="0"/>
-          <a:chOff x="0" y="0"/>
-          <a:chExt cx="0" cy="0"/>
-        </a:xfrm>
-      </p:grpSpPr>
-      <p:sp>
-        <p:nvSpPr>
-          <p:cNvPr id="2" name="제목 1"/>
-          <p:cNvSpPr>
-            <a:spLocks noGrp="1"/>
-          </p:cNvSpPr>
-          <p:nvPr>
-            <p:ph type="title"/>
-          </p:nvPr>
-        </p:nvSpPr>
-        <p:spPr/>
-        <p:txBody>
-          <a:bodyPr/>
-          <a:lstStyle/>
-          <a:p>
-            <a:r>
-              <a:rPr lang="en-US" altLang="ko-KR" dirty="0"/>
-              <a:t>System Overview</a:t>
-            </a:r>
-            <a:endParaRPr lang="ko-KR" altLang="en-US" dirty="0"/>
-          </a:p>
-        </p:txBody>
-      </p:sp>
-      <p:pic>
-        <p:nvPicPr>
-          <p:cNvPr id="4" name="Google Shape;75;p2"/>
-          <p:cNvPicPr preferRelativeResize="0">
-            <a:picLocks/>
-          </p:cNvPicPr>
-          <p:nvPr/>
-        </p:nvPicPr>
-        <p:blipFill>
-          <a:blip r:embed="rId2"/>
-          <a:stretch>
-            <a:fillRect/>
-          </a:stretch>
-        </p:blipFill>
-        <p:spPr>
-          <a:xfrm>
-            <a:off x="355810" y="973176"/>
-            <a:ext cx="8414917" cy="5517565"/>
-          </a:xfrm>
-          <a:prstGeom prst="rect">
-            <a:avLst/>
-          </a:prstGeom>
-          <a:noFill/>
-          <a:ln>
-            <a:noFill/>
-          </a:ln>
-        </p:spPr>
-      </p:pic>
-    </p:spTree>
-    <p:extLst>
-      <p:ext uri="{BB962C8B-B14F-4D97-AF65-F5344CB8AC3E}">
-        <p14:creationId xmlns:p14="http://schemas.microsoft.com/office/powerpoint/2010/main" val="2466252975"/>
-      </p:ext>
-    </p:extLst>
-  </p:cSld>
-  <p:clrMapOvr>
-    <a:masterClrMapping/>
-  </p:clrMapOvr>
-</p:sld>
-</file>
-
 <file path=ppt/slides/slide6.xml><?xml version="1.0" encoding="utf-8"?>
 <p:sld xmlns:a="http://schemas.openxmlformats.org/drawingml/2006/main" xmlns:r="http://schemas.openxmlformats.org/officeDocument/2006/relationships" xmlns:p="http://schemas.openxmlformats.org/presentationml/2006/main">
   <p:cSld>
@@ -28716,6 +31175,87 @@
           <a:p>
             <a:r>
               <a:rPr lang="en-US" altLang="ko-KR" dirty="0"/>
+              <a:t>System Overview</a:t>
+            </a:r>
+            <a:endParaRPr lang="ko-KR" altLang="en-US" dirty="0"/>
+          </a:p>
+        </p:txBody>
+      </p:sp>
+      <p:pic>
+        <p:nvPicPr>
+          <p:cNvPr id="4" name="Google Shape;75;p2"/>
+          <p:cNvPicPr preferRelativeResize="0">
+            <a:picLocks/>
+          </p:cNvPicPr>
+          <p:nvPr/>
+        </p:nvPicPr>
+        <p:blipFill>
+          <a:blip r:embed="rId2"/>
+          <a:stretch>
+            <a:fillRect/>
+          </a:stretch>
+        </p:blipFill>
+        <p:spPr>
+          <a:xfrm>
+            <a:off x="355810" y="973176"/>
+            <a:ext cx="8414917" cy="5517565"/>
+          </a:xfrm>
+          <a:prstGeom prst="rect">
+            <a:avLst/>
+          </a:prstGeom>
+          <a:noFill/>
+          <a:ln>
+            <a:noFill/>
+          </a:ln>
+        </p:spPr>
+      </p:pic>
+    </p:spTree>
+    <p:extLst>
+      <p:ext uri="{BB962C8B-B14F-4D97-AF65-F5344CB8AC3E}">
+        <p14:creationId xmlns:p14="http://schemas.microsoft.com/office/powerpoint/2010/main" val="2466252975"/>
+      </p:ext>
+    </p:extLst>
+  </p:cSld>
+  <p:clrMapOvr>
+    <a:masterClrMapping/>
+  </p:clrMapOvr>
+</p:sld>
+</file>
+
+<file path=ppt/slides/slide61.xml><?xml version="1.0" encoding="utf-8"?>
+<p:sld xmlns:a="http://schemas.openxmlformats.org/drawingml/2006/main" xmlns:r="http://schemas.openxmlformats.org/officeDocument/2006/relationships" xmlns:p="http://schemas.openxmlformats.org/presentationml/2006/main">
+  <p:cSld>
+    <p:spTree>
+      <p:nvGrpSpPr>
+        <p:cNvPr id="1" name=""/>
+        <p:cNvGrpSpPr/>
+        <p:nvPr/>
+      </p:nvGrpSpPr>
+      <p:grpSpPr>
+        <a:xfrm>
+          <a:off x="0" y="0"/>
+          <a:ext cx="0" cy="0"/>
+          <a:chOff x="0" y="0"/>
+          <a:chExt cx="0" cy="0"/>
+        </a:xfrm>
+      </p:grpSpPr>
+      <p:sp>
+        <p:nvSpPr>
+          <p:cNvPr id="2" name="제목 1"/>
+          <p:cNvSpPr>
+            <a:spLocks noGrp="1"/>
+          </p:cNvSpPr>
+          <p:nvPr>
+            <p:ph type="title"/>
+          </p:nvPr>
+        </p:nvSpPr>
+        <p:spPr/>
+        <p:txBody>
+          <a:bodyPr/>
+          <a:lstStyle/>
+          <a:p>
+            <a:r>
+              <a:rPr lang="en-US" altLang="ko-KR" dirty="0"/>
               <a:t>Memory Map</a:t>
             </a:r>
             <a:endParaRPr lang="ko-KR" altLang="en-US" dirty="0"/>
@@ -29084,7 +31624,7 @@
 </p:sld>
 </file>
 
-<file path=ppt/slides/slide61.xml><?xml version="1.0" encoding="utf-8"?>
+<file path=ppt/slides/slide62.xml><?xml version="1.0" encoding="utf-8"?>
 <p:sld xmlns:a="http://schemas.openxmlformats.org/drawingml/2006/main" xmlns:r="http://schemas.openxmlformats.org/officeDocument/2006/relationships" xmlns:p="http://schemas.openxmlformats.org/presentationml/2006/main">
   <p:cSld>
     <p:spTree>
@@ -29520,7 +32060,7 @@
 </p:sld>
 </file>
 
-<file path=ppt/slides/slide62.xml><?xml version="1.0" encoding="utf-8"?>
+<file path=ppt/slides/slide63.xml><?xml version="1.0" encoding="utf-8"?>
 <p:sld xmlns:a="http://schemas.openxmlformats.org/drawingml/2006/main" xmlns:r="http://schemas.openxmlformats.org/officeDocument/2006/relationships" xmlns:p="http://schemas.openxmlformats.org/presentationml/2006/main">
   <p:cSld>
     <p:spTree>
@@ -29980,7 +32520,7 @@
 </p:sld>
 </file>
 
-<file path=ppt/slides/slide63.xml><?xml version="1.0" encoding="utf-8"?>
+<file path=ppt/slides/slide64.xml><?xml version="1.0" encoding="utf-8"?>
 <p:sld xmlns:a="http://schemas.openxmlformats.org/drawingml/2006/main" xmlns:r="http://schemas.openxmlformats.org/officeDocument/2006/relationships" xmlns:p="http://schemas.openxmlformats.org/presentationml/2006/main">
   <p:cSld>
     <p:spTree>
@@ -30524,7 +33064,7 @@
 </p:sld>
 </file>
 
-<file path=ppt/slides/slide64.xml><?xml version="1.0" encoding="utf-8"?>
+<file path=ppt/slides/slide65.xml><?xml version="1.0" encoding="utf-8"?>
 <p:sld xmlns:a="http://schemas.openxmlformats.org/drawingml/2006/main" xmlns:r="http://schemas.openxmlformats.org/officeDocument/2006/relationships" xmlns:p="http://schemas.openxmlformats.org/presentationml/2006/main">
   <p:cSld>
     <p:spTree>
@@ -31049,7 +33589,7 @@
 </p:sld>
 </file>
 
-<file path=ppt/slides/slide65.xml><?xml version="1.0" encoding="utf-8"?>
+<file path=ppt/slides/slide66.xml><?xml version="1.0" encoding="utf-8"?>
 <p:sld xmlns:a="http://schemas.openxmlformats.org/drawingml/2006/main" xmlns:r="http://schemas.openxmlformats.org/officeDocument/2006/relationships" xmlns:p="http://schemas.openxmlformats.org/presentationml/2006/main">
   <p:cSld>
     <p:spTree>
@@ -31144,158 +33684,6 @@
 </p:sld>
 </file>
 
-<file path=ppt/slides/slide66.xml><?xml version="1.0" encoding="utf-8"?>
-<p:sld xmlns:a="http://schemas.openxmlformats.org/drawingml/2006/main" xmlns:r="http://schemas.openxmlformats.org/officeDocument/2006/relationships" xmlns:p="http://schemas.openxmlformats.org/presentationml/2006/main">
-  <p:cSld>
-    <p:spTree>
-      <p:nvGrpSpPr>
-        <p:cNvPr id="1" name=""/>
-        <p:cNvGrpSpPr/>
-        <p:nvPr/>
-      </p:nvGrpSpPr>
-      <p:grpSpPr>
-        <a:xfrm>
-          <a:off x="0" y="0"/>
-          <a:ext cx="0" cy="0"/>
-          <a:chOff x="0" y="0"/>
-          <a:chExt cx="0" cy="0"/>
-        </a:xfrm>
-      </p:grpSpPr>
-      <p:sp>
-        <p:nvSpPr>
-          <p:cNvPr id="2" name="제목 1"/>
-          <p:cNvSpPr>
-            <a:spLocks noGrp="1"/>
-          </p:cNvSpPr>
-          <p:nvPr>
-            <p:ph type="title"/>
-          </p:nvPr>
-        </p:nvSpPr>
-        <p:spPr/>
-        <p:txBody>
-          <a:bodyPr/>
-          <a:lstStyle/>
-          <a:p>
-            <a:r>
-              <a:rPr lang="en-US" altLang="ko-KR" dirty="0"/>
-              <a:t>Provided Materials</a:t>
-            </a:r>
-            <a:endParaRPr lang="ko-KR" altLang="en-US" dirty="0"/>
-          </a:p>
-        </p:txBody>
-      </p:sp>
-      <p:sp>
-        <p:nvSpPr>
-          <p:cNvPr id="3" name="내용 개체 틀 2"/>
-          <p:cNvSpPr>
-            <a:spLocks noGrp="1"/>
-          </p:cNvSpPr>
-          <p:nvPr>
-            <p:ph sz="quarter" idx="1"/>
-          </p:nvPr>
-        </p:nvSpPr>
-        <p:spPr/>
-        <p:txBody>
-          <a:bodyPr>
-            <a:normAutofit/>
-          </a:bodyPr>
-          <a:lstStyle/>
-          <a:p>
-            <a:r>
-              <a:rPr lang="en-US" altLang="ko-KR" dirty="0"/>
-              <a:t>Verilog source code</a:t>
-            </a:r>
-          </a:p>
-          <a:p>
-            <a:endParaRPr lang="en-US" altLang="ko-KR" dirty="0"/>
-          </a:p>
-          <a:p>
-            <a:r>
-              <a:rPr lang="en-US" altLang="ko-KR" dirty="0" err="1"/>
-              <a:t>Vivado</a:t>
-            </a:r>
-            <a:r>
-              <a:rPr lang="en-US" altLang="ko-KR" dirty="0"/>
-              <a:t> project directories referencing the above </a:t>
-            </a:r>
-            <a:r>
-              <a:rPr lang="en-US" altLang="ko-KR" dirty="0" err="1"/>
-              <a:t>verilog</a:t>
-            </a:r>
-            <a:r>
-              <a:rPr lang="en-US" altLang="ko-KR" dirty="0"/>
-              <a:t> source codes</a:t>
-            </a:r>
-          </a:p>
-          <a:p>
-            <a:pPr marL="0" indent="0">
-              <a:buNone/>
-            </a:pPr>
-            <a:endParaRPr lang="en-US" altLang="ko-KR" dirty="0"/>
-          </a:p>
-          <a:p>
-            <a:r>
-              <a:rPr lang="en-US" altLang="ko-KR" dirty="0"/>
-              <a:t>Python scripts</a:t>
-            </a:r>
-          </a:p>
-          <a:p>
-            <a:endParaRPr lang="en-US" altLang="ko-KR" dirty="0"/>
-          </a:p>
-          <a:p>
-            <a:r>
-              <a:rPr lang="en-US" altLang="ko-KR" dirty="0"/>
-              <a:t>Documentation about this project (this PPT)</a:t>
-            </a:r>
-          </a:p>
-          <a:p>
-            <a:endParaRPr lang="en-US" altLang="ko-KR" dirty="0"/>
-          </a:p>
-          <a:p>
-            <a:r>
-              <a:rPr lang="en-US" altLang="ko-KR" dirty="0"/>
-              <a:t>Extra explanations about each materials is in the </a:t>
-            </a:r>
-            <a:r>
-              <a:rPr lang="en-US" altLang="ko-KR" b="1" dirty="0" err="1"/>
-              <a:t>README.md</a:t>
-            </a:r>
-            <a:r>
-              <a:rPr lang="en-US" altLang="ko-KR" b="1" dirty="0"/>
-              <a:t> </a:t>
-            </a:r>
-            <a:r>
-              <a:rPr lang="en-US" altLang="ko-KR" dirty="0"/>
-              <a:t>file in the </a:t>
-            </a:r>
-            <a:r>
-              <a:rPr lang="en-US" altLang="ko-KR" dirty="0" err="1"/>
-              <a:t>github</a:t>
-            </a:r>
-            <a:r>
-              <a:rPr lang="en-US" altLang="ko-KR" dirty="0"/>
-              <a:t> repository</a:t>
-            </a:r>
-          </a:p>
-          <a:p>
-            <a:pPr lvl="1"/>
-            <a:endParaRPr lang="en-US" altLang="ko-KR" dirty="0"/>
-          </a:p>
-        </p:txBody>
-      </p:sp>
-    </p:spTree>
-    <p:extLst>
-      <p:ext uri="{BB962C8B-B14F-4D97-AF65-F5344CB8AC3E}">
-        <p14:creationId xmlns:p14="http://schemas.microsoft.com/office/powerpoint/2010/main" val="3578746461"/>
-      </p:ext>
-    </p:extLst>
-  </p:cSld>
-  <p:clrMapOvr>
-    <a:masterClrMapping/>
-  </p:clrMapOvr>
-</p:sld>
-</file>
-
 <file path=ppt/slides/slide67.xml><?xml version="1.0" encoding="utf-8"?>
 <p:sld xmlns:a="http://schemas.openxmlformats.org/drawingml/2006/main" xmlns:r="http://schemas.openxmlformats.org/officeDocument/2006/relationships" xmlns:p="http://schemas.openxmlformats.org/presentationml/2006/main">
   <p:cSld>
@@ -31330,7 +33718,7 @@
           <a:p>
             <a:r>
               <a:rPr lang="en-US" altLang="ko-KR" dirty="0"/>
-              <a:t>Recommendations</a:t>
+              <a:t>Provided Materials</a:t>
             </a:r>
             <a:endParaRPr lang="ko-KR" altLang="en-US" dirty="0"/>
           </a:p>
@@ -31348,118 +33736,97 @@
         </p:nvSpPr>
         <p:spPr/>
         <p:txBody>
-          <a:bodyPr/>
+          <a:bodyPr>
+            <a:normAutofit/>
+          </a:bodyPr>
           <a:lstStyle/>
           <a:p>
             <a:r>
               <a:rPr lang="en-US" altLang="ko-KR" dirty="0"/>
-              <a:t>You should understand how the python code works</a:t>
-            </a:r>
-          </a:p>
-          <a:p>
-            <a:pPr lvl="1"/>
-            <a:r>
-              <a:rPr lang="en-US" altLang="ko-KR" dirty="0"/>
-              <a:t>Look closely into </a:t>
-            </a:r>
-            <a:r>
-              <a:rPr lang="en-US" altLang="ko-KR" b="1" dirty="0" err="1">
-                <a:solidFill>
-                  <a:srgbClr val="C00000"/>
-                </a:solidFill>
-              </a:rPr>
-              <a:t>scale_uart.py</a:t>
-            </a:r>
-            <a:endParaRPr lang="en-US" altLang="ko-KR" b="1" dirty="0">
-              <a:solidFill>
-                <a:srgbClr val="C00000"/>
-              </a:solidFill>
-            </a:endParaRPr>
-          </a:p>
-          <a:p>
-            <a:pPr lvl="2"/>
-            <a:r>
-              <a:rPr lang="en-US" altLang="ko-KR" dirty="0"/>
-              <a:t>The python code interacts with the APB module (which is the control for your modules)</a:t>
-            </a:r>
-          </a:p>
-          <a:p>
-            <a:pPr lvl="2"/>
-            <a:r>
-              <a:rPr lang="en-US" altLang="ko-KR" dirty="0"/>
-              <a:t>Read the code &amp; comments carefully</a:t>
+              <a:t>Verilog source code</a:t>
+            </a:r>
+          </a:p>
+          <a:p>
+            <a:endParaRPr lang="en-US" altLang="ko-KR" dirty="0"/>
+          </a:p>
+          <a:p>
+            <a:r>
+              <a:rPr lang="en-US" altLang="ko-KR" dirty="0" err="1"/>
+              <a:t>Vivado</a:t>
+            </a:r>
+            <a:r>
+              <a:rPr lang="en-US" altLang="ko-KR" dirty="0"/>
+              <a:t> project directories referencing the above </a:t>
+            </a:r>
+            <a:r>
+              <a:rPr lang="en-US" altLang="ko-KR" dirty="0" err="1"/>
+              <a:t>verilog</a:t>
+            </a:r>
+            <a:r>
+              <a:rPr lang="en-US" altLang="ko-KR" dirty="0"/>
+              <a:t> source codes</a:t>
+            </a:r>
+          </a:p>
+          <a:p>
+            <a:pPr marL="0" indent="0">
+              <a:buNone/>
+            </a:pPr>
+            <a:endParaRPr lang="en-US" altLang="ko-KR" dirty="0"/>
+          </a:p>
+          <a:p>
+            <a:r>
+              <a:rPr lang="en-US" altLang="ko-KR" dirty="0"/>
+              <a:t>Python scripts</a:t>
+            </a:r>
+          </a:p>
+          <a:p>
+            <a:endParaRPr lang="en-US" altLang="ko-KR" dirty="0"/>
+          </a:p>
+          <a:p>
+            <a:r>
+              <a:rPr lang="en-US" altLang="ko-KR" dirty="0"/>
+              <a:t>Documentation about this project (this PPT)</a:t>
+            </a:r>
+          </a:p>
+          <a:p>
+            <a:endParaRPr lang="en-US" altLang="ko-KR" dirty="0"/>
+          </a:p>
+          <a:p>
+            <a:r>
+              <a:rPr lang="en-US" altLang="ko-KR" dirty="0"/>
+              <a:t>Extra explanations about each materials is in the </a:t>
+            </a:r>
+            <a:r>
+              <a:rPr lang="en-US" altLang="ko-KR" b="1" dirty="0" err="1"/>
+              <a:t>README.md</a:t>
+            </a:r>
+            <a:r>
+              <a:rPr lang="en-US" altLang="ko-KR" b="1" dirty="0"/>
+              <a:t> </a:t>
+            </a:r>
+            <a:r>
+              <a:rPr lang="en-US" altLang="ko-KR" dirty="0"/>
+              <a:t>file in the </a:t>
+            </a:r>
+            <a:r>
+              <a:rPr lang="en-US" altLang="ko-KR" dirty="0" err="1"/>
+              <a:t>github</a:t>
+            </a:r>
+            <a:r>
+              <a:rPr lang="en-US" altLang="ko-KR" dirty="0"/>
+              <a:t> repository</a:t>
             </a:r>
           </a:p>
           <a:p>
             <a:pPr lvl="1"/>
             <a:endParaRPr lang="en-US" altLang="ko-KR" dirty="0"/>
-          </a:p>
-          <a:p>
-            <a:r>
-              <a:rPr lang="en-US" altLang="ko-KR" dirty="0"/>
-              <a:t>You should understand how to control the module</a:t>
-            </a:r>
-          </a:p>
-          <a:p>
-            <a:pPr lvl="1"/>
-            <a:r>
-              <a:rPr lang="en-US" altLang="ko-KR" dirty="0"/>
-              <a:t>Look closely into APB module and protocol</a:t>
-            </a:r>
-          </a:p>
-          <a:p>
-            <a:pPr lvl="2"/>
-            <a:r>
-              <a:rPr lang="en-US" altLang="ko-KR" dirty="0"/>
-              <a:t>You should implement your own APB module for each layer</a:t>
-            </a:r>
-          </a:p>
-          <a:p>
-            <a:pPr lvl="1"/>
-            <a:endParaRPr lang="en-US" altLang="ko-KR" dirty="0"/>
-          </a:p>
-          <a:p>
-            <a:r>
-              <a:rPr lang="en-US" altLang="ko-KR" dirty="0"/>
-              <a:t>You should understand the specifications of each layer</a:t>
-            </a:r>
-          </a:p>
-          <a:p>
-            <a:pPr lvl="1"/>
-            <a:r>
-              <a:rPr lang="en-US" altLang="ko-KR" dirty="0"/>
-              <a:t>Look closely what </a:t>
-            </a:r>
-            <a:r>
-              <a:rPr lang="en-US" altLang="ko-KR" dirty="0" err="1"/>
-              <a:t>conv</a:t>
-            </a:r>
-            <a:r>
-              <a:rPr lang="en-US" altLang="ko-KR" dirty="0"/>
-              <a:t>, fc, and pool layer does</a:t>
-            </a:r>
-          </a:p>
-          <a:p>
-            <a:pPr lvl="2"/>
-            <a:r>
-              <a:rPr lang="en-US" altLang="ko-KR" dirty="0"/>
-              <a:t>You should implement your own modules for each layer</a:t>
-            </a:r>
-          </a:p>
-          <a:p>
-            <a:pPr lvl="1"/>
-            <a:r>
-              <a:rPr lang="en-US" altLang="ko-KR" dirty="0"/>
-              <a:t>Look closely into the input/output specification of each modules</a:t>
-            </a:r>
-            <a:endParaRPr lang="ko-KR" altLang="en-US" dirty="0"/>
           </a:p>
         </p:txBody>
       </p:sp>
     </p:spTree>
     <p:extLst>
       <p:ext uri="{BB962C8B-B14F-4D97-AF65-F5344CB8AC3E}">
-        <p14:creationId xmlns:p14="http://schemas.microsoft.com/office/powerpoint/2010/main" val="306973886"/>
+        <p14:creationId xmlns:p14="http://schemas.microsoft.com/office/powerpoint/2010/main" val="3578746461"/>
       </p:ext>
     </p:extLst>
   </p:cSld>
@@ -31503,7 +33870,7 @@
           <a:p>
             <a:r>
               <a:rPr lang="en-US" altLang="ko-KR" dirty="0"/>
-              <a:t>Desired Roadmap</a:t>
+              <a:t>Recommendations</a:t>
             </a:r>
             <a:endParaRPr lang="ko-KR" altLang="en-US" dirty="0"/>
           </a:p>
@@ -31526,6 +33893,179 @@
           <a:p>
             <a:r>
               <a:rPr lang="en-US" altLang="ko-KR" dirty="0"/>
+              <a:t>You should understand how the python code works</a:t>
+            </a:r>
+          </a:p>
+          <a:p>
+            <a:pPr lvl="1"/>
+            <a:r>
+              <a:rPr lang="en-US" altLang="ko-KR" dirty="0"/>
+              <a:t>Look closely into </a:t>
+            </a:r>
+            <a:r>
+              <a:rPr lang="en-US" altLang="ko-KR" b="1" dirty="0" err="1">
+                <a:solidFill>
+                  <a:srgbClr val="C00000"/>
+                </a:solidFill>
+              </a:rPr>
+              <a:t>scale_uart.py</a:t>
+            </a:r>
+            <a:endParaRPr lang="en-US" altLang="ko-KR" b="1" dirty="0">
+              <a:solidFill>
+                <a:srgbClr val="C00000"/>
+              </a:solidFill>
+            </a:endParaRPr>
+          </a:p>
+          <a:p>
+            <a:pPr lvl="2"/>
+            <a:r>
+              <a:rPr lang="en-US" altLang="ko-KR" dirty="0"/>
+              <a:t>The python code interacts with the APB module (which is the control for your modules)</a:t>
+            </a:r>
+          </a:p>
+          <a:p>
+            <a:pPr lvl="2"/>
+            <a:r>
+              <a:rPr lang="en-US" altLang="ko-KR" dirty="0"/>
+              <a:t>Read the code &amp; comments carefully</a:t>
+            </a:r>
+          </a:p>
+          <a:p>
+            <a:pPr lvl="1"/>
+            <a:endParaRPr lang="en-US" altLang="ko-KR" dirty="0"/>
+          </a:p>
+          <a:p>
+            <a:r>
+              <a:rPr lang="en-US" altLang="ko-KR" dirty="0"/>
+              <a:t>You should understand how to control the module</a:t>
+            </a:r>
+          </a:p>
+          <a:p>
+            <a:pPr lvl="1"/>
+            <a:r>
+              <a:rPr lang="en-US" altLang="ko-KR" dirty="0"/>
+              <a:t>Look closely into APB module and protocol</a:t>
+            </a:r>
+          </a:p>
+          <a:p>
+            <a:pPr lvl="2"/>
+            <a:r>
+              <a:rPr lang="en-US" altLang="ko-KR" dirty="0"/>
+              <a:t>You should implement your own APB module for each layer</a:t>
+            </a:r>
+          </a:p>
+          <a:p>
+            <a:pPr lvl="1"/>
+            <a:endParaRPr lang="en-US" altLang="ko-KR" dirty="0"/>
+          </a:p>
+          <a:p>
+            <a:r>
+              <a:rPr lang="en-US" altLang="ko-KR" dirty="0"/>
+              <a:t>You should understand the specifications of each layer</a:t>
+            </a:r>
+          </a:p>
+          <a:p>
+            <a:pPr lvl="1"/>
+            <a:r>
+              <a:rPr lang="en-US" altLang="ko-KR" dirty="0"/>
+              <a:t>Look closely what </a:t>
+            </a:r>
+            <a:r>
+              <a:rPr lang="en-US" altLang="ko-KR" dirty="0" err="1"/>
+              <a:t>conv</a:t>
+            </a:r>
+            <a:r>
+              <a:rPr lang="en-US" altLang="ko-KR" dirty="0"/>
+              <a:t>, fc, and pool layer does</a:t>
+            </a:r>
+          </a:p>
+          <a:p>
+            <a:pPr lvl="2"/>
+            <a:r>
+              <a:rPr lang="en-US" altLang="ko-KR" dirty="0"/>
+              <a:t>You should implement your own modules for each layer</a:t>
+            </a:r>
+          </a:p>
+          <a:p>
+            <a:pPr lvl="1"/>
+            <a:r>
+              <a:rPr lang="en-US" altLang="ko-KR" dirty="0"/>
+              <a:t>Look closely into the input/output specification of each modules</a:t>
+            </a:r>
+            <a:endParaRPr lang="ko-KR" altLang="en-US" dirty="0"/>
+          </a:p>
+        </p:txBody>
+      </p:sp>
+    </p:spTree>
+    <p:extLst>
+      <p:ext uri="{BB962C8B-B14F-4D97-AF65-F5344CB8AC3E}">
+        <p14:creationId xmlns:p14="http://schemas.microsoft.com/office/powerpoint/2010/main" val="306973886"/>
+      </p:ext>
+    </p:extLst>
+  </p:cSld>
+  <p:clrMapOvr>
+    <a:masterClrMapping/>
+  </p:clrMapOvr>
+</p:sld>
+</file>
+
+<file path=ppt/slides/slide69.xml><?xml version="1.0" encoding="utf-8"?>
+<p:sld xmlns:a="http://schemas.openxmlformats.org/drawingml/2006/main" xmlns:r="http://schemas.openxmlformats.org/officeDocument/2006/relationships" xmlns:p="http://schemas.openxmlformats.org/presentationml/2006/main">
+  <p:cSld>
+    <p:spTree>
+      <p:nvGrpSpPr>
+        <p:cNvPr id="1" name=""/>
+        <p:cNvGrpSpPr/>
+        <p:nvPr/>
+      </p:nvGrpSpPr>
+      <p:grpSpPr>
+        <a:xfrm>
+          <a:off x="0" y="0"/>
+          <a:ext cx="0" cy="0"/>
+          <a:chOff x="0" y="0"/>
+          <a:chExt cx="0" cy="0"/>
+        </a:xfrm>
+      </p:grpSpPr>
+      <p:sp>
+        <p:nvSpPr>
+          <p:cNvPr id="2" name="제목 1"/>
+          <p:cNvSpPr>
+            <a:spLocks noGrp="1"/>
+          </p:cNvSpPr>
+          <p:nvPr>
+            <p:ph type="title"/>
+          </p:nvPr>
+        </p:nvSpPr>
+        <p:spPr/>
+        <p:txBody>
+          <a:bodyPr/>
+          <a:lstStyle/>
+          <a:p>
+            <a:r>
+              <a:rPr lang="en-US" altLang="ko-KR" dirty="0"/>
+              <a:t>Desired Roadmap</a:t>
+            </a:r>
+            <a:endParaRPr lang="ko-KR" altLang="en-US" dirty="0"/>
+          </a:p>
+        </p:txBody>
+      </p:sp>
+      <p:sp>
+        <p:nvSpPr>
+          <p:cNvPr id="3" name="내용 개체 틀 2"/>
+          <p:cNvSpPr>
+            <a:spLocks noGrp="1"/>
+          </p:cNvSpPr>
+          <p:nvPr>
+            <p:ph sz="quarter" idx="1"/>
+          </p:nvPr>
+        </p:nvSpPr>
+        <p:spPr/>
+        <p:txBody>
+          <a:bodyPr/>
+          <a:lstStyle/>
+          <a:p>
+            <a:r>
+              <a:rPr lang="en-US" altLang="ko-KR" dirty="0"/>
               <a:t>1</a:t>
             </a:r>
             <a:r>
@@ -31703,7 +34243,152 @@
 </p:sld>
 </file>
 
-<file path=ppt/slides/slide69.xml><?xml version="1.0" encoding="utf-8"?>
+<file path=ppt/slides/slide7.xml><?xml version="1.0" encoding="utf-8"?>
+<p:sld xmlns:a="http://schemas.openxmlformats.org/drawingml/2006/main" xmlns:r="http://schemas.openxmlformats.org/officeDocument/2006/relationships" xmlns:p="http://schemas.openxmlformats.org/presentationml/2006/main">
+  <p:cSld>
+    <p:spTree>
+      <p:nvGrpSpPr>
+        <p:cNvPr id="1" name=""/>
+        <p:cNvGrpSpPr/>
+        <p:nvPr/>
+      </p:nvGrpSpPr>
+      <p:grpSpPr>
+        <a:xfrm>
+          <a:off x="0" y="0"/>
+          <a:ext cx="0" cy="0"/>
+          <a:chOff x="0" y="0"/>
+          <a:chExt cx="0" cy="0"/>
+        </a:xfrm>
+      </p:grpSpPr>
+      <p:sp>
+        <p:nvSpPr>
+          <p:cNvPr id="2" name="제목 1"/>
+          <p:cNvSpPr>
+            <a:spLocks noGrp="1"/>
+          </p:cNvSpPr>
+          <p:nvPr>
+            <p:ph type="title"/>
+          </p:nvPr>
+        </p:nvSpPr>
+        <p:spPr/>
+        <p:txBody>
+          <a:bodyPr/>
+          <a:lstStyle/>
+          <a:p>
+            <a:r>
+              <a:rPr lang="en-US" altLang="ko-KR" dirty="0"/>
+              <a:t>Provided Materials</a:t>
+            </a:r>
+            <a:endParaRPr lang="ko-KR" altLang="en-US" dirty="0"/>
+          </a:p>
+        </p:txBody>
+      </p:sp>
+      <p:sp>
+        <p:nvSpPr>
+          <p:cNvPr id="3" name="내용 개체 틀 2"/>
+          <p:cNvSpPr>
+            <a:spLocks noGrp="1"/>
+          </p:cNvSpPr>
+          <p:nvPr>
+            <p:ph sz="quarter" idx="1"/>
+          </p:nvPr>
+        </p:nvSpPr>
+        <p:spPr/>
+        <p:txBody>
+          <a:bodyPr/>
+          <a:lstStyle/>
+          <a:p>
+            <a:r>
+              <a:rPr lang="en-US" altLang="ko-KR" dirty="0"/>
+              <a:t>Dataset</a:t>
+            </a:r>
+          </a:p>
+          <a:p>
+            <a:pPr lvl="1"/>
+            <a:r>
+              <a:rPr lang="en-US" altLang="ko-KR" b="1" dirty="0">
+                <a:solidFill>
+                  <a:srgbClr val="C00000"/>
+                </a:solidFill>
+              </a:rPr>
+              <a:t>CIFAR-10 dataset</a:t>
+            </a:r>
+          </a:p>
+          <a:p>
+            <a:pPr lvl="1"/>
+            <a:endParaRPr lang="en-US" altLang="ko-KR" dirty="0"/>
+          </a:p>
+          <a:p>
+            <a:r>
+              <a:rPr lang="en-US" altLang="ko-KR" dirty="0"/>
+              <a:t>CNN python codes</a:t>
+            </a:r>
+          </a:p>
+          <a:p>
+            <a:pPr lvl="1"/>
+            <a:r>
+              <a:rPr lang="en-US" altLang="ko-KR" dirty="0"/>
+              <a:t>Naïve python code for your understanding on CNN</a:t>
+            </a:r>
+          </a:p>
+          <a:p>
+            <a:pPr lvl="1"/>
+            <a:endParaRPr lang="en-US" altLang="ko-KR" dirty="0"/>
+          </a:p>
+          <a:p>
+            <a:r>
+              <a:rPr lang="en-US" altLang="ko-KR" dirty="0"/>
+              <a:t>Verilog skeleton codes</a:t>
+            </a:r>
+          </a:p>
+          <a:p>
+            <a:pPr lvl="1"/>
+            <a:endParaRPr lang="en-US" altLang="ko-KR" dirty="0"/>
+          </a:p>
+          <a:p>
+            <a:r>
+              <a:rPr lang="en-US" altLang="ko-KR" dirty="0"/>
+              <a:t>Testbench &amp; UART </a:t>
+            </a:r>
+            <a:r>
+              <a:rPr lang="en-US" altLang="ko-KR" dirty="0" err="1"/>
+              <a:t>ipynb</a:t>
+            </a:r>
+            <a:r>
+              <a:rPr lang="en-US" altLang="ko-KR" dirty="0"/>
+              <a:t> file</a:t>
+            </a:r>
+          </a:p>
+          <a:p>
+            <a:pPr lvl="1"/>
+            <a:r>
+              <a:rPr lang="en-US" altLang="ko-KR" dirty="0"/>
+              <a:t>For each module (Conv, FC, Pool)</a:t>
+            </a:r>
+          </a:p>
+          <a:p>
+            <a:pPr lvl="1"/>
+            <a:r>
+              <a:rPr lang="en-US" altLang="ko-KR" dirty="0"/>
+              <a:t>For the entire project</a:t>
+            </a:r>
+          </a:p>
+        </p:txBody>
+      </p:sp>
+    </p:spTree>
+    <p:extLst>
+      <p:ext uri="{BB962C8B-B14F-4D97-AF65-F5344CB8AC3E}">
+        <p14:creationId xmlns:p14="http://schemas.microsoft.com/office/powerpoint/2010/main" val="696008605"/>
+      </p:ext>
+    </p:extLst>
+  </p:cSld>
+  <p:clrMapOvr>
+    <a:masterClrMapping/>
+  </p:clrMapOvr>
+</p:sld>
+</file>
+
+<file path=ppt/slides/slide70.xml><?xml version="1.0" encoding="utf-8"?>
 <p:sld xmlns:a="http://schemas.openxmlformats.org/drawingml/2006/main" xmlns:r="http://schemas.openxmlformats.org/officeDocument/2006/relationships" xmlns:p="http://schemas.openxmlformats.org/presentationml/2006/main">
   <p:cSld>
     <p:spTree>
@@ -31798,267 +34483,6 @@
 </p:sld>
 </file>
 
-<file path=ppt/slides/slide7.xml><?xml version="1.0" encoding="utf-8"?>
-<p:sld xmlns:a="http://schemas.openxmlformats.org/drawingml/2006/main" xmlns:r="http://schemas.openxmlformats.org/officeDocument/2006/relationships" xmlns:p="http://schemas.openxmlformats.org/presentationml/2006/main">
-  <p:cSld>
-    <p:spTree>
-      <p:nvGrpSpPr>
-        <p:cNvPr id="1" name=""/>
-        <p:cNvGrpSpPr/>
-        <p:nvPr/>
-      </p:nvGrpSpPr>
-      <p:grpSpPr>
-        <a:xfrm>
-          <a:off x="0" y="0"/>
-          <a:ext cx="0" cy="0"/>
-          <a:chOff x="0" y="0"/>
-          <a:chExt cx="0" cy="0"/>
-        </a:xfrm>
-      </p:grpSpPr>
-      <p:sp>
-        <p:nvSpPr>
-          <p:cNvPr id="2" name="제목 1"/>
-          <p:cNvSpPr>
-            <a:spLocks noGrp="1"/>
-          </p:cNvSpPr>
-          <p:nvPr>
-            <p:ph type="title"/>
-          </p:nvPr>
-        </p:nvSpPr>
-        <p:spPr/>
-        <p:txBody>
-          <a:bodyPr/>
-          <a:lstStyle/>
-          <a:p>
-            <a:r>
-              <a:rPr lang="en-US" altLang="ko-KR" dirty="0"/>
-              <a:t>Provided Materials</a:t>
-            </a:r>
-            <a:endParaRPr lang="ko-KR" altLang="en-US" dirty="0"/>
-          </a:p>
-        </p:txBody>
-      </p:sp>
-      <p:sp>
-        <p:nvSpPr>
-          <p:cNvPr id="3" name="내용 개체 틀 2"/>
-          <p:cNvSpPr>
-            <a:spLocks noGrp="1"/>
-          </p:cNvSpPr>
-          <p:nvPr>
-            <p:ph sz="quarter" idx="1"/>
-          </p:nvPr>
-        </p:nvSpPr>
-        <p:spPr/>
-        <p:txBody>
-          <a:bodyPr/>
-          <a:lstStyle/>
-          <a:p>
-            <a:r>
-              <a:rPr lang="en-US" altLang="ko-KR" dirty="0"/>
-              <a:t>Dataset</a:t>
-            </a:r>
-          </a:p>
-          <a:p>
-            <a:pPr lvl="1"/>
-            <a:r>
-              <a:rPr lang="en-US" altLang="ko-KR" b="1" dirty="0">
-                <a:solidFill>
-                  <a:srgbClr val="C00000"/>
-                </a:solidFill>
-              </a:rPr>
-              <a:t>CIFAR-10 dataset</a:t>
-            </a:r>
-          </a:p>
-          <a:p>
-            <a:pPr lvl="1"/>
-            <a:endParaRPr lang="en-US" altLang="ko-KR" dirty="0"/>
-          </a:p>
-          <a:p>
-            <a:r>
-              <a:rPr lang="en-US" altLang="ko-KR" dirty="0"/>
-              <a:t>CNN python codes</a:t>
-            </a:r>
-          </a:p>
-          <a:p>
-            <a:pPr lvl="1"/>
-            <a:r>
-              <a:rPr lang="en-US" altLang="ko-KR" dirty="0"/>
-              <a:t>Naïve python code for your understanding on CNN</a:t>
-            </a:r>
-          </a:p>
-          <a:p>
-            <a:pPr lvl="1"/>
-            <a:endParaRPr lang="en-US" altLang="ko-KR" dirty="0"/>
-          </a:p>
-          <a:p>
-            <a:r>
-              <a:rPr lang="en-US" altLang="ko-KR" dirty="0"/>
-              <a:t>Verilog skeleton codes</a:t>
-            </a:r>
-          </a:p>
-          <a:p>
-            <a:pPr lvl="1"/>
-            <a:endParaRPr lang="en-US" altLang="ko-KR" dirty="0"/>
-          </a:p>
-          <a:p>
-            <a:r>
-              <a:rPr lang="en-US" altLang="ko-KR" dirty="0"/>
-              <a:t>Testbench &amp; UART </a:t>
-            </a:r>
-            <a:r>
-              <a:rPr lang="en-US" altLang="ko-KR" dirty="0" err="1"/>
-              <a:t>ipynb</a:t>
-            </a:r>
-            <a:r>
-              <a:rPr lang="en-US" altLang="ko-KR" dirty="0"/>
-              <a:t> file</a:t>
-            </a:r>
-          </a:p>
-          <a:p>
-            <a:pPr lvl="1"/>
-            <a:r>
-              <a:rPr lang="en-US" altLang="ko-KR" dirty="0"/>
-              <a:t>For each module (Conv, FC, Pool)</a:t>
-            </a:r>
-          </a:p>
-          <a:p>
-            <a:pPr lvl="1"/>
-            <a:r>
-              <a:rPr lang="en-US" altLang="ko-KR" dirty="0"/>
-              <a:t>For the entire project</a:t>
-            </a:r>
-          </a:p>
-        </p:txBody>
-      </p:sp>
-    </p:spTree>
-    <p:extLst>
-      <p:ext uri="{BB962C8B-B14F-4D97-AF65-F5344CB8AC3E}">
-        <p14:creationId xmlns:p14="http://schemas.microsoft.com/office/powerpoint/2010/main" val="696008605"/>
-      </p:ext>
-    </p:extLst>
-  </p:cSld>
-  <p:clrMapOvr>
-    <a:masterClrMapping/>
-  </p:clrMapOvr>
-</p:sld>
-</file>
-
-<file path=ppt/slides/slide70.xml><?xml version="1.0" encoding="utf-8"?>
-<p:sld xmlns:a="http://schemas.openxmlformats.org/drawingml/2006/main" xmlns:r="http://schemas.openxmlformats.org/officeDocument/2006/relationships" xmlns:p="http://schemas.openxmlformats.org/presentationml/2006/main">
-  <p:cSld>
-    <p:spTree>
-      <p:nvGrpSpPr>
-        <p:cNvPr id="1" name=""/>
-        <p:cNvGrpSpPr/>
-        <p:nvPr/>
-      </p:nvGrpSpPr>
-      <p:grpSpPr>
-        <a:xfrm>
-          <a:off x="0" y="0"/>
-          <a:ext cx="0" cy="0"/>
-          <a:chOff x="0" y="0"/>
-          <a:chExt cx="0" cy="0"/>
-        </a:xfrm>
-      </p:grpSpPr>
-      <p:sp>
-        <p:nvSpPr>
-          <p:cNvPr id="2" name="제목 1"/>
-          <p:cNvSpPr>
-            <a:spLocks noGrp="1"/>
-          </p:cNvSpPr>
-          <p:nvPr>
-            <p:ph type="title"/>
-          </p:nvPr>
-        </p:nvSpPr>
-        <p:spPr/>
-        <p:txBody>
-          <a:bodyPr/>
-          <a:lstStyle/>
-          <a:p>
-            <a:r>
-              <a:rPr lang="en-US" altLang="ko-KR" dirty="0"/>
-              <a:t>Submission Deadline</a:t>
-            </a:r>
-            <a:endParaRPr lang="ko-KR" altLang="en-US" dirty="0"/>
-          </a:p>
-        </p:txBody>
-      </p:sp>
-      <p:sp>
-        <p:nvSpPr>
-          <p:cNvPr id="3" name="내용 개체 틀 2"/>
-          <p:cNvSpPr>
-            <a:spLocks noGrp="1"/>
-          </p:cNvSpPr>
-          <p:nvPr>
-            <p:ph sz="quarter" idx="1"/>
-          </p:nvPr>
-        </p:nvSpPr>
-        <p:spPr/>
-        <p:txBody>
-          <a:bodyPr>
-            <a:normAutofit/>
-          </a:bodyPr>
-          <a:lstStyle/>
-          <a:p>
-            <a:r>
-              <a:rPr lang="en-US" altLang="ko-KR" dirty="0"/>
-              <a:t>Submission deadline:</a:t>
-            </a:r>
-          </a:p>
-          <a:p>
-            <a:pPr lvl="1"/>
-            <a:r>
-              <a:rPr lang="en-US" altLang="ko-KR" b="1" dirty="0">
-                <a:solidFill>
-                  <a:srgbClr val="FF0000"/>
-                </a:solidFill>
-              </a:rPr>
-              <a:t>TBA</a:t>
-            </a:r>
-          </a:p>
-          <a:p>
-            <a:pPr lvl="1"/>
-            <a:endParaRPr lang="en-US" altLang="ko-KR" b="1" dirty="0">
-              <a:solidFill>
-                <a:srgbClr val="FF0000"/>
-              </a:solidFill>
-            </a:endParaRPr>
-          </a:p>
-          <a:p>
-            <a:r>
-              <a:rPr lang="en-US" altLang="ko-KR" dirty="0"/>
-              <a:t>Checkpoint:</a:t>
-            </a:r>
-          </a:p>
-          <a:p>
-            <a:pPr lvl="1"/>
-            <a:r>
-              <a:rPr lang="en-US" altLang="ko-KR" dirty="0"/>
-              <a:t>Your functionality (demo)</a:t>
-            </a:r>
-          </a:p>
-          <a:p>
-            <a:pPr lvl="1"/>
-            <a:r>
-              <a:rPr lang="en-US" altLang="ko-KR" dirty="0"/>
-              <a:t>Evaluation time</a:t>
-            </a:r>
-          </a:p>
-        </p:txBody>
-      </p:sp>
-    </p:spTree>
-    <p:extLst>
-      <p:ext uri="{BB962C8B-B14F-4D97-AF65-F5344CB8AC3E}">
-        <p14:creationId xmlns:p14="http://schemas.microsoft.com/office/powerpoint/2010/main" val="1248356462"/>
-      </p:ext>
-    </p:extLst>
-  </p:cSld>
-  <p:clrMapOvr>
-    <a:masterClrMapping/>
-  </p:clrMapOvr>
-</p:sld>
-</file>
-
 <file path=ppt/slides/slide71.xml><?xml version="1.0" encoding="utf-8"?>
 <p:sld xmlns:a="http://schemas.openxmlformats.org/drawingml/2006/main" xmlns:r="http://schemas.openxmlformats.org/officeDocument/2006/relationships" xmlns:p="http://schemas.openxmlformats.org/presentationml/2006/main">
   <p:cSld>
@@ -32118,78 +34542,54 @@
           <a:p>
             <a:r>
               <a:rPr lang="en-US" altLang="ko-KR" dirty="0"/>
-              <a:t>Submit to </a:t>
-            </a:r>
-            <a:r>
-              <a:rPr lang="en-US" altLang="ko-KR" dirty="0" err="1"/>
-              <a:t>github</a:t>
-            </a:r>
-            <a:endParaRPr lang="en-US" altLang="ko-KR" dirty="0"/>
+              <a:t>Submission deadline:</a:t>
+            </a:r>
           </a:p>
           <a:p>
             <a:pPr lvl="1"/>
             <a:r>
-              <a:rPr lang="en-US" altLang="ko-KR" dirty="0" err="1"/>
-              <a:t>Bitstream</a:t>
-            </a:r>
-            <a:r>
-              <a:rPr lang="en-US" altLang="ko-KR" dirty="0"/>
-              <a:t> file</a:t>
+              <a:rPr lang="en-US" altLang="ko-KR" b="1" dirty="0">
+                <a:solidFill>
+                  <a:srgbClr val="FF0000"/>
+                </a:solidFill>
+              </a:rPr>
+              <a:t>TBA</a:t>
             </a:r>
           </a:p>
           <a:p>
             <a:pPr lvl="1"/>
-            <a:r>
-              <a:rPr lang="en-US" altLang="ko-KR" dirty="0"/>
-              <a:t>Your python code (which may be revised for your design)</a:t>
+            <a:endParaRPr lang="en-US" altLang="ko-KR" b="1" dirty="0">
+              <a:solidFill>
+                <a:srgbClr val="FF0000"/>
+              </a:solidFill>
+            </a:endParaRPr>
+          </a:p>
+          <a:p>
+            <a:r>
+              <a:rPr lang="en-US" altLang="ko-KR" dirty="0"/>
+              <a:t>Checkpoint:</a:t>
             </a:r>
           </a:p>
           <a:p>
             <a:pPr lvl="1"/>
             <a:r>
               <a:rPr lang="en-US" altLang="ko-KR" dirty="0"/>
-              <a:t>Your code</a:t>
+              <a:t>Your functionality (demo)</a:t>
             </a:r>
           </a:p>
           <a:p>
             <a:pPr lvl="1"/>
             <a:r>
               <a:rPr lang="en-US" altLang="ko-KR" dirty="0"/>
-              <a:t>Push everything in the “</a:t>
-            </a:r>
-            <a:r>
-              <a:rPr lang="en-US" altLang="ko-KR" b="1" dirty="0"/>
-              <a:t>main</a:t>
-            </a:r>
-            <a:r>
-              <a:rPr lang="en-US" altLang="ko-KR" dirty="0"/>
-              <a:t>” branch of the </a:t>
-            </a:r>
-            <a:r>
-              <a:rPr lang="en-US" altLang="ko-KR" dirty="0" err="1"/>
-              <a:t>github</a:t>
-            </a:r>
-            <a:r>
-              <a:rPr lang="en-US" altLang="ko-KR" dirty="0"/>
-              <a:t> repository</a:t>
-            </a:r>
-          </a:p>
-          <a:p>
-            <a:pPr lvl="1"/>
-            <a:r>
-              <a:rPr lang="en-US" altLang="ko-KR" dirty="0"/>
-              <a:t>The final commit before the deadline will be assessed</a:t>
-            </a:r>
-          </a:p>
-          <a:p>
-            <a:endParaRPr lang="en-US" altLang="ko-KR" dirty="0"/>
+              <a:t>Evaluation time</a:t>
+            </a:r>
           </a:p>
         </p:txBody>
       </p:sp>
     </p:spTree>
     <p:extLst>
       <p:ext uri="{BB962C8B-B14F-4D97-AF65-F5344CB8AC3E}">
-        <p14:creationId xmlns:p14="http://schemas.microsoft.com/office/powerpoint/2010/main" val="1000529340"/>
+        <p14:creationId xmlns:p14="http://schemas.microsoft.com/office/powerpoint/2010/main" val="1248356462"/>
       </p:ext>
     </p:extLst>
   </p:cSld>
@@ -32262,69 +34662,74 @@
             </a:r>
             <a:r>
               <a:rPr lang="en-US" altLang="ko-KR" dirty="0" err="1"/>
-              <a:t>etl</a:t>
+              <a:t>github</a:t>
             </a:r>
             <a:endParaRPr lang="en-US" altLang="ko-KR" dirty="0"/>
           </a:p>
           <a:p>
             <a:pPr lvl="1"/>
             <a:r>
-              <a:rPr lang="en-US" altLang="ko-KR" dirty="0"/>
-              <a:t>One report for each team</a:t>
+              <a:rPr lang="en-US" altLang="ko-KR" dirty="0" err="1"/>
+              <a:t>Bitstream</a:t>
+            </a:r>
+            <a:r>
+              <a:rPr lang="en-US" altLang="ko-KR" dirty="0"/>
+              <a:t> file</a:t>
             </a:r>
           </a:p>
           <a:p>
             <a:pPr lvl="1"/>
             <a:r>
               <a:rPr lang="en-US" altLang="ko-KR" dirty="0"/>
-              <a:t>One demo video for each team</a:t>
-            </a:r>
-          </a:p>
-          <a:p>
-            <a:pPr lvl="2"/>
-            <a:r>
-              <a:rPr lang="en-US" altLang="ko-KR" dirty="0"/>
-              <a:t>Video of running the </a:t>
+              <a:t>Your python code (which may be revised for your design)</a:t>
+            </a:r>
+          </a:p>
+          <a:p>
+            <a:pPr lvl="1"/>
+            <a:r>
+              <a:rPr lang="en-US" altLang="ko-KR" dirty="0"/>
+              <a:t>Your code</a:t>
+            </a:r>
+          </a:p>
+          <a:p>
+            <a:pPr lvl="1"/>
+            <a:r>
+              <a:rPr lang="en-US" altLang="ko-KR" dirty="0"/>
+              <a:t>Push everything in the “</a:t>
+            </a:r>
+            <a:r>
+              <a:rPr lang="en-US" altLang="ko-KR" b="1" dirty="0"/>
+              <a:t>main</a:t>
+            </a:r>
+            <a:r>
+              <a:rPr lang="en-US" altLang="ko-KR" dirty="0"/>
+              <a:t>” branch of the </a:t>
             </a:r>
             <a:r>
               <a:rPr lang="en-US" altLang="ko-KR" dirty="0" err="1"/>
-              <a:t>ipynb</a:t>
-            </a:r>
-            <a:r>
-              <a:rPr lang="en-US" altLang="ko-KR" dirty="0"/>
-              <a:t> files</a:t>
-            </a:r>
-          </a:p>
-          <a:p>
-            <a:pPr lvl="2"/>
-            <a:r>
-              <a:rPr lang="en-US" altLang="ko-KR" dirty="0"/>
-              <a:t>Less than 500MB</a:t>
+              <a:t>github</a:t>
+            </a:r>
+            <a:r>
+              <a:rPr lang="en-US" altLang="ko-KR" dirty="0"/>
+              <a:t> repository</a:t>
             </a:r>
           </a:p>
           <a:p>
             <a:pPr lvl="1"/>
             <a:r>
-              <a:rPr lang="en-US" altLang="ko-KR" b="1" dirty="0"/>
-              <a:t>One member should upload all the materials</a:t>
-            </a:r>
-          </a:p>
-          <a:p>
-            <a:pPr lvl="1"/>
+              <a:rPr lang="en-US" altLang="ko-KR" dirty="0"/>
+              <a:t>The final commit before the deadline will be assessed</a:t>
+            </a:r>
+          </a:p>
+          <a:p>
             <a:endParaRPr lang="en-US" altLang="ko-KR" dirty="0"/>
-          </a:p>
-          <a:p>
-            <a:r>
-              <a:rPr lang="en-US" altLang="ko-KR" dirty="0"/>
-              <a:t>We will re-check your project demo after class for rechecking and evaluating the latency criteria</a:t>
-            </a:r>
           </a:p>
         </p:txBody>
       </p:sp>
     </p:spTree>
     <p:extLst>
       <p:ext uri="{BB962C8B-B14F-4D97-AF65-F5344CB8AC3E}">
-        <p14:creationId xmlns:p14="http://schemas.microsoft.com/office/powerpoint/2010/main" val="2779708431"/>
+        <p14:creationId xmlns:p14="http://schemas.microsoft.com/office/powerpoint/2010/main" val="1000529340"/>
       </p:ext>
     </p:extLst>
   </p:cSld>
@@ -32368,7 +34773,7 @@
           <a:p>
             <a:r>
               <a:rPr lang="en-US" altLang="ko-KR" dirty="0"/>
-              <a:t>Report</a:t>
+              <a:t>Submission Deadline</a:t>
             </a:r>
             <a:endParaRPr lang="ko-KR" altLang="en-US" dirty="0"/>
           </a:p>
@@ -32393,6 +34798,141 @@
           <a:p>
             <a:r>
               <a:rPr lang="en-US" altLang="ko-KR" dirty="0"/>
+              <a:t>Submit to </a:t>
+            </a:r>
+            <a:r>
+              <a:rPr lang="en-US" altLang="ko-KR" dirty="0" err="1"/>
+              <a:t>etl</a:t>
+            </a:r>
+            <a:endParaRPr lang="en-US" altLang="ko-KR" dirty="0"/>
+          </a:p>
+          <a:p>
+            <a:pPr lvl="1"/>
+            <a:r>
+              <a:rPr lang="en-US" altLang="ko-KR" dirty="0"/>
+              <a:t>One report for each team</a:t>
+            </a:r>
+          </a:p>
+          <a:p>
+            <a:pPr lvl="1"/>
+            <a:r>
+              <a:rPr lang="en-US" altLang="ko-KR" dirty="0"/>
+              <a:t>One demo video for each team</a:t>
+            </a:r>
+          </a:p>
+          <a:p>
+            <a:pPr lvl="2"/>
+            <a:r>
+              <a:rPr lang="en-US" altLang="ko-KR" dirty="0"/>
+              <a:t>Video of running the </a:t>
+            </a:r>
+            <a:r>
+              <a:rPr lang="en-US" altLang="ko-KR" dirty="0" err="1"/>
+              <a:t>ipynb</a:t>
+            </a:r>
+            <a:r>
+              <a:rPr lang="en-US" altLang="ko-KR" dirty="0"/>
+              <a:t> files</a:t>
+            </a:r>
+          </a:p>
+          <a:p>
+            <a:pPr lvl="2"/>
+            <a:r>
+              <a:rPr lang="en-US" altLang="ko-KR" dirty="0"/>
+              <a:t>Less than 500MB</a:t>
+            </a:r>
+          </a:p>
+          <a:p>
+            <a:pPr lvl="1"/>
+            <a:r>
+              <a:rPr lang="en-US" altLang="ko-KR" b="1" dirty="0"/>
+              <a:t>One member should upload all the materials</a:t>
+            </a:r>
+          </a:p>
+          <a:p>
+            <a:pPr lvl="1"/>
+            <a:endParaRPr lang="en-US" altLang="ko-KR" dirty="0"/>
+          </a:p>
+          <a:p>
+            <a:r>
+              <a:rPr lang="en-US" altLang="ko-KR" dirty="0"/>
+              <a:t>We will re-check your project demo after class for rechecking and evaluating the latency criteria</a:t>
+            </a:r>
+          </a:p>
+        </p:txBody>
+      </p:sp>
+    </p:spTree>
+    <p:extLst>
+      <p:ext uri="{BB962C8B-B14F-4D97-AF65-F5344CB8AC3E}">
+        <p14:creationId xmlns:p14="http://schemas.microsoft.com/office/powerpoint/2010/main" val="2779708431"/>
+      </p:ext>
+    </p:extLst>
+  </p:cSld>
+  <p:clrMapOvr>
+    <a:masterClrMapping/>
+  </p:clrMapOvr>
+</p:sld>
+</file>
+
+<file path=ppt/slides/slide74.xml><?xml version="1.0" encoding="utf-8"?>
+<p:sld xmlns:a="http://schemas.openxmlformats.org/drawingml/2006/main" xmlns:r="http://schemas.openxmlformats.org/officeDocument/2006/relationships" xmlns:p="http://schemas.openxmlformats.org/presentationml/2006/main">
+  <p:cSld>
+    <p:spTree>
+      <p:nvGrpSpPr>
+        <p:cNvPr id="1" name=""/>
+        <p:cNvGrpSpPr/>
+        <p:nvPr/>
+      </p:nvGrpSpPr>
+      <p:grpSpPr>
+        <a:xfrm>
+          <a:off x="0" y="0"/>
+          <a:ext cx="0" cy="0"/>
+          <a:chOff x="0" y="0"/>
+          <a:chExt cx="0" cy="0"/>
+        </a:xfrm>
+      </p:grpSpPr>
+      <p:sp>
+        <p:nvSpPr>
+          <p:cNvPr id="2" name="제목 1"/>
+          <p:cNvSpPr>
+            <a:spLocks noGrp="1"/>
+          </p:cNvSpPr>
+          <p:nvPr>
+            <p:ph type="title"/>
+          </p:nvPr>
+        </p:nvSpPr>
+        <p:spPr/>
+        <p:txBody>
+          <a:bodyPr/>
+          <a:lstStyle/>
+          <a:p>
+            <a:r>
+              <a:rPr lang="en-US" altLang="ko-KR" dirty="0"/>
+              <a:t>Report</a:t>
+            </a:r>
+            <a:endParaRPr lang="ko-KR" altLang="en-US" dirty="0"/>
+          </a:p>
+        </p:txBody>
+      </p:sp>
+      <p:sp>
+        <p:nvSpPr>
+          <p:cNvPr id="3" name="내용 개체 틀 2"/>
+          <p:cNvSpPr>
+            <a:spLocks noGrp="1"/>
+          </p:cNvSpPr>
+          <p:nvPr>
+            <p:ph sz="quarter" idx="1"/>
+          </p:nvPr>
+        </p:nvSpPr>
+        <p:spPr/>
+        <p:txBody>
+          <a:bodyPr>
+            <a:normAutofit/>
+          </a:bodyPr>
+          <a:lstStyle/>
+          <a:p>
+            <a:r>
+              <a:rPr lang="en-US" altLang="ko-KR" dirty="0"/>
               <a:t>Report deadline:</a:t>
             </a:r>
           </a:p>
@@ -32495,7 +35035,7 @@
 </p:sld>
 </file>
 
-<file path=ppt/slides/slide74.xml><?xml version="1.0" encoding="utf-8"?>
+<file path=ppt/slides/slide75.xml><?xml version="1.0" encoding="utf-8"?>
 <p:sld xmlns:a="http://schemas.openxmlformats.org/drawingml/2006/main" xmlns:r="http://schemas.openxmlformats.org/officeDocument/2006/relationships" xmlns:p="http://schemas.openxmlformats.org/presentationml/2006/main">
   <p:cSld>
     <p:spTree>
@@ -32590,115 +35130,6 @@
 </p:sld>
 </file>
 
-<file path=ppt/slides/slide75.xml><?xml version="1.0" encoding="utf-8"?>
-<p:sld xmlns:a="http://schemas.openxmlformats.org/drawingml/2006/main" xmlns:r="http://schemas.openxmlformats.org/officeDocument/2006/relationships" xmlns:p="http://schemas.openxmlformats.org/presentationml/2006/main">
-  <p:cSld>
-    <p:spTree>
-      <p:nvGrpSpPr>
-        <p:cNvPr id="1" name=""/>
-        <p:cNvGrpSpPr/>
-        <p:nvPr/>
-      </p:nvGrpSpPr>
-      <p:grpSpPr>
-        <a:xfrm>
-          <a:off x="0" y="0"/>
-          <a:ext cx="0" cy="0"/>
-          <a:chOff x="0" y="0"/>
-          <a:chExt cx="0" cy="0"/>
-        </a:xfrm>
-      </p:grpSpPr>
-      <p:sp>
-        <p:nvSpPr>
-          <p:cNvPr id="2" name="제목 1"/>
-          <p:cNvSpPr>
-            <a:spLocks noGrp="1"/>
-          </p:cNvSpPr>
-          <p:nvPr>
-            <p:ph type="title"/>
-          </p:nvPr>
-        </p:nvSpPr>
-        <p:spPr/>
-        <p:txBody>
-          <a:bodyPr/>
-          <a:lstStyle/>
-          <a:p>
-            <a:r>
-              <a:rPr lang="en-US" altLang="ko-KR" dirty="0"/>
-              <a:t>Tips for Design</a:t>
-            </a:r>
-            <a:endParaRPr lang="ko-KR" altLang="en-US" dirty="0"/>
-          </a:p>
-        </p:txBody>
-      </p:sp>
-      <p:sp>
-        <p:nvSpPr>
-          <p:cNvPr id="3" name="내용 개체 틀 2"/>
-          <p:cNvSpPr>
-            <a:spLocks noGrp="1"/>
-          </p:cNvSpPr>
-          <p:nvPr>
-            <p:ph sz="quarter" idx="1"/>
-          </p:nvPr>
-        </p:nvSpPr>
-        <p:spPr/>
-        <p:txBody>
-          <a:bodyPr/>
-          <a:lstStyle/>
-          <a:p>
-            <a:r>
-              <a:rPr lang="en-US" altLang="ko-KR" dirty="0"/>
-              <a:t>Debugging Verilog is very difficult</a:t>
-            </a:r>
-          </a:p>
-          <a:p>
-            <a:pPr lvl="1"/>
-            <a:r>
-              <a:rPr lang="en-US" altLang="ko-KR" dirty="0"/>
-              <a:t>It is time consuming</a:t>
-            </a:r>
-          </a:p>
-          <a:p>
-            <a:pPr lvl="1"/>
-            <a:endParaRPr lang="en-US" altLang="ko-KR" dirty="0"/>
-          </a:p>
-          <a:p>
-            <a:r>
-              <a:rPr lang="en-US" altLang="ko-KR" dirty="0"/>
-              <a:t>Synthesis and Implementation is time consuming</a:t>
-            </a:r>
-          </a:p>
-          <a:p>
-            <a:pPr lvl="1"/>
-            <a:r>
-              <a:rPr lang="en-US" altLang="ko-KR" dirty="0"/>
-              <a:t>Maybe…… = 1-hours in most notebook</a:t>
-            </a:r>
-          </a:p>
-          <a:p>
-            <a:pPr lvl="1"/>
-            <a:r>
-              <a:rPr lang="en-US" altLang="ko-KR" dirty="0"/>
-              <a:t>So, maybe most of your time is consumed in this progress</a:t>
-            </a:r>
-          </a:p>
-          <a:p>
-            <a:endParaRPr lang="ko-KR" altLang="en-US" dirty="0"/>
-          </a:p>
-        </p:txBody>
-      </p:sp>
-    </p:spTree>
-    <p:extLst>
-      <p:ext uri="{BB962C8B-B14F-4D97-AF65-F5344CB8AC3E}">
-        <p14:creationId xmlns:p14="http://schemas.microsoft.com/office/powerpoint/2010/main" val="574248351"/>
-      </p:ext>
-    </p:extLst>
-  </p:cSld>
-  <p:clrMapOvr>
-    <a:masterClrMapping/>
-  </p:clrMapOvr>
-</p:sld>
-</file>
-
 <file path=ppt/slides/slide76.xml><?xml version="1.0" encoding="utf-8"?>
 <p:sld xmlns:a="http://schemas.openxmlformats.org/drawingml/2006/main" xmlns:r="http://schemas.openxmlformats.org/officeDocument/2006/relationships" xmlns:p="http://schemas.openxmlformats.org/presentationml/2006/main">
   <p:cSld>
@@ -32756,84 +35187,39 @@
           <a:p>
             <a:r>
               <a:rPr lang="en-US" altLang="ko-KR" dirty="0"/>
-              <a:t>First, design roughly for focusing on functionality (CNN) </a:t>
+              <a:t>Debugging Verilog is very difficult</a:t>
             </a:r>
           </a:p>
           <a:p>
             <a:pPr lvl="1"/>
             <a:r>
               <a:rPr lang="en-US" altLang="ko-KR" dirty="0"/>
-              <a:t>Implementation can be difficult enough.</a:t>
-            </a:r>
-          </a:p>
-          <a:p>
-            <a:r>
-              <a:rPr lang="en-US" altLang="ko-KR" dirty="0"/>
-              <a:t>Then optimize!</a:t>
-            </a:r>
-          </a:p>
-          <a:p>
-            <a:r>
-              <a:rPr lang="en-US" altLang="ko-KR" dirty="0"/>
-              <a:t>Almost everything we need to do in the project has already been covered in class and lab session.</a:t>
+              <a:t>It is time consuming</a:t>
             </a:r>
           </a:p>
           <a:p>
             <a:pPr lvl="1"/>
-            <a:r>
-              <a:rPr lang="en-US" altLang="ko-KR" dirty="0"/>
-              <a:t>UART</a:t>
+            <a:endParaRPr lang="en-US" altLang="ko-KR" dirty="0"/>
+          </a:p>
+          <a:p>
+            <a:r>
+              <a:rPr lang="en-US" altLang="ko-KR" dirty="0"/>
+              <a:t>Synthesis and Implementation is time consuming</a:t>
             </a:r>
           </a:p>
           <a:p>
             <a:pPr lvl="1"/>
             <a:r>
               <a:rPr lang="en-US" altLang="ko-KR" dirty="0"/>
-              <a:t>AXI</a:t>
+              <a:t>Maybe…… = 1-hours in most notebook</a:t>
             </a:r>
           </a:p>
           <a:p>
             <a:pPr lvl="1"/>
             <a:r>
               <a:rPr lang="en-US" altLang="ko-KR" dirty="0"/>
-              <a:t>FC (Advanced Compute units)</a:t>
-            </a:r>
-          </a:p>
-          <a:p>
-            <a:r>
-              <a:rPr lang="en-US" altLang="ko-KR" dirty="0"/>
-              <a:t>But you also need to revise and implement existing/new things</a:t>
-            </a:r>
-          </a:p>
-          <a:p>
-            <a:pPr lvl="1"/>
-            <a:r>
-              <a:rPr lang="en-US" altLang="ko-KR" dirty="0"/>
-              <a:t>Convolutional layer</a:t>
-            </a:r>
-          </a:p>
-          <a:p>
-            <a:pPr lvl="1"/>
-            <a:r>
-              <a:rPr lang="en-US" altLang="ko-KR" dirty="0"/>
-              <a:t>Max-pool</a:t>
-            </a:r>
-          </a:p>
-          <a:p>
-            <a:pPr lvl="1"/>
-            <a:r>
-              <a:rPr lang="en-US" altLang="ko-KR" dirty="0"/>
-              <a:t>Memory-mapped</a:t>
-            </a:r>
-          </a:p>
-          <a:p>
-            <a:endParaRPr lang="en-US" altLang="ko-KR" dirty="0"/>
-          </a:p>
-          <a:p>
-            <a:pPr marL="342900" lvl="1" indent="0">
-              <a:buNone/>
-            </a:pPr>
-            <a:endParaRPr lang="en-US" altLang="ko-KR" dirty="0"/>
+              <a:t>So, maybe most of your time is consumed in this progress</a:t>
+            </a:r>
           </a:p>
           <a:p>
             <a:endParaRPr lang="ko-KR" altLang="en-US" dirty="0"/>
@@ -32843,7 +35229,7 @@
     </p:spTree>
     <p:extLst>
       <p:ext uri="{BB962C8B-B14F-4D97-AF65-F5344CB8AC3E}">
-        <p14:creationId xmlns:p14="http://schemas.microsoft.com/office/powerpoint/2010/main" val="3739969835"/>
+        <p14:creationId xmlns:p14="http://schemas.microsoft.com/office/powerpoint/2010/main" val="574248351"/>
       </p:ext>
     </p:extLst>
   </p:cSld>
@@ -32910,79 +35296,83 @@
           <a:p>
             <a:r>
               <a:rPr lang="en-US" altLang="ko-KR" dirty="0"/>
-              <a:t>Before writing code of modules, plan the algorithms</a:t>
+              <a:t>First, design roughly for focusing on functionality (CNN) </a:t>
             </a:r>
           </a:p>
           <a:p>
             <a:pPr lvl="1"/>
             <a:r>
               <a:rPr lang="en-US" altLang="ko-KR" dirty="0"/>
-              <a:t>Bit operations, convolving sequences, what to store and reuse (weights or input features)</a:t>
-            </a:r>
-          </a:p>
-          <a:p>
-            <a:r>
-              <a:rPr lang="en-US" altLang="ko-KR" dirty="0"/>
-              <a:t>There is few designs achieving both efficiency and easiness</a:t>
+              <a:t>Implementation can be difficult enough.</a:t>
+            </a:r>
+          </a:p>
+          <a:p>
+            <a:r>
+              <a:rPr lang="en-US" altLang="ko-KR" dirty="0"/>
+              <a:t>Then optimize!</a:t>
+            </a:r>
+          </a:p>
+          <a:p>
+            <a:r>
+              <a:rPr lang="en-US" altLang="ko-KR" dirty="0"/>
+              <a:t>Almost everything we need to do in the project has already been covered in class and lab session.</a:t>
             </a:r>
           </a:p>
           <a:p>
             <a:pPr lvl="1"/>
             <a:r>
               <a:rPr lang="en-US" altLang="ko-KR" dirty="0"/>
-              <a:t>So, </a:t>
-            </a:r>
-            <a:r>
-              <a:rPr lang="en-US" altLang="ko-KR" b="1" dirty="0">
-                <a:solidFill>
-                  <a:srgbClr val="C00000"/>
-                </a:solidFill>
-              </a:rPr>
-              <a:t>work hard and design thoroughly</a:t>
-            </a:r>
-            <a:r>
-              <a:rPr lang="en-US" altLang="ko-KR" dirty="0"/>
-              <a:t>!</a:t>
-            </a:r>
-          </a:p>
-          <a:p>
-            <a:r>
-              <a:rPr lang="en-US" altLang="ko-KR" dirty="0"/>
-              <a:t>Debugging Verilog code is very and more difficult than SW</a:t>
+              <a:t>UART</a:t>
             </a:r>
           </a:p>
           <a:p>
             <a:pPr lvl="1"/>
             <a:r>
               <a:rPr lang="en-US" altLang="ko-KR" dirty="0"/>
-              <a:t>Everyone knows that debugging is twice as hard as writing a program in the first place. So, if you're as clever as you can be when you write it, how will you ever debug it?</a:t>
-            </a:r>
+              <a:t>AXI</a:t>
+            </a:r>
+          </a:p>
+          <a:p>
+            <a:pPr lvl="1"/>
+            <a:r>
+              <a:rPr lang="en-US" altLang="ko-KR" dirty="0"/>
+              <a:t>FC (Advanced Compute units)</a:t>
+            </a:r>
+          </a:p>
+          <a:p>
+            <a:r>
+              <a:rPr lang="en-US" altLang="ko-KR" dirty="0"/>
+              <a:t>But you also need to revise and implement existing/new things</a:t>
+            </a:r>
+          </a:p>
+          <a:p>
+            <a:pPr lvl="1"/>
+            <a:r>
+              <a:rPr lang="en-US" altLang="ko-KR" dirty="0"/>
+              <a:t>Convolutional layer</a:t>
+            </a:r>
+          </a:p>
+          <a:p>
+            <a:pPr lvl="1"/>
+            <a:r>
+              <a:rPr lang="en-US" altLang="ko-KR" dirty="0"/>
+              <a:t>Max-pool</a:t>
+            </a:r>
+          </a:p>
+          <a:p>
+            <a:pPr lvl="1"/>
+            <a:r>
+              <a:rPr lang="en-US" altLang="ko-KR" dirty="0"/>
+              <a:t>Memory-mapped</a:t>
+            </a:r>
+          </a:p>
+          <a:p>
+            <a:endParaRPr lang="en-US" altLang="ko-KR" dirty="0"/>
           </a:p>
           <a:p>
             <a:pPr marL="342900" lvl="1" indent="0">
               <a:buNone/>
             </a:pPr>
-            <a:br>
-              <a:rPr lang="en-US" altLang="ko-KR" dirty="0"/>
-            </a:br>
-            <a:r>
-              <a:rPr lang="en-US" altLang="ko-KR" dirty="0"/>
-              <a:t>"</a:t>
-            </a:r>
-            <a:r>
-              <a:rPr lang="en-US" altLang="ko-KR" dirty="0">
-                <a:hlinkClick r:id="rId2"/>
-              </a:rPr>
-              <a:t>The Elements of Programming Style</a:t>
-            </a:r>
-            <a:r>
-              <a:rPr lang="en-US" altLang="ko-KR" dirty="0"/>
-              <a:t>", By Brian </a:t>
-            </a:r>
-            <a:r>
-              <a:rPr lang="en-US" altLang="ko-KR" dirty="0" err="1"/>
-              <a:t>Karnighan</a:t>
-            </a:r>
             <a:endParaRPr lang="en-US" altLang="ko-KR" dirty="0"/>
           </a:p>
           <a:p>
@@ -32993,7 +35383,7 @@
     </p:spTree>
     <p:extLst>
       <p:ext uri="{BB962C8B-B14F-4D97-AF65-F5344CB8AC3E}">
-        <p14:creationId xmlns:p14="http://schemas.microsoft.com/office/powerpoint/2010/main" val="2342420864"/>
+        <p14:creationId xmlns:p14="http://schemas.microsoft.com/office/powerpoint/2010/main" val="3739969835"/>
       </p:ext>
     </p:extLst>
   </p:cSld>
@@ -33037,7 +35427,7 @@
           <a:p>
             <a:r>
               <a:rPr lang="en-US" altLang="ko-KR" dirty="0"/>
-              <a:t>Python API</a:t>
+              <a:t>Tips for Design</a:t>
             </a:r>
             <a:endParaRPr lang="ko-KR" altLang="en-US" dirty="0"/>
           </a:p>
@@ -33060,132 +35450,90 @@
           <a:p>
             <a:r>
               <a:rPr lang="en-US" altLang="ko-KR" dirty="0"/>
-              <a:t>You will use PC &lt;-&gt; FPGA board communication via UART</a:t>
-            </a:r>
-          </a:p>
-          <a:p>
+              <a:t>Before writing code of modules, plan the algorithms</a:t>
+            </a:r>
+          </a:p>
+          <a:p>
+            <a:pPr lvl="1"/>
+            <a:r>
+              <a:rPr lang="en-US" altLang="ko-KR" dirty="0"/>
+              <a:t>Bit operations, convolving sequences, what to store and reuse (weights or input features)</a:t>
+            </a:r>
+          </a:p>
+          <a:p>
+            <a:r>
+              <a:rPr lang="en-US" altLang="ko-KR" dirty="0"/>
+              <a:t>There is few designs achieving both efficiency and easiness</a:t>
+            </a:r>
+          </a:p>
+          <a:p>
+            <a:pPr lvl="1"/>
+            <a:r>
+              <a:rPr lang="en-US" altLang="ko-KR" dirty="0"/>
+              <a:t>So, </a:t>
+            </a:r>
+            <a:r>
+              <a:rPr lang="en-US" altLang="ko-KR" b="1" dirty="0">
+                <a:solidFill>
+                  <a:srgbClr val="C00000"/>
+                </a:solidFill>
+              </a:rPr>
+              <a:t>work hard and design thoroughly</a:t>
+            </a:r>
+            <a:r>
+              <a:rPr lang="en-US" altLang="ko-KR" dirty="0"/>
+              <a:t>!</a:t>
+            </a:r>
+          </a:p>
+          <a:p>
+            <a:r>
+              <a:rPr lang="en-US" altLang="ko-KR" dirty="0"/>
+              <a:t>Debugging Verilog code is very and more difficult than SW</a:t>
+            </a:r>
+          </a:p>
+          <a:p>
+            <a:pPr lvl="1"/>
+            <a:r>
+              <a:rPr lang="en-US" altLang="ko-KR" dirty="0"/>
+              <a:t>Everyone knows that debugging is twice as hard as writing a program in the first place. So, if you're as clever as you can be when you write it, how will you ever debug it?</a:t>
+            </a:r>
+          </a:p>
+          <a:p>
+            <a:pPr marL="342900" lvl="1" indent="0">
+              <a:buNone/>
+            </a:pPr>
+            <a:br>
+              <a:rPr lang="en-US" altLang="ko-KR" dirty="0"/>
+            </a:br>
+            <a:r>
+              <a:rPr lang="en-US" altLang="ko-KR" dirty="0"/>
+              <a:t>"</a:t>
+            </a:r>
+            <a:r>
+              <a:rPr lang="en-US" altLang="ko-KR" dirty="0">
+                <a:hlinkClick r:id="rId2"/>
+              </a:rPr>
+              <a:t>The Elements of Programming Style</a:t>
+            </a:r>
+            <a:r>
+              <a:rPr lang="en-US" altLang="ko-KR" dirty="0"/>
+              <a:t>", By Brian </a:t>
+            </a:r>
+            <a:r>
+              <a:rPr lang="en-US" altLang="ko-KR" dirty="0" err="1"/>
+              <a:t>Karnighan</a:t>
+            </a:r>
             <a:endParaRPr lang="en-US" altLang="ko-KR" dirty="0"/>
           </a:p>
           <a:p>
-            <a:r>
-              <a:rPr lang="en-US" altLang="ko-KR" dirty="0"/>
-              <a:t>We will provide python API for you</a:t>
-            </a:r>
-          </a:p>
-          <a:p>
-            <a:pPr lvl="1"/>
-            <a:r>
-              <a:rPr lang="en-US" altLang="ko-KR" dirty="0"/>
-              <a:t>You do not have to modify any python codes for this project, </a:t>
-            </a:r>
-            <a:br>
-              <a:rPr lang="en-US" altLang="ko-KR" dirty="0"/>
-            </a:br>
-            <a:r>
-              <a:rPr lang="en-US" altLang="ko-KR" dirty="0"/>
-              <a:t>unless if you want to modify the python codes for debugging</a:t>
-            </a:r>
-          </a:p>
-          <a:p>
-            <a:endParaRPr lang="en-US" altLang="ko-KR" dirty="0"/>
-          </a:p>
-          <a:p>
-            <a:r>
-              <a:rPr lang="en-US" altLang="ko-KR" dirty="0"/>
-              <a:t>And reuse the environment setting in Lab08</a:t>
-            </a:r>
-          </a:p>
-          <a:p>
-            <a:pPr lvl="1"/>
-            <a:r>
-              <a:rPr lang="en-US" altLang="ko-KR" dirty="0"/>
-              <a:t>Use </a:t>
-            </a:r>
-            <a:r>
-              <a:rPr lang="en-US" altLang="ko-KR" b="1" dirty="0" err="1"/>
-              <a:t>Conda</a:t>
-            </a:r>
-            <a:r>
-              <a:rPr lang="en-US" altLang="ko-KR" dirty="0"/>
-              <a:t> to install packages!!</a:t>
-            </a:r>
-          </a:p>
-          <a:p>
-            <a:pPr lvl="1"/>
-            <a:r>
-              <a:rPr lang="en-US" altLang="ko-KR" dirty="0"/>
-              <a:t>Package requirements (</a:t>
-            </a:r>
-            <a:r>
-              <a:rPr lang="en-US" altLang="ko-KR" dirty="0" err="1"/>
-              <a:t>jupyter</a:t>
-            </a:r>
-            <a:r>
-              <a:rPr lang="en-US" altLang="ko-KR" dirty="0"/>
-              <a:t>, </a:t>
-            </a:r>
-            <a:r>
-              <a:rPr lang="en-US" altLang="ko-KR" dirty="0" err="1"/>
-              <a:t>pyserial</a:t>
-            </a:r>
-            <a:r>
-              <a:rPr lang="en-US" altLang="ko-KR" dirty="0"/>
-              <a:t>, </a:t>
-            </a:r>
-            <a:r>
-              <a:rPr lang="en-US" altLang="ko-KR" dirty="0" err="1"/>
-              <a:t>numpy</a:t>
-            </a:r>
-            <a:r>
-              <a:rPr lang="en-US" altLang="ko-KR" dirty="0"/>
-              <a:t>, matplotlib, </a:t>
-            </a:r>
-            <a:r>
-              <a:rPr lang="en-US" altLang="ko-KR" b="1" dirty="0"/>
-              <a:t>torch</a:t>
-            </a:r>
-            <a:r>
-              <a:rPr lang="en-US" altLang="ko-KR" dirty="0"/>
-              <a:t>, glob2)</a:t>
-            </a:r>
-          </a:p>
-          <a:p>
-            <a:pPr lvl="1"/>
-            <a:r>
-              <a:rPr lang="en-US" altLang="ko-KR" dirty="0"/>
-              <a:t>$ </a:t>
-            </a:r>
-            <a:r>
-              <a:rPr lang="en-US" altLang="ko-KR" b="1" dirty="0" err="1"/>
-              <a:t>conda</a:t>
-            </a:r>
-            <a:r>
-              <a:rPr lang="en-US" altLang="ko-KR" b="1" dirty="0"/>
-              <a:t> install pip</a:t>
-            </a:r>
-          </a:p>
-          <a:p>
-            <a:pPr lvl="1"/>
-            <a:r>
-              <a:rPr lang="en-US" altLang="ko-KR" dirty="0"/>
-              <a:t>$ </a:t>
-            </a:r>
-            <a:r>
-              <a:rPr lang="en-US" altLang="ko-KR" b="1" dirty="0"/>
-              <a:t>pip install -r </a:t>
-            </a:r>
-            <a:r>
-              <a:rPr lang="en-US" altLang="ko-KR" b="1" dirty="0" err="1"/>
-              <a:t>requirements.txt</a:t>
-            </a:r>
-            <a:endParaRPr lang="en-US" altLang="ko-KR" b="1" dirty="0"/>
+            <a:endParaRPr lang="ko-KR" altLang="en-US" dirty="0"/>
           </a:p>
         </p:txBody>
       </p:sp>
     </p:spTree>
     <p:extLst>
       <p:ext uri="{BB962C8B-B14F-4D97-AF65-F5344CB8AC3E}">
-        <p14:creationId xmlns:p14="http://schemas.microsoft.com/office/powerpoint/2010/main" val="3908373624"/>
+        <p14:creationId xmlns:p14="http://schemas.microsoft.com/office/powerpoint/2010/main" val="2342420864"/>
       </p:ext>
     </p:extLst>
   </p:cSld>
@@ -33252,7 +35600,7 @@
           <a:p>
             <a:r>
               <a:rPr lang="en-US" altLang="ko-KR" dirty="0"/>
-              <a:t>Here is the python APIs list and specifications</a:t>
+              <a:t>You will use PC &lt;-&gt; FPGA board communication via UART</a:t>
             </a:r>
           </a:p>
           <a:p>
@@ -33261,15 +35609,21 @@
           <a:p>
             <a:r>
               <a:rPr lang="en-US" altLang="ko-KR" dirty="0"/>
-              <a:t>There are implementation details on project *.</a:t>
-            </a:r>
-            <a:r>
-              <a:rPr lang="en-US" altLang="ko-KR" dirty="0" err="1"/>
-              <a:t>py</a:t>
-            </a:r>
-            <a:r>
-              <a:rPr lang="en-US" altLang="ko-KR" dirty="0"/>
-              <a:t> code</a:t>
+              <a:t>We will provide python API for you</a:t>
+            </a:r>
+          </a:p>
+          <a:p>
+            <a:pPr lvl="1"/>
+            <a:r>
+              <a:rPr lang="en-US" altLang="ko-KR" dirty="0"/>
+              <a:t>You do not have to modify any python codes for this project, </a:t>
+            </a:r>
+            <a:br>
+              <a:rPr lang="en-US" altLang="ko-KR" dirty="0"/>
+            </a:br>
+            <a:r>
+              <a:rPr lang="en-US" altLang="ko-KR" dirty="0"/>
+              <a:t>unless if you want to modify the python codes for debugging</a:t>
             </a:r>
           </a:p>
           <a:p>
@@ -33278,15 +35632,29 @@
           <a:p>
             <a:r>
               <a:rPr lang="en-US" altLang="ko-KR" dirty="0"/>
-              <a:t>First, we recommend you run the </a:t>
+              <a:t>And reuse the environment setting in Lab08</a:t>
+            </a:r>
+          </a:p>
+          <a:p>
+            <a:pPr lvl="1"/>
+            <a:r>
+              <a:rPr lang="en-US" altLang="ko-KR" dirty="0"/>
+              <a:t>Use </a:t>
             </a:r>
             <a:r>
               <a:rPr lang="en-US" altLang="ko-KR" b="1" dirty="0" err="1"/>
-              <a:t>cifar_pytorch.ipynb</a:t>
-            </a:r>
-            <a:r>
-              <a:rPr lang="en-US" altLang="ko-KR" b="1" dirty="0"/>
-              <a:t> </a:t>
+              <a:t>Conda</a:t>
+            </a:r>
+            <a:r>
+              <a:rPr lang="en-US" altLang="ko-KR" dirty="0"/>
+              <a:t> to install packages!!</a:t>
+            </a:r>
+          </a:p>
+          <a:p>
+            <a:pPr lvl="1"/>
+            <a:r>
+              <a:rPr lang="en-US" altLang="ko-KR" dirty="0"/>
+              <a:t>Package requirements (</a:t>
             </a:r>
             <a:r>
               <a:rPr lang="en-US" altLang="ko-KR" dirty="0" err="1"/>
@@ -33294,15 +35662,70 @@
             </a:r>
             <a:r>
               <a:rPr lang="en-US" altLang="ko-KR" dirty="0"/>
-              <a:t>-notebook to understand how each layer works</a:t>
-            </a:r>
+              <a:t>, </a:t>
+            </a:r>
+            <a:r>
+              <a:rPr lang="en-US" altLang="ko-KR" dirty="0" err="1"/>
+              <a:t>pyserial</a:t>
+            </a:r>
+            <a:r>
+              <a:rPr lang="en-US" altLang="ko-KR" dirty="0"/>
+              <a:t>, </a:t>
+            </a:r>
+            <a:r>
+              <a:rPr lang="en-US" altLang="ko-KR" dirty="0" err="1"/>
+              <a:t>numpy</a:t>
+            </a:r>
+            <a:r>
+              <a:rPr lang="en-US" altLang="ko-KR" dirty="0"/>
+              <a:t>, matplotlib, </a:t>
+            </a:r>
+            <a:r>
+              <a:rPr lang="en-US" altLang="ko-KR" b="1" dirty="0"/>
+              <a:t>torch</a:t>
+            </a:r>
+            <a:r>
+              <a:rPr lang="en-US" altLang="ko-KR" dirty="0"/>
+              <a:t>, glob2)</a:t>
+            </a:r>
+          </a:p>
+          <a:p>
+            <a:pPr lvl="1"/>
+            <a:r>
+              <a:rPr lang="en-US" altLang="ko-KR" dirty="0"/>
+              <a:t>$ </a:t>
+            </a:r>
+            <a:r>
+              <a:rPr lang="en-US" altLang="ko-KR" b="1" dirty="0" err="1"/>
+              <a:t>conda</a:t>
+            </a:r>
+            <a:r>
+              <a:rPr lang="en-US" altLang="ko-KR" b="1" dirty="0"/>
+              <a:t> install pip</a:t>
+            </a:r>
+          </a:p>
+          <a:p>
+            <a:pPr lvl="1"/>
+            <a:r>
+              <a:rPr lang="en-US" altLang="ko-KR" dirty="0"/>
+              <a:t>$ </a:t>
+            </a:r>
+            <a:r>
+              <a:rPr lang="en-US" altLang="ko-KR" b="1" dirty="0"/>
+              <a:t>pip install -r </a:t>
+            </a:r>
+            <a:r>
+              <a:rPr lang="en-US" altLang="ko-KR" b="1" dirty="0" err="1"/>
+              <a:t>requirements.txt</a:t>
+            </a:r>
+            <a:endParaRPr lang="en-US" altLang="ko-KR" b="1" dirty="0"/>
           </a:p>
         </p:txBody>
       </p:sp>
     </p:spTree>
     <p:extLst>
       <p:ext uri="{BB962C8B-B14F-4D97-AF65-F5344CB8AC3E}">
-        <p14:creationId xmlns:p14="http://schemas.microsoft.com/office/powerpoint/2010/main" val="775869754"/>
+        <p14:creationId xmlns:p14="http://schemas.microsoft.com/office/powerpoint/2010/main" val="3908373624"/>
       </p:ext>
     </p:extLst>
   </p:cSld>
@@ -33480,40 +35903,57 @@
           <a:p>
             <a:r>
               <a:rPr lang="en-US" altLang="ko-KR" dirty="0"/>
-              <a:t>layers_cifar10.py</a:t>
-            </a:r>
-            <a:endParaRPr lang="ko-KR" altLang="en-US" dirty="0"/>
+              <a:t>Here is the python APIs list and specifications</a:t>
+            </a:r>
+          </a:p>
+          <a:p>
+            <a:endParaRPr lang="en-US" altLang="ko-KR" dirty="0"/>
+          </a:p>
+          <a:p>
+            <a:r>
+              <a:rPr lang="en-US" altLang="ko-KR" dirty="0"/>
+              <a:t>There are implementation details on project *.</a:t>
+            </a:r>
+            <a:r>
+              <a:rPr lang="en-US" altLang="ko-KR" dirty="0" err="1"/>
+              <a:t>py</a:t>
+            </a:r>
+            <a:r>
+              <a:rPr lang="en-US" altLang="ko-KR" dirty="0"/>
+              <a:t> code</a:t>
+            </a:r>
+          </a:p>
+          <a:p>
+            <a:endParaRPr lang="en-US" altLang="ko-KR" dirty="0"/>
+          </a:p>
+          <a:p>
+            <a:r>
+              <a:rPr lang="en-US" altLang="ko-KR" dirty="0"/>
+              <a:t>First, we recommend you run the </a:t>
+            </a:r>
+            <a:r>
+              <a:rPr lang="en-US" altLang="ko-KR" b="1" dirty="0" err="1"/>
+              <a:t>cifar_pytorch.ipynb</a:t>
+            </a:r>
+            <a:r>
+              <a:rPr lang="en-US" altLang="ko-KR" b="1" dirty="0"/>
+              <a:t> </a:t>
+            </a:r>
+            <a:r>
+              <a:rPr lang="en-US" altLang="ko-KR" dirty="0" err="1"/>
+              <a:t>jupyter</a:t>
+            </a:r>
+            <a:r>
+              <a:rPr lang="en-US" altLang="ko-KR" dirty="0"/>
+              <a:t>-notebook to understand how each layer works</a:t>
+            </a:r>
           </a:p>
         </p:txBody>
       </p:sp>
-      <p:pic>
-        <p:nvPicPr>
-          <p:cNvPr id="4" name="그림 3"/>
-          <p:cNvPicPr>
-            <a:picLocks noChangeAspect="1"/>
-          </p:cNvPicPr>
-          <p:nvPr/>
-        </p:nvPicPr>
-        <p:blipFill>
-          <a:blip r:embed="rId2"/>
-          <a:stretch>
-            <a:fillRect/>
-          </a:stretch>
-        </p:blipFill>
-        <p:spPr>
-          <a:xfrm>
-            <a:off x="1500187" y="2144315"/>
-            <a:ext cx="5915025" cy="3178969"/>
-          </a:xfrm>
-          <a:prstGeom prst="rect">
-            <a:avLst/>
-          </a:prstGeom>
-        </p:spPr>
-      </p:pic>
     </p:spTree>
     <p:extLst>
       <p:ext uri="{BB962C8B-B14F-4D97-AF65-F5344CB8AC3E}">
-        <p14:creationId xmlns:p14="http://schemas.microsoft.com/office/powerpoint/2010/main" val="574789052"/>
+        <p14:creationId xmlns:p14="http://schemas.microsoft.com/office/powerpoint/2010/main" val="775869754"/>
       </p:ext>
     </p:extLst>
   </p:cSld>
@@ -33588,7 +36028,7 @@
       </p:sp>
       <p:pic>
         <p:nvPicPr>
-          <p:cNvPr id="5" name="그림 4"/>
+          <p:cNvPr id="4" name="그림 3"/>
           <p:cNvPicPr>
             <a:picLocks noChangeAspect="1"/>
           </p:cNvPicPr>
@@ -33602,8 +36042,8 @@
         </p:blipFill>
         <p:spPr>
           <a:xfrm>
-            <a:off x="1364456" y="2476500"/>
-            <a:ext cx="6186488" cy="2514600"/>
+            <a:off x="1500187" y="2144315"/>
+            <a:ext cx="5915025" cy="3178969"/>
           </a:xfrm>
           <a:prstGeom prst="rect">
             <a:avLst/>
@@ -33613,7 +36053,7 @@
     </p:spTree>
     <p:extLst>
       <p:ext uri="{BB962C8B-B14F-4D97-AF65-F5344CB8AC3E}">
-        <p14:creationId xmlns:p14="http://schemas.microsoft.com/office/powerpoint/2010/main" val="3240278876"/>
+        <p14:creationId xmlns:p14="http://schemas.microsoft.com/office/powerpoint/2010/main" val="574789052"/>
       </p:ext>
     </p:extLst>
   </p:cSld>
@@ -33688,7 +36128,7 @@
       </p:sp>
       <p:pic>
         <p:nvPicPr>
-          <p:cNvPr id="6" name="그림 5"/>
+          <p:cNvPr id="5" name="그림 4"/>
           <p:cNvPicPr>
             <a:picLocks noChangeAspect="1"/>
           </p:cNvPicPr>
@@ -33702,8 +36142,8 @@
         </p:blipFill>
         <p:spPr>
           <a:xfrm>
-            <a:off x="1743075" y="2483643"/>
-            <a:ext cx="5429250" cy="2500313"/>
+            <a:off x="1364456" y="2476500"/>
+            <a:ext cx="6186488" cy="2514600"/>
           </a:xfrm>
           <a:prstGeom prst="rect">
             <a:avLst/>
@@ -33713,7 +36153,7 @@
     </p:spTree>
     <p:extLst>
       <p:ext uri="{BB962C8B-B14F-4D97-AF65-F5344CB8AC3E}">
-        <p14:creationId xmlns:p14="http://schemas.microsoft.com/office/powerpoint/2010/main" val="2266032157"/>
+        <p14:creationId xmlns:p14="http://schemas.microsoft.com/office/powerpoint/2010/main" val="3240278876"/>
       </p:ext>
     </p:extLst>
   </p:cSld>
@@ -33779,8 +36219,8 @@
           <a:lstStyle/>
           <a:p>
             <a:r>
-              <a:rPr lang="en-US" altLang="ko-KR" dirty="0" err="1"/>
-              <a:t>bit_operation.py</a:t>
+              <a:rPr lang="en-US" altLang="ko-KR" dirty="0"/>
+              <a:t>layers_cifar10.py</a:t>
             </a:r>
             <a:endParaRPr lang="ko-KR" altLang="en-US" dirty="0"/>
           </a:p>
@@ -33788,7 +36228,7 @@
       </p:sp>
       <p:pic>
         <p:nvPicPr>
-          <p:cNvPr id="7" name="그림 6"/>
+          <p:cNvPr id="6" name="그림 5"/>
           <p:cNvPicPr>
             <a:picLocks noChangeAspect="1"/>
           </p:cNvPicPr>
@@ -33802,8 +36242,8 @@
         </p:blipFill>
         <p:spPr>
           <a:xfrm>
-            <a:off x="1100881" y="2000240"/>
-            <a:ext cx="6713638" cy="3467119"/>
+            <a:off x="1743075" y="2483643"/>
+            <a:ext cx="5429250" cy="2500313"/>
           </a:xfrm>
           <a:prstGeom prst="rect">
             <a:avLst/>
@@ -33813,7 +36253,7 @@
     </p:spTree>
     <p:extLst>
       <p:ext uri="{BB962C8B-B14F-4D97-AF65-F5344CB8AC3E}">
-        <p14:creationId xmlns:p14="http://schemas.microsoft.com/office/powerpoint/2010/main" val="699615407"/>
+        <p14:creationId xmlns:p14="http://schemas.microsoft.com/office/powerpoint/2010/main" val="2266032157"/>
       </p:ext>
     </p:extLst>
   </p:cSld>
@@ -33879,8 +36319,8 @@
           <a:lstStyle/>
           <a:p>
             <a:r>
-              <a:rPr lang="en-US" altLang="ko-KR" dirty="0"/>
-              <a:t>setup_cifar10.py</a:t>
+              <a:rPr lang="en-US" altLang="ko-KR" dirty="0" err="1"/>
+              <a:t>bit_operation.py</a:t>
             </a:r>
             <a:endParaRPr lang="ko-KR" altLang="en-US" dirty="0"/>
           </a:p>
@@ -33888,7 +36328,7 @@
       </p:sp>
       <p:pic>
         <p:nvPicPr>
-          <p:cNvPr id="5" name="그림 4"/>
+          <p:cNvPr id="7" name="그림 6"/>
           <p:cNvPicPr>
             <a:picLocks noChangeAspect="1"/>
           </p:cNvPicPr>
@@ -33902,8 +36342,8 @@
         </p:blipFill>
         <p:spPr>
           <a:xfrm>
-            <a:off x="1403071" y="2231146"/>
-            <a:ext cx="6109258" cy="3005308"/>
+            <a:off x="1100881" y="2000240"/>
+            <a:ext cx="6713638" cy="3467119"/>
           </a:xfrm>
           <a:prstGeom prst="rect">
             <a:avLst/>
@@ -33913,7 +36353,7 @@
     </p:spTree>
     <p:extLst>
       <p:ext uri="{BB962C8B-B14F-4D97-AF65-F5344CB8AC3E}">
-        <p14:creationId xmlns:p14="http://schemas.microsoft.com/office/powerpoint/2010/main" val="3557692347"/>
+        <p14:creationId xmlns:p14="http://schemas.microsoft.com/office/powerpoint/2010/main" val="699615407"/>
       </p:ext>
     </p:extLst>
   </p:cSld>
@@ -33980,64 +36420,15 @@
           <a:p>
             <a:r>
               <a:rPr lang="en-US" altLang="ko-KR" dirty="0"/>
-              <a:t>scale_uart.py</a:t>
-            </a:r>
-          </a:p>
-          <a:p>
-            <a:pPr lvl="1"/>
-            <a:r>
-              <a:rPr lang="en-US" altLang="ko-KR" dirty="0" err="1"/>
-              <a:t>su_set</a:t>
-            </a:r>
-            <a:r>
-              <a:rPr lang="en-US" altLang="ko-KR" dirty="0"/>
-              <a:t>_*() functions:</a:t>
-            </a:r>
-          </a:p>
-          <a:p>
-            <a:pPr lvl="1"/>
-            <a:r>
-              <a:rPr lang="en-US" altLang="ko-KR" dirty="0"/>
-              <a:t>Read from file</a:t>
-            </a:r>
-          </a:p>
-          <a:p>
-            <a:pPr lvl="1"/>
-            <a:r>
-              <a:rPr lang="en-US" altLang="ko-KR" dirty="0"/>
-              <a:t>Write to DRAM with base</a:t>
-            </a:r>
-            <a:br>
-              <a:rPr lang="en-US" altLang="ko-KR" dirty="0"/>
-            </a:br>
-            <a:r>
-              <a:rPr lang="en-US" altLang="ko-KR" dirty="0"/>
-              <a:t>address</a:t>
-            </a:r>
-          </a:p>
-          <a:p>
-            <a:pPr lvl="1"/>
-            <a:endParaRPr lang="en-US" altLang="ko-KR" dirty="0"/>
-          </a:p>
-          <a:p>
-            <a:r>
-              <a:rPr lang="en-US" altLang="ko-KR" dirty="0"/>
-              <a:t>See the scale_uart.py and </a:t>
-            </a:r>
-            <a:br>
-              <a:rPr lang="en-US" altLang="ko-KR" dirty="0"/>
-            </a:br>
-            <a:r>
-              <a:rPr lang="en-US" altLang="ko-KR" dirty="0" err="1"/>
-              <a:t>all_layer_test.ipynb</a:t>
-            </a:r>
-            <a:endParaRPr lang="en-US" altLang="ko-KR" dirty="0"/>
+              <a:t>setup_cifar10.py</a:t>
+            </a:r>
+            <a:endParaRPr lang="ko-KR" altLang="en-US" dirty="0"/>
           </a:p>
         </p:txBody>
       </p:sp>
       <p:pic>
         <p:nvPicPr>
-          <p:cNvPr id="4" name="그림 3"/>
+          <p:cNvPr id="5" name="그림 4"/>
           <p:cNvPicPr>
             <a:picLocks noChangeAspect="1"/>
           </p:cNvPicPr>
@@ -34051,8 +36442,8 @@
         </p:blipFill>
         <p:spPr>
           <a:xfrm>
-            <a:off x="4572000" y="1268277"/>
-            <a:ext cx="3988653" cy="4931046"/>
+            <a:off x="1403071" y="2231146"/>
+            <a:ext cx="6109258" cy="3005308"/>
           </a:xfrm>
           <a:prstGeom prst="rect">
             <a:avLst/>
@@ -34062,7 +36453,7 @@
     </p:spTree>
     <p:extLst>
       <p:ext uri="{BB962C8B-B14F-4D97-AF65-F5344CB8AC3E}">
-        <p14:creationId xmlns:p14="http://schemas.microsoft.com/office/powerpoint/2010/main" val="495613173"/>
+        <p14:creationId xmlns:p14="http://schemas.microsoft.com/office/powerpoint/2010/main" val="3557692347"/>
       </p:ext>
     </p:extLst>
   </p:cSld>
@@ -34135,6 +36526,155 @@
           <a:p>
             <a:pPr lvl="1"/>
             <a:r>
+              <a:rPr lang="en-US" altLang="ko-KR" dirty="0" err="1"/>
+              <a:t>su_set</a:t>
+            </a:r>
+            <a:r>
+              <a:rPr lang="en-US" altLang="ko-KR" dirty="0"/>
+              <a:t>_*() functions:</a:t>
+            </a:r>
+          </a:p>
+          <a:p>
+            <a:pPr lvl="1"/>
+            <a:r>
+              <a:rPr lang="en-US" altLang="ko-KR" dirty="0"/>
+              <a:t>Read from file</a:t>
+            </a:r>
+          </a:p>
+          <a:p>
+            <a:pPr lvl="1"/>
+            <a:r>
+              <a:rPr lang="en-US" altLang="ko-KR" dirty="0"/>
+              <a:t>Write to DRAM with base</a:t>
+            </a:r>
+            <a:br>
+              <a:rPr lang="en-US" altLang="ko-KR" dirty="0"/>
+            </a:br>
+            <a:r>
+              <a:rPr lang="en-US" altLang="ko-KR" dirty="0"/>
+              <a:t>address</a:t>
+            </a:r>
+          </a:p>
+          <a:p>
+            <a:pPr lvl="1"/>
+            <a:endParaRPr lang="en-US" altLang="ko-KR" dirty="0"/>
+          </a:p>
+          <a:p>
+            <a:r>
+              <a:rPr lang="en-US" altLang="ko-KR" dirty="0"/>
+              <a:t>See the scale_uart.py and </a:t>
+            </a:r>
+            <a:br>
+              <a:rPr lang="en-US" altLang="ko-KR" dirty="0"/>
+            </a:br>
+            <a:r>
+              <a:rPr lang="en-US" altLang="ko-KR" dirty="0" err="1"/>
+              <a:t>all_layer_test.ipynb</a:t>
+            </a:r>
+            <a:endParaRPr lang="en-US" altLang="ko-KR" dirty="0"/>
+          </a:p>
+        </p:txBody>
+      </p:sp>
+      <p:pic>
+        <p:nvPicPr>
+          <p:cNvPr id="4" name="그림 3"/>
+          <p:cNvPicPr>
+            <a:picLocks noChangeAspect="1"/>
+          </p:cNvPicPr>
+          <p:nvPr/>
+        </p:nvPicPr>
+        <p:blipFill>
+          <a:blip r:embed="rId2"/>
+          <a:stretch>
+            <a:fillRect/>
+          </a:stretch>
+        </p:blipFill>
+        <p:spPr>
+          <a:xfrm>
+            <a:off x="4572000" y="1268277"/>
+            <a:ext cx="3988653" cy="4931046"/>
+          </a:xfrm>
+          <a:prstGeom prst="rect">
+            <a:avLst/>
+          </a:prstGeom>
+        </p:spPr>
+      </p:pic>
+    </p:spTree>
+    <p:extLst>
+      <p:ext uri="{BB962C8B-B14F-4D97-AF65-F5344CB8AC3E}">
+        <p14:creationId xmlns:p14="http://schemas.microsoft.com/office/powerpoint/2010/main" val="495613173"/>
+      </p:ext>
+    </p:extLst>
+  </p:cSld>
+  <p:clrMapOvr>
+    <a:masterClrMapping/>
+  </p:clrMapOvr>
+</p:sld>
+</file>
+
+<file path=ppt/slides/slide87.xml><?xml version="1.0" encoding="utf-8"?>
+<p:sld xmlns:a="http://schemas.openxmlformats.org/drawingml/2006/main" xmlns:r="http://schemas.openxmlformats.org/officeDocument/2006/relationships" xmlns:p="http://schemas.openxmlformats.org/presentationml/2006/main">
+  <p:cSld>
+    <p:spTree>
+      <p:nvGrpSpPr>
+        <p:cNvPr id="1" name=""/>
+        <p:cNvGrpSpPr/>
+        <p:nvPr/>
+      </p:nvGrpSpPr>
+      <p:grpSpPr>
+        <a:xfrm>
+          <a:off x="0" y="0"/>
+          <a:ext cx="0" cy="0"/>
+          <a:chOff x="0" y="0"/>
+          <a:chExt cx="0" cy="0"/>
+        </a:xfrm>
+      </p:grpSpPr>
+      <p:sp>
+        <p:nvSpPr>
+          <p:cNvPr id="2" name="제목 1"/>
+          <p:cNvSpPr>
+            <a:spLocks noGrp="1"/>
+          </p:cNvSpPr>
+          <p:nvPr>
+            <p:ph type="title"/>
+          </p:nvPr>
+        </p:nvSpPr>
+        <p:spPr/>
+        <p:txBody>
+          <a:bodyPr/>
+          <a:lstStyle/>
+          <a:p>
+            <a:r>
+              <a:rPr lang="en-US" altLang="ko-KR" dirty="0"/>
+              <a:t>Python API</a:t>
+            </a:r>
+            <a:endParaRPr lang="ko-KR" altLang="en-US" dirty="0"/>
+          </a:p>
+        </p:txBody>
+      </p:sp>
+      <p:sp>
+        <p:nvSpPr>
+          <p:cNvPr id="3" name="내용 개체 틀 2"/>
+          <p:cNvSpPr>
+            <a:spLocks noGrp="1"/>
+          </p:cNvSpPr>
+          <p:nvPr>
+            <p:ph sz="quarter" idx="1"/>
+          </p:nvPr>
+        </p:nvSpPr>
+        <p:spPr/>
+        <p:txBody>
+          <a:bodyPr/>
+          <a:lstStyle/>
+          <a:p>
+            <a:r>
+              <a:rPr lang="en-US" altLang="ko-KR" dirty="0"/>
+              <a:t>scale_uart.py</a:t>
+            </a:r>
+          </a:p>
+          <a:p>
+            <a:pPr lvl="1"/>
+            <a:r>
               <a:rPr lang="en-US" altLang="ko-KR" dirty="0"/>
               <a:t>You can check the address or send the </a:t>
             </a:r>
@@ -34186,7 +36726,7 @@
 </p:sld>
 </file>
 
-<file path=ppt/slides/slide87.xml><?xml version="1.0" encoding="utf-8"?>
+<file path=ppt/slides/slide88.xml><?xml version="1.0" encoding="utf-8"?>
 <p:sld xmlns:a="http://schemas.openxmlformats.org/drawingml/2006/main" xmlns:r="http://schemas.openxmlformats.org/officeDocument/2006/relationships" xmlns:p="http://schemas.openxmlformats.org/presentationml/2006/main">
   <p:cSld>
     <p:spTree>
@@ -35174,6 +37714,15 @@
 </file>
 
 <file path=customXml/item1.xml><?xml version="1.0" encoding="utf-8"?>
+<?mso-contentType ?>
+<FormTemplates xmlns="http://schemas.microsoft.com/sharepoint/v3/contenttype/forms">
+  <Display>DocumentLibraryForm</Display>
+  <Edit>DocumentLibraryForm</Edit>
+  <New>DocumentLibraryForm</New>
+</FormTemplates>
+</file>
+
+<file path=customXml/item2.xml><?xml version="1.0" encoding="utf-8"?>
 <ct:contentTypeSchema xmlns:ct="http://schemas.microsoft.com/office/2006/metadata/contentType" xmlns:ma="http://schemas.microsoft.com/office/2006/metadata/properties/metaAttributes" ct:_="" ma:_="" ma:contentTypeName="Document" ma:contentTypeID="0x010100908E52CD4C816C4BBB1CCCB7FBDEA8AA" ma:contentTypeVersion="7" ma:contentTypeDescription="Create a new document." ma:contentTypeScope="" ma:versionID="9d0743c339d6f19ca1005cdb2cb59a4d">
   <xsd:schema xmlns:xsd="http://www.w3.org/2001/XMLSchema" xmlns:xs="http://www.w3.org/2001/XMLSchema" xmlns:p="http://schemas.microsoft.com/office/2006/metadata/properties" xmlns:ns2="88219213-67e2-4ac3-a442-e990d1089aff" xmlns:ns3="2dc3a4e5-2cab-4f3e-8a9b-62c706d04a34" targetNamespace="http://schemas.microsoft.com/office/2006/metadata/properties" ma:root="true" ma:fieldsID="a20c9e27c0c0ff04fd196fd1b9de20ff" ns2:_="" ns3:_="">
     <xsd:import namespace="88219213-67e2-4ac3-a442-e990d1089aff"/>
@@ -35356,22 +37905,21 @@
 </ct:contentTypeSchema>
 </file>
 
-<file path=customXml/item2.xml><?xml version="1.0" encoding="utf-8"?>
+<file path=customXml/item3.xml><?xml version="1.0" encoding="utf-8"?>
 <p:properties xmlns:p="http://schemas.microsoft.com/office/2006/metadata/properties" xmlns:xsi="http://www.w3.org/2001/XMLSchema-instance" xmlns:pc="http://schemas.microsoft.com/office/infopath/2007/PartnerControls">
   <documentManagement/>
 </p:properties>
 </file>
 
-<file path=customXml/item3.xml><?xml version="1.0" encoding="utf-8"?>
-<?mso-contentType ?>
-<FormTemplates xmlns="http://schemas.microsoft.com/sharepoint/v3/contenttype/forms">
-  <Display>DocumentLibraryForm</Display>
-  <Edit>DocumentLibraryForm</Edit>
-  <New>DocumentLibraryForm</New>
-</FormTemplates>
+<file path=customXml/itemProps1.xml><?xml version="1.0" encoding="utf-8"?>
+<ds:datastoreItem xmlns:ds="http://schemas.openxmlformats.org/officeDocument/2006/customXml" ds:itemID="{48F818C2-C29E-4C5C-ACC2-65A4B89382B0}">
+  <ds:schemaRefs>
+    <ds:schemaRef ds:uri="http://schemas.microsoft.com/sharepoint/v3/contenttype/forms"/>
+  </ds:schemaRefs>
+</ds:datastoreItem>
 </file>
 
-<file path=customXml/itemProps1.xml><?xml version="1.0" encoding="utf-8"?>
+<file path=customXml/itemProps2.xml><?xml version="1.0" encoding="utf-8"?>
 <ds:datastoreItem xmlns:ds="http://schemas.openxmlformats.org/officeDocument/2006/customXml" ds:itemID="{DBD080E6-D672-43C5-AE02-53785586427E}">
   <ds:schemaRefs>
     <ds:schemaRef ds:uri="http://schemas.microsoft.com/office/2006/metadata/contentType"/>
@@ -35390,19 +37938,11 @@
 </ds:datastoreItem>
 </file>
 
-<file path=customXml/itemProps2.xml><?xml version="1.0" encoding="utf-8"?>
+<file path=customXml/itemProps3.xml><?xml version="1.0" encoding="utf-8"?>
 <ds:datastoreItem xmlns:ds="http://schemas.openxmlformats.org/officeDocument/2006/customXml" ds:itemID="{0C46FF38-B138-4528-9BFF-011DABE29C3E}">
   <ds:schemaRefs>
     <ds:schemaRef ds:uri="http://schemas.microsoft.com/office/2006/metadata/properties"/>
     <ds:schemaRef ds:uri="http://schemas.microsoft.com/office/infopath/2007/PartnerControls"/>
   </ds:schemaRefs>
 </ds:datastoreItem>
-</file>
-
-<file path=customXml/itemProps3.xml><?xml version="1.0" encoding="utf-8"?>
-<ds:datastoreItem xmlns:ds="http://schemas.openxmlformats.org/officeDocument/2006/customXml" ds:itemID="{48F818C2-C29E-4C5C-ACC2-65A4B89382B0}">
-  <ds:schemaRefs>
-    <ds:schemaRef ds:uri="http://schemas.microsoft.com/sharepoint/v3/contenttype/forms"/>
-  </ds:schemaRefs>
-</ds:datastoreItem>
 </file>